--- a/src/test/resources/chart.pptx
+++ b/src/test/resources/chart.pptx
@@ -6,11 +6,12 @@
   </p:sldMasterIdLst>
   <p:sldIdLst>
     <p:sldId id="256" r:id="rId3"/>
+    <p:sldId id="257" r:id="rId4"/>
   </p:sldIdLst>
   <p:sldSz cx="12192000" cy="6858000"/>
   <p:notesSz cx="6858000" cy="9144000"/>
   <p:custDataLst>
-    <p:tags r:id="rId7"/>
+    <p:tags r:id="rId8"/>
   </p:custDataLst>
   <p:defaultTextStyle>
     <a:defPPr>
@@ -168,7 +169,7 @@
               <c:strCache>
                 <c:ptCount val="1"/>
                 <c:pt idx="0">
-                  <c:v>销售额</c:v>
+                  <c:v>标题A</c:v>
                 </c:pt>
               </c:strCache>
             </c:strRef>
@@ -356,6 +357,700 @@
 </c:chartSpace>
 </file>
 
+<file path=ppt/charts/chart2.xml><?xml version="1.0" encoding="utf-8"?>
+<c:chartSpace xmlns:c="http://schemas.openxmlformats.org/drawingml/2006/chart" xmlns:a="http://schemas.openxmlformats.org/drawingml/2006/main" xmlns:r="http://schemas.openxmlformats.org/officeDocument/2006/relationships">
+  <c:date1904 val="0"/>
+  <c:lang val="zh-CN"/>
+  <c:roundedCorners val="0"/>
+  <mc:AlternateContent xmlns:mc="http://schemas.openxmlformats.org/markup-compatibility/2006">
+    <mc:Choice xmlns:c14="http://schemas.microsoft.com/office/drawing/2007/8/2/chart" Requires="c14">
+      <c14:style val="102"/>
+    </mc:Choice>
+    <mc:Fallback>
+      <c:style val="2"/>
+    </mc:Fallback>
+  </mc:AlternateContent>
+  <c:chart>
+    <c:title>
+      <c:layout/>
+      <c:overlay val="0"/>
+      <c:spPr>
+        <a:noFill/>
+        <a:ln>
+          <a:noFill/>
+        </a:ln>
+        <a:effectLst/>
+      </c:spPr>
+      <c:txPr>
+        <a:bodyPr rot="0" spcFirstLastPara="0" vertOverflow="ellipsis" vert="horz" wrap="square" anchor="ctr" anchorCtr="1"/>
+        <a:lstStyle/>
+        <a:p>
+          <a:pPr>
+            <a:defRPr lang="zh-CN" sz="1400" b="0" i="0" u="none" strike="noStrike" kern="1200" spc="0" baseline="0">
+              <a:solidFill>
+                <a:schemeClr val="tx1">
+                  <a:lumMod val="65000"/>
+                  <a:lumOff val="35000"/>
+                </a:schemeClr>
+              </a:solidFill>
+              <a:latin typeface="+mn-lt"/>
+              <a:ea typeface="+mn-ea"/>
+              <a:cs typeface="+mn-cs"/>
+            </a:defRPr>
+          </a:pPr>
+        </a:p>
+      </c:txPr>
+    </c:title>
+    <c:autoTitleDeleted val="0"/>
+    <c:plotArea>
+      <c:layout/>
+      <c:pieChart>
+        <c:varyColors val="1"/>
+        <c:ser>
+          <c:idx val="0"/>
+          <c:order val="0"/>
+          <c:tx>
+            <c:strRef>
+              <c:f>Sheet1!$B$1</c:f>
+              <c:strCache>
+                <c:ptCount val="1"/>
+                <c:pt idx="0">
+                  <c:v>标题B</c:v>
+                </c:pt>
+              </c:strCache>
+            </c:strRef>
+          </c:tx>
+          <c:spPr/>
+          <c:explosion val="0"/>
+          <c:dPt>
+            <c:idx val="0"/>
+            <c:bubble3D val="0"/>
+            <c:spPr>
+              <a:solidFill>
+                <a:schemeClr val="accent1"/>
+              </a:solidFill>
+              <a:ln w="19050">
+                <a:solidFill>
+                  <a:schemeClr val="lt1"/>
+                </a:solidFill>
+              </a:ln>
+              <a:effectLst/>
+            </c:spPr>
+          </c:dPt>
+          <c:dPt>
+            <c:idx val="1"/>
+            <c:bubble3D val="0"/>
+            <c:spPr>
+              <a:solidFill>
+                <a:schemeClr val="accent2"/>
+              </a:solidFill>
+              <a:ln w="19050">
+                <a:solidFill>
+                  <a:schemeClr val="lt1"/>
+                </a:solidFill>
+              </a:ln>
+              <a:effectLst/>
+            </c:spPr>
+          </c:dPt>
+          <c:dPt>
+            <c:idx val="2"/>
+            <c:bubble3D val="0"/>
+            <c:spPr>
+              <a:solidFill>
+                <a:schemeClr val="accent3"/>
+              </a:solidFill>
+              <a:ln w="19050">
+                <a:solidFill>
+                  <a:schemeClr val="lt1"/>
+                </a:solidFill>
+              </a:ln>
+              <a:effectLst/>
+            </c:spPr>
+          </c:dPt>
+          <c:dPt>
+            <c:idx val="3"/>
+            <c:bubble3D val="0"/>
+            <c:spPr>
+              <a:solidFill>
+                <a:schemeClr val="accent4"/>
+              </a:solidFill>
+              <a:ln w="19050">
+                <a:solidFill>
+                  <a:schemeClr val="lt1"/>
+                </a:solidFill>
+              </a:ln>
+              <a:effectLst/>
+            </c:spPr>
+          </c:dPt>
+          <c:dLbls>
+            <c:delete val="1"/>
+          </c:dLbls>
+          <c:cat>
+            <c:strRef>
+              <c:f>Sheet1!$A$2:$A$5</c:f>
+              <c:strCache>
+                <c:ptCount val="4"/>
+                <c:pt idx="0">
+                  <c:v>第一季度</c:v>
+                </c:pt>
+                <c:pt idx="1">
+                  <c:v>第二季度</c:v>
+                </c:pt>
+                <c:pt idx="2">
+                  <c:v>第三季度</c:v>
+                </c:pt>
+                <c:pt idx="3">
+                  <c:v>第四季度</c:v>
+                </c:pt>
+              </c:strCache>
+            </c:strRef>
+          </c:cat>
+          <c:val>
+            <c:numRef>
+              <c:f>Sheet1!$B$2:$B$5</c:f>
+              <c:numCache>
+                <c:formatCode>General</c:formatCode>
+                <c:ptCount val="4"/>
+                <c:pt idx="0">
+                  <c:v>8.2</c:v>
+                </c:pt>
+                <c:pt idx="1">
+                  <c:v>3.2</c:v>
+                </c:pt>
+                <c:pt idx="2">
+                  <c:v>1.4</c:v>
+                </c:pt>
+                <c:pt idx="3">
+                  <c:v>1.2</c:v>
+                </c:pt>
+              </c:numCache>
+            </c:numRef>
+          </c:val>
+        </c:ser>
+        <c:dLbls>
+          <c:showLegendKey val="0"/>
+          <c:showVal val="0"/>
+          <c:showCatName val="0"/>
+          <c:showSerName val="0"/>
+          <c:showPercent val="0"/>
+          <c:showBubbleSize val="0"/>
+          <c:showLeaderLines val="1"/>
+        </c:dLbls>
+        <c:firstSliceAng val="0"/>
+      </c:pieChart>
+      <c:spPr>
+        <a:noFill/>
+        <a:ln>
+          <a:noFill/>
+        </a:ln>
+        <a:effectLst/>
+      </c:spPr>
+    </c:plotArea>
+    <c:legend>
+      <c:legendPos val="b"/>
+      <c:layout/>
+      <c:overlay val="0"/>
+      <c:spPr>
+        <a:noFill/>
+        <a:ln>
+          <a:noFill/>
+        </a:ln>
+        <a:effectLst/>
+      </c:spPr>
+      <c:txPr>
+        <a:bodyPr rot="0" spcFirstLastPara="0" vertOverflow="ellipsis" vert="horz" wrap="square" anchor="ctr" anchorCtr="1"/>
+        <a:lstStyle/>
+        <a:p>
+          <a:pPr>
+            <a:defRPr lang="zh-CN" sz="900" b="0" i="0" u="none" strike="noStrike" kern="1200" baseline="0">
+              <a:solidFill>
+                <a:schemeClr val="tx1">
+                  <a:lumMod val="65000"/>
+                  <a:lumOff val="35000"/>
+                </a:schemeClr>
+              </a:solidFill>
+              <a:latin typeface="+mn-lt"/>
+              <a:ea typeface="+mn-ea"/>
+              <a:cs typeface="+mn-cs"/>
+            </a:defRPr>
+          </a:pPr>
+        </a:p>
+      </c:txPr>
+    </c:legend>
+    <c:plotVisOnly val="1"/>
+    <c:dispBlanksAs val="gap"/>
+    <c:showDLblsOverMax val="0"/>
+  </c:chart>
+  <c:spPr>
+    <a:noFill/>
+    <a:ln>
+      <a:noFill/>
+    </a:ln>
+    <a:effectLst/>
+  </c:spPr>
+  <c:txPr>
+    <a:bodyPr/>
+    <a:lstStyle/>
+    <a:p>
+      <a:pPr>
+        <a:defRPr lang="zh-CN"/>
+      </a:pPr>
+    </a:p>
+  </c:txPr>
+  <c:externalData r:id="rId1">
+    <c:autoUpdate val="0"/>
+  </c:externalData>
+</c:chartSpace>
+</file>
+
+<file path=ppt/charts/chart3.xml><?xml version="1.0" encoding="utf-8"?>
+<c:chartSpace xmlns:c="http://schemas.openxmlformats.org/drawingml/2006/chart" xmlns:a="http://schemas.openxmlformats.org/drawingml/2006/main" xmlns:r="http://schemas.openxmlformats.org/officeDocument/2006/relationships">
+  <c:date1904 val="0"/>
+  <c:lang val="zh-CN"/>
+  <c:roundedCorners val="0"/>
+  <mc:AlternateContent xmlns:mc="http://schemas.openxmlformats.org/markup-compatibility/2006">
+    <mc:Choice xmlns:c14="http://schemas.microsoft.com/office/drawing/2007/8/2/chart" Requires="c14">
+      <c14:style val="102"/>
+    </mc:Choice>
+    <mc:Fallback>
+      <c:style val="2"/>
+    </mc:Fallback>
+  </mc:AlternateContent>
+  <c:chart>
+    <c:title>
+      <c:layout/>
+      <c:overlay val="0"/>
+      <c:spPr>
+        <a:noFill/>
+        <a:ln>
+          <a:noFill/>
+        </a:ln>
+        <a:effectLst/>
+      </c:spPr>
+      <c:txPr>
+        <a:bodyPr rot="0" spcFirstLastPara="0" vertOverflow="ellipsis" vert="horz" wrap="square" anchor="ctr" anchorCtr="1"/>
+        <a:lstStyle/>
+        <a:p>
+          <a:pPr>
+            <a:defRPr lang="zh-CN" sz="1400" b="0" i="0" u="none" strike="noStrike" kern="1200" spc="0" baseline="0">
+              <a:solidFill>
+                <a:schemeClr val="tx1">
+                  <a:lumMod val="65000"/>
+                  <a:lumOff val="35000"/>
+                </a:schemeClr>
+              </a:solidFill>
+              <a:latin typeface="+mn-lt"/>
+              <a:ea typeface="+mn-ea"/>
+              <a:cs typeface="+mn-cs"/>
+            </a:defRPr>
+          </a:pPr>
+        </a:p>
+      </c:txPr>
+    </c:title>
+    <c:autoTitleDeleted val="0"/>
+    <c:plotArea>
+      <c:layout/>
+      <c:lineChart>
+        <c:grouping val="standard"/>
+        <c:varyColors val="0"/>
+        <c:ser>
+          <c:idx val="0"/>
+          <c:order val="0"/>
+          <c:tx>
+            <c:strRef>
+              <c:f>Sheet1!$B$1</c:f>
+              <c:strCache>
+                <c:ptCount val="1"/>
+                <c:pt idx="0">
+                  <c:v>系列 1</c:v>
+                </c:pt>
+              </c:strCache>
+            </c:strRef>
+          </c:tx>
+          <c:spPr>
+            <a:ln w="28575" cap="rnd">
+              <a:solidFill>
+                <a:schemeClr val="accent1"/>
+              </a:solidFill>
+              <a:round/>
+            </a:ln>
+            <a:effectLst/>
+          </c:spPr>
+          <c:marker>
+            <c:symbol val="none"/>
+          </c:marker>
+          <c:dLbls>
+            <c:delete val="1"/>
+          </c:dLbls>
+          <c:cat>
+            <c:strRef>
+              <c:f>Sheet1!$A$2:$A$5</c:f>
+              <c:strCache>
+                <c:ptCount val="4"/>
+                <c:pt idx="0">
+                  <c:v>类别 1</c:v>
+                </c:pt>
+                <c:pt idx="1">
+                  <c:v>类别 2</c:v>
+                </c:pt>
+                <c:pt idx="2">
+                  <c:v>类别 3</c:v>
+                </c:pt>
+                <c:pt idx="3">
+                  <c:v>类别 4</c:v>
+                </c:pt>
+              </c:strCache>
+            </c:strRef>
+          </c:cat>
+          <c:val>
+            <c:numRef>
+              <c:f>Sheet1!$B$2:$B$5</c:f>
+              <c:numCache>
+                <c:formatCode>General</c:formatCode>
+                <c:ptCount val="4"/>
+                <c:pt idx="0">
+                  <c:v>4.3</c:v>
+                </c:pt>
+                <c:pt idx="1">
+                  <c:v>2.5</c:v>
+                </c:pt>
+                <c:pt idx="2">
+                  <c:v>3.5</c:v>
+                </c:pt>
+                <c:pt idx="3">
+                  <c:v>4.5</c:v>
+                </c:pt>
+              </c:numCache>
+            </c:numRef>
+          </c:val>
+          <c:smooth val="0"/>
+        </c:ser>
+        <c:ser>
+          <c:idx val="1"/>
+          <c:order val="1"/>
+          <c:tx>
+            <c:strRef>
+              <c:f>Sheet1!$C$1</c:f>
+              <c:strCache>
+                <c:ptCount val="1"/>
+                <c:pt idx="0">
+                  <c:v>系列 2</c:v>
+                </c:pt>
+              </c:strCache>
+            </c:strRef>
+          </c:tx>
+          <c:spPr>
+            <a:ln w="28575" cap="rnd">
+              <a:solidFill>
+                <a:schemeClr val="accent2"/>
+              </a:solidFill>
+              <a:round/>
+            </a:ln>
+            <a:effectLst/>
+          </c:spPr>
+          <c:marker>
+            <c:symbol val="none"/>
+          </c:marker>
+          <c:dLbls>
+            <c:delete val="1"/>
+          </c:dLbls>
+          <c:cat>
+            <c:strRef>
+              <c:f>Sheet1!$A$2:$A$5</c:f>
+              <c:strCache>
+                <c:ptCount val="4"/>
+                <c:pt idx="0">
+                  <c:v>类别 1</c:v>
+                </c:pt>
+                <c:pt idx="1">
+                  <c:v>类别 2</c:v>
+                </c:pt>
+                <c:pt idx="2">
+                  <c:v>类别 3</c:v>
+                </c:pt>
+                <c:pt idx="3">
+                  <c:v>类别 4</c:v>
+                </c:pt>
+              </c:strCache>
+            </c:strRef>
+          </c:cat>
+          <c:val>
+            <c:numRef>
+              <c:f>Sheet1!$C$2:$C$5</c:f>
+              <c:numCache>
+                <c:formatCode>General</c:formatCode>
+                <c:ptCount val="4"/>
+                <c:pt idx="0">
+                  <c:v>2.4</c:v>
+                </c:pt>
+                <c:pt idx="1">
+                  <c:v>4.4</c:v>
+                </c:pt>
+                <c:pt idx="2">
+                  <c:v>1.8</c:v>
+                </c:pt>
+                <c:pt idx="3">
+                  <c:v>2.8</c:v>
+                </c:pt>
+              </c:numCache>
+            </c:numRef>
+          </c:val>
+          <c:smooth val="0"/>
+        </c:ser>
+        <c:ser>
+          <c:idx val="2"/>
+          <c:order val="2"/>
+          <c:tx>
+            <c:strRef>
+              <c:f>Sheet1!$D$1</c:f>
+              <c:strCache>
+                <c:ptCount val="1"/>
+                <c:pt idx="0">
+                  <c:v>系列 3</c:v>
+                </c:pt>
+              </c:strCache>
+            </c:strRef>
+          </c:tx>
+          <c:spPr>
+            <a:ln w="28575" cap="rnd">
+              <a:solidFill>
+                <a:schemeClr val="accent3"/>
+              </a:solidFill>
+              <a:round/>
+            </a:ln>
+            <a:effectLst/>
+          </c:spPr>
+          <c:marker>
+            <c:symbol val="none"/>
+          </c:marker>
+          <c:dLbls>
+            <c:delete val="1"/>
+          </c:dLbls>
+          <c:cat>
+            <c:strRef>
+              <c:f>Sheet1!$A$2:$A$5</c:f>
+              <c:strCache>
+                <c:ptCount val="4"/>
+                <c:pt idx="0">
+                  <c:v>类别 1</c:v>
+                </c:pt>
+                <c:pt idx="1">
+                  <c:v>类别 2</c:v>
+                </c:pt>
+                <c:pt idx="2">
+                  <c:v>类别 3</c:v>
+                </c:pt>
+                <c:pt idx="3">
+                  <c:v>类别 4</c:v>
+                </c:pt>
+              </c:strCache>
+            </c:strRef>
+          </c:cat>
+          <c:val>
+            <c:numRef>
+              <c:f>Sheet1!$D$2:$D$5</c:f>
+              <c:numCache>
+                <c:formatCode>General</c:formatCode>
+                <c:ptCount val="4"/>
+                <c:pt idx="0">
+                  <c:v>2</c:v>
+                </c:pt>
+                <c:pt idx="1">
+                  <c:v>2</c:v>
+                </c:pt>
+                <c:pt idx="2">
+                  <c:v>3</c:v>
+                </c:pt>
+                <c:pt idx="3">
+                  <c:v>5</c:v>
+                </c:pt>
+              </c:numCache>
+            </c:numRef>
+          </c:val>
+          <c:smooth val="0"/>
+        </c:ser>
+        <c:dLbls>
+          <c:showLegendKey val="0"/>
+          <c:showVal val="0"/>
+          <c:showCatName val="0"/>
+          <c:showSerName val="0"/>
+          <c:showPercent val="0"/>
+          <c:showBubbleSize val="0"/>
+        </c:dLbls>
+        <c:marker val="0"/>
+        <c:smooth val="0"/>
+        <c:axId val="739187811"/>
+        <c:axId val="984325827"/>
+      </c:lineChart>
+      <c:catAx>
+        <c:axId val="739187811"/>
+        <c:scaling>
+          <c:orientation val="minMax"/>
+        </c:scaling>
+        <c:delete val="0"/>
+        <c:axPos val="b"/>
+        <c:majorTickMark val="none"/>
+        <c:minorTickMark val="none"/>
+        <c:tickLblPos val="nextTo"/>
+        <c:spPr>
+          <a:noFill/>
+          <a:ln w="9525" cap="flat" cmpd="sng" algn="ctr">
+            <a:solidFill>
+              <a:schemeClr val="tx1">
+                <a:lumMod val="15000"/>
+                <a:lumOff val="85000"/>
+              </a:schemeClr>
+            </a:solidFill>
+            <a:round/>
+          </a:ln>
+          <a:effectLst/>
+        </c:spPr>
+        <c:txPr>
+          <a:bodyPr rot="-60000000" spcFirstLastPara="0" vertOverflow="ellipsis" vert="horz" wrap="square" anchor="ctr" anchorCtr="1"/>
+          <a:lstStyle/>
+          <a:p>
+            <a:pPr>
+              <a:defRPr lang="zh-CN" sz="900" b="0" i="0" u="none" strike="noStrike" kern="1200" baseline="0">
+                <a:solidFill>
+                  <a:schemeClr val="tx1">
+                    <a:lumMod val="65000"/>
+                    <a:lumOff val="35000"/>
+                  </a:schemeClr>
+                </a:solidFill>
+                <a:latin typeface="+mn-lt"/>
+                <a:ea typeface="+mn-ea"/>
+                <a:cs typeface="+mn-cs"/>
+              </a:defRPr>
+            </a:pPr>
+          </a:p>
+        </c:txPr>
+        <c:crossAx val="984325827"/>
+        <c:crosses val="autoZero"/>
+        <c:auto val="1"/>
+        <c:lblAlgn val="ctr"/>
+        <c:lblOffset val="100"/>
+        <c:noMultiLvlLbl val="0"/>
+      </c:catAx>
+      <c:valAx>
+        <c:axId val="984325827"/>
+        <c:scaling>
+          <c:orientation val="minMax"/>
+        </c:scaling>
+        <c:delete val="0"/>
+        <c:axPos val="l"/>
+        <c:majorGridlines>
+          <c:spPr>
+            <a:ln w="9525" cap="flat" cmpd="sng" algn="ctr">
+              <a:solidFill>
+                <a:schemeClr val="tx1">
+                  <a:lumMod val="15000"/>
+                  <a:lumOff val="85000"/>
+                </a:schemeClr>
+              </a:solidFill>
+              <a:round/>
+            </a:ln>
+            <a:effectLst/>
+          </c:spPr>
+        </c:majorGridlines>
+        <c:numFmt formatCode="General" sourceLinked="1"/>
+        <c:majorTickMark val="none"/>
+        <c:minorTickMark val="none"/>
+        <c:tickLblPos val="nextTo"/>
+        <c:spPr>
+          <a:noFill/>
+          <a:ln>
+            <a:noFill/>
+          </a:ln>
+          <a:effectLst/>
+        </c:spPr>
+        <c:txPr>
+          <a:bodyPr rot="-60000000" spcFirstLastPara="0" vertOverflow="ellipsis" vert="horz" wrap="square" anchor="ctr" anchorCtr="1"/>
+          <a:lstStyle/>
+          <a:p>
+            <a:pPr>
+              <a:defRPr lang="zh-CN" sz="900" b="0" i="0" u="none" strike="noStrike" kern="1200" baseline="0">
+                <a:solidFill>
+                  <a:schemeClr val="tx1">
+                    <a:lumMod val="65000"/>
+                    <a:lumOff val="35000"/>
+                  </a:schemeClr>
+                </a:solidFill>
+                <a:latin typeface="+mn-lt"/>
+                <a:ea typeface="+mn-ea"/>
+                <a:cs typeface="+mn-cs"/>
+              </a:defRPr>
+            </a:pPr>
+          </a:p>
+        </c:txPr>
+        <c:crossAx val="739187811"/>
+        <c:crosses val="autoZero"/>
+        <c:crossBetween val="between"/>
+      </c:valAx>
+      <c:spPr>
+        <a:noFill/>
+        <a:ln>
+          <a:noFill/>
+        </a:ln>
+        <a:effectLst/>
+      </c:spPr>
+    </c:plotArea>
+    <c:legend>
+      <c:legendPos val="b"/>
+      <c:layout/>
+      <c:overlay val="0"/>
+      <c:spPr>
+        <a:noFill/>
+        <a:ln>
+          <a:noFill/>
+        </a:ln>
+        <a:effectLst/>
+      </c:spPr>
+      <c:txPr>
+        <a:bodyPr rot="0" spcFirstLastPara="0" vertOverflow="ellipsis" vert="horz" wrap="square" anchor="ctr" anchorCtr="1"/>
+        <a:lstStyle/>
+        <a:p>
+          <a:pPr>
+            <a:defRPr lang="zh-CN" sz="900" b="0" i="0" u="none" strike="noStrike" kern="1200" baseline="0">
+              <a:solidFill>
+                <a:schemeClr val="tx1">
+                  <a:lumMod val="65000"/>
+                  <a:lumOff val="35000"/>
+                </a:schemeClr>
+              </a:solidFill>
+              <a:latin typeface="+mn-lt"/>
+              <a:ea typeface="+mn-ea"/>
+              <a:cs typeface="+mn-cs"/>
+            </a:defRPr>
+          </a:pPr>
+        </a:p>
+      </c:txPr>
+    </c:legend>
+    <c:plotVisOnly val="1"/>
+    <c:dispBlanksAs val="gap"/>
+    <c:showDLblsOverMax val="0"/>
+  </c:chart>
+  <c:spPr>
+    <a:noFill/>
+    <a:ln>
+      <a:noFill/>
+    </a:ln>
+    <a:effectLst/>
+  </c:spPr>
+  <c:txPr>
+    <a:bodyPr/>
+    <a:lstStyle/>
+    <a:p>
+      <a:pPr>
+        <a:defRPr lang="zh-CN"/>
+      </a:pPr>
+    </a:p>
+  </c:txPr>
+  <c:externalData r:id="rId1">
+    <c:autoUpdate val="0"/>
+  </c:externalData>
+</c:chartSpace>
+</file>
+
 <file path=ppt/charts/colors1.xml><?xml version="1.0" encoding="utf-8"?>
 <cs:colorStyle xmlns:cs="http://schemas.microsoft.com/office/drawing/2012/chartStyle" xmlns:a="http://schemas.openxmlformats.org/drawingml/2006/main" meth="cycle" id="10">
   <a:schemeClr val="accent1"/>
@@ -396,6 +1091,86 @@
 </cs:colorStyle>
 </file>
 
+<file path=ppt/charts/colors2.xml><?xml version="1.0" encoding="utf-8"?>
+<cs:colorStyle xmlns:cs="http://schemas.microsoft.com/office/drawing/2012/chartStyle" xmlns:a="http://schemas.openxmlformats.org/drawingml/2006/main" meth="cycle" id="10">
+  <a:schemeClr val="accent1"/>
+  <a:schemeClr val="accent2"/>
+  <a:schemeClr val="accent3"/>
+  <a:schemeClr val="accent4"/>
+  <a:schemeClr val="accent5"/>
+  <a:schemeClr val="accent6"/>
+  <cs:variation/>
+  <cs:variation>
+    <a:lumMod val="60000"/>
+  </cs:variation>
+  <cs:variation>
+    <a:lumMod val="80000"/>
+    <a:lumOff val="20000"/>
+  </cs:variation>
+  <cs:variation>
+    <a:lumMod val="80000"/>
+  </cs:variation>
+  <cs:variation>
+    <a:lumMod val="60000"/>
+    <a:lumOff val="40000"/>
+  </cs:variation>
+  <cs:variation>
+    <a:lumMod val="50000"/>
+  </cs:variation>
+  <cs:variation>
+    <a:lumMod val="70000"/>
+    <a:lumOff val="30000"/>
+  </cs:variation>
+  <cs:variation>
+    <a:lumMod val="70000"/>
+  </cs:variation>
+  <cs:variation>
+    <a:lumMod val="50000"/>
+    <a:lumOff val="50000"/>
+  </cs:variation>
+</cs:colorStyle>
+</file>
+
+<file path=ppt/charts/colors3.xml><?xml version="1.0" encoding="utf-8"?>
+<cs:colorStyle xmlns:cs="http://schemas.microsoft.com/office/drawing/2012/chartStyle" xmlns:a="http://schemas.openxmlformats.org/drawingml/2006/main" meth="cycle" id="10">
+  <a:schemeClr val="accent1"/>
+  <a:schemeClr val="accent2"/>
+  <a:schemeClr val="accent3"/>
+  <a:schemeClr val="accent4"/>
+  <a:schemeClr val="accent5"/>
+  <a:schemeClr val="accent6"/>
+  <cs:variation/>
+  <cs:variation>
+    <a:lumMod val="60000"/>
+  </cs:variation>
+  <cs:variation>
+    <a:lumMod val="80000"/>
+    <a:lumOff val="20000"/>
+  </cs:variation>
+  <cs:variation>
+    <a:lumMod val="80000"/>
+  </cs:variation>
+  <cs:variation>
+    <a:lumMod val="60000"/>
+    <a:lumOff val="40000"/>
+  </cs:variation>
+  <cs:variation>
+    <a:lumMod val="50000"/>
+  </cs:variation>
+  <cs:variation>
+    <a:lumMod val="70000"/>
+    <a:lumOff val="30000"/>
+  </cs:variation>
+  <cs:variation>
+    <a:lumMod val="70000"/>
+  </cs:variation>
+  <cs:variation>
+    <a:lumMod val="50000"/>
+    <a:lumOff val="50000"/>
+  </cs:variation>
+</cs:colorStyle>
+</file>
+
 <file path=ppt/charts/style1.xml><?xml version="1.0" encoding="utf-8"?>
 <cs:chartStyle xmlns:cs="http://schemas.microsoft.com/office/drawing/2012/chartStyle" xmlns:a="http://schemas.openxmlformats.org/drawingml/2006/main" id="251">
   <cs:axisTitle>
@@ -883,6 +1658,1041 @@
           </a:schemeClr>
         </a:solidFill>
         <a:round/>
+      </a:ln>
+    </cs:spPr>
+  </cs:upBar>
+  <cs:valueAxis>
+    <cs:lnRef idx="0"/>
+    <cs:fillRef idx="0"/>
+    <cs:effectRef idx="0"/>
+    <cs:fontRef idx="minor">
+      <a:schemeClr val="tx1">
+        <a:lumMod val="65000"/>
+        <a:lumOff val="35000"/>
+      </a:schemeClr>
+    </cs:fontRef>
+    <cs:defRPr sz="900" kern="1200"/>
+  </cs:valueAxis>
+  <cs:wall>
+    <cs:lnRef idx="0"/>
+    <cs:fillRef idx="0"/>
+    <cs:effectRef idx="0"/>
+    <cs:fontRef idx="minor">
+      <a:schemeClr val="tx1"/>
+    </cs:fontRef>
+    <cs:spPr>
+      <a:noFill/>
+      <a:ln>
+        <a:noFill/>
+      </a:ln>
+    </cs:spPr>
+  </cs:wall>
+</cs:chartStyle>
+</file>
+
+<file path=ppt/charts/style2.xml><?xml version="1.0" encoding="utf-8"?>
+<cs:chartStyle xmlns:cs="http://schemas.microsoft.com/office/drawing/2012/chartStyle" xmlns:a="http://schemas.openxmlformats.org/drawingml/2006/main" id="251">
+  <cs:axisTitle>
+    <cs:lnRef idx="0"/>
+    <cs:fillRef idx="0"/>
+    <cs:effectRef idx="0"/>
+    <cs:fontRef idx="minor">
+      <a:schemeClr val="tx1">
+        <a:lumMod val="65000"/>
+        <a:lumOff val="35000"/>
+      </a:schemeClr>
+    </cs:fontRef>
+    <cs:defRPr sz="1000" kern="1200"/>
+  </cs:axisTitle>
+  <cs:categoryAxis>
+    <cs:lnRef idx="0"/>
+    <cs:fillRef idx="0"/>
+    <cs:effectRef idx="0"/>
+    <cs:fontRef idx="minor">
+      <a:schemeClr val="tx1">
+        <a:lumMod val="65000"/>
+        <a:lumOff val="35000"/>
+      </a:schemeClr>
+    </cs:fontRef>
+    <cs:spPr>
+      <a:ln w="9525" cap="flat" cmpd="sng" algn="ctr">
+        <a:solidFill>
+          <a:schemeClr val="tx1">
+            <a:lumMod val="15000"/>
+            <a:lumOff val="85000"/>
+          </a:schemeClr>
+        </a:solidFill>
+        <a:round/>
+      </a:ln>
+    </cs:spPr>
+    <cs:defRPr sz="900" kern="1200"/>
+  </cs:categoryAxis>
+  <cs:chartArea mods="allowNoFillOverride allowNoLineOverride">
+    <cs:lnRef idx="0"/>
+    <cs:fillRef idx="0"/>
+    <cs:effectRef idx="0"/>
+    <cs:fontRef idx="minor">
+      <a:schemeClr val="tx1"/>
+    </cs:fontRef>
+    <cs:spPr>
+      <a:solidFill>
+        <a:schemeClr val="bg1"/>
+      </a:solidFill>
+      <a:ln w="9525" cap="flat" cmpd="sng" algn="ctr">
+        <a:solidFill>
+          <a:schemeClr val="tx1">
+            <a:lumMod val="15000"/>
+            <a:lumOff val="85000"/>
+          </a:schemeClr>
+        </a:solidFill>
+        <a:round/>
+      </a:ln>
+    </cs:spPr>
+    <cs:defRPr sz="900" kern="1200"/>
+  </cs:chartArea>
+  <cs:dataLabel>
+    <cs:lnRef idx="0"/>
+    <cs:fillRef idx="0"/>
+    <cs:effectRef idx="0"/>
+    <cs:fontRef idx="minor">
+      <a:schemeClr val="tx1">
+        <a:lumMod val="75000"/>
+        <a:lumOff val="25000"/>
+      </a:schemeClr>
+    </cs:fontRef>
+    <cs:defRPr sz="900" kern="1200"/>
+  </cs:dataLabel>
+  <cs:dataLabelCallout>
+    <cs:lnRef idx="0"/>
+    <cs:fillRef idx="0"/>
+    <cs:effectRef idx="0"/>
+    <cs:fontRef idx="minor">
+      <a:schemeClr val="dk1">
+        <a:lumMod val="65000"/>
+        <a:lumOff val="35000"/>
+      </a:schemeClr>
+    </cs:fontRef>
+    <cs:spPr>
+      <a:solidFill>
+        <a:schemeClr val="lt1"/>
+      </a:solidFill>
+      <a:ln>
+        <a:solidFill>
+          <a:schemeClr val="dk1">
+            <a:lumMod val="25000"/>
+            <a:lumOff val="75000"/>
+          </a:schemeClr>
+        </a:solidFill>
+      </a:ln>
+    </cs:spPr>
+    <cs:defRPr sz="900" kern="1200"/>
+    <cs:bodyPr rot="0" spcFirstLastPara="1" vertOverflow="clip" horzOverflow="clip" vert="horz" wrap="square" lIns="36576" tIns="18288" rIns="36576" bIns="18288" anchor="ctr" anchorCtr="1">
+      <a:spAutoFit/>
+    </cs:bodyPr>
+  </cs:dataLabelCallout>
+  <cs:dataPoint>
+    <cs:lnRef idx="0"/>
+    <cs:fillRef idx="1">
+      <cs:styleClr val="auto"/>
+    </cs:fillRef>
+    <cs:effectRef idx="0"/>
+    <cs:fontRef idx="minor">
+      <a:schemeClr val="tx1"/>
+    </cs:fontRef>
+    <cs:spPr>
+      <a:ln w="19050">
+        <a:solidFill>
+          <a:schemeClr val="lt1"/>
+        </a:solidFill>
+      </a:ln>
+    </cs:spPr>
+  </cs:dataPoint>
+  <cs:dataPoint3D>
+    <cs:lnRef idx="0"/>
+    <cs:fillRef idx="1">
+      <cs:styleClr val="auto"/>
+    </cs:fillRef>
+    <cs:effectRef idx="0"/>
+    <cs:fontRef idx="minor">
+      <a:schemeClr val="tx1"/>
+    </cs:fontRef>
+    <cs:spPr>
+      <a:ln w="25400">
+        <a:solidFill>
+          <a:schemeClr val="lt1"/>
+        </a:solidFill>
+      </a:ln>
+    </cs:spPr>
+  </cs:dataPoint3D>
+  <cs:dataPointLine>
+    <cs:lnRef idx="0">
+      <cs:styleClr val="auto"/>
+    </cs:lnRef>
+    <cs:fillRef idx="0"/>
+    <cs:effectRef idx="0"/>
+    <cs:fontRef idx="minor">
+      <a:schemeClr val="tx1"/>
+    </cs:fontRef>
+    <cs:spPr>
+      <a:ln w="28575" cap="rnd">
+        <a:solidFill>
+          <a:schemeClr val="phClr"/>
+        </a:solidFill>
+        <a:round/>
+      </a:ln>
+    </cs:spPr>
+  </cs:dataPointLine>
+  <cs:dataPointMarker>
+    <cs:lnRef idx="0">
+      <cs:styleClr val="auto"/>
+    </cs:lnRef>
+    <cs:fillRef idx="1">
+      <cs:styleClr val="auto"/>
+    </cs:fillRef>
+    <cs:effectRef idx="0"/>
+    <cs:fontRef idx="minor">
+      <a:schemeClr val="tx1"/>
+    </cs:fontRef>
+    <cs:spPr>
+      <a:ln w="9525">
+        <a:solidFill>
+          <a:schemeClr val="phClr"/>
+        </a:solidFill>
+      </a:ln>
+    </cs:spPr>
+  </cs:dataPointMarker>
+  <cs:dataPointMarkerLayout symbol="circle" size="5"/>
+  <cs:dataPointWireframe>
+    <cs:lnRef idx="0">
+      <cs:styleClr val="auto"/>
+    </cs:lnRef>
+    <cs:fillRef idx="0"/>
+    <cs:effectRef idx="0"/>
+    <cs:fontRef idx="minor">
+      <a:schemeClr val="tx1"/>
+    </cs:fontRef>
+    <cs:spPr>
+      <a:ln w="9525" cap="rnd">
+        <a:solidFill>
+          <a:schemeClr val="phClr"/>
+        </a:solidFill>
+        <a:round/>
+      </a:ln>
+    </cs:spPr>
+  </cs:dataPointWireframe>
+  <cs:dataTable>
+    <cs:lnRef idx="0"/>
+    <cs:fillRef idx="0"/>
+    <cs:effectRef idx="0"/>
+    <cs:fontRef idx="minor">
+      <a:schemeClr val="tx1">
+        <a:lumMod val="65000"/>
+        <a:lumOff val="35000"/>
+      </a:schemeClr>
+    </cs:fontRef>
+    <cs:spPr>
+      <a:noFill/>
+      <a:ln w="9525" cap="flat" cmpd="sng" algn="ctr">
+        <a:solidFill>
+          <a:schemeClr val="tx1">
+            <a:lumMod val="15000"/>
+            <a:lumOff val="85000"/>
+          </a:schemeClr>
+        </a:solidFill>
+        <a:round/>
+      </a:ln>
+    </cs:spPr>
+    <cs:defRPr sz="900" kern="1200"/>
+  </cs:dataTable>
+  <cs:downBar>
+    <cs:lnRef idx="0"/>
+    <cs:fillRef idx="0"/>
+    <cs:effectRef idx="0"/>
+    <cs:fontRef idx="minor">
+      <a:schemeClr val="tx1"/>
+    </cs:fontRef>
+    <cs:spPr>
+      <a:solidFill>
+        <a:schemeClr val="dk1">
+          <a:lumMod val="75000"/>
+          <a:lumOff val="25000"/>
+        </a:schemeClr>
+      </a:solidFill>
+      <a:ln w="9525" cap="flat" cmpd="sng" algn="ctr">
+        <a:solidFill>
+          <a:schemeClr val="tx1">
+            <a:lumMod val="65000"/>
+            <a:lumOff val="35000"/>
+          </a:schemeClr>
+        </a:solidFill>
+        <a:round/>
+      </a:ln>
+    </cs:spPr>
+  </cs:downBar>
+  <cs:dropLine>
+    <cs:lnRef idx="0"/>
+    <cs:fillRef idx="0"/>
+    <cs:effectRef idx="0"/>
+    <cs:fontRef idx="minor">
+      <a:schemeClr val="tx1"/>
+    </cs:fontRef>
+    <cs:spPr>
+      <a:ln w="9525" cap="flat" cmpd="sng" algn="ctr">
+        <a:solidFill>
+          <a:schemeClr val="tx1">
+            <a:lumMod val="35000"/>
+            <a:lumOff val="65000"/>
+          </a:schemeClr>
+        </a:solidFill>
+        <a:round/>
+      </a:ln>
+    </cs:spPr>
+  </cs:dropLine>
+  <cs:errorBar>
+    <cs:lnRef idx="0"/>
+    <cs:fillRef idx="0"/>
+    <cs:effectRef idx="0"/>
+    <cs:fontRef idx="minor">
+      <a:schemeClr val="tx1"/>
+    </cs:fontRef>
+    <cs:spPr>
+      <a:ln w="9525" cap="flat" cmpd="sng" algn="ctr">
+        <a:solidFill>
+          <a:schemeClr val="tx1">
+            <a:lumMod val="65000"/>
+            <a:lumOff val="35000"/>
+          </a:schemeClr>
+        </a:solidFill>
+        <a:round/>
+      </a:ln>
+    </cs:spPr>
+  </cs:errorBar>
+  <cs:floor>
+    <cs:lnRef idx="0"/>
+    <cs:fillRef idx="0"/>
+    <cs:effectRef idx="0"/>
+    <cs:fontRef idx="minor">
+      <a:schemeClr val="tx1"/>
+    </cs:fontRef>
+    <cs:spPr>
+      <a:noFill/>
+      <a:ln>
+        <a:noFill/>
+      </a:ln>
+    </cs:spPr>
+  </cs:floor>
+  <cs:gridlineMajor>
+    <cs:lnRef idx="0"/>
+    <cs:fillRef idx="0"/>
+    <cs:effectRef idx="0"/>
+    <cs:fontRef idx="minor">
+      <a:schemeClr val="tx1"/>
+    </cs:fontRef>
+    <cs:spPr>
+      <a:ln w="9525" cap="flat" cmpd="sng" algn="ctr">
+        <a:solidFill>
+          <a:schemeClr val="tx1">
+            <a:lumMod val="15000"/>
+            <a:lumOff val="85000"/>
+          </a:schemeClr>
+        </a:solidFill>
+        <a:round/>
+      </a:ln>
+    </cs:spPr>
+  </cs:gridlineMajor>
+  <cs:gridlineMinor>
+    <cs:lnRef idx="0"/>
+    <cs:fillRef idx="0"/>
+    <cs:effectRef idx="0"/>
+    <cs:fontRef idx="minor">
+      <a:schemeClr val="tx1"/>
+    </cs:fontRef>
+    <cs:spPr>
+      <a:ln w="9525" cap="flat" cmpd="sng" algn="ctr">
+        <a:solidFill>
+          <a:schemeClr val="tx1">
+            <a:lumMod val="5000"/>
+            <a:lumOff val="95000"/>
+          </a:schemeClr>
+        </a:solidFill>
+        <a:round/>
+      </a:ln>
+    </cs:spPr>
+  </cs:gridlineMinor>
+  <cs:hiLoLine>
+    <cs:lnRef idx="0"/>
+    <cs:fillRef idx="0"/>
+    <cs:effectRef idx="0"/>
+    <cs:fontRef idx="minor">
+      <a:schemeClr val="tx1"/>
+    </cs:fontRef>
+    <cs:spPr>
+      <a:ln w="9525" cap="flat" cmpd="sng" algn="ctr">
+        <a:solidFill>
+          <a:schemeClr val="tx1">
+            <a:lumMod val="50000"/>
+            <a:lumOff val="50000"/>
+          </a:schemeClr>
+        </a:solidFill>
+        <a:round/>
+      </a:ln>
+    </cs:spPr>
+  </cs:hiLoLine>
+  <cs:leaderLine>
+    <cs:lnRef idx="0"/>
+    <cs:fillRef idx="0"/>
+    <cs:effectRef idx="0"/>
+    <cs:fontRef idx="minor">
+      <a:schemeClr val="tx1"/>
+    </cs:fontRef>
+    <cs:spPr>
+      <a:ln w="9525" cap="flat" cmpd="sng" algn="ctr">
+        <a:solidFill>
+          <a:schemeClr val="tx1">
+            <a:lumMod val="35000"/>
+            <a:lumOff val="65000"/>
+          </a:schemeClr>
+        </a:solidFill>
+        <a:round/>
+      </a:ln>
+    </cs:spPr>
+  </cs:leaderLine>
+  <cs:legend>
+    <cs:lnRef idx="0"/>
+    <cs:fillRef idx="0"/>
+    <cs:effectRef idx="0"/>
+    <cs:fontRef idx="minor">
+      <a:schemeClr val="tx1">
+        <a:lumMod val="65000"/>
+        <a:lumOff val="35000"/>
+      </a:schemeClr>
+    </cs:fontRef>
+    <cs:defRPr sz="900" kern="1200"/>
+  </cs:legend>
+  <cs:plotArea mods="allowNoFillOverride allowNoLineOverride">
+    <cs:lnRef idx="0"/>
+    <cs:fillRef idx="0"/>
+    <cs:effectRef idx="0"/>
+    <cs:fontRef idx="minor">
+      <a:schemeClr val="tx1"/>
+    </cs:fontRef>
+  </cs:plotArea>
+  <cs:plotArea3D mods="allowNoFillOverride allowNoLineOverride">
+    <cs:lnRef idx="0"/>
+    <cs:fillRef idx="0"/>
+    <cs:effectRef idx="0"/>
+    <cs:fontRef idx="minor">
+      <a:schemeClr val="tx1"/>
+    </cs:fontRef>
+  </cs:plotArea3D>
+  <cs:seriesAxis>
+    <cs:lnRef idx="0"/>
+    <cs:fillRef idx="0"/>
+    <cs:effectRef idx="0"/>
+    <cs:fontRef idx="minor">
+      <a:schemeClr val="tx1">
+        <a:lumMod val="65000"/>
+        <a:lumOff val="35000"/>
+      </a:schemeClr>
+    </cs:fontRef>
+    <cs:defRPr sz="900" kern="1200"/>
+  </cs:seriesAxis>
+  <cs:seriesLine>
+    <cs:lnRef idx="0"/>
+    <cs:fillRef idx="0"/>
+    <cs:effectRef idx="0"/>
+    <cs:fontRef idx="minor">
+      <a:schemeClr val="tx1"/>
+    </cs:fontRef>
+    <cs:spPr>
+      <a:ln w="9525" cap="flat" cmpd="sng" algn="ctr">
+        <a:solidFill>
+          <a:schemeClr val="tx1">
+            <a:lumMod val="35000"/>
+            <a:lumOff val="65000"/>
+          </a:schemeClr>
+        </a:solidFill>
+        <a:round/>
+      </a:ln>
+    </cs:spPr>
+  </cs:seriesLine>
+  <cs:title>
+    <cs:lnRef idx="0"/>
+    <cs:fillRef idx="0"/>
+    <cs:effectRef idx="0"/>
+    <cs:fontRef idx="minor">
+      <a:schemeClr val="tx1">
+        <a:lumMod val="65000"/>
+        <a:lumOff val="35000"/>
+      </a:schemeClr>
+    </cs:fontRef>
+    <cs:defRPr sz="1400" b="0" kern="1200" spc="0" baseline="0"/>
+  </cs:title>
+  <cs:trendline>
+    <cs:lnRef idx="0">
+      <cs:styleClr val="auto"/>
+    </cs:lnRef>
+    <cs:fillRef idx="0"/>
+    <cs:effectRef idx="0"/>
+    <cs:fontRef idx="minor">
+      <a:schemeClr val="tx1"/>
+    </cs:fontRef>
+    <cs:spPr>
+      <a:ln w="19050" cap="rnd">
+        <a:solidFill>
+          <a:schemeClr val="phClr"/>
+        </a:solidFill>
+        <a:prstDash val="sysDot"/>
+      </a:ln>
+    </cs:spPr>
+  </cs:trendline>
+  <cs:trendlineLabel>
+    <cs:lnRef idx="0"/>
+    <cs:fillRef idx="0"/>
+    <cs:effectRef idx="0"/>
+    <cs:fontRef idx="minor">
+      <a:schemeClr val="tx1">
+        <a:lumMod val="65000"/>
+        <a:lumOff val="35000"/>
+      </a:schemeClr>
+    </cs:fontRef>
+    <cs:defRPr sz="900" kern="1200"/>
+  </cs:trendlineLabel>
+  <cs:upBar>
+    <cs:lnRef idx="0"/>
+    <cs:fillRef idx="0"/>
+    <cs:effectRef idx="0"/>
+    <cs:fontRef idx="minor">
+      <a:schemeClr val="tx1"/>
+    </cs:fontRef>
+    <cs:spPr>
+      <a:solidFill>
+        <a:schemeClr val="lt1"/>
+      </a:solidFill>
+      <a:ln w="9525" cap="flat" cmpd="sng" algn="ctr">
+        <a:solidFill>
+          <a:schemeClr val="tx1">
+            <a:lumMod val="65000"/>
+            <a:lumOff val="35000"/>
+          </a:schemeClr>
+        </a:solidFill>
+        <a:round/>
+      </a:ln>
+    </cs:spPr>
+  </cs:upBar>
+  <cs:valueAxis>
+    <cs:lnRef idx="0"/>
+    <cs:fillRef idx="0"/>
+    <cs:effectRef idx="0"/>
+    <cs:fontRef idx="minor">
+      <a:schemeClr val="tx1">
+        <a:lumMod val="65000"/>
+        <a:lumOff val="35000"/>
+      </a:schemeClr>
+    </cs:fontRef>
+    <cs:defRPr sz="900" kern="1200"/>
+  </cs:valueAxis>
+  <cs:wall>
+    <cs:lnRef idx="0"/>
+    <cs:fillRef idx="0"/>
+    <cs:effectRef idx="0"/>
+    <cs:fontRef idx="minor">
+      <a:schemeClr val="tx1"/>
+    </cs:fontRef>
+    <cs:spPr>
+      <a:noFill/>
+      <a:ln>
+        <a:noFill/>
+      </a:ln>
+    </cs:spPr>
+  </cs:wall>
+</cs:chartStyle>
+</file>
+
+<file path=ppt/charts/style3.xml><?xml version="1.0" encoding="utf-8"?>
+<cs:chartStyle xmlns:cs="http://schemas.microsoft.com/office/drawing/2012/chartStyle" xmlns:a="http://schemas.openxmlformats.org/drawingml/2006/main" id="227">
+  <cs:axisTitle>
+    <cs:lnRef idx="0"/>
+    <cs:fillRef idx="0"/>
+    <cs:effectRef idx="0"/>
+    <cs:fontRef idx="minor">
+      <a:schemeClr val="tx1">
+        <a:lumMod val="65000"/>
+        <a:lumOff val="35000"/>
+      </a:schemeClr>
+    </cs:fontRef>
+    <cs:defRPr sz="1000" kern="1200"/>
+  </cs:axisTitle>
+  <cs:categoryAxis>
+    <cs:lnRef idx="0"/>
+    <cs:fillRef idx="0"/>
+    <cs:effectRef idx="0"/>
+    <cs:fontRef idx="minor">
+      <a:schemeClr val="tx1">
+        <a:lumMod val="65000"/>
+        <a:lumOff val="35000"/>
+      </a:schemeClr>
+    </cs:fontRef>
+    <cs:spPr>
+      <a:ln w="9525" cap="flat" cmpd="sng" algn="ctr">
+        <a:solidFill>
+          <a:schemeClr val="tx1">
+            <a:lumMod val="15000"/>
+            <a:lumOff val="85000"/>
+          </a:schemeClr>
+        </a:solidFill>
+        <a:round/>
+      </a:ln>
+    </cs:spPr>
+    <cs:defRPr sz="900" kern="1200"/>
+  </cs:categoryAxis>
+  <cs:chartArea mods="allowNoFillOverride allowNoLineOverride">
+    <cs:lnRef idx="0"/>
+    <cs:fillRef idx="0"/>
+    <cs:effectRef idx="0"/>
+    <cs:fontRef idx="minor">
+      <a:schemeClr val="tx1"/>
+    </cs:fontRef>
+    <cs:spPr>
+      <a:solidFill>
+        <a:schemeClr val="bg1"/>
+      </a:solidFill>
+      <a:ln w="9525" cap="flat" cmpd="sng" algn="ctr">
+        <a:solidFill>
+          <a:schemeClr val="tx1">
+            <a:lumMod val="15000"/>
+            <a:lumOff val="85000"/>
+          </a:schemeClr>
+        </a:solidFill>
+        <a:round/>
+      </a:ln>
+    </cs:spPr>
+    <cs:defRPr sz="1000" kern="1200"/>
+  </cs:chartArea>
+  <cs:dataLabel>
+    <cs:lnRef idx="0"/>
+    <cs:fillRef idx="0"/>
+    <cs:effectRef idx="0"/>
+    <cs:fontRef idx="minor">
+      <a:schemeClr val="tx1">
+        <a:lumMod val="75000"/>
+        <a:lumOff val="25000"/>
+      </a:schemeClr>
+    </cs:fontRef>
+    <cs:defRPr sz="900" kern="1200"/>
+  </cs:dataLabel>
+  <cs:dataLabelCallout>
+    <cs:lnRef idx="0"/>
+    <cs:fillRef idx="0"/>
+    <cs:effectRef idx="0"/>
+    <cs:fontRef idx="minor">
+      <a:schemeClr val="dk1">
+        <a:lumMod val="65000"/>
+        <a:lumOff val="35000"/>
+      </a:schemeClr>
+    </cs:fontRef>
+    <cs:spPr>
+      <a:solidFill>
+        <a:schemeClr val="lt1"/>
+      </a:solidFill>
+      <a:ln>
+        <a:solidFill>
+          <a:schemeClr val="dk1">
+            <a:lumMod val="25000"/>
+            <a:lumOff val="75000"/>
+          </a:schemeClr>
+        </a:solidFill>
+      </a:ln>
+    </cs:spPr>
+    <cs:defRPr sz="900" kern="1200"/>
+    <cs:bodyPr rot="0" spcFirstLastPara="1" vertOverflow="clip" horzOverflow="clip" vert="horz" wrap="square" lIns="36576" tIns="18288" rIns="36576" bIns="18288" anchor="ctr" anchorCtr="1">
+      <a:spAutoFit/>
+    </cs:bodyPr>
+  </cs:dataLabelCallout>
+  <cs:dataPoint>
+    <cs:lnRef idx="0"/>
+    <cs:fillRef idx="1">
+      <cs:styleClr val="auto"/>
+    </cs:fillRef>
+    <cs:effectRef idx="0"/>
+    <cs:fontRef idx="minor">
+      <a:schemeClr val="tx1"/>
+    </cs:fontRef>
+    <cs:spPr>
+      <a:solidFill>
+        <a:schemeClr val="phClr"/>
+      </a:solidFill>
+    </cs:spPr>
+  </cs:dataPoint>
+  <cs:dataPoint3D>
+    <cs:lnRef idx="0"/>
+    <cs:fillRef idx="1">
+      <cs:styleClr val="auto"/>
+    </cs:fillRef>
+    <cs:effectRef idx="0"/>
+    <cs:fontRef idx="minor">
+      <a:schemeClr val="tx1"/>
+    </cs:fontRef>
+    <cs:spPr>
+      <a:solidFill>
+        <a:schemeClr val="phClr"/>
+      </a:solidFill>
+    </cs:spPr>
+  </cs:dataPoint3D>
+  <cs:dataPointLine>
+    <cs:lnRef idx="0">
+      <cs:styleClr val="auto"/>
+    </cs:lnRef>
+    <cs:fillRef idx="1"/>
+    <cs:effectRef idx="0"/>
+    <cs:fontRef idx="minor">
+      <a:schemeClr val="tx1"/>
+    </cs:fontRef>
+    <cs:spPr>
+      <a:ln w="28575" cap="rnd">
+        <a:solidFill>
+          <a:schemeClr val="phClr"/>
+        </a:solidFill>
+        <a:round/>
+      </a:ln>
+    </cs:spPr>
+  </cs:dataPointLine>
+  <cs:dataPointMarker>
+    <cs:lnRef idx="0">
+      <cs:styleClr val="auto"/>
+    </cs:lnRef>
+    <cs:fillRef idx="1">
+      <cs:styleClr val="auto"/>
+    </cs:fillRef>
+    <cs:effectRef idx="0"/>
+    <cs:fontRef idx="minor">
+      <a:schemeClr val="tx1"/>
+    </cs:fontRef>
+    <cs:spPr>
+      <a:solidFill>
+        <a:schemeClr val="phClr"/>
+      </a:solidFill>
+      <a:ln w="9525">
+        <a:solidFill>
+          <a:schemeClr val="phClr"/>
+        </a:solidFill>
+      </a:ln>
+    </cs:spPr>
+  </cs:dataPointMarker>
+  <cs:dataPointMarkerLayout symbol="circle" size="5"/>
+  <cs:dataPointWireframe>
+    <cs:lnRef idx="0">
+      <cs:styleClr val="auto"/>
+    </cs:lnRef>
+    <cs:fillRef idx="1"/>
+    <cs:effectRef idx="0"/>
+    <cs:fontRef idx="minor">
+      <a:schemeClr val="tx1"/>
+    </cs:fontRef>
+    <cs:spPr>
+      <a:ln w="9525" cap="rnd">
+        <a:solidFill>
+          <a:schemeClr val="phClr"/>
+        </a:solidFill>
+        <a:round/>
+      </a:ln>
+    </cs:spPr>
+  </cs:dataPointWireframe>
+  <cs:dataTable>
+    <cs:lnRef idx="0"/>
+    <cs:fillRef idx="0"/>
+    <cs:effectRef idx="0"/>
+    <cs:fontRef idx="minor">
+      <a:schemeClr val="tx1">
+        <a:lumMod val="65000"/>
+        <a:lumOff val="35000"/>
+      </a:schemeClr>
+    </cs:fontRef>
+    <cs:spPr>
+      <a:noFill/>
+      <a:ln w="9525" cap="flat" cmpd="sng" algn="ctr">
+        <a:solidFill>
+          <a:schemeClr val="tx1">
+            <a:lumMod val="15000"/>
+            <a:lumOff val="85000"/>
+          </a:schemeClr>
+        </a:solidFill>
+        <a:round/>
+      </a:ln>
+    </cs:spPr>
+    <cs:defRPr sz="900" kern="1200"/>
+  </cs:dataTable>
+  <cs:downBar>
+    <cs:lnRef idx="0"/>
+    <cs:fillRef idx="0"/>
+    <cs:effectRef idx="0"/>
+    <cs:fontRef idx="minor">
+      <a:schemeClr val="dk1"/>
+    </cs:fontRef>
+    <cs:spPr>
+      <a:solidFill>
+        <a:schemeClr val="dk1">
+          <a:lumMod val="65000"/>
+          <a:lumOff val="35000"/>
+        </a:schemeClr>
+      </a:solidFill>
+      <a:ln w="9525">
+        <a:solidFill>
+          <a:schemeClr val="tx1">
+            <a:lumMod val="65000"/>
+            <a:lumOff val="35000"/>
+          </a:schemeClr>
+        </a:solidFill>
+      </a:ln>
+    </cs:spPr>
+  </cs:downBar>
+  <cs:dropLine>
+    <cs:lnRef idx="0"/>
+    <cs:fillRef idx="0"/>
+    <cs:effectRef idx="0"/>
+    <cs:fontRef idx="minor">
+      <a:schemeClr val="tx1"/>
+    </cs:fontRef>
+    <cs:spPr>
+      <a:ln w="9525" cap="flat" cmpd="sng" algn="ctr">
+        <a:solidFill>
+          <a:schemeClr val="tx1">
+            <a:lumMod val="35000"/>
+            <a:lumOff val="65000"/>
+          </a:schemeClr>
+        </a:solidFill>
+        <a:round/>
+      </a:ln>
+    </cs:spPr>
+  </cs:dropLine>
+  <cs:errorBar>
+    <cs:lnRef idx="0"/>
+    <cs:fillRef idx="0"/>
+    <cs:effectRef idx="0"/>
+    <cs:fontRef idx="minor">
+      <a:schemeClr val="tx1"/>
+    </cs:fontRef>
+    <cs:spPr>
+      <a:ln w="9525" cap="flat" cmpd="sng" algn="ctr">
+        <a:solidFill>
+          <a:schemeClr val="tx1">
+            <a:lumMod val="65000"/>
+            <a:lumOff val="35000"/>
+          </a:schemeClr>
+        </a:solidFill>
+        <a:round/>
+      </a:ln>
+    </cs:spPr>
+  </cs:errorBar>
+  <cs:floor>
+    <cs:lnRef idx="0"/>
+    <cs:fillRef idx="0"/>
+    <cs:effectRef idx="0"/>
+    <cs:fontRef idx="minor">
+      <a:schemeClr val="tx1"/>
+    </cs:fontRef>
+    <cs:spPr>
+      <a:noFill/>
+      <a:ln>
+        <a:noFill/>
+      </a:ln>
+    </cs:spPr>
+  </cs:floor>
+  <cs:gridlineMajor>
+    <cs:lnRef idx="0"/>
+    <cs:fillRef idx="0"/>
+    <cs:effectRef idx="0"/>
+    <cs:fontRef idx="minor">
+      <a:schemeClr val="tx1"/>
+    </cs:fontRef>
+    <cs:spPr>
+      <a:ln w="9525" cap="flat" cmpd="sng" algn="ctr">
+        <a:solidFill>
+          <a:schemeClr val="tx1">
+            <a:lumMod val="15000"/>
+            <a:lumOff val="85000"/>
+          </a:schemeClr>
+        </a:solidFill>
+        <a:round/>
+      </a:ln>
+    </cs:spPr>
+  </cs:gridlineMajor>
+  <cs:gridlineMinor>
+    <cs:lnRef idx="0"/>
+    <cs:fillRef idx="0"/>
+    <cs:effectRef idx="0"/>
+    <cs:fontRef idx="minor">
+      <a:schemeClr val="tx1"/>
+    </cs:fontRef>
+    <cs:spPr>
+      <a:ln w="9525" cap="flat" cmpd="sng" algn="ctr">
+        <a:solidFill>
+          <a:schemeClr val="tx1">
+            <a:lumMod val="5000"/>
+            <a:lumOff val="95000"/>
+          </a:schemeClr>
+        </a:solidFill>
+        <a:round/>
+      </a:ln>
+    </cs:spPr>
+  </cs:gridlineMinor>
+  <cs:hiLoLine>
+    <cs:lnRef idx="0"/>
+    <cs:fillRef idx="0"/>
+    <cs:effectRef idx="0"/>
+    <cs:fontRef idx="minor">
+      <a:schemeClr val="tx1"/>
+    </cs:fontRef>
+    <cs:spPr>
+      <a:ln w="9525" cap="flat" cmpd="sng" algn="ctr">
+        <a:solidFill>
+          <a:schemeClr val="tx1">
+            <a:lumMod val="75000"/>
+            <a:lumOff val="25000"/>
+          </a:schemeClr>
+        </a:solidFill>
+        <a:round/>
+      </a:ln>
+    </cs:spPr>
+  </cs:hiLoLine>
+  <cs:leaderLine>
+    <cs:lnRef idx="0"/>
+    <cs:fillRef idx="0"/>
+    <cs:effectRef idx="0"/>
+    <cs:fontRef idx="minor">
+      <a:schemeClr val="tx1"/>
+    </cs:fontRef>
+    <cs:spPr>
+      <a:ln w="9525" cap="flat" cmpd="sng" algn="ctr">
+        <a:solidFill>
+          <a:schemeClr val="tx1">
+            <a:lumMod val="35000"/>
+            <a:lumOff val="65000"/>
+          </a:schemeClr>
+        </a:solidFill>
+        <a:round/>
+      </a:ln>
+    </cs:spPr>
+  </cs:leaderLine>
+  <cs:legend>
+    <cs:lnRef idx="0"/>
+    <cs:fillRef idx="0"/>
+    <cs:effectRef idx="0"/>
+    <cs:fontRef idx="minor">
+      <a:schemeClr val="tx1">
+        <a:lumMod val="65000"/>
+        <a:lumOff val="35000"/>
+      </a:schemeClr>
+    </cs:fontRef>
+    <cs:defRPr sz="900" kern="1200"/>
+  </cs:legend>
+  <cs:plotArea mods="allowNoFillOverride allowNoLineOverride">
+    <cs:lnRef idx="0"/>
+    <cs:fillRef idx="0"/>
+    <cs:effectRef idx="0"/>
+    <cs:fontRef idx="minor">
+      <a:schemeClr val="tx1"/>
+    </cs:fontRef>
+  </cs:plotArea>
+  <cs:plotArea3D mods="allowNoFillOverride allowNoLineOverride">
+    <cs:lnRef idx="0"/>
+    <cs:fillRef idx="0"/>
+    <cs:effectRef idx="0"/>
+    <cs:fontRef idx="minor">
+      <a:schemeClr val="tx1"/>
+    </cs:fontRef>
+  </cs:plotArea3D>
+  <cs:seriesAxis>
+    <cs:lnRef idx="0"/>
+    <cs:fillRef idx="0"/>
+    <cs:effectRef idx="0"/>
+    <cs:fontRef idx="minor">
+      <a:schemeClr val="tx1">
+        <a:lumMod val="65000"/>
+        <a:lumOff val="35000"/>
+      </a:schemeClr>
+    </cs:fontRef>
+    <cs:defRPr sz="900" kern="1200"/>
+  </cs:seriesAxis>
+  <cs:seriesLine>
+    <cs:lnRef idx="0"/>
+    <cs:fillRef idx="0"/>
+    <cs:effectRef idx="0"/>
+    <cs:fontRef idx="minor">
+      <a:schemeClr val="tx1"/>
+    </cs:fontRef>
+    <cs:spPr>
+      <a:ln w="9525" cap="flat" cmpd="sng" algn="ctr">
+        <a:solidFill>
+          <a:schemeClr val="tx1">
+            <a:lumMod val="35000"/>
+            <a:lumOff val="65000"/>
+          </a:schemeClr>
+        </a:solidFill>
+        <a:round/>
+      </a:ln>
+    </cs:spPr>
+  </cs:seriesLine>
+  <cs:title>
+    <cs:lnRef idx="0"/>
+    <cs:fillRef idx="0"/>
+    <cs:effectRef idx="0"/>
+    <cs:fontRef idx="minor">
+      <a:schemeClr val="tx1">
+        <a:lumMod val="65000"/>
+        <a:lumOff val="35000"/>
+      </a:schemeClr>
+    </cs:fontRef>
+    <cs:defRPr sz="1400" b="0" kern="1200" spc="0" baseline="0"/>
+  </cs:title>
+  <cs:trendline>
+    <cs:lnRef idx="0">
+      <cs:styleClr val="auto"/>
+    </cs:lnRef>
+    <cs:fillRef idx="0"/>
+    <cs:effectRef idx="0"/>
+    <cs:fontRef idx="minor">
+      <a:schemeClr val="tx1"/>
+    </cs:fontRef>
+    <cs:spPr>
+      <a:ln w="19050" cap="rnd">
+        <a:solidFill>
+          <a:schemeClr val="phClr"/>
+        </a:solidFill>
+        <a:prstDash val="sysDot"/>
+      </a:ln>
+    </cs:spPr>
+  </cs:trendline>
+  <cs:trendlineLabel>
+    <cs:lnRef idx="0"/>
+    <cs:fillRef idx="0"/>
+    <cs:effectRef idx="0"/>
+    <cs:fontRef idx="minor">
+      <a:schemeClr val="tx1">
+        <a:lumMod val="65000"/>
+        <a:lumOff val="35000"/>
+      </a:schemeClr>
+    </cs:fontRef>
+    <cs:defRPr sz="900" kern="1200"/>
+  </cs:trendlineLabel>
+  <cs:upBar>
+    <cs:lnRef idx="0"/>
+    <cs:fillRef idx="0"/>
+    <cs:effectRef idx="0"/>
+    <cs:fontRef idx="minor">
+      <a:schemeClr val="dk1"/>
+    </cs:fontRef>
+    <cs:spPr>
+      <a:solidFill>
+        <a:schemeClr val="lt1"/>
+      </a:solidFill>
+      <a:ln w="9525">
+        <a:solidFill>
+          <a:schemeClr val="tx1">
+            <a:lumMod val="15000"/>
+            <a:lumOff val="85000"/>
+          </a:schemeClr>
+        </a:solidFill>
       </a:ln>
     </cs:spPr>
   </cs:upBar>
@@ -3881,8 +5691,85 @@
           <p:nvPr/>
         </p:nvGraphicFramePr>
         <p:xfrm>
-          <a:off x="1729740" y="685800"/>
-          <a:ext cx="8115935" cy="4900930"/>
+          <a:off x="229235" y="798195"/>
+          <a:ext cx="5775325" cy="5091430"/>
+        </p:xfrm>
+        <a:graphic>
+          <a:graphicData uri="http://schemas.openxmlformats.org/drawingml/2006/chart">
+            <c:chart xmlns:c="http://schemas.openxmlformats.org/drawingml/2006/chart" xmlns:r="http://schemas.openxmlformats.org/officeDocument/2006/relationships" r:id="rId1"/>
+          </a:graphicData>
+        </a:graphic>
+      </p:graphicFrame>
+      <p:graphicFrame>
+        <p:nvGraphicFramePr>
+          <p:cNvPr id="3" name="图表 2"/>
+          <p:cNvGraphicFramePr/>
+          <p:nvPr/>
+        </p:nvGraphicFramePr>
+        <p:xfrm>
+          <a:off x="6324600" y="798195"/>
+          <a:ext cx="5775325" cy="5091430"/>
+        </p:xfrm>
+        <a:graphic>
+          <a:graphicData uri="http://schemas.openxmlformats.org/drawingml/2006/chart">
+            <c:chart xmlns:c="http://schemas.openxmlformats.org/drawingml/2006/chart" xmlns:r="http://schemas.openxmlformats.org/officeDocument/2006/relationships" r:id="rId2"/>
+          </a:graphicData>
+        </a:graphic>
+      </p:graphicFrame>
+    </p:spTree>
+    <p:custDataLst>
+      <p:tags r:id="rId3"/>
+    </p:custDataLst>
+  </p:cSld>
+  <p:clrMapOvr>
+    <a:masterClrMapping/>
+  </p:clrMapOvr>
+</p:sld>
+</file>
+
+<file path=ppt/slides/slide2.xml><?xml version="1.0" encoding="utf-8"?>
+<p:sld xmlns:a="http://schemas.openxmlformats.org/drawingml/2006/main" xmlns:r="http://schemas.openxmlformats.org/officeDocument/2006/relationships" xmlns:p="http://schemas.openxmlformats.org/presentationml/2006/main">
+  <p:cSld>
+    <p:spTree>
+      <p:nvGrpSpPr>
+        <p:cNvPr id="1" name=""/>
+        <p:cNvGrpSpPr/>
+        <p:nvPr/>
+      </p:nvGrpSpPr>
+      <p:grpSpPr/>
+      <p:sp>
+        <p:nvSpPr>
+          <p:cNvPr id="2" name="标题 1"/>
+          <p:cNvSpPr>
+            <a:spLocks noGrp="1"/>
+          </p:cNvSpPr>
+          <p:nvPr>
+            <p:ph type="title"/>
+          </p:nvPr>
+        </p:nvSpPr>
+        <p:spPr/>
+        <p:txBody>
+          <a:bodyPr/>
+          <a:p>
+            <a:r>
+              <a:rPr lang="zh-CN" altLang="en-US"/>
+              <a:t>直方图</a:t>
+            </a:r>
+            <a:endParaRPr lang="zh-CN" altLang="en-US"/>
+          </a:p>
+        </p:txBody>
+      </p:sp>
+      <p:graphicFrame>
+        <p:nvGraphicFramePr>
+          <p:cNvPr id="4" name="内容占位符 3"/>
+          <p:cNvGraphicFramePr/>
+          <p:nvPr>
+            <p:ph idx="1"/>
+          </p:nvPr>
+        </p:nvGraphicFramePr>
+        <p:xfrm>
+          <a:off x="608400" y="1490400"/>
+          <a:ext cx="10969200" cy="4759200"/>
         </p:xfrm>
         <a:graphic>
           <a:graphicData uri="http://schemas.openxmlformats.org/drawingml/2006/chart">
@@ -4695,6 +6582,14 @@
 </file>
 
 <file path=ppt/tags/tag64.xml><?xml version="1.0" encoding="utf-8"?>
+<p:tagLst xmlns:p="http://schemas.openxmlformats.org/presentationml/2006/main">
+  <p:tag name="KSO_WM_BEAUTIFY_FLAG" val="#wm#"/>
+  <p:tag name="KSO_WM_TEMPLATE_CATEGORY" val="custom"/>
+  <p:tag name="KSO_WM_TEMPLATE_INDEX" val="20205176"/>
+</p:tagLst>
+</file>
+
+<file path=ppt/tags/tag65.xml><?xml version="1.0" encoding="utf-8"?>
 <p:tagLst xmlns:p="http://schemas.openxmlformats.org/presentationml/2006/main">
   <p:tag name="COMMONDATA" val="eyJoZGlkIjoiMmYyM2FkNjIwN2U1MjdmZWY0NjVjYTUzNDNlYzlhZmEifQ=="/>
 </p:tagLst>

--- a/src/test/resources/chart.pptx
+++ b/src/test/resources/chart.pptx
@@ -245,16 +245,16 @@
               <c:strCache>
                 <c:ptCount val="4"/>
                 <c:pt idx="0">
-                  <c:v>第一季度</c:v>
+                  <c:v>第1季度</c:v>
                 </c:pt>
                 <c:pt idx="1">
-                  <c:v>第二季度</c:v>
+                  <c:v>第2季度</c:v>
                 </c:pt>
                 <c:pt idx="2">
-                  <c:v>第三季度</c:v>
+                  <c:v>第3季度</c:v>
                 </c:pt>
                 <c:pt idx="3">
-                  <c:v>第四季度</c:v>
+                  <c:v>第4季度</c:v>
                 </c:pt>
               </c:strCache>
             </c:strRef>
@@ -404,8 +404,10 @@
     <c:autoTitleDeleted val="0"/>
     <c:plotArea>
       <c:layout/>
-      <c:pieChart>
-        <c:varyColors val="1"/>
+      <c:barChart>
+        <c:barDir val="col"/>
+        <c:grouping val="stacked"/>
+        <c:varyColors val="0"/>
         <c:ser>
           <c:idx val="0"/>
           <c:order val="0"/>
@@ -415,73 +417,21 @@
               <c:strCache>
                 <c:ptCount val="1"/>
                 <c:pt idx="0">
-                  <c:v>标题B</c:v>
+                  <c:v>系列 1</c:v>
                 </c:pt>
               </c:strCache>
             </c:strRef>
           </c:tx>
-          <c:spPr/>
-          <c:explosion val="0"/>
-          <c:dPt>
-            <c:idx val="0"/>
-            <c:bubble3D val="0"/>
-            <c:spPr>
-              <a:solidFill>
-                <a:schemeClr val="accent1"/>
-              </a:solidFill>
-              <a:ln w="19050">
-                <a:solidFill>
-                  <a:schemeClr val="lt1"/>
-                </a:solidFill>
-              </a:ln>
-              <a:effectLst/>
-            </c:spPr>
-          </c:dPt>
-          <c:dPt>
-            <c:idx val="1"/>
-            <c:bubble3D val="0"/>
-            <c:spPr>
-              <a:solidFill>
-                <a:schemeClr val="accent2"/>
-              </a:solidFill>
-              <a:ln w="19050">
-                <a:solidFill>
-                  <a:schemeClr val="lt1"/>
-                </a:solidFill>
-              </a:ln>
-              <a:effectLst/>
-            </c:spPr>
-          </c:dPt>
-          <c:dPt>
-            <c:idx val="2"/>
-            <c:bubble3D val="0"/>
-            <c:spPr>
-              <a:solidFill>
-                <a:schemeClr val="accent3"/>
-              </a:solidFill>
-              <a:ln w="19050">
-                <a:solidFill>
-                  <a:schemeClr val="lt1"/>
-                </a:solidFill>
-              </a:ln>
-              <a:effectLst/>
-            </c:spPr>
-          </c:dPt>
-          <c:dPt>
-            <c:idx val="3"/>
-            <c:bubble3D val="0"/>
-            <c:spPr>
-              <a:solidFill>
-                <a:schemeClr val="accent4"/>
-              </a:solidFill>
-              <a:ln w="19050">
-                <a:solidFill>
-                  <a:schemeClr val="lt1"/>
-                </a:solidFill>
-              </a:ln>
-              <a:effectLst/>
-            </c:spPr>
-          </c:dPt>
+          <c:spPr>
+            <a:solidFill>
+              <a:schemeClr val="accent1"/>
+            </a:solidFill>
+            <a:ln>
+              <a:noFill/>
+            </a:ln>
+            <a:effectLst/>
+          </c:spPr>
+          <c:invertIfNegative val="0"/>
           <c:dLbls>
             <c:delete val="1"/>
           </c:dLbls>
@@ -491,16 +441,16 @@
               <c:strCache>
                 <c:ptCount val="4"/>
                 <c:pt idx="0">
-                  <c:v>第一季度</c:v>
+                  <c:v>类别 1</c:v>
                 </c:pt>
                 <c:pt idx="1">
-                  <c:v>第二季度</c:v>
+                  <c:v>类别 2</c:v>
                 </c:pt>
                 <c:pt idx="2">
-                  <c:v>第三季度</c:v>
+                  <c:v>类别 3</c:v>
                 </c:pt>
                 <c:pt idx="3">
-                  <c:v>第四季度</c:v>
+                  <c:v>类别 4</c:v>
                 </c:pt>
               </c:strCache>
             </c:strRef>
@@ -512,16 +462,154 @@
                 <c:formatCode>General</c:formatCode>
                 <c:ptCount val="4"/>
                 <c:pt idx="0">
-                  <c:v>8.2</c:v>
+                  <c:v>4.3</c:v>
                 </c:pt>
                 <c:pt idx="1">
-                  <c:v>3.2</c:v>
+                  <c:v>2.5</c:v>
                 </c:pt>
                 <c:pt idx="2">
-                  <c:v>1.4</c:v>
+                  <c:v>3.5</c:v>
                 </c:pt>
                 <c:pt idx="3">
-                  <c:v>1.2</c:v>
+                  <c:v>4.5</c:v>
+                </c:pt>
+              </c:numCache>
+            </c:numRef>
+          </c:val>
+        </c:ser>
+        <c:ser>
+          <c:idx val="1"/>
+          <c:order val="1"/>
+          <c:tx>
+            <c:strRef>
+              <c:f>Sheet1!$C$1</c:f>
+              <c:strCache>
+                <c:ptCount val="1"/>
+                <c:pt idx="0">
+                  <c:v>系列 2</c:v>
+                </c:pt>
+              </c:strCache>
+            </c:strRef>
+          </c:tx>
+          <c:spPr>
+            <a:solidFill>
+              <a:schemeClr val="accent2"/>
+            </a:solidFill>
+            <a:ln>
+              <a:noFill/>
+            </a:ln>
+            <a:effectLst/>
+          </c:spPr>
+          <c:invertIfNegative val="0"/>
+          <c:dLbls>
+            <c:delete val="1"/>
+          </c:dLbls>
+          <c:cat>
+            <c:strRef>
+              <c:f>Sheet1!$A$2:$A$5</c:f>
+              <c:strCache>
+                <c:ptCount val="4"/>
+                <c:pt idx="0">
+                  <c:v>类别 1</c:v>
+                </c:pt>
+                <c:pt idx="1">
+                  <c:v>类别 2</c:v>
+                </c:pt>
+                <c:pt idx="2">
+                  <c:v>类别 3</c:v>
+                </c:pt>
+                <c:pt idx="3">
+                  <c:v>类别 4</c:v>
+                </c:pt>
+              </c:strCache>
+            </c:strRef>
+          </c:cat>
+          <c:val>
+            <c:numRef>
+              <c:f>Sheet1!$C$2:$C$5</c:f>
+              <c:numCache>
+                <c:formatCode>General</c:formatCode>
+                <c:ptCount val="4"/>
+                <c:pt idx="0">
+                  <c:v>2.4</c:v>
+                </c:pt>
+                <c:pt idx="1">
+                  <c:v>4.4</c:v>
+                </c:pt>
+                <c:pt idx="2">
+                  <c:v>1.8</c:v>
+                </c:pt>
+                <c:pt idx="3">
+                  <c:v>2.8</c:v>
+                </c:pt>
+              </c:numCache>
+            </c:numRef>
+          </c:val>
+        </c:ser>
+        <c:ser>
+          <c:idx val="2"/>
+          <c:order val="2"/>
+          <c:tx>
+            <c:strRef>
+              <c:f>Sheet1!$D$1</c:f>
+              <c:strCache>
+                <c:ptCount val="1"/>
+                <c:pt idx="0">
+                  <c:v>系列 3</c:v>
+                </c:pt>
+              </c:strCache>
+            </c:strRef>
+          </c:tx>
+          <c:spPr>
+            <a:solidFill>
+              <a:schemeClr val="accent3"/>
+            </a:solidFill>
+            <a:ln>
+              <a:noFill/>
+            </a:ln>
+            <a:effectLst/>
+          </c:spPr>
+          <c:invertIfNegative val="0"/>
+          <c:dLbls>
+            <c:delete val="1"/>
+          </c:dLbls>
+          <c:cat>
+            <c:strRef>
+              <c:f>Sheet1!$A$2:$A$5</c:f>
+              <c:strCache>
+                <c:ptCount val="4"/>
+                <c:pt idx="0">
+                  <c:v>类别 1</c:v>
+                </c:pt>
+                <c:pt idx="1">
+                  <c:v>类别 2</c:v>
+                </c:pt>
+                <c:pt idx="2">
+                  <c:v>类别 3</c:v>
+                </c:pt>
+                <c:pt idx="3">
+                  <c:v>类别 4</c:v>
+                </c:pt>
+              </c:strCache>
+            </c:strRef>
+          </c:cat>
+          <c:val>
+            <c:numRef>
+              <c:f>Sheet1!$D$2:$D$5</c:f>
+              <c:numCache>
+                <c:formatCode>General</c:formatCode>
+                <c:ptCount val="4"/>
+                <c:pt idx="0">
+                  <c:v>2</c:v>
+                </c:pt>
+                <c:pt idx="1">
+                  <c:v>2</c:v>
+                </c:pt>
+                <c:pt idx="2">
+                  <c:v>3</c:v>
+                </c:pt>
+                <c:pt idx="3">
+                  <c:v>5</c:v>
                 </c:pt>
               </c:numCache>
             </c:numRef>
@@ -534,10 +622,116 @@
           <c:showSerName val="0"/>
           <c:showPercent val="0"/>
           <c:showBubbleSize val="0"/>
-          <c:showLeaderLines val="1"/>
         </c:dLbls>
-        <c:firstSliceAng val="0"/>
-      </c:pieChart>
+        <c:gapWidth val="150"/>
+        <c:overlap val="100"/>
+        <c:axId val="839164795"/>
+        <c:axId val="449331304"/>
+      </c:barChart>
+      <c:catAx>
+        <c:axId val="839164795"/>
+        <c:scaling>
+          <c:orientation val="minMax"/>
+        </c:scaling>
+        <c:delete val="0"/>
+        <c:axPos val="b"/>
+        <c:majorTickMark val="none"/>
+        <c:minorTickMark val="none"/>
+        <c:tickLblPos val="nextTo"/>
+        <c:spPr>
+          <a:noFill/>
+          <a:ln w="9525" cap="flat" cmpd="sng" algn="ctr">
+            <a:solidFill>
+              <a:schemeClr val="tx1">
+                <a:lumMod val="15000"/>
+                <a:lumOff val="85000"/>
+              </a:schemeClr>
+            </a:solidFill>
+            <a:round/>
+          </a:ln>
+          <a:effectLst/>
+        </c:spPr>
+        <c:txPr>
+          <a:bodyPr rot="-60000000" spcFirstLastPara="0" vertOverflow="ellipsis" vert="horz" wrap="square" anchor="ctr" anchorCtr="1"/>
+          <a:lstStyle/>
+          <a:p>
+            <a:pPr>
+              <a:defRPr lang="zh-CN" sz="900" b="0" i="0" u="none" strike="noStrike" kern="1200" baseline="0">
+                <a:solidFill>
+                  <a:schemeClr val="tx1">
+                    <a:lumMod val="65000"/>
+                    <a:lumOff val="35000"/>
+                  </a:schemeClr>
+                </a:solidFill>
+                <a:latin typeface="+mn-lt"/>
+                <a:ea typeface="+mn-ea"/>
+                <a:cs typeface="+mn-cs"/>
+              </a:defRPr>
+            </a:pPr>
+          </a:p>
+        </c:txPr>
+        <c:crossAx val="449331304"/>
+        <c:crosses val="autoZero"/>
+        <c:auto val="1"/>
+        <c:lblAlgn val="ctr"/>
+        <c:lblOffset val="100"/>
+        <c:noMultiLvlLbl val="0"/>
+      </c:catAx>
+      <c:valAx>
+        <c:axId val="449331304"/>
+        <c:scaling>
+          <c:orientation val="minMax"/>
+        </c:scaling>
+        <c:delete val="0"/>
+        <c:axPos val="l"/>
+        <c:majorGridlines>
+          <c:spPr>
+            <a:ln w="9525" cap="flat" cmpd="sng" algn="ctr">
+              <a:solidFill>
+                <a:schemeClr val="tx1">
+                  <a:lumMod val="15000"/>
+                  <a:lumOff val="85000"/>
+                </a:schemeClr>
+              </a:solidFill>
+              <a:round/>
+            </a:ln>
+            <a:effectLst/>
+          </c:spPr>
+        </c:majorGridlines>
+        <c:numFmt formatCode="General" sourceLinked="1"/>
+        <c:majorTickMark val="none"/>
+        <c:minorTickMark val="none"/>
+        <c:tickLblPos val="nextTo"/>
+        <c:spPr>
+          <a:noFill/>
+          <a:ln>
+            <a:noFill/>
+          </a:ln>
+          <a:effectLst/>
+        </c:spPr>
+        <c:txPr>
+          <a:bodyPr rot="-60000000" spcFirstLastPara="0" vertOverflow="ellipsis" vert="horz" wrap="square" anchor="ctr" anchorCtr="1"/>
+          <a:lstStyle/>
+          <a:p>
+            <a:pPr>
+              <a:defRPr lang="zh-CN" sz="900" b="0" i="0" u="none" strike="noStrike" kern="1200" baseline="0">
+                <a:solidFill>
+                  <a:schemeClr val="tx1">
+                    <a:lumMod val="65000"/>
+                    <a:lumOff val="35000"/>
+                  </a:schemeClr>
+                </a:solidFill>
+                <a:latin typeface="+mn-lt"/>
+                <a:ea typeface="+mn-ea"/>
+                <a:cs typeface="+mn-cs"/>
+              </a:defRPr>
+            </a:pPr>
+          </a:p>
+        </c:txPr>
+        <c:crossAx val="839164795"/>
+        <c:crosses val="autoZero"/>
+        <c:crossBetween val="between"/>
+      </c:valAx>
       <c:spPr>
         <a:noFill/>
         <a:ln>
@@ -889,6 +1083,7 @@
         </c:scaling>
         <c:delete val="0"/>
         <c:axPos val="b"/>
+        <c:numFmt formatCode="General" sourceLinked="0"/>
         <c:majorTickMark val="none"/>
         <c:minorTickMark val="none"/>
         <c:tickLblPos val="nextTo"/>
@@ -1691,7 +1886,7 @@
 </file>
 
 <file path=ppt/charts/style2.xml><?xml version="1.0" encoding="utf-8"?>
-<cs:chartStyle xmlns:cs="http://schemas.microsoft.com/office/drawing/2012/chartStyle" xmlns:a="http://schemas.openxmlformats.org/drawingml/2006/main" id="251">
+<cs:chartStyle xmlns:cs="http://schemas.microsoft.com/office/drawing/2012/chartStyle" xmlns:a="http://schemas.openxmlformats.org/drawingml/2006/main" id="297">
   <cs:axisTitle>
     <cs:lnRef idx="0"/>
     <cs:fillRef idx="0"/>
@@ -1748,7 +1943,7 @@
         <a:round/>
       </a:ln>
     </cs:spPr>
-    <cs:defRPr sz="900" kern="1200"/>
+    <cs:defRPr sz="1000" kern="1200"/>
   </cs:chartArea>
   <cs:dataLabel>
     <cs:lnRef idx="0"/>
@@ -1799,13 +1994,6 @@
     <cs:fontRef idx="minor">
       <a:schemeClr val="tx1"/>
     </cs:fontRef>
-    <cs:spPr>
-      <a:ln w="19050">
-        <a:solidFill>
-          <a:schemeClr val="lt1"/>
-        </a:solidFill>
-      </a:ln>
-    </cs:spPr>
   </cs:dataPoint>
   <cs:dataPoint3D>
     <cs:lnRef idx="0"/>
@@ -1816,19 +2004,12 @@
     <cs:fontRef idx="minor">
       <a:schemeClr val="tx1"/>
     </cs:fontRef>
-    <cs:spPr>
-      <a:ln w="25400">
-        <a:solidFill>
-          <a:schemeClr val="lt1"/>
-        </a:solidFill>
-      </a:ln>
-    </cs:spPr>
   </cs:dataPoint3D>
   <cs:dataPointLine>
     <cs:lnRef idx="0">
       <cs:styleClr val="auto"/>
     </cs:lnRef>
-    <cs:fillRef idx="0"/>
+    <cs:fillRef idx="1"/>
     <cs:effectRef idx="0"/>
     <cs:fontRef idx="minor">
       <a:schemeClr val="tx1"/>
@@ -1866,7 +2047,7 @@
     <cs:lnRef idx="0">
       <cs:styleClr val="auto"/>
     </cs:lnRef>
-    <cs:fillRef idx="0"/>
+    <cs:fillRef idx="1"/>
     <cs:effectRef idx="0"/>
     <cs:fontRef idx="minor">
       <a:schemeClr val="tx1"/>
@@ -3215,7 +3396,7 @@
           <a:p>
             <a:pPr lvl="0"/>
             <a:r>
-              <a:rPr lang="zh-CN" altLang="en-US" smtClean="0"/>
+              <a:rPr lang="zh-CN" altLang="en-US"/>
               <a:t>单击此处编辑标题</a:t>
             </a:r>
             <a:endParaRPr lang="zh-CN" altLang="en-US"/>
@@ -3316,7 +3497,7 @@
           <a:p>
             <a:pPr lvl="0"/>
             <a:r>
-              <a:rPr lang="zh-CN" altLang="en-US" smtClean="0"/>
+              <a:rPr lang="zh-CN" altLang="en-US"/>
               <a:t>单击此处编辑母版标题样式</a:t>
             </a:r>
             <a:endParaRPr lang="zh-CN" altLang="en-US"/>
@@ -3350,39 +3531,39 @@
           <a:p>
             <a:pPr lvl="0"/>
             <a:r>
-              <a:rPr lang="zh-CN" altLang="en-US" smtClean="0"/>
+              <a:rPr lang="zh-CN" altLang="en-US"/>
               <a:t>单击此处编辑母版文本样式</a:t>
             </a:r>
-            <a:endParaRPr lang="zh-CN" altLang="en-US" smtClean="0"/>
+            <a:endParaRPr lang="zh-CN" altLang="en-US"/>
           </a:p>
           <a:p>
             <a:pPr lvl="1"/>
             <a:r>
-              <a:rPr lang="zh-CN" altLang="en-US" smtClean="0"/>
+              <a:rPr lang="zh-CN" altLang="en-US"/>
               <a:t>第二级</a:t>
             </a:r>
-            <a:endParaRPr lang="zh-CN" altLang="en-US" smtClean="0"/>
+            <a:endParaRPr lang="zh-CN" altLang="en-US"/>
           </a:p>
           <a:p>
             <a:pPr lvl="2"/>
             <a:r>
-              <a:rPr lang="zh-CN" altLang="en-US" smtClean="0"/>
+              <a:rPr lang="zh-CN" altLang="en-US"/>
               <a:t>第三级</a:t>
             </a:r>
-            <a:endParaRPr lang="zh-CN" altLang="en-US" smtClean="0"/>
+            <a:endParaRPr lang="zh-CN" altLang="en-US"/>
           </a:p>
           <a:p>
             <a:pPr lvl="3"/>
             <a:r>
-              <a:rPr lang="zh-CN" altLang="en-US" smtClean="0"/>
+              <a:rPr lang="zh-CN" altLang="en-US"/>
               <a:t>第四级</a:t>
             </a:r>
-            <a:endParaRPr lang="zh-CN" altLang="en-US" smtClean="0"/>
+            <a:endParaRPr lang="zh-CN" altLang="en-US"/>
           </a:p>
           <a:p>
             <a:pPr lvl="4"/>
             <a:r>
-              <a:rPr lang="zh-CN" altLang="en-US" smtClean="0"/>
+              <a:rPr lang="zh-CN" altLang="en-US"/>
               <a:t>第五级</a:t>
             </a:r>
             <a:endParaRPr lang="zh-CN" altLang="en-US"/>
@@ -3773,7 +3954,7 @@
           <a:p>
             <a:pPr lvl="0"/>
             <a:r>
-              <a:rPr lang="zh-CN" altLang="en-US" smtClean="0"/>
+              <a:rPr lang="zh-CN" altLang="en-US"/>
               <a:t>单击此处编辑母版标题样式</a:t>
             </a:r>
             <a:endParaRPr lang="zh-CN" altLang="en-US"/>
@@ -3807,39 +3988,39 @@
           <a:p>
             <a:pPr lvl="0"/>
             <a:r>
-              <a:rPr lang="zh-CN" altLang="en-US" smtClean="0"/>
+              <a:rPr lang="zh-CN" altLang="en-US"/>
               <a:t>单击此处编辑母版文本样式</a:t>
             </a:r>
-            <a:endParaRPr lang="zh-CN" altLang="en-US" smtClean="0"/>
+            <a:endParaRPr lang="zh-CN" altLang="en-US"/>
           </a:p>
           <a:p>
             <a:pPr lvl="1"/>
             <a:r>
-              <a:rPr lang="zh-CN" altLang="en-US" smtClean="0"/>
+              <a:rPr lang="zh-CN" altLang="en-US"/>
               <a:t>第二级</a:t>
             </a:r>
-            <a:endParaRPr lang="zh-CN" altLang="en-US" smtClean="0"/>
+            <a:endParaRPr lang="zh-CN" altLang="en-US"/>
           </a:p>
           <a:p>
             <a:pPr lvl="2"/>
             <a:r>
-              <a:rPr lang="zh-CN" altLang="en-US" smtClean="0"/>
+              <a:rPr lang="zh-CN" altLang="en-US"/>
               <a:t>第三级</a:t>
             </a:r>
-            <a:endParaRPr lang="zh-CN" altLang="en-US" smtClean="0"/>
+            <a:endParaRPr lang="zh-CN" altLang="en-US"/>
           </a:p>
           <a:p>
             <a:pPr lvl="3"/>
             <a:r>
-              <a:rPr lang="zh-CN" altLang="en-US" smtClean="0"/>
+              <a:rPr lang="zh-CN" altLang="en-US"/>
               <a:t>第四级</a:t>
             </a:r>
-            <a:endParaRPr lang="zh-CN" altLang="en-US" smtClean="0"/>
+            <a:endParaRPr lang="zh-CN" altLang="en-US"/>
           </a:p>
           <a:p>
             <a:pPr lvl="4"/>
             <a:r>
-              <a:rPr lang="zh-CN" altLang="en-US" smtClean="0"/>
+              <a:rPr lang="zh-CN" altLang="en-US"/>
               <a:t>第五级</a:t>
             </a:r>
             <a:endParaRPr lang="zh-CN" altLang="en-US"/>
@@ -4036,7 +4217,7 @@
           <a:p>
             <a:pPr lvl="0"/>
             <a:r>
-              <a:rPr lang="zh-CN" altLang="en-US" smtClean="0"/>
+              <a:rPr lang="zh-CN" altLang="en-US"/>
               <a:t>单击此处编辑母版标题样式</a:t>
             </a:r>
             <a:endParaRPr lang="zh-CN" altLang="en-US"/>
@@ -4151,39 +4332,39 @@
           <a:p>
             <a:pPr lvl="0"/>
             <a:r>
-              <a:rPr lang="zh-CN" altLang="en-US" smtClean="0"/>
+              <a:rPr lang="zh-CN" altLang="en-US"/>
               <a:t>单击此处编辑母版文本样式</a:t>
             </a:r>
-            <a:endParaRPr lang="zh-CN" altLang="en-US" smtClean="0"/>
+            <a:endParaRPr lang="zh-CN" altLang="en-US"/>
           </a:p>
           <a:p>
             <a:pPr lvl="1"/>
             <a:r>
-              <a:rPr lang="zh-CN" altLang="en-US" smtClean="0"/>
+              <a:rPr lang="zh-CN" altLang="en-US"/>
               <a:t>第二级</a:t>
             </a:r>
-            <a:endParaRPr lang="zh-CN" altLang="en-US" smtClean="0"/>
+            <a:endParaRPr lang="zh-CN" altLang="en-US"/>
           </a:p>
           <a:p>
             <a:pPr lvl="2"/>
             <a:r>
-              <a:rPr lang="zh-CN" altLang="en-US" smtClean="0"/>
+              <a:rPr lang="zh-CN" altLang="en-US"/>
               <a:t>第三级</a:t>
             </a:r>
-            <a:endParaRPr lang="zh-CN" altLang="en-US" smtClean="0"/>
+            <a:endParaRPr lang="zh-CN" altLang="en-US"/>
           </a:p>
           <a:p>
             <a:pPr lvl="3"/>
             <a:r>
-              <a:rPr lang="zh-CN" altLang="en-US" smtClean="0"/>
+              <a:rPr lang="zh-CN" altLang="en-US"/>
               <a:t>第四级</a:t>
             </a:r>
-            <a:endParaRPr lang="zh-CN" altLang="en-US" smtClean="0"/>
+            <a:endParaRPr lang="zh-CN" altLang="en-US"/>
           </a:p>
           <a:p>
             <a:pPr lvl="4"/>
             <a:r>
-              <a:rPr lang="zh-CN" altLang="en-US" smtClean="0"/>
+              <a:rPr lang="zh-CN" altLang="en-US"/>
               <a:t>第五级</a:t>
             </a:r>
             <a:endParaRPr lang="zh-CN" altLang="en-US"/>
@@ -4264,10 +4445,10 @@
           <a:p>
             <a:pPr lvl="0"/>
             <a:r>
-              <a:rPr lang="zh-CN" altLang="en-US" smtClean="0"/>
+              <a:rPr lang="zh-CN" altLang="en-US"/>
               <a:t>单击此处编辑文本</a:t>
             </a:r>
-            <a:endParaRPr lang="zh-CN" altLang="en-US" smtClean="0"/>
+            <a:endParaRPr lang="zh-CN" altLang="en-US"/>
           </a:p>
         </p:txBody>
       </p:sp>
@@ -4298,39 +4479,39 @@
           <a:p>
             <a:pPr lvl="0"/>
             <a:r>
-              <a:rPr lang="zh-CN" altLang="en-US" smtClean="0"/>
+              <a:rPr lang="zh-CN" altLang="en-US"/>
               <a:t>单击此处编辑母版文本样式</a:t>
             </a:r>
-            <a:endParaRPr lang="zh-CN" altLang="en-US" smtClean="0"/>
+            <a:endParaRPr lang="zh-CN" altLang="en-US"/>
           </a:p>
           <a:p>
             <a:pPr lvl="1"/>
             <a:r>
-              <a:rPr lang="zh-CN" altLang="en-US" smtClean="0"/>
+              <a:rPr lang="zh-CN" altLang="en-US"/>
               <a:t>第二级</a:t>
             </a:r>
-            <a:endParaRPr lang="zh-CN" altLang="en-US" smtClean="0"/>
+            <a:endParaRPr lang="zh-CN" altLang="en-US"/>
           </a:p>
           <a:p>
             <a:pPr lvl="2"/>
             <a:r>
-              <a:rPr lang="zh-CN" altLang="en-US" smtClean="0"/>
+              <a:rPr lang="zh-CN" altLang="en-US"/>
               <a:t>第三级</a:t>
             </a:r>
-            <a:endParaRPr lang="zh-CN" altLang="en-US" smtClean="0"/>
+            <a:endParaRPr lang="zh-CN" altLang="en-US"/>
           </a:p>
           <a:p>
             <a:pPr lvl="3"/>
             <a:r>
-              <a:rPr lang="zh-CN" altLang="en-US" smtClean="0"/>
+              <a:rPr lang="zh-CN" altLang="en-US"/>
               <a:t>第四级</a:t>
             </a:r>
-            <a:endParaRPr lang="zh-CN" altLang="en-US" smtClean="0"/>
+            <a:endParaRPr lang="zh-CN" altLang="en-US"/>
           </a:p>
           <a:p>
             <a:pPr lvl="4"/>
             <a:r>
-              <a:rPr lang="zh-CN" altLang="en-US" smtClean="0"/>
+              <a:rPr lang="zh-CN" altLang="en-US"/>
               <a:t>第五级</a:t>
             </a:r>
             <a:endParaRPr lang="zh-CN" altLang="en-US"/>
@@ -4461,7 +4642,7 @@
           <a:p>
             <a:pPr lvl="0"/>
             <a:r>
-              <a:rPr lang="zh-CN" altLang="en-US" smtClean="0"/>
+              <a:rPr lang="zh-CN" altLang="en-US"/>
               <a:t>单击此处编辑母版标题样式</a:t>
             </a:r>
             <a:endParaRPr lang="zh-CN" altLang="en-US"/>
@@ -4729,7 +4910,7 @@
           <a:p>
             <a:pPr lvl="0"/>
             <a:r>
-              <a:rPr lang="zh-CN" altLang="en-US" smtClean="0"/>
+              <a:rPr lang="zh-CN" altLang="en-US"/>
               <a:t>单击此处编辑母版文本样式</a:t>
             </a:r>
             <a:endParaRPr lang="zh-CN" altLang="en-US"/>
@@ -4891,7 +5072,7 @@
           <a:p>
             <a:pPr lvl="0"/>
             <a:r>
-              <a:rPr lang="zh-CN" altLang="en-US" smtClean="0"/>
+              <a:rPr lang="zh-CN" altLang="en-US"/>
               <a:t>单击此处编辑标题</a:t>
             </a:r>
             <a:endParaRPr lang="zh-CN" altLang="en-US"/>
@@ -5686,7 +5867,7 @@
       </p:grpSpPr>
       <p:graphicFrame>
         <p:nvGraphicFramePr>
-          <p:cNvPr id="4" name="图表 3"/>
+          <p:cNvPr id="4" name="图表 3" descr="#{ #chartA }"/>
           <p:cNvGraphicFramePr/>
           <p:nvPr/>
         </p:nvGraphicFramePr>
@@ -5702,13 +5883,13 @@
       </p:graphicFrame>
       <p:graphicFrame>
         <p:nvGraphicFramePr>
-          <p:cNvPr id="3" name="图表 2"/>
+          <p:cNvPr id="2" name="图表 1" descr="#{ #chartB }"/>
           <p:cNvGraphicFramePr/>
           <p:nvPr/>
         </p:nvGraphicFramePr>
         <p:xfrm>
-          <a:off x="6324600" y="798195"/>
-          <a:ext cx="5775325" cy="5091430"/>
+          <a:off x="5564505" y="962660"/>
+          <a:ext cx="6350000" cy="4762500"/>
         </p:xfrm>
         <a:graphic>
           <a:graphicData uri="http://schemas.openxmlformats.org/drawingml/2006/chart">
@@ -5736,7 +5917,14 @@
         <p:cNvGrpSpPr/>
         <p:nvPr/>
       </p:nvGrpSpPr>
-      <p:grpSpPr/>
+      <p:grpSpPr>
+        <a:xfrm>
+          <a:off x="0" y="0"/>
+          <a:ext cx="0" cy="0"/>
+          <a:chOff x="0" y="0"/>
+          <a:chExt cx="0" cy="0"/>
+        </a:xfrm>
+      </p:grpSpPr>
       <p:sp>
         <p:nvSpPr>
           <p:cNvPr id="2" name="标题 1"/>
@@ -5750,6 +5938,7 @@
         <p:spPr/>
         <p:txBody>
           <a:bodyPr/>
+          <a:lstStyle/>
           <a:p>
             <a:r>
               <a:rPr lang="zh-CN" altLang="en-US"/>
@@ -5761,8 +5950,10 @@
       </p:sp>
       <p:graphicFrame>
         <p:nvGraphicFramePr>
-          <p:cNvPr id="4" name="内容占位符 3"/>
-          <p:cNvGraphicFramePr/>
+          <p:cNvPr id="4" name="内容占位符 3" descr="#{ #chartC }"/>
+          <p:cNvGraphicFramePr>
+            <a:graphicFrameLocks noGrp="1"/>
+          </p:cNvGraphicFramePr>
           <p:nvPr>
             <p:ph idx="1"/>
           </p:nvPr>
@@ -6591,7 +6782,7 @@
 
 <file path=ppt/tags/tag65.xml><?xml version="1.0" encoding="utf-8"?>
 <p:tagLst xmlns:p="http://schemas.openxmlformats.org/presentationml/2006/main">
-  <p:tag name="COMMONDATA" val="eyJoZGlkIjoiMmYyM2FkNjIwN2U1MjdmZWY0NjVjYTUzNDNlYzlhZmEifQ=="/>
+  <p:tag name="COMMONDATA" val="eyJoZGlkIjoiYjBiNDk5NDhjYTE0ZDkzNWI1ODg5ZmM3NWQwODVjMDAifQ=="/>
 </p:tagLst>
 </file>
 

--- a/src/test/resources/chart.pptx
+++ b/src/test/resources/chart.pptx
@@ -5867,7 +5867,7 @@
       </p:grpSpPr>
       <p:graphicFrame>
         <p:nvGraphicFramePr>
-          <p:cNvPr id="4" name="图表 3" descr="#{ #chartA }"/>
+          <p:cNvPr id="4" name="图表 3" descr="#chartA"/>
           <p:cNvGraphicFramePr/>
           <p:nvPr/>
         </p:nvGraphicFramePr>
@@ -5883,7 +5883,7 @@
       </p:graphicFrame>
       <p:graphicFrame>
         <p:nvGraphicFramePr>
-          <p:cNvPr id="2" name="图表 1" descr="#{ #chartB }"/>
+          <p:cNvPr id="2" name="图表 1" descr="#chartB"/>
           <p:cNvGraphicFramePr/>
           <p:nvPr/>
         </p:nvGraphicFramePr>
@@ -6782,7 +6782,7 @@
 
 <file path=ppt/tags/tag65.xml><?xml version="1.0" encoding="utf-8"?>
 <p:tagLst xmlns:p="http://schemas.openxmlformats.org/presentationml/2006/main">
-  <p:tag name="COMMONDATA" val="eyJoZGlkIjoiYjBiNDk5NDhjYTE0ZDkzNWI1ODg5ZmM3NWQwODVjMDAifQ=="/>
+  <p:tag name="COMMONDATA" val="eyJoZGlkIjoiMmYyM2FkNjIwN2U1MjdmZWY0NjVjYTUzNDNlYzlhZmEifQ=="/>
 </p:tagLst>
 </file>
 

--- a/src/test/resources/chart.pptx
+++ b/src/test/resources/chart.pptx
@@ -5950,7 +5950,7 @@
       </p:sp>
       <p:graphicFrame>
         <p:nvGraphicFramePr>
-          <p:cNvPr id="4" name="内容占位符 3" descr="#{ #chartC }"/>
+          <p:cNvPr id="4" name="内容占位符 3" descr="#chartC"/>
           <p:cNvGraphicFramePr>
             <a:graphicFrameLocks noGrp="1"/>
           </p:cNvGraphicFramePr>

--- a/src/test/resources/chart.pptx
+++ b/src/test/resources/chart.pptx
@@ -7,11 +7,12 @@
   <p:sldIdLst>
     <p:sldId id="256" r:id="rId3"/>
     <p:sldId id="257" r:id="rId4"/>
+    <p:sldId id="258" r:id="rId5"/>
   </p:sldIdLst>
   <p:sldSz cx="12192000" cy="6858000"/>
   <p:notesSz cx="6858000" cy="9144000"/>
   <p:custDataLst>
-    <p:tags r:id="rId8"/>
+    <p:tags r:id="rId9"/>
   </p:custDataLst>
   <p:defaultTextStyle>
     <a:defPPr>
@@ -1246,6 +1247,465 @@
 </c:chartSpace>
 </file>
 
+<file path=ppt/charts/chart4.xml><?xml version="1.0" encoding="utf-8"?>
+<c:chartSpace xmlns:c="http://schemas.openxmlformats.org/drawingml/2006/chart" xmlns:a="http://schemas.openxmlformats.org/drawingml/2006/main" xmlns:r="http://schemas.openxmlformats.org/officeDocument/2006/relationships">
+  <c:date1904 val="0"/>
+  <c:lang val="zh-CN"/>
+  <c:roundedCorners val="0"/>
+  <mc:AlternateContent xmlns:mc="http://schemas.openxmlformats.org/markup-compatibility/2006">
+    <mc:Choice xmlns:c14="http://schemas.microsoft.com/office/drawing/2007/8/2/chart" Requires="c14">
+      <c14:style val="102"/>
+    </mc:Choice>
+    <mc:Fallback>
+      <c:style val="2"/>
+    </mc:Fallback>
+  </mc:AlternateContent>
+  <c:chart>
+    <c:title>
+      <c:layout/>
+      <c:overlay val="0"/>
+      <c:spPr>
+        <a:noFill/>
+        <a:ln>
+          <a:noFill/>
+        </a:ln>
+        <a:effectLst/>
+      </c:spPr>
+      <c:txPr>
+        <a:bodyPr rot="0" spcFirstLastPara="0" vertOverflow="ellipsis" vert="horz" wrap="square" anchor="ctr" anchorCtr="1"/>
+        <a:lstStyle/>
+        <a:p>
+          <a:pPr>
+            <a:defRPr lang="zh-CN" sz="1400" b="0" i="0" u="none" strike="noStrike" kern="1200" spc="0" baseline="0">
+              <a:solidFill>
+                <a:schemeClr val="tx1">
+                  <a:lumMod val="65000"/>
+                  <a:lumOff val="35000"/>
+                </a:schemeClr>
+              </a:solidFill>
+              <a:latin typeface="+mn-lt"/>
+              <a:ea typeface="+mn-ea"/>
+              <a:cs typeface="+mn-cs"/>
+            </a:defRPr>
+          </a:pPr>
+        </a:p>
+      </c:txPr>
+    </c:title>
+    <c:autoTitleDeleted val="0"/>
+    <c:plotArea>
+      <c:layout/>
+      <c:barChart>
+        <c:barDir val="col"/>
+        <c:grouping val="clustered"/>
+        <c:varyColors val="0"/>
+        <c:ser>
+          <c:idx val="0"/>
+          <c:order val="0"/>
+          <c:tx>
+            <c:strRef>
+              <c:f>Sheet1!$B$1</c:f>
+              <c:strCache>
+                <c:ptCount val="1"/>
+                <c:pt idx="0">
+                  <c:v>系列 1</c:v>
+                </c:pt>
+              </c:strCache>
+            </c:strRef>
+          </c:tx>
+          <c:spPr>
+            <a:solidFill>
+              <a:schemeClr val="accent1"/>
+            </a:solidFill>
+            <a:ln>
+              <a:noFill/>
+            </a:ln>
+            <a:effectLst/>
+          </c:spPr>
+          <c:invertIfNegative val="0"/>
+          <c:dLbls>
+            <c:delete val="1"/>
+          </c:dLbls>
+          <c:cat>
+            <c:strRef>
+              <c:f>Sheet1!$A$2:$A$5</c:f>
+              <c:strCache>
+                <c:ptCount val="4"/>
+                <c:pt idx="0">
+                  <c:v>类别1</c:v>
+                </c:pt>
+                <c:pt idx="1">
+                  <c:v>类别2</c:v>
+                </c:pt>
+                <c:pt idx="2">
+                  <c:v>类别3</c:v>
+                </c:pt>
+                <c:pt idx="3">
+                  <c:v>类别4</c:v>
+                </c:pt>
+              </c:strCache>
+            </c:strRef>
+          </c:cat>
+          <c:val>
+            <c:numRef>
+              <c:f>Sheet1!$B$2:$B$5</c:f>
+              <c:numCache>
+                <c:formatCode>General</c:formatCode>
+                <c:ptCount val="4"/>
+                <c:pt idx="0">
+                  <c:v>4.3</c:v>
+                </c:pt>
+                <c:pt idx="1">
+                  <c:v>2.5</c:v>
+                </c:pt>
+                <c:pt idx="2">
+                  <c:v>3.5</c:v>
+                </c:pt>
+                <c:pt idx="3">
+                  <c:v>4.5</c:v>
+                </c:pt>
+              </c:numCache>
+            </c:numRef>
+          </c:val>
+        </c:ser>
+        <c:ser>
+          <c:idx val="1"/>
+          <c:order val="1"/>
+          <c:tx>
+            <c:strRef>
+              <c:f>Sheet1!$C$1</c:f>
+              <c:strCache>
+                <c:ptCount val="1"/>
+                <c:pt idx="0">
+                  <c:v>系列 2</c:v>
+                </c:pt>
+              </c:strCache>
+            </c:strRef>
+          </c:tx>
+          <c:spPr>
+            <a:solidFill>
+              <a:schemeClr val="accent2"/>
+            </a:solidFill>
+            <a:ln>
+              <a:noFill/>
+            </a:ln>
+            <a:effectLst/>
+          </c:spPr>
+          <c:invertIfNegative val="0"/>
+          <c:dLbls>
+            <c:delete val="1"/>
+          </c:dLbls>
+          <c:cat>
+            <c:strRef>
+              <c:f>Sheet1!$A$2:$A$5</c:f>
+              <c:strCache>
+                <c:ptCount val="4"/>
+                <c:pt idx="0">
+                  <c:v>类别1</c:v>
+                </c:pt>
+                <c:pt idx="1">
+                  <c:v>类别2</c:v>
+                </c:pt>
+                <c:pt idx="2">
+                  <c:v>类别3</c:v>
+                </c:pt>
+                <c:pt idx="3">
+                  <c:v>类别4</c:v>
+                </c:pt>
+              </c:strCache>
+            </c:strRef>
+          </c:cat>
+          <c:val>
+            <c:numRef>
+              <c:f>Sheet1!$C$2:$C$5</c:f>
+              <c:numCache>
+                <c:formatCode>General</c:formatCode>
+                <c:ptCount val="4"/>
+                <c:pt idx="0">
+                  <c:v>2.4</c:v>
+                </c:pt>
+                <c:pt idx="1">
+                  <c:v>4.4</c:v>
+                </c:pt>
+                <c:pt idx="2">
+                  <c:v>1.8</c:v>
+                </c:pt>
+                <c:pt idx="3">
+                  <c:v>2.8</c:v>
+                </c:pt>
+              </c:numCache>
+            </c:numRef>
+          </c:val>
+        </c:ser>
+        <c:dLbls>
+          <c:showLegendKey val="0"/>
+          <c:showVal val="0"/>
+          <c:showCatName val="0"/>
+          <c:showSerName val="0"/>
+          <c:showPercent val="0"/>
+          <c:showBubbleSize val="0"/>
+        </c:dLbls>
+        <c:gapWidth val="219"/>
+        <c:overlap val="-27"/>
+        <c:axId val="923208115"/>
+        <c:axId val="503168670"/>
+      </c:barChart>
+      <c:lineChart>
+        <c:grouping val="standard"/>
+        <c:varyColors val="0"/>
+        <c:ser>
+          <c:idx val="2"/>
+          <c:order val="2"/>
+          <c:tx>
+            <c:strRef>
+              <c:f>Sheet1!$D$1</c:f>
+              <c:strCache>
+                <c:ptCount val="1"/>
+                <c:pt idx="0">
+                  <c:v>系列 3</c:v>
+                </c:pt>
+              </c:strCache>
+            </c:strRef>
+          </c:tx>
+          <c:spPr>
+            <a:ln w="28575" cap="rnd">
+              <a:solidFill>
+                <a:schemeClr val="accent3"/>
+              </a:solidFill>
+              <a:round/>
+            </a:ln>
+            <a:effectLst/>
+          </c:spPr>
+          <c:marker>
+            <c:symbol val="none"/>
+          </c:marker>
+          <c:dLbls>
+            <c:delete val="1"/>
+          </c:dLbls>
+          <c:cat>
+            <c:strRef>
+              <c:f>Sheet1!$A$2:$A$5</c:f>
+              <c:strCache>
+                <c:ptCount val="4"/>
+                <c:pt idx="0">
+                  <c:v>类别1</c:v>
+                </c:pt>
+                <c:pt idx="1">
+                  <c:v>类别2</c:v>
+                </c:pt>
+                <c:pt idx="2">
+                  <c:v>类别3</c:v>
+                </c:pt>
+                <c:pt idx="3">
+                  <c:v>类别4</c:v>
+                </c:pt>
+              </c:strCache>
+            </c:strRef>
+          </c:cat>
+          <c:val>
+            <c:numRef>
+              <c:f>Sheet1!$D$2:$D$5</c:f>
+              <c:numCache>
+                <c:formatCode>General</c:formatCode>
+                <c:ptCount val="4"/>
+                <c:pt idx="0">
+                  <c:v>2</c:v>
+                </c:pt>
+                <c:pt idx="1">
+                  <c:v>2</c:v>
+                </c:pt>
+                <c:pt idx="2">
+                  <c:v>3</c:v>
+                </c:pt>
+                <c:pt idx="3">
+                  <c:v>5</c:v>
+                </c:pt>
+              </c:numCache>
+            </c:numRef>
+          </c:val>
+          <c:smooth val="0"/>
+        </c:ser>
+        <c:dLbls>
+          <c:showLegendKey val="0"/>
+          <c:showVal val="0"/>
+          <c:showCatName val="0"/>
+          <c:showSerName val="0"/>
+          <c:showPercent val="0"/>
+          <c:showBubbleSize val="0"/>
+        </c:dLbls>
+        <c:marker val="0"/>
+        <c:smooth val="0"/>
+        <c:axId val="923208115"/>
+        <c:axId val="503168670"/>
+      </c:lineChart>
+      <c:catAx>
+        <c:axId val="923208115"/>
+        <c:scaling>
+          <c:orientation val="minMax"/>
+        </c:scaling>
+        <c:delete val="0"/>
+        <c:axPos val="b"/>
+        <c:majorTickMark val="none"/>
+        <c:minorTickMark val="none"/>
+        <c:tickLblPos val="nextTo"/>
+        <c:spPr>
+          <a:noFill/>
+          <a:ln w="9525" cap="flat" cmpd="sng" algn="ctr">
+            <a:solidFill>
+              <a:schemeClr val="tx1">
+                <a:lumMod val="15000"/>
+                <a:lumOff val="85000"/>
+              </a:schemeClr>
+            </a:solidFill>
+            <a:round/>
+          </a:ln>
+          <a:effectLst/>
+        </c:spPr>
+        <c:txPr>
+          <a:bodyPr rot="-60000000" spcFirstLastPara="0" vertOverflow="ellipsis" vert="horz" wrap="square" anchor="ctr" anchorCtr="1"/>
+          <a:lstStyle/>
+          <a:p>
+            <a:pPr>
+              <a:defRPr lang="zh-CN" sz="900" b="0" i="0" u="none" strike="noStrike" kern="1200" baseline="0">
+                <a:solidFill>
+                  <a:schemeClr val="tx1">
+                    <a:lumMod val="65000"/>
+                    <a:lumOff val="35000"/>
+                  </a:schemeClr>
+                </a:solidFill>
+                <a:latin typeface="+mn-lt"/>
+                <a:ea typeface="+mn-ea"/>
+                <a:cs typeface="+mn-cs"/>
+              </a:defRPr>
+            </a:pPr>
+          </a:p>
+        </c:txPr>
+        <c:crossAx val="503168670"/>
+        <c:crosses val="autoZero"/>
+        <c:auto val="1"/>
+        <c:lblAlgn val="ctr"/>
+        <c:lblOffset val="100"/>
+        <c:noMultiLvlLbl val="0"/>
+      </c:catAx>
+      <c:valAx>
+        <c:axId val="503168670"/>
+        <c:scaling>
+          <c:orientation val="minMax"/>
+        </c:scaling>
+        <c:delete val="0"/>
+        <c:axPos val="l"/>
+        <c:majorGridlines>
+          <c:spPr>
+            <a:ln w="9525" cap="flat" cmpd="sng" algn="ctr">
+              <a:solidFill>
+                <a:schemeClr val="tx1">
+                  <a:lumMod val="15000"/>
+                  <a:lumOff val="85000"/>
+                </a:schemeClr>
+              </a:solidFill>
+              <a:round/>
+            </a:ln>
+            <a:effectLst/>
+          </c:spPr>
+        </c:majorGridlines>
+        <c:numFmt formatCode="General" sourceLinked="1"/>
+        <c:majorTickMark val="none"/>
+        <c:minorTickMark val="none"/>
+        <c:tickLblPos val="nextTo"/>
+        <c:spPr>
+          <a:noFill/>
+          <a:ln>
+            <a:noFill/>
+          </a:ln>
+          <a:effectLst/>
+        </c:spPr>
+        <c:txPr>
+          <a:bodyPr rot="-60000000" spcFirstLastPara="0" vertOverflow="ellipsis" vert="horz" wrap="square" anchor="ctr" anchorCtr="1"/>
+          <a:lstStyle/>
+          <a:p>
+            <a:pPr>
+              <a:defRPr lang="zh-CN" sz="900" b="0" i="0" u="none" strike="noStrike" kern="1200" baseline="0">
+                <a:solidFill>
+                  <a:schemeClr val="tx1">
+                    <a:lumMod val="65000"/>
+                    <a:lumOff val="35000"/>
+                  </a:schemeClr>
+                </a:solidFill>
+                <a:latin typeface="+mn-lt"/>
+                <a:ea typeface="+mn-ea"/>
+                <a:cs typeface="+mn-cs"/>
+              </a:defRPr>
+            </a:pPr>
+          </a:p>
+        </c:txPr>
+        <c:crossAx val="923208115"/>
+        <c:crosses val="autoZero"/>
+        <c:crossBetween val="between"/>
+      </c:valAx>
+      <c:spPr>
+        <a:noFill/>
+        <a:ln>
+          <a:noFill/>
+        </a:ln>
+        <a:effectLst/>
+      </c:spPr>
+    </c:plotArea>
+    <c:legend>
+      <c:legendPos val="b"/>
+      <c:layout/>
+      <c:overlay val="0"/>
+      <c:spPr>
+        <a:noFill/>
+        <a:ln>
+          <a:noFill/>
+        </a:ln>
+        <a:effectLst/>
+      </c:spPr>
+      <c:txPr>
+        <a:bodyPr rot="0" spcFirstLastPara="0" vertOverflow="ellipsis" vert="horz" wrap="square" anchor="ctr" anchorCtr="1"/>
+        <a:lstStyle/>
+        <a:p>
+          <a:pPr>
+            <a:defRPr lang="zh-CN" sz="900" b="0" i="0" u="none" strike="noStrike" kern="1200" baseline="0">
+              <a:solidFill>
+                <a:schemeClr val="tx1">
+                  <a:lumMod val="65000"/>
+                  <a:lumOff val="35000"/>
+                </a:schemeClr>
+              </a:solidFill>
+              <a:latin typeface="+mn-lt"/>
+              <a:ea typeface="+mn-ea"/>
+              <a:cs typeface="+mn-cs"/>
+            </a:defRPr>
+          </a:pPr>
+        </a:p>
+      </c:txPr>
+    </c:legend>
+    <c:plotVisOnly val="1"/>
+    <c:dispBlanksAs val="gap"/>
+    <c:showDLblsOverMax val="0"/>
+  </c:chart>
+  <c:spPr>
+    <a:noFill/>
+    <a:ln>
+      <a:noFill/>
+    </a:ln>
+    <a:effectLst/>
+  </c:spPr>
+  <c:txPr>
+    <a:bodyPr/>
+    <a:lstStyle/>
+    <a:p>
+      <a:pPr>
+        <a:defRPr lang="zh-CN"/>
+      </a:pPr>
+    </a:p>
+  </c:txPr>
+  <c:externalData r:id="rId1">
+    <c:autoUpdate val="0"/>
+  </c:externalData>
+</c:chartSpace>
+</file>
+
 <file path=ppt/charts/colors1.xml><?xml version="1.0" encoding="utf-8"?>
 <cs:colorStyle xmlns:cs="http://schemas.microsoft.com/office/drawing/2012/chartStyle" xmlns:a="http://schemas.openxmlformats.org/drawingml/2006/main" meth="cycle" id="10">
   <a:schemeClr val="accent1"/>
@@ -1366,6 +1826,46 @@
 </cs:colorStyle>
 </file>
 
+<file path=ppt/charts/colors4.xml><?xml version="1.0" encoding="utf-8"?>
+<cs:colorStyle xmlns:cs="http://schemas.microsoft.com/office/drawing/2012/chartStyle" xmlns:a="http://schemas.openxmlformats.org/drawingml/2006/main" meth="cycle" id="10">
+  <a:schemeClr val="accent1"/>
+  <a:schemeClr val="accent2"/>
+  <a:schemeClr val="accent3"/>
+  <a:schemeClr val="accent4"/>
+  <a:schemeClr val="accent5"/>
+  <a:schemeClr val="accent6"/>
+  <cs:variation/>
+  <cs:variation>
+    <a:lumMod val="60000"/>
+  </cs:variation>
+  <cs:variation>
+    <a:lumMod val="80000"/>
+    <a:lumOff val="20000"/>
+  </cs:variation>
+  <cs:variation>
+    <a:lumMod val="80000"/>
+  </cs:variation>
+  <cs:variation>
+    <a:lumMod val="60000"/>
+    <a:lumOff val="40000"/>
+  </cs:variation>
+  <cs:variation>
+    <a:lumMod val="50000"/>
+  </cs:variation>
+  <cs:variation>
+    <a:lumMod val="70000"/>
+    <a:lumOff val="30000"/>
+  </cs:variation>
+  <cs:variation>
+    <a:lumMod val="70000"/>
+  </cs:variation>
+  <cs:variation>
+    <a:lumMod val="50000"/>
+    <a:lumOff val="50000"/>
+  </cs:variation>
+</cs:colorStyle>
+</file>
+
 <file path=ppt/charts/style1.xml><?xml version="1.0" encoding="utf-8"?>
 <cs:chartStyle xmlns:cs="http://schemas.microsoft.com/office/drawing/2012/chartStyle" xmlns:a="http://schemas.openxmlformats.org/drawingml/2006/main" id="251">
   <cs:axisTitle>
@@ -2553,6 +3053,509 @@
       <a:solidFill>
         <a:schemeClr val="phClr"/>
       </a:solidFill>
+      <a:ln w="9525">
+        <a:solidFill>
+          <a:schemeClr val="phClr"/>
+        </a:solidFill>
+      </a:ln>
+    </cs:spPr>
+  </cs:dataPointMarker>
+  <cs:dataPointMarkerLayout symbol="circle" size="5"/>
+  <cs:dataPointWireframe>
+    <cs:lnRef idx="0">
+      <cs:styleClr val="auto"/>
+    </cs:lnRef>
+    <cs:fillRef idx="1"/>
+    <cs:effectRef idx="0"/>
+    <cs:fontRef idx="minor">
+      <a:schemeClr val="tx1"/>
+    </cs:fontRef>
+    <cs:spPr>
+      <a:ln w="9525" cap="rnd">
+        <a:solidFill>
+          <a:schemeClr val="phClr"/>
+        </a:solidFill>
+        <a:round/>
+      </a:ln>
+    </cs:spPr>
+  </cs:dataPointWireframe>
+  <cs:dataTable>
+    <cs:lnRef idx="0"/>
+    <cs:fillRef idx="0"/>
+    <cs:effectRef idx="0"/>
+    <cs:fontRef idx="minor">
+      <a:schemeClr val="tx1">
+        <a:lumMod val="65000"/>
+        <a:lumOff val="35000"/>
+      </a:schemeClr>
+    </cs:fontRef>
+    <cs:spPr>
+      <a:noFill/>
+      <a:ln w="9525" cap="flat" cmpd="sng" algn="ctr">
+        <a:solidFill>
+          <a:schemeClr val="tx1">
+            <a:lumMod val="15000"/>
+            <a:lumOff val="85000"/>
+          </a:schemeClr>
+        </a:solidFill>
+        <a:round/>
+      </a:ln>
+    </cs:spPr>
+    <cs:defRPr sz="900" kern="1200"/>
+  </cs:dataTable>
+  <cs:downBar>
+    <cs:lnRef idx="0"/>
+    <cs:fillRef idx="0"/>
+    <cs:effectRef idx="0"/>
+    <cs:fontRef idx="minor">
+      <a:schemeClr val="dk1"/>
+    </cs:fontRef>
+    <cs:spPr>
+      <a:solidFill>
+        <a:schemeClr val="dk1">
+          <a:lumMod val="65000"/>
+          <a:lumOff val="35000"/>
+        </a:schemeClr>
+      </a:solidFill>
+      <a:ln w="9525">
+        <a:solidFill>
+          <a:schemeClr val="tx1">
+            <a:lumMod val="65000"/>
+            <a:lumOff val="35000"/>
+          </a:schemeClr>
+        </a:solidFill>
+      </a:ln>
+    </cs:spPr>
+  </cs:downBar>
+  <cs:dropLine>
+    <cs:lnRef idx="0"/>
+    <cs:fillRef idx="0"/>
+    <cs:effectRef idx="0"/>
+    <cs:fontRef idx="minor">
+      <a:schemeClr val="tx1"/>
+    </cs:fontRef>
+    <cs:spPr>
+      <a:ln w="9525" cap="flat" cmpd="sng" algn="ctr">
+        <a:solidFill>
+          <a:schemeClr val="tx1">
+            <a:lumMod val="35000"/>
+            <a:lumOff val="65000"/>
+          </a:schemeClr>
+        </a:solidFill>
+        <a:round/>
+      </a:ln>
+    </cs:spPr>
+  </cs:dropLine>
+  <cs:errorBar>
+    <cs:lnRef idx="0"/>
+    <cs:fillRef idx="0"/>
+    <cs:effectRef idx="0"/>
+    <cs:fontRef idx="minor">
+      <a:schemeClr val="tx1"/>
+    </cs:fontRef>
+    <cs:spPr>
+      <a:ln w="9525" cap="flat" cmpd="sng" algn="ctr">
+        <a:solidFill>
+          <a:schemeClr val="tx1">
+            <a:lumMod val="65000"/>
+            <a:lumOff val="35000"/>
+          </a:schemeClr>
+        </a:solidFill>
+        <a:round/>
+      </a:ln>
+    </cs:spPr>
+  </cs:errorBar>
+  <cs:floor>
+    <cs:lnRef idx="0"/>
+    <cs:fillRef idx="0"/>
+    <cs:effectRef idx="0"/>
+    <cs:fontRef idx="minor">
+      <a:schemeClr val="tx1"/>
+    </cs:fontRef>
+    <cs:spPr>
+      <a:noFill/>
+      <a:ln>
+        <a:noFill/>
+      </a:ln>
+    </cs:spPr>
+  </cs:floor>
+  <cs:gridlineMajor>
+    <cs:lnRef idx="0"/>
+    <cs:fillRef idx="0"/>
+    <cs:effectRef idx="0"/>
+    <cs:fontRef idx="minor">
+      <a:schemeClr val="tx1"/>
+    </cs:fontRef>
+    <cs:spPr>
+      <a:ln w="9525" cap="flat" cmpd="sng" algn="ctr">
+        <a:solidFill>
+          <a:schemeClr val="tx1">
+            <a:lumMod val="15000"/>
+            <a:lumOff val="85000"/>
+          </a:schemeClr>
+        </a:solidFill>
+        <a:round/>
+      </a:ln>
+    </cs:spPr>
+  </cs:gridlineMajor>
+  <cs:gridlineMinor>
+    <cs:lnRef idx="0"/>
+    <cs:fillRef idx="0"/>
+    <cs:effectRef idx="0"/>
+    <cs:fontRef idx="minor">
+      <a:schemeClr val="tx1"/>
+    </cs:fontRef>
+    <cs:spPr>
+      <a:ln w="9525" cap="flat" cmpd="sng" algn="ctr">
+        <a:solidFill>
+          <a:schemeClr val="tx1">
+            <a:lumMod val="5000"/>
+            <a:lumOff val="95000"/>
+          </a:schemeClr>
+        </a:solidFill>
+        <a:round/>
+      </a:ln>
+    </cs:spPr>
+  </cs:gridlineMinor>
+  <cs:hiLoLine>
+    <cs:lnRef idx="0"/>
+    <cs:fillRef idx="0"/>
+    <cs:effectRef idx="0"/>
+    <cs:fontRef idx="minor">
+      <a:schemeClr val="tx1"/>
+    </cs:fontRef>
+    <cs:spPr>
+      <a:ln w="9525" cap="flat" cmpd="sng" algn="ctr">
+        <a:solidFill>
+          <a:schemeClr val="tx1">
+            <a:lumMod val="75000"/>
+            <a:lumOff val="25000"/>
+          </a:schemeClr>
+        </a:solidFill>
+        <a:round/>
+      </a:ln>
+    </cs:spPr>
+  </cs:hiLoLine>
+  <cs:leaderLine>
+    <cs:lnRef idx="0"/>
+    <cs:fillRef idx="0"/>
+    <cs:effectRef idx="0"/>
+    <cs:fontRef idx="minor">
+      <a:schemeClr val="tx1"/>
+    </cs:fontRef>
+    <cs:spPr>
+      <a:ln w="9525" cap="flat" cmpd="sng" algn="ctr">
+        <a:solidFill>
+          <a:schemeClr val="tx1">
+            <a:lumMod val="35000"/>
+            <a:lumOff val="65000"/>
+          </a:schemeClr>
+        </a:solidFill>
+        <a:round/>
+      </a:ln>
+    </cs:spPr>
+  </cs:leaderLine>
+  <cs:legend>
+    <cs:lnRef idx="0"/>
+    <cs:fillRef idx="0"/>
+    <cs:effectRef idx="0"/>
+    <cs:fontRef idx="minor">
+      <a:schemeClr val="tx1">
+        <a:lumMod val="65000"/>
+        <a:lumOff val="35000"/>
+      </a:schemeClr>
+    </cs:fontRef>
+    <cs:defRPr sz="900" kern="1200"/>
+  </cs:legend>
+  <cs:plotArea mods="allowNoFillOverride allowNoLineOverride">
+    <cs:lnRef idx="0"/>
+    <cs:fillRef idx="0"/>
+    <cs:effectRef idx="0"/>
+    <cs:fontRef idx="minor">
+      <a:schemeClr val="tx1"/>
+    </cs:fontRef>
+  </cs:plotArea>
+  <cs:plotArea3D mods="allowNoFillOverride allowNoLineOverride">
+    <cs:lnRef idx="0"/>
+    <cs:fillRef idx="0"/>
+    <cs:effectRef idx="0"/>
+    <cs:fontRef idx="minor">
+      <a:schemeClr val="tx1"/>
+    </cs:fontRef>
+  </cs:plotArea3D>
+  <cs:seriesAxis>
+    <cs:lnRef idx="0"/>
+    <cs:fillRef idx="0"/>
+    <cs:effectRef idx="0"/>
+    <cs:fontRef idx="minor">
+      <a:schemeClr val="tx1">
+        <a:lumMod val="65000"/>
+        <a:lumOff val="35000"/>
+      </a:schemeClr>
+    </cs:fontRef>
+    <cs:defRPr sz="900" kern="1200"/>
+  </cs:seriesAxis>
+  <cs:seriesLine>
+    <cs:lnRef idx="0"/>
+    <cs:fillRef idx="0"/>
+    <cs:effectRef idx="0"/>
+    <cs:fontRef idx="minor">
+      <a:schemeClr val="tx1"/>
+    </cs:fontRef>
+    <cs:spPr>
+      <a:ln w="9525" cap="flat" cmpd="sng" algn="ctr">
+        <a:solidFill>
+          <a:schemeClr val="tx1">
+            <a:lumMod val="35000"/>
+            <a:lumOff val="65000"/>
+          </a:schemeClr>
+        </a:solidFill>
+        <a:round/>
+      </a:ln>
+    </cs:spPr>
+  </cs:seriesLine>
+  <cs:title>
+    <cs:lnRef idx="0"/>
+    <cs:fillRef idx="0"/>
+    <cs:effectRef idx="0"/>
+    <cs:fontRef idx="minor">
+      <a:schemeClr val="tx1">
+        <a:lumMod val="65000"/>
+        <a:lumOff val="35000"/>
+      </a:schemeClr>
+    </cs:fontRef>
+    <cs:defRPr sz="1400" b="0" kern="1200" spc="0" baseline="0"/>
+  </cs:title>
+  <cs:trendline>
+    <cs:lnRef idx="0">
+      <cs:styleClr val="auto"/>
+    </cs:lnRef>
+    <cs:fillRef idx="0"/>
+    <cs:effectRef idx="0"/>
+    <cs:fontRef idx="minor">
+      <a:schemeClr val="tx1"/>
+    </cs:fontRef>
+    <cs:spPr>
+      <a:ln w="19050" cap="rnd">
+        <a:solidFill>
+          <a:schemeClr val="phClr"/>
+        </a:solidFill>
+        <a:prstDash val="sysDot"/>
+      </a:ln>
+    </cs:spPr>
+  </cs:trendline>
+  <cs:trendlineLabel>
+    <cs:lnRef idx="0"/>
+    <cs:fillRef idx="0"/>
+    <cs:effectRef idx="0"/>
+    <cs:fontRef idx="minor">
+      <a:schemeClr val="tx1">
+        <a:lumMod val="65000"/>
+        <a:lumOff val="35000"/>
+      </a:schemeClr>
+    </cs:fontRef>
+    <cs:defRPr sz="900" kern="1200"/>
+  </cs:trendlineLabel>
+  <cs:upBar>
+    <cs:lnRef idx="0"/>
+    <cs:fillRef idx="0"/>
+    <cs:effectRef idx="0"/>
+    <cs:fontRef idx="minor">
+      <a:schemeClr val="dk1"/>
+    </cs:fontRef>
+    <cs:spPr>
+      <a:solidFill>
+        <a:schemeClr val="lt1"/>
+      </a:solidFill>
+      <a:ln w="9525">
+        <a:solidFill>
+          <a:schemeClr val="tx1">
+            <a:lumMod val="15000"/>
+            <a:lumOff val="85000"/>
+          </a:schemeClr>
+        </a:solidFill>
+      </a:ln>
+    </cs:spPr>
+  </cs:upBar>
+  <cs:valueAxis>
+    <cs:lnRef idx="0"/>
+    <cs:fillRef idx="0"/>
+    <cs:effectRef idx="0"/>
+    <cs:fontRef idx="minor">
+      <a:schemeClr val="tx1">
+        <a:lumMod val="65000"/>
+        <a:lumOff val="35000"/>
+      </a:schemeClr>
+    </cs:fontRef>
+    <cs:defRPr sz="900" kern="1200"/>
+  </cs:valueAxis>
+  <cs:wall>
+    <cs:lnRef idx="0"/>
+    <cs:fillRef idx="0"/>
+    <cs:effectRef idx="0"/>
+    <cs:fontRef idx="minor">
+      <a:schemeClr val="tx1"/>
+    </cs:fontRef>
+    <cs:spPr>
+      <a:noFill/>
+      <a:ln>
+        <a:noFill/>
+      </a:ln>
+    </cs:spPr>
+  </cs:wall>
+</cs:chartStyle>
+</file>
+
+<file path=ppt/charts/style4.xml><?xml version="1.0" encoding="utf-8"?>
+<cs:chartStyle xmlns:cs="http://schemas.microsoft.com/office/drawing/2012/chartStyle" xmlns:a="http://schemas.openxmlformats.org/drawingml/2006/main" id="201">
+  <cs:axisTitle>
+    <cs:lnRef idx="0"/>
+    <cs:fillRef idx="0"/>
+    <cs:effectRef idx="0"/>
+    <cs:fontRef idx="minor">
+      <a:schemeClr val="tx1">
+        <a:lumMod val="65000"/>
+        <a:lumOff val="35000"/>
+      </a:schemeClr>
+    </cs:fontRef>
+    <cs:defRPr sz="1000" kern="1200"/>
+  </cs:axisTitle>
+  <cs:categoryAxis>
+    <cs:lnRef idx="0"/>
+    <cs:fillRef idx="0"/>
+    <cs:effectRef idx="0"/>
+    <cs:fontRef idx="minor">
+      <a:schemeClr val="tx1">
+        <a:lumMod val="65000"/>
+        <a:lumOff val="35000"/>
+      </a:schemeClr>
+    </cs:fontRef>
+    <cs:spPr>
+      <a:ln w="9525" cap="flat" cmpd="sng" algn="ctr">
+        <a:solidFill>
+          <a:schemeClr val="tx1">
+            <a:lumMod val="15000"/>
+            <a:lumOff val="85000"/>
+          </a:schemeClr>
+        </a:solidFill>
+        <a:round/>
+      </a:ln>
+    </cs:spPr>
+    <cs:defRPr sz="900" kern="1200"/>
+  </cs:categoryAxis>
+  <cs:chartArea mods="allowNoFillOverride allowNoLineOverride">
+    <cs:lnRef idx="0"/>
+    <cs:fillRef idx="0"/>
+    <cs:effectRef idx="0"/>
+    <cs:fontRef idx="minor">
+      <a:schemeClr val="tx1"/>
+    </cs:fontRef>
+    <cs:spPr>
+      <a:solidFill>
+        <a:schemeClr val="bg1"/>
+      </a:solidFill>
+      <a:ln w="9525" cap="flat" cmpd="sng" algn="ctr">
+        <a:solidFill>
+          <a:schemeClr val="tx1">
+            <a:lumMod val="15000"/>
+            <a:lumOff val="85000"/>
+          </a:schemeClr>
+        </a:solidFill>
+        <a:round/>
+      </a:ln>
+    </cs:spPr>
+    <cs:defRPr sz="1000" kern="1200"/>
+  </cs:chartArea>
+  <cs:dataLabel>
+    <cs:lnRef idx="0"/>
+    <cs:fillRef idx="0"/>
+    <cs:effectRef idx="0"/>
+    <cs:fontRef idx="minor">
+      <a:schemeClr val="tx1">
+        <a:lumMod val="75000"/>
+        <a:lumOff val="25000"/>
+      </a:schemeClr>
+    </cs:fontRef>
+    <cs:defRPr sz="900" kern="1200"/>
+  </cs:dataLabel>
+  <cs:dataLabelCallout>
+    <cs:lnRef idx="0"/>
+    <cs:fillRef idx="0"/>
+    <cs:effectRef idx="0"/>
+    <cs:fontRef idx="minor">
+      <a:schemeClr val="dk1">
+        <a:lumMod val="65000"/>
+        <a:lumOff val="35000"/>
+      </a:schemeClr>
+    </cs:fontRef>
+    <cs:spPr>
+      <a:solidFill>
+        <a:schemeClr val="lt1"/>
+      </a:solidFill>
+      <a:ln>
+        <a:solidFill>
+          <a:schemeClr val="dk1">
+            <a:lumMod val="25000"/>
+            <a:lumOff val="75000"/>
+          </a:schemeClr>
+        </a:solidFill>
+      </a:ln>
+    </cs:spPr>
+    <cs:defRPr sz="900" kern="1200"/>
+    <cs:bodyPr rot="0" spcFirstLastPara="1" vertOverflow="clip" horzOverflow="clip" vert="horz" wrap="square" lIns="36576" tIns="18288" rIns="36576" bIns="18288" anchor="ctr" anchorCtr="1">
+      <a:spAutoFit/>
+    </cs:bodyPr>
+  </cs:dataLabelCallout>
+  <cs:dataPoint>
+    <cs:lnRef idx="0"/>
+    <cs:fillRef idx="1">
+      <cs:styleClr val="auto"/>
+    </cs:fillRef>
+    <cs:effectRef idx="0"/>
+    <cs:fontRef idx="minor">
+      <a:schemeClr val="tx1"/>
+    </cs:fontRef>
+  </cs:dataPoint>
+  <cs:dataPoint3D>
+    <cs:lnRef idx="0"/>
+    <cs:fillRef idx="1">
+      <cs:styleClr val="auto"/>
+    </cs:fillRef>
+    <cs:effectRef idx="0"/>
+    <cs:fontRef idx="minor">
+      <a:schemeClr val="tx1"/>
+    </cs:fontRef>
+  </cs:dataPoint3D>
+  <cs:dataPointLine>
+    <cs:lnRef idx="0">
+      <cs:styleClr val="auto"/>
+    </cs:lnRef>
+    <cs:fillRef idx="1"/>
+    <cs:effectRef idx="0"/>
+    <cs:fontRef idx="minor">
+      <a:schemeClr val="tx1"/>
+    </cs:fontRef>
+    <cs:spPr>
+      <a:ln w="28575" cap="rnd">
+        <a:solidFill>
+          <a:schemeClr val="phClr"/>
+        </a:solidFill>
+        <a:round/>
+      </a:ln>
+    </cs:spPr>
+  </cs:dataPointLine>
+  <cs:dataPointMarker>
+    <cs:lnRef idx="0">
+      <cs:styleClr val="auto"/>
+    </cs:lnRef>
+    <cs:fillRef idx="1">
+      <cs:styleClr val="auto"/>
+    </cs:fillRef>
+    <cs:effectRef idx="0"/>
+    <cs:fontRef idx="minor">
+      <a:schemeClr val="tx1"/>
+    </cs:fontRef>
+    <cs:spPr>
       <a:ln w="9525">
         <a:solidFill>
           <a:schemeClr val="phClr"/>
@@ -5979,6 +6982,76 @@
 </p:sld>
 </file>
 
+<file path=ppt/slides/slide3.xml><?xml version="1.0" encoding="utf-8"?>
+<p:sld xmlns:a="http://schemas.openxmlformats.org/drawingml/2006/main" xmlns:r="http://schemas.openxmlformats.org/officeDocument/2006/relationships" xmlns:p="http://schemas.openxmlformats.org/presentationml/2006/main">
+  <p:cSld>
+    <p:spTree>
+      <p:nvGrpSpPr>
+        <p:cNvPr id="1" name=""/>
+        <p:cNvGrpSpPr/>
+        <p:nvPr/>
+      </p:nvGrpSpPr>
+      <p:grpSpPr/>
+      <p:graphicFrame>
+        <p:nvGraphicFramePr>
+          <p:cNvPr id="4" name="图表 3" descr="#chartC"/>
+          <p:cNvGraphicFramePr/>
+          <p:nvPr/>
+        </p:nvGraphicFramePr>
+        <p:xfrm>
+          <a:off x="2091055" y="644525"/>
+          <a:ext cx="8530590" cy="5803900"/>
+        </p:xfrm>
+        <a:graphic>
+          <a:graphicData uri="http://schemas.openxmlformats.org/drawingml/2006/chart">
+            <c:chart xmlns:c="http://schemas.openxmlformats.org/drawingml/2006/chart" xmlns:r="http://schemas.openxmlformats.org/officeDocument/2006/relationships" r:id="rId1"/>
+          </a:graphicData>
+        </a:graphic>
+      </p:graphicFrame>
+      <p:sp>
+        <p:nvSpPr>
+          <p:cNvPr id="5" name="标题 4"/>
+          <p:cNvSpPr>
+            <a:spLocks noGrp="1"/>
+          </p:cNvSpPr>
+          <p:nvPr>
+            <p:ph type="title"/>
+          </p:nvPr>
+        </p:nvSpPr>
+        <p:spPr>
+          <a:xfrm>
+            <a:off x="256615" y="280970"/>
+            <a:ext cx="7768800" cy="766800"/>
+          </a:xfrm>
+        </p:spPr>
+        <p:txBody>
+          <a:bodyPr>
+            <a:normAutofit fontScale="90000"/>
+          </a:bodyPr>
+          <a:p>
+            <a:r>
+              <a:rPr lang="zh-CN" altLang="en-US"/>
+              <a:t>组合图表（</a:t>
+            </a:r>
+            <a:r>
+              <a:rPr lang="zh-CN" altLang="en-US"/>
+              <a:t>暂不支持）</a:t>
+            </a:r>
+            <a:endParaRPr lang="zh-CN" altLang="en-US"/>
+          </a:p>
+        </p:txBody>
+      </p:sp>
+    </p:spTree>
+    <p:custDataLst>
+      <p:tags r:id="rId2"/>
+    </p:custDataLst>
+  </p:cSld>
+  <p:clrMapOvr>
+    <a:masterClrMapping/>
+  </p:clrMapOvr>
+</p:sld>
+</file>
+
 <file path=ppt/tags/tag1.xml><?xml version="1.0" encoding="utf-8"?>
 <p:tagLst xmlns:p="http://schemas.openxmlformats.org/presentationml/2006/main">
   <p:tag name="KSO_WM_UNIT_HIGHLIGHT" val="0"/>
@@ -6782,7 +7855,16 @@
 
 <file path=ppt/tags/tag65.xml><?xml version="1.0" encoding="utf-8"?>
 <p:tagLst xmlns:p="http://schemas.openxmlformats.org/presentationml/2006/main">
-  <p:tag name="COMMONDATA" val="eyJoZGlkIjoiMmYyM2FkNjIwN2U1MjdmZWY0NjVjYTUzNDNlYzlhZmEifQ=="/>
+  <p:tag name="KSO_WM_BEAUTIFY_FLAG" val="#wm#"/>
+  <p:tag name="KSO_WM_TEMPLATE_CATEGORY" val="custom"/>
+  <p:tag name="KSO_WM_TEMPLATE_INDEX" val="20205176"/>
+</p:tagLst>
+</file>
+
+<file path=ppt/tags/tag66.xml><?xml version="1.0" encoding="utf-8"?>
+<p:tagLst xmlns:p="http://schemas.openxmlformats.org/presentationml/2006/main">
+  <p:tag name="COMMONDATA" val="eyJoZGlkIjoiMTU3NzlmYjI5NWRkMWM4ZWEyMTg2ZjIzNmE0ODAwZjMifQ=="/>
+  <p:tag name="KSO_WPP_MARK_KEY" val="8e24b64b-9846-4c8f-94c7-b364bd989930"/>
 </p:tagLst>
 </file>
 

--- a/src/test/resources/chart.pptx
+++ b/src/test/resources/chart.pptx
@@ -747,6 +747,44 @@
   </mc:AlternateContent>
   <c:chart>
     <c:title>
+      <c:tx>
+        <c:rich>
+          <a:bodyPr rot="0" spcFirstLastPara="0" vertOverflow="ellipsis" vert="horz" wrap="square" anchor="ctr" anchorCtr="1"/>
+          <a:lstStyle/>
+          <a:p>
+            <a:pPr defTabSz="914400">
+              <a:defRPr lang="zh-CN" sz="1400" b="0" i="0" u="none" strike="noStrike" kern="1200" spc="0" baseline="0">
+                <a:solidFill>
+                  <a:schemeClr val="tx1">
+                    <a:lumMod val="65000"/>
+                    <a:lumOff val="35000"/>
+                  </a:schemeClr>
+                </a:solidFill>
+                <a:latin typeface="+mn-lt"/>
+                <a:ea typeface="+mn-ea"/>
+                <a:cs typeface="+mn-cs"/>
+              </a:defRPr>
+            </a:pPr>
+            <a:r>
+              <a:rPr lang="en-US" altLang="zh-CN"/>
+              <a:t>ui=</a:t>
+            </a:r>
+            <a:r>
+              <a:t>4系列</a:t>
+            </a:r>
+            <a:r>
+              <a:rPr lang="en-US" altLang="zh-CN"/>
+              <a:t>,data=</a:t>
+            </a:r>
+            <a:r>
+              <a:t>3系列，会自动</a:t>
+            </a:r>
+            <a:r>
+              <a:t>缩</a:t>
+            </a:r>
+          </a:p>
+        </c:rich>
+      </c:tx>
       <c:layout/>
       <c:overlay val="0"/>
       <c:spPr>
@@ -756,25 +794,6 @@
         </a:ln>
         <a:effectLst/>
       </c:spPr>
-      <c:txPr>
-        <a:bodyPr rot="0" spcFirstLastPara="0" vertOverflow="ellipsis" vert="horz" wrap="square" anchor="ctr" anchorCtr="1"/>
-        <a:lstStyle/>
-        <a:p>
-          <a:pPr>
-            <a:defRPr lang="zh-CN" sz="1400" b="0" i="0" u="none" strike="noStrike" kern="1200" spc="0" baseline="0">
-              <a:solidFill>
-                <a:schemeClr val="tx1">
-                  <a:lumMod val="65000"/>
-                  <a:lumOff val="35000"/>
-                </a:schemeClr>
-              </a:solidFill>
-              <a:latin typeface="+mn-lt"/>
-              <a:ea typeface="+mn-ea"/>
-              <a:cs typeface="+mn-cs"/>
-            </a:defRPr>
-          </a:pPr>
-        </a:p>
-      </c:txPr>
     </c:title>
     <c:autoTitleDeleted val="0"/>
     <c:plotArea>
@@ -1256,6 +1275,58 @@
   </mc:AlternateContent>
   <c:chart>
     <c:title>
+      <c:tx>
+        <c:rich>
+          <a:bodyPr rot="0" spcFirstLastPara="0" vertOverflow="ellipsis" vert="horz" wrap="square" anchor="ctr" anchorCtr="1"/>
+          <a:lstStyle/>
+          <a:p>
+            <a:pPr defTabSz="914400">
+              <a:defRPr lang="zh-CN" sz="1400" b="0" i="0" u="none" strike="noStrike" kern="1200" spc="0" baseline="0">
+                <a:solidFill>
+                  <a:schemeClr val="tx1">
+                    <a:lumMod val="65000"/>
+                    <a:lumOff val="35000"/>
+                  </a:schemeClr>
+                </a:solidFill>
+                <a:latin typeface="+mn-lt"/>
+                <a:ea typeface="+mn-ea"/>
+                <a:cs typeface="+mn-cs"/>
+              </a:defRPr>
+            </a:pPr>
+            <a:r>
+              <a:rPr lang="en-US" altLang="zh-CN"/>
+              <a:t>ui=</a:t>
+            </a:r>
+            <a:r>
+              <a:t>2系列</a:t>
+            </a:r>
+            <a:r>
+              <a:rPr lang="en-US" altLang="zh-CN"/>
+              <a:t>,data=</a:t>
+            </a:r>
+            <a:r>
+              <a:t>3系列</a:t>
+            </a:r>
+            <a:r>
+              <a:rPr lang="en-US" altLang="zh-CN"/>
+              <a:t>,</a:t>
+            </a:r>
+            <a:r>
+              <a:rPr altLang="en-US">
+                <a:solidFill>
+                  <a:srgbClr val="FF0000"/>
+                </a:solidFill>
+              </a:rPr>
+              <a:t>不会</a:t>
+            </a:r>
+            <a:r>
+              <a:rPr altLang="en-US"/>
+              <a:t>扩</a:t>
+            </a:r>
+            <a:endParaRPr altLang="en-US"/>
+          </a:p>
+        </c:rich>
+      </c:tx>
       <c:layout/>
       <c:overlay val="0"/>
       <c:spPr>
@@ -1265,25 +1336,6 @@
         </a:ln>
         <a:effectLst/>
       </c:spPr>
-      <c:txPr>
-        <a:bodyPr rot="0" spcFirstLastPara="0" vertOverflow="ellipsis" vert="horz" wrap="square" anchor="ctr" anchorCtr="1"/>
-        <a:lstStyle/>
-        <a:p>
-          <a:pPr>
-            <a:defRPr lang="zh-CN" sz="1400" b="0" i="0" u="none" strike="noStrike" kern="1200" spc="0" baseline="0">
-              <a:solidFill>
-                <a:schemeClr val="tx1">
-                  <a:lumMod val="65000"/>
-                  <a:lumOff val="35000"/>
-                </a:schemeClr>
-              </a:solidFill>
-              <a:latin typeface="+mn-lt"/>
-              <a:ea typeface="+mn-ea"/>
-              <a:cs typeface="+mn-cs"/>
-            </a:defRPr>
-          </a:pPr>
-        </a:p>
-      </c:txPr>
     </c:title>
     <c:autoTitleDeleted val="0"/>
     <c:plotArea>
@@ -1308,7 +1360,7 @@
           </c:tx>
           <c:spPr>
             <a:solidFill>
-              <a:schemeClr val="accent1"/>
+              <a:schemeClr val="accent3"/>
             </a:solidFill>
             <a:ln>
               <a:noFill/>
@@ -1377,7 +1429,7 @@
           </c:tx>
           <c:spPr>
             <a:solidFill>
-              <a:schemeClr val="accent2"/>
+              <a:schemeClr val="accent6"/>
             </a:solidFill>
             <a:ln>
               <a:noFill/>
@@ -1646,20 +1698,20 @@
               </a:defRPr>
             </a:pPr>
             <a:r>
-              <a:rPr lang="en-US" altLang="zh-CN"/>
-              <a:t>2</a:t>
+              <a:rPr altLang="en-US"/>
+              <a:t>ui=2系列,data=3系列,</a:t>
+            </a:r>
+            <a:r>
+              <a:rPr altLang="en-US">
+                <a:solidFill>
+                  <a:srgbClr val="FF0000"/>
+                </a:solidFill>
+              </a:rPr>
+              <a:t>不会</a:t>
             </a:r>
             <a:r>
               <a:rPr altLang="en-US"/>
-              <a:t>系列变</a:t>
-            </a:r>
-            <a:r>
-              <a:rPr lang="en-US" altLang="zh-CN"/>
-              <a:t>3</a:t>
-            </a:r>
-            <a:r>
-              <a:rPr altLang="en-US"/>
-              <a:t>系列</a:t>
+              <a:t>扩</a:t>
             </a:r>
             <a:endParaRPr altLang="en-US"/>
           </a:p>
@@ -2042,20 +2094,8 @@
               </a:defRPr>
             </a:pPr>
             <a:r>
-              <a:rPr lang="en-US" altLang="zh-CN"/>
-              <a:t>4</a:t>
-            </a:r>
-            <a:r>
               <a:rPr altLang="en-US"/>
-              <a:t>系列变</a:t>
-            </a:r>
-            <a:r>
-              <a:rPr lang="en-US" altLang="zh-CN"/>
-              <a:t>3</a:t>
-            </a:r>
-            <a:r>
-              <a:rPr altLang="en-US"/>
-              <a:t>系列</a:t>
+              <a:t>ui=4系列,data=3系列，会自动缩</a:t>
             </a:r>
             <a:endParaRPr altLang="en-US"/>
           </a:p>
@@ -2563,6 +2603,44 @@
   </mc:AlternateContent>
   <c:chart>
     <c:title>
+      <c:tx>
+        <c:rich>
+          <a:bodyPr rot="0" spcFirstLastPara="0" vertOverflow="ellipsis" vert="horz" wrap="square" anchor="ctr" anchorCtr="1"/>
+          <a:lstStyle/>
+          <a:p>
+            <a:pPr defTabSz="914400">
+              <a:defRPr lang="zh-CN" sz="1400" b="0" i="0" u="none" strike="noStrike" kern="1200" spc="0" baseline="0">
+                <a:solidFill>
+                  <a:schemeClr val="tx1">
+                    <a:lumMod val="65000"/>
+                    <a:lumOff val="35000"/>
+                  </a:schemeClr>
+                </a:solidFill>
+                <a:latin typeface="+mn-lt"/>
+                <a:ea typeface="+mn-ea"/>
+                <a:cs typeface="+mn-cs"/>
+              </a:defRPr>
+            </a:pPr>
+            <a:r>
+              <a:rPr lang="en-US" altLang="zh-CN"/>
+              <a:t>ui=2系列,data=3系列,</a:t>
+            </a:r>
+            <a:r>
+              <a:rPr lang="en-US" altLang="zh-CN">
+                <a:solidFill>
+                  <a:srgbClr val="FF0000"/>
+                </a:solidFill>
+              </a:rPr>
+              <a:t>不会</a:t>
+            </a:r>
+            <a:r>
+              <a:rPr lang="en-US" altLang="zh-CN"/>
+              <a:t>扩</a:t>
+            </a:r>
+            <a:endParaRPr lang="en-US" altLang="zh-CN"/>
+          </a:p>
+        </c:rich>
+      </c:tx>
       <c:layout/>
       <c:overlay val="0"/>
       <c:spPr>
@@ -2572,25 +2650,6 @@
         </a:ln>
         <a:effectLst/>
       </c:spPr>
-      <c:txPr>
-        <a:bodyPr rot="0" spcFirstLastPara="0" vertOverflow="ellipsis" vert="horz" wrap="square" anchor="ctr" anchorCtr="1"/>
-        <a:lstStyle/>
-        <a:p>
-          <a:pPr>
-            <a:defRPr lang="zh-CN" sz="1400" b="0" i="0" u="none" strike="noStrike" kern="1200" spc="0" baseline="0">
-              <a:solidFill>
-                <a:schemeClr val="tx1">
-                  <a:lumMod val="65000"/>
-                  <a:lumOff val="35000"/>
-                </a:schemeClr>
-              </a:solidFill>
-              <a:latin typeface="+mn-lt"/>
-              <a:ea typeface="+mn-ea"/>
-              <a:cs typeface="+mn-cs"/>
-            </a:defRPr>
-          </a:pPr>
-        </a:p>
-      </c:txPr>
     </c:title>
     <c:autoTitleDeleted val="0"/>
     <c:plotArea>
@@ -2632,16 +2691,443 @@
               <c:strCache>
                 <c:ptCount val="4"/>
                 <c:pt idx="0">
-                  <c:v>类别1</c:v>
+                  <c:v>类别 1</c:v>
                 </c:pt>
                 <c:pt idx="1">
-                  <c:v>类别2</c:v>
+                  <c:v>类别 2</c:v>
                 </c:pt>
                 <c:pt idx="2">
-                  <c:v>类别3</c:v>
+                  <c:v>类别 3</c:v>
                 </c:pt>
                 <c:pt idx="3">
-                  <c:v>类别4</c:v>
+                  <c:v>类别 4</c:v>
+                </c:pt>
+              </c:strCache>
+            </c:strRef>
+          </c:cat>
+          <c:val>
+            <c:numRef>
+              <c:f>Sheet1!$B$2:$B$5</c:f>
+              <c:numCache>
+                <c:formatCode>General</c:formatCode>
+                <c:ptCount val="4"/>
+                <c:pt idx="0">
+                  <c:v>4.3</c:v>
+                </c:pt>
+                <c:pt idx="1">
+                  <c:v>2.5</c:v>
+                </c:pt>
+                <c:pt idx="2">
+                  <c:v>3.5</c:v>
+                </c:pt>
+                <c:pt idx="3">
+                  <c:v>4.5</c:v>
+                </c:pt>
+              </c:numCache>
+            </c:numRef>
+          </c:val>
+        </c:ser>
+        <c:dLbls>
+          <c:showLegendKey val="0"/>
+          <c:showVal val="0"/>
+          <c:showCatName val="0"/>
+          <c:showSerName val="0"/>
+          <c:showPercent val="0"/>
+          <c:showBubbleSize val="0"/>
+        </c:dLbls>
+        <c:gapWidth val="219"/>
+        <c:overlap val="-27"/>
+        <c:axId val="923208115"/>
+        <c:axId val="503168670"/>
+      </c:barChart>
+      <c:lineChart>
+        <c:grouping val="stacked"/>
+        <c:varyColors val="0"/>
+        <c:ser>
+          <c:idx val="1"/>
+          <c:order val="1"/>
+          <c:tx>
+            <c:strRef>
+              <c:f>Sheet1!$C$1</c:f>
+              <c:strCache>
+                <c:ptCount val="1"/>
+                <c:pt idx="0">
+                  <c:v>系列 2</c:v>
+                </c:pt>
+              </c:strCache>
+            </c:strRef>
+          </c:tx>
+          <c:spPr>
+            <a:ln w="28575" cap="rnd">
+              <a:solidFill>
+                <a:schemeClr val="accent2"/>
+              </a:solidFill>
+              <a:round/>
+            </a:ln>
+            <a:effectLst/>
+          </c:spPr>
+          <c:marker>
+            <c:symbol val="circle"/>
+            <c:size val="5"/>
+            <c:spPr>
+              <a:solidFill>
+                <a:schemeClr val="accent2"/>
+              </a:solidFill>
+              <a:ln w="9525">
+                <a:solidFill>
+                  <a:schemeClr val="accent2"/>
+                </a:solidFill>
+              </a:ln>
+              <a:effectLst/>
+            </c:spPr>
+          </c:marker>
+          <c:dLbls>
+            <c:delete val="1"/>
+          </c:dLbls>
+          <c:cat>
+            <c:strRef>
+              <c:f>Sheet1!$A$2:$A$5</c:f>
+              <c:strCache>
+                <c:ptCount val="4"/>
+                <c:pt idx="0">
+                  <c:v>类别 1</c:v>
+                </c:pt>
+                <c:pt idx="1">
+                  <c:v>类别 2</c:v>
+                </c:pt>
+                <c:pt idx="2">
+                  <c:v>类别 3</c:v>
+                </c:pt>
+                <c:pt idx="3">
+                  <c:v>类别 4</c:v>
+                </c:pt>
+              </c:strCache>
+            </c:strRef>
+          </c:cat>
+          <c:val>
+            <c:numRef>
+              <c:f>Sheet1!$C$2:$C$5</c:f>
+              <c:numCache>
+                <c:formatCode>General</c:formatCode>
+                <c:ptCount val="4"/>
+                <c:pt idx="0">
+                  <c:v>2.4</c:v>
+                </c:pt>
+                <c:pt idx="1">
+                  <c:v>4.4</c:v>
+                </c:pt>
+                <c:pt idx="2">
+                  <c:v>1.8</c:v>
+                </c:pt>
+                <c:pt idx="3">
+                  <c:v>2.8</c:v>
+                </c:pt>
+              </c:numCache>
+            </c:numRef>
+          </c:val>
+          <c:smooth val="0"/>
+        </c:ser>
+        <c:dLbls>
+          <c:showLegendKey val="0"/>
+          <c:showVal val="0"/>
+          <c:showCatName val="0"/>
+          <c:showSerName val="0"/>
+          <c:showPercent val="0"/>
+          <c:showBubbleSize val="0"/>
+        </c:dLbls>
+        <c:marker val="1"/>
+        <c:smooth val="0"/>
+        <c:axId val="923208115"/>
+        <c:axId val="503168670"/>
+      </c:lineChart>
+      <c:catAx>
+        <c:axId val="923208115"/>
+        <c:scaling>
+          <c:orientation val="minMax"/>
+        </c:scaling>
+        <c:delete val="0"/>
+        <c:axPos val="b"/>
+        <c:majorTickMark val="none"/>
+        <c:minorTickMark val="none"/>
+        <c:tickLblPos val="nextTo"/>
+        <c:spPr>
+          <a:noFill/>
+          <a:ln w="9525" cap="flat" cmpd="sng" algn="ctr">
+            <a:solidFill>
+              <a:schemeClr val="tx1">
+                <a:lumMod val="15000"/>
+                <a:lumOff val="85000"/>
+              </a:schemeClr>
+            </a:solidFill>
+            <a:round/>
+          </a:ln>
+          <a:effectLst/>
+        </c:spPr>
+        <c:txPr>
+          <a:bodyPr rot="-60000000" spcFirstLastPara="0" vertOverflow="ellipsis" vert="horz" wrap="square" anchor="ctr" anchorCtr="1"/>
+          <a:lstStyle/>
+          <a:p>
+            <a:pPr>
+              <a:defRPr lang="zh-CN" sz="900" b="0" i="0" u="none" strike="noStrike" kern="1200" baseline="0">
+                <a:solidFill>
+                  <a:schemeClr val="tx1">
+                    <a:lumMod val="65000"/>
+                    <a:lumOff val="35000"/>
+                  </a:schemeClr>
+                </a:solidFill>
+                <a:latin typeface="+mn-lt"/>
+                <a:ea typeface="+mn-ea"/>
+                <a:cs typeface="+mn-cs"/>
+              </a:defRPr>
+            </a:pPr>
+          </a:p>
+        </c:txPr>
+        <c:crossAx val="503168670"/>
+        <c:crosses val="autoZero"/>
+        <c:auto val="1"/>
+        <c:lblAlgn val="ctr"/>
+        <c:lblOffset val="100"/>
+        <c:noMultiLvlLbl val="0"/>
+      </c:catAx>
+      <c:valAx>
+        <c:axId val="503168670"/>
+        <c:scaling>
+          <c:orientation val="minMax"/>
+        </c:scaling>
+        <c:delete val="0"/>
+        <c:axPos val="l"/>
+        <c:majorGridlines>
+          <c:spPr>
+            <a:ln w="9525" cap="flat" cmpd="sng" algn="ctr">
+              <a:solidFill>
+                <a:schemeClr val="tx1">
+                  <a:lumMod val="15000"/>
+                  <a:lumOff val="85000"/>
+                </a:schemeClr>
+              </a:solidFill>
+              <a:round/>
+            </a:ln>
+            <a:effectLst/>
+          </c:spPr>
+        </c:majorGridlines>
+        <c:numFmt formatCode="General" sourceLinked="1"/>
+        <c:majorTickMark val="none"/>
+        <c:minorTickMark val="none"/>
+        <c:tickLblPos val="nextTo"/>
+        <c:spPr>
+          <a:noFill/>
+          <a:ln>
+            <a:noFill/>
+          </a:ln>
+          <a:effectLst/>
+        </c:spPr>
+        <c:txPr>
+          <a:bodyPr rot="-60000000" spcFirstLastPara="0" vertOverflow="ellipsis" vert="horz" wrap="square" anchor="ctr" anchorCtr="1"/>
+          <a:lstStyle/>
+          <a:p>
+            <a:pPr>
+              <a:defRPr lang="zh-CN" sz="900" b="0" i="0" u="none" strike="noStrike" kern="1200" baseline="0">
+                <a:solidFill>
+                  <a:schemeClr val="tx1">
+                    <a:lumMod val="65000"/>
+                    <a:lumOff val="35000"/>
+                  </a:schemeClr>
+                </a:solidFill>
+                <a:latin typeface="+mn-lt"/>
+                <a:ea typeface="+mn-ea"/>
+                <a:cs typeface="+mn-cs"/>
+              </a:defRPr>
+            </a:pPr>
+          </a:p>
+        </c:txPr>
+        <c:crossAx val="923208115"/>
+        <c:crosses val="autoZero"/>
+        <c:crossBetween val="between"/>
+      </c:valAx>
+      <c:spPr>
+        <a:noFill/>
+        <a:ln>
+          <a:noFill/>
+        </a:ln>
+        <a:effectLst/>
+      </c:spPr>
+    </c:plotArea>
+    <c:legend>
+      <c:legendPos val="b"/>
+      <c:layout/>
+      <c:overlay val="0"/>
+      <c:spPr>
+        <a:noFill/>
+        <a:ln>
+          <a:noFill/>
+        </a:ln>
+        <a:effectLst/>
+      </c:spPr>
+      <c:txPr>
+        <a:bodyPr rot="0" spcFirstLastPara="0" vertOverflow="ellipsis" vert="horz" wrap="square" anchor="ctr" anchorCtr="1"/>
+        <a:lstStyle/>
+        <a:p>
+          <a:pPr>
+            <a:defRPr lang="zh-CN" sz="900" b="0" i="0" u="none" strike="noStrike" kern="1200" baseline="0">
+              <a:solidFill>
+                <a:schemeClr val="tx1">
+                  <a:lumMod val="65000"/>
+                  <a:lumOff val="35000"/>
+                </a:schemeClr>
+              </a:solidFill>
+              <a:latin typeface="+mn-lt"/>
+              <a:ea typeface="+mn-ea"/>
+              <a:cs typeface="+mn-cs"/>
+            </a:defRPr>
+          </a:pPr>
+        </a:p>
+      </c:txPr>
+    </c:legend>
+    <c:plotVisOnly val="1"/>
+    <c:dispBlanksAs val="gap"/>
+    <c:showDLblsOverMax val="0"/>
+  </c:chart>
+  <c:spPr>
+    <a:noFill/>
+    <a:ln>
+      <a:noFill/>
+    </a:ln>
+    <a:effectLst/>
+  </c:spPr>
+  <c:txPr>
+    <a:bodyPr/>
+    <a:lstStyle/>
+    <a:p>
+      <a:pPr>
+        <a:defRPr lang="zh-CN"/>
+      </a:pPr>
+    </a:p>
+  </c:txPr>
+  <c:externalData r:id="rId1">
+    <c:autoUpdate val="0"/>
+  </c:externalData>
+</c:chartSpace>
+</file>
+
+<file path=ppt/charts/chart8.xml><?xml version="1.0" encoding="utf-8"?>
+<c:chartSpace xmlns:c="http://schemas.openxmlformats.org/drawingml/2006/chart" xmlns:a="http://schemas.openxmlformats.org/drawingml/2006/main" xmlns:r="http://schemas.openxmlformats.org/officeDocument/2006/relationships">
+  <c:date1904 val="0"/>
+  <c:lang val="zh-CN"/>
+  <c:roundedCorners val="0"/>
+  <mc:AlternateContent xmlns:mc="http://schemas.openxmlformats.org/markup-compatibility/2006">
+    <mc:Choice xmlns:c14="http://schemas.microsoft.com/office/drawing/2007/8/2/chart" Requires="c14">
+      <c14:style val="102"/>
+    </mc:Choice>
+    <mc:Fallback>
+      <c:style val="2"/>
+    </mc:Fallback>
+  </mc:AlternateContent>
+  <c:chart>
+    <c:title>
+      <c:tx>
+        <c:rich>
+          <a:bodyPr rot="0" spcFirstLastPara="0" vertOverflow="ellipsis" vert="horz" wrap="square" anchor="ctr" anchorCtr="1"/>
+          <a:lstStyle/>
+          <a:p>
+            <a:pPr defTabSz="914400">
+              <a:defRPr lang="zh-CN" sz="1400" b="0" i="0" u="none" strike="noStrike" kern="1200" spc="0" baseline="0">
+                <a:solidFill>
+                  <a:schemeClr val="tx1">
+                    <a:lumMod val="65000"/>
+                    <a:lumOff val="35000"/>
+                  </a:schemeClr>
+                </a:solidFill>
+                <a:latin typeface="+mn-lt"/>
+                <a:ea typeface="+mn-ea"/>
+                <a:cs typeface="+mn-cs"/>
+              </a:defRPr>
+            </a:pPr>
+            <a:r>
+              <a:rPr lang="en-US" altLang="zh-CN"/>
+              <a:t>ui=4系列,data=3系列,会</a:t>
+            </a:r>
+            <a:r>
+              <a:rPr altLang="en-US"/>
+              <a:t>自动</a:t>
+            </a:r>
+            <a:r>
+              <a:rPr altLang="en-US"/>
+              <a:t>缩</a:t>
+            </a:r>
+            <a:endParaRPr altLang="en-US"/>
+          </a:p>
+        </c:rich>
+      </c:tx>
+      <c:layout/>
+      <c:overlay val="0"/>
+      <c:spPr>
+        <a:noFill/>
+        <a:ln>
+          <a:noFill/>
+        </a:ln>
+        <a:effectLst/>
+      </c:spPr>
+    </c:title>
+    <c:autoTitleDeleted val="0"/>
+    <c:plotArea>
+      <c:layout>
+        <c:manualLayout>
+          <c:layoutTarget val="inner"/>
+          <c:xMode val="edge"/>
+          <c:yMode val="edge"/>
+          <c:x val="0.0472842639593909"/>
+          <c:y val="0.123045004787743"/>
+          <c:w val="0.925685279187817"/>
+          <c:h val="0.720778806255985"/>
+        </c:manualLayout>
+      </c:layout>
+      <c:barChart>
+        <c:barDir val="col"/>
+        <c:grouping val="clustered"/>
+        <c:varyColors val="0"/>
+        <c:ser>
+          <c:idx val="0"/>
+          <c:order val="0"/>
+          <c:tx>
+            <c:strRef>
+              <c:f>Sheet1!$B$1</c:f>
+              <c:strCache>
+                <c:ptCount val="1"/>
+                <c:pt idx="0">
+                  <c:v>系列 1</c:v>
+                </c:pt>
+              </c:strCache>
+            </c:strRef>
+          </c:tx>
+          <c:spPr>
+            <a:solidFill>
+              <a:schemeClr val="accent1"/>
+            </a:solidFill>
+            <a:ln>
+              <a:noFill/>
+            </a:ln>
+            <a:effectLst/>
+          </c:spPr>
+          <c:invertIfNegative val="0"/>
+          <c:dLbls>
+            <c:delete val="1"/>
+          </c:dLbls>
+          <c:cat>
+            <c:strRef>
+              <c:f>Sheet1!$A$2:$A$5</c:f>
+              <c:strCache>
+                <c:ptCount val="4"/>
+                <c:pt idx="0">
+                  <c:v>类别 1</c:v>
+                </c:pt>
+                <c:pt idx="1">
+                  <c:v>类别 2</c:v>
+                </c:pt>
+                <c:pt idx="2">
+                  <c:v>类别 3</c:v>
+                </c:pt>
+                <c:pt idx="3">
+                  <c:v>类别 4</c:v>
                 </c:pt>
               </c:strCache>
             </c:strRef>
@@ -2701,16 +3187,16 @@
               <c:strCache>
                 <c:ptCount val="4"/>
                 <c:pt idx="0">
-                  <c:v>类别1</c:v>
+                  <c:v>类别 1</c:v>
                 </c:pt>
                 <c:pt idx="1">
-                  <c:v>类别2</c:v>
+                  <c:v>类别 2</c:v>
                 </c:pt>
                 <c:pt idx="2">
-                  <c:v>类别3</c:v>
+                  <c:v>类别 3</c:v>
                 </c:pt>
                 <c:pt idx="3">
-                  <c:v>类别4</c:v>
+                  <c:v>类别 4</c:v>
                 </c:pt>
               </c:strCache>
             </c:strRef>
@@ -2788,16 +3274,16 @@
               <c:strCache>
                 <c:ptCount val="4"/>
                 <c:pt idx="0">
-                  <c:v>类别1</c:v>
+                  <c:v>类别 1</c:v>
                 </c:pt>
                 <c:pt idx="1">
-                  <c:v>类别2</c:v>
+                  <c:v>类别 2</c:v>
                 </c:pt>
                 <c:pt idx="2">
-                  <c:v>类别3</c:v>
+                  <c:v>类别 3</c:v>
                 </c:pt>
                 <c:pt idx="3">
-                  <c:v>类别4</c:v>
+                  <c:v>类别 4</c:v>
                 </c:pt>
               </c:strCache>
             </c:strRef>
@@ -2819,6 +3305,78 @@
                 </c:pt>
                 <c:pt idx="3">
                   <c:v>5</c:v>
+                </c:pt>
+              </c:numCache>
+            </c:numRef>
+          </c:val>
+          <c:smooth val="0"/>
+        </c:ser>
+        <c:ser>
+          <c:idx val="3"/>
+          <c:order val="3"/>
+          <c:tx>
+            <c:strRef>
+              <c:f>Sheet1!$E$1</c:f>
+              <c:strCache>
+                <c:ptCount val="1"/>
+                <c:pt idx="0">
+                  <c:v>系列 4</c:v>
+                </c:pt>
+              </c:strCache>
+            </c:strRef>
+          </c:tx>
+          <c:spPr>
+            <a:ln w="28575" cap="rnd">
+              <a:solidFill>
+                <a:schemeClr val="accent4"/>
+              </a:solidFill>
+              <a:round/>
+            </a:ln>
+            <a:effectLst/>
+          </c:spPr>
+          <c:marker>
+            <c:symbol val="none"/>
+          </c:marker>
+          <c:dLbls>
+            <c:delete val="1"/>
+          </c:dLbls>
+          <c:cat>
+            <c:strRef>
+              <c:f>Sheet1!$A$2:$A$5</c:f>
+              <c:strCache>
+                <c:ptCount val="4"/>
+                <c:pt idx="0">
+                  <c:v>类别 1</c:v>
+                </c:pt>
+                <c:pt idx="1">
+                  <c:v>类别 2</c:v>
+                </c:pt>
+                <c:pt idx="2">
+                  <c:v>类别 3</c:v>
+                </c:pt>
+                <c:pt idx="3">
+                  <c:v>类别 4</c:v>
+                </c:pt>
+              </c:strCache>
+            </c:strRef>
+          </c:cat>
+          <c:val>
+            <c:numRef>
+              <c:f>Sheet1!$E$2:$E$5</c:f>
+              <c:numCache>
+                <c:formatCode>General</c:formatCode>
+                <c:ptCount val="4"/>
+                <c:pt idx="0">
+                  <c:v>3</c:v>
+                </c:pt>
+                <c:pt idx="1">
+                  <c:v>4</c:v>
+                </c:pt>
+                <c:pt idx="2">
+                  <c:v>3</c:v>
+                </c:pt>
+                <c:pt idx="3">
+                  <c:v>3</c:v>
                 </c:pt>
               </c:numCache>
             </c:numRef>
@@ -3287,6 +3845,46 @@
 </cs:colorStyle>
 </file>
 
+<file path=ppt/charts/colors8.xml><?xml version="1.0" encoding="utf-8"?>
+<cs:colorStyle xmlns:cs="http://schemas.microsoft.com/office/drawing/2012/chartStyle" xmlns:a="http://schemas.openxmlformats.org/drawingml/2006/main" meth="cycle" id="10">
+  <a:schemeClr val="accent1"/>
+  <a:schemeClr val="accent2"/>
+  <a:schemeClr val="accent3"/>
+  <a:schemeClr val="accent4"/>
+  <a:schemeClr val="accent5"/>
+  <a:schemeClr val="accent6"/>
+  <cs:variation/>
+  <cs:variation>
+    <a:lumMod val="60000"/>
+  </cs:variation>
+  <cs:variation>
+    <a:lumMod val="80000"/>
+    <a:lumOff val="20000"/>
+  </cs:variation>
+  <cs:variation>
+    <a:lumMod val="80000"/>
+  </cs:variation>
+  <cs:variation>
+    <a:lumMod val="60000"/>
+    <a:lumOff val="40000"/>
+  </cs:variation>
+  <cs:variation>
+    <a:lumMod val="50000"/>
+  </cs:variation>
+  <cs:variation>
+    <a:lumMod val="70000"/>
+    <a:lumOff val="30000"/>
+  </cs:variation>
+  <cs:variation>
+    <a:lumMod val="70000"/>
+  </cs:variation>
+  <cs:variation>
+    <a:lumMod val="50000"/>
+    <a:lumOff val="50000"/>
+  </cs:variation>
+</cs:colorStyle>
+</file>
+
 <file path=ppt/charts/style1.xml><?xml version="1.0" encoding="utf-8"?>
 <cs:chartStyle xmlns:cs="http://schemas.microsoft.com/office/drawing/2012/chartStyle" xmlns:a="http://schemas.openxmlformats.org/drawingml/2006/main" id="251">
   <cs:axisTitle>
@@ -6368,6 +6966,509 @@
 </file>
 
 <file path=ppt/charts/style7.xml><?xml version="1.0" encoding="utf-8"?>
+<cs:chartStyle xmlns:cs="http://schemas.microsoft.com/office/drawing/2012/chartStyle" xmlns:a="http://schemas.openxmlformats.org/drawingml/2006/main" id="201">
+  <cs:axisTitle>
+    <cs:lnRef idx="0"/>
+    <cs:fillRef idx="0"/>
+    <cs:effectRef idx="0"/>
+    <cs:fontRef idx="minor">
+      <a:schemeClr val="tx1">
+        <a:lumMod val="65000"/>
+        <a:lumOff val="35000"/>
+      </a:schemeClr>
+    </cs:fontRef>
+    <cs:defRPr sz="1000" kern="1200"/>
+  </cs:axisTitle>
+  <cs:categoryAxis>
+    <cs:lnRef idx="0"/>
+    <cs:fillRef idx="0"/>
+    <cs:effectRef idx="0"/>
+    <cs:fontRef idx="minor">
+      <a:schemeClr val="tx1">
+        <a:lumMod val="65000"/>
+        <a:lumOff val="35000"/>
+      </a:schemeClr>
+    </cs:fontRef>
+    <cs:spPr>
+      <a:ln w="9525" cap="flat" cmpd="sng" algn="ctr">
+        <a:solidFill>
+          <a:schemeClr val="tx1">
+            <a:lumMod val="15000"/>
+            <a:lumOff val="85000"/>
+          </a:schemeClr>
+        </a:solidFill>
+        <a:round/>
+      </a:ln>
+    </cs:spPr>
+    <cs:defRPr sz="900" kern="1200"/>
+  </cs:categoryAxis>
+  <cs:chartArea mods="allowNoFillOverride allowNoLineOverride">
+    <cs:lnRef idx="0"/>
+    <cs:fillRef idx="0"/>
+    <cs:effectRef idx="0"/>
+    <cs:fontRef idx="minor">
+      <a:schemeClr val="tx1"/>
+    </cs:fontRef>
+    <cs:spPr>
+      <a:solidFill>
+        <a:schemeClr val="bg1"/>
+      </a:solidFill>
+      <a:ln w="9525" cap="flat" cmpd="sng" algn="ctr">
+        <a:solidFill>
+          <a:schemeClr val="tx1">
+            <a:lumMod val="15000"/>
+            <a:lumOff val="85000"/>
+          </a:schemeClr>
+        </a:solidFill>
+        <a:round/>
+      </a:ln>
+    </cs:spPr>
+    <cs:defRPr sz="1000" kern="1200"/>
+  </cs:chartArea>
+  <cs:dataLabel>
+    <cs:lnRef idx="0"/>
+    <cs:fillRef idx="0"/>
+    <cs:effectRef idx="0"/>
+    <cs:fontRef idx="minor">
+      <a:schemeClr val="tx1">
+        <a:lumMod val="75000"/>
+        <a:lumOff val="25000"/>
+      </a:schemeClr>
+    </cs:fontRef>
+    <cs:defRPr sz="900" kern="1200"/>
+  </cs:dataLabel>
+  <cs:dataLabelCallout>
+    <cs:lnRef idx="0"/>
+    <cs:fillRef idx="0"/>
+    <cs:effectRef idx="0"/>
+    <cs:fontRef idx="minor">
+      <a:schemeClr val="dk1">
+        <a:lumMod val="65000"/>
+        <a:lumOff val="35000"/>
+      </a:schemeClr>
+    </cs:fontRef>
+    <cs:spPr>
+      <a:solidFill>
+        <a:schemeClr val="lt1"/>
+      </a:solidFill>
+      <a:ln>
+        <a:solidFill>
+          <a:schemeClr val="dk1">
+            <a:lumMod val="25000"/>
+            <a:lumOff val="75000"/>
+          </a:schemeClr>
+        </a:solidFill>
+      </a:ln>
+    </cs:spPr>
+    <cs:defRPr sz="900" kern="1200"/>
+    <cs:bodyPr rot="0" spcFirstLastPara="1" vertOverflow="clip" horzOverflow="clip" vert="horz" wrap="square" lIns="36576" tIns="18288" rIns="36576" bIns="18288" anchor="ctr" anchorCtr="1">
+      <a:spAutoFit/>
+    </cs:bodyPr>
+  </cs:dataLabelCallout>
+  <cs:dataPoint>
+    <cs:lnRef idx="0"/>
+    <cs:fillRef idx="1">
+      <cs:styleClr val="auto"/>
+    </cs:fillRef>
+    <cs:effectRef idx="0"/>
+    <cs:fontRef idx="minor">
+      <a:schemeClr val="tx1"/>
+    </cs:fontRef>
+  </cs:dataPoint>
+  <cs:dataPoint3D>
+    <cs:lnRef idx="0"/>
+    <cs:fillRef idx="1">
+      <cs:styleClr val="auto"/>
+    </cs:fillRef>
+    <cs:effectRef idx="0"/>
+    <cs:fontRef idx="minor">
+      <a:schemeClr val="tx1"/>
+    </cs:fontRef>
+  </cs:dataPoint3D>
+  <cs:dataPointLine>
+    <cs:lnRef idx="0">
+      <cs:styleClr val="auto"/>
+    </cs:lnRef>
+    <cs:fillRef idx="1"/>
+    <cs:effectRef idx="0"/>
+    <cs:fontRef idx="minor">
+      <a:schemeClr val="tx1"/>
+    </cs:fontRef>
+    <cs:spPr>
+      <a:ln w="28575" cap="rnd">
+        <a:solidFill>
+          <a:schemeClr val="phClr"/>
+        </a:solidFill>
+        <a:round/>
+      </a:ln>
+    </cs:spPr>
+  </cs:dataPointLine>
+  <cs:dataPointMarker>
+    <cs:lnRef idx="0">
+      <cs:styleClr val="auto"/>
+    </cs:lnRef>
+    <cs:fillRef idx="1">
+      <cs:styleClr val="auto"/>
+    </cs:fillRef>
+    <cs:effectRef idx="0"/>
+    <cs:fontRef idx="minor">
+      <a:schemeClr val="tx1"/>
+    </cs:fontRef>
+    <cs:spPr>
+      <a:ln w="9525">
+        <a:solidFill>
+          <a:schemeClr val="phClr"/>
+        </a:solidFill>
+      </a:ln>
+    </cs:spPr>
+  </cs:dataPointMarker>
+  <cs:dataPointMarkerLayout symbol="circle" size="5"/>
+  <cs:dataPointWireframe>
+    <cs:lnRef idx="0">
+      <cs:styleClr val="auto"/>
+    </cs:lnRef>
+    <cs:fillRef idx="1"/>
+    <cs:effectRef idx="0"/>
+    <cs:fontRef idx="minor">
+      <a:schemeClr val="tx1"/>
+    </cs:fontRef>
+    <cs:spPr>
+      <a:ln w="9525" cap="rnd">
+        <a:solidFill>
+          <a:schemeClr val="phClr"/>
+        </a:solidFill>
+        <a:round/>
+      </a:ln>
+    </cs:spPr>
+  </cs:dataPointWireframe>
+  <cs:dataTable>
+    <cs:lnRef idx="0"/>
+    <cs:fillRef idx="0"/>
+    <cs:effectRef idx="0"/>
+    <cs:fontRef idx="minor">
+      <a:schemeClr val="tx1">
+        <a:lumMod val="65000"/>
+        <a:lumOff val="35000"/>
+      </a:schemeClr>
+    </cs:fontRef>
+    <cs:spPr>
+      <a:noFill/>
+      <a:ln w="9525" cap="flat" cmpd="sng" algn="ctr">
+        <a:solidFill>
+          <a:schemeClr val="tx1">
+            <a:lumMod val="15000"/>
+            <a:lumOff val="85000"/>
+          </a:schemeClr>
+        </a:solidFill>
+        <a:round/>
+      </a:ln>
+    </cs:spPr>
+    <cs:defRPr sz="900" kern="1200"/>
+  </cs:dataTable>
+  <cs:downBar>
+    <cs:lnRef idx="0"/>
+    <cs:fillRef idx="0"/>
+    <cs:effectRef idx="0"/>
+    <cs:fontRef idx="minor">
+      <a:schemeClr val="dk1"/>
+    </cs:fontRef>
+    <cs:spPr>
+      <a:solidFill>
+        <a:schemeClr val="dk1">
+          <a:lumMod val="65000"/>
+          <a:lumOff val="35000"/>
+        </a:schemeClr>
+      </a:solidFill>
+      <a:ln w="9525">
+        <a:solidFill>
+          <a:schemeClr val="tx1">
+            <a:lumMod val="65000"/>
+            <a:lumOff val="35000"/>
+          </a:schemeClr>
+        </a:solidFill>
+      </a:ln>
+    </cs:spPr>
+  </cs:downBar>
+  <cs:dropLine>
+    <cs:lnRef idx="0"/>
+    <cs:fillRef idx="0"/>
+    <cs:effectRef idx="0"/>
+    <cs:fontRef idx="minor">
+      <a:schemeClr val="tx1"/>
+    </cs:fontRef>
+    <cs:spPr>
+      <a:ln w="9525" cap="flat" cmpd="sng" algn="ctr">
+        <a:solidFill>
+          <a:schemeClr val="tx1">
+            <a:lumMod val="35000"/>
+            <a:lumOff val="65000"/>
+          </a:schemeClr>
+        </a:solidFill>
+        <a:round/>
+      </a:ln>
+    </cs:spPr>
+  </cs:dropLine>
+  <cs:errorBar>
+    <cs:lnRef idx="0"/>
+    <cs:fillRef idx="0"/>
+    <cs:effectRef idx="0"/>
+    <cs:fontRef idx="minor">
+      <a:schemeClr val="tx1"/>
+    </cs:fontRef>
+    <cs:spPr>
+      <a:ln w="9525" cap="flat" cmpd="sng" algn="ctr">
+        <a:solidFill>
+          <a:schemeClr val="tx1">
+            <a:lumMod val="65000"/>
+            <a:lumOff val="35000"/>
+          </a:schemeClr>
+        </a:solidFill>
+        <a:round/>
+      </a:ln>
+    </cs:spPr>
+  </cs:errorBar>
+  <cs:floor>
+    <cs:lnRef idx="0"/>
+    <cs:fillRef idx="0"/>
+    <cs:effectRef idx="0"/>
+    <cs:fontRef idx="minor">
+      <a:schemeClr val="tx1"/>
+    </cs:fontRef>
+    <cs:spPr>
+      <a:noFill/>
+      <a:ln>
+        <a:noFill/>
+      </a:ln>
+    </cs:spPr>
+  </cs:floor>
+  <cs:gridlineMajor>
+    <cs:lnRef idx="0"/>
+    <cs:fillRef idx="0"/>
+    <cs:effectRef idx="0"/>
+    <cs:fontRef idx="minor">
+      <a:schemeClr val="tx1"/>
+    </cs:fontRef>
+    <cs:spPr>
+      <a:ln w="9525" cap="flat" cmpd="sng" algn="ctr">
+        <a:solidFill>
+          <a:schemeClr val="tx1">
+            <a:lumMod val="15000"/>
+            <a:lumOff val="85000"/>
+          </a:schemeClr>
+        </a:solidFill>
+        <a:round/>
+      </a:ln>
+    </cs:spPr>
+  </cs:gridlineMajor>
+  <cs:gridlineMinor>
+    <cs:lnRef idx="0"/>
+    <cs:fillRef idx="0"/>
+    <cs:effectRef idx="0"/>
+    <cs:fontRef idx="minor">
+      <a:schemeClr val="tx1"/>
+    </cs:fontRef>
+    <cs:spPr>
+      <a:ln w="9525" cap="flat" cmpd="sng" algn="ctr">
+        <a:solidFill>
+          <a:schemeClr val="tx1">
+            <a:lumMod val="5000"/>
+            <a:lumOff val="95000"/>
+          </a:schemeClr>
+        </a:solidFill>
+        <a:round/>
+      </a:ln>
+    </cs:spPr>
+  </cs:gridlineMinor>
+  <cs:hiLoLine>
+    <cs:lnRef idx="0"/>
+    <cs:fillRef idx="0"/>
+    <cs:effectRef idx="0"/>
+    <cs:fontRef idx="minor">
+      <a:schemeClr val="tx1"/>
+    </cs:fontRef>
+    <cs:spPr>
+      <a:ln w="9525" cap="flat" cmpd="sng" algn="ctr">
+        <a:solidFill>
+          <a:schemeClr val="tx1">
+            <a:lumMod val="75000"/>
+            <a:lumOff val="25000"/>
+          </a:schemeClr>
+        </a:solidFill>
+        <a:round/>
+      </a:ln>
+    </cs:spPr>
+  </cs:hiLoLine>
+  <cs:leaderLine>
+    <cs:lnRef idx="0"/>
+    <cs:fillRef idx="0"/>
+    <cs:effectRef idx="0"/>
+    <cs:fontRef idx="minor">
+      <a:schemeClr val="tx1"/>
+    </cs:fontRef>
+    <cs:spPr>
+      <a:ln w="9525" cap="flat" cmpd="sng" algn="ctr">
+        <a:solidFill>
+          <a:schemeClr val="tx1">
+            <a:lumMod val="35000"/>
+            <a:lumOff val="65000"/>
+          </a:schemeClr>
+        </a:solidFill>
+        <a:round/>
+      </a:ln>
+    </cs:spPr>
+  </cs:leaderLine>
+  <cs:legend>
+    <cs:lnRef idx="0"/>
+    <cs:fillRef idx="0"/>
+    <cs:effectRef idx="0"/>
+    <cs:fontRef idx="minor">
+      <a:schemeClr val="tx1">
+        <a:lumMod val="65000"/>
+        <a:lumOff val="35000"/>
+      </a:schemeClr>
+    </cs:fontRef>
+    <cs:defRPr sz="900" kern="1200"/>
+  </cs:legend>
+  <cs:plotArea mods="allowNoFillOverride allowNoLineOverride">
+    <cs:lnRef idx="0"/>
+    <cs:fillRef idx="0"/>
+    <cs:effectRef idx="0"/>
+    <cs:fontRef idx="minor">
+      <a:schemeClr val="tx1"/>
+    </cs:fontRef>
+  </cs:plotArea>
+  <cs:plotArea3D mods="allowNoFillOverride allowNoLineOverride">
+    <cs:lnRef idx="0"/>
+    <cs:fillRef idx="0"/>
+    <cs:effectRef idx="0"/>
+    <cs:fontRef idx="minor">
+      <a:schemeClr val="tx1"/>
+    </cs:fontRef>
+  </cs:plotArea3D>
+  <cs:seriesAxis>
+    <cs:lnRef idx="0"/>
+    <cs:fillRef idx="0"/>
+    <cs:effectRef idx="0"/>
+    <cs:fontRef idx="minor">
+      <a:schemeClr val="tx1">
+        <a:lumMod val="65000"/>
+        <a:lumOff val="35000"/>
+      </a:schemeClr>
+    </cs:fontRef>
+    <cs:defRPr sz="900" kern="1200"/>
+  </cs:seriesAxis>
+  <cs:seriesLine>
+    <cs:lnRef idx="0"/>
+    <cs:fillRef idx="0"/>
+    <cs:effectRef idx="0"/>
+    <cs:fontRef idx="minor">
+      <a:schemeClr val="tx1"/>
+    </cs:fontRef>
+    <cs:spPr>
+      <a:ln w="9525" cap="flat" cmpd="sng" algn="ctr">
+        <a:solidFill>
+          <a:schemeClr val="tx1">
+            <a:lumMod val="35000"/>
+            <a:lumOff val="65000"/>
+          </a:schemeClr>
+        </a:solidFill>
+        <a:round/>
+      </a:ln>
+    </cs:spPr>
+  </cs:seriesLine>
+  <cs:title>
+    <cs:lnRef idx="0"/>
+    <cs:fillRef idx="0"/>
+    <cs:effectRef idx="0"/>
+    <cs:fontRef idx="minor">
+      <a:schemeClr val="tx1">
+        <a:lumMod val="65000"/>
+        <a:lumOff val="35000"/>
+      </a:schemeClr>
+    </cs:fontRef>
+    <cs:defRPr sz="1400" b="0" kern="1200" spc="0" baseline="0"/>
+  </cs:title>
+  <cs:trendline>
+    <cs:lnRef idx="0">
+      <cs:styleClr val="auto"/>
+    </cs:lnRef>
+    <cs:fillRef idx="0"/>
+    <cs:effectRef idx="0"/>
+    <cs:fontRef idx="minor">
+      <a:schemeClr val="tx1"/>
+    </cs:fontRef>
+    <cs:spPr>
+      <a:ln w="19050" cap="rnd">
+        <a:solidFill>
+          <a:schemeClr val="phClr"/>
+        </a:solidFill>
+        <a:prstDash val="sysDot"/>
+      </a:ln>
+    </cs:spPr>
+  </cs:trendline>
+  <cs:trendlineLabel>
+    <cs:lnRef idx="0"/>
+    <cs:fillRef idx="0"/>
+    <cs:effectRef idx="0"/>
+    <cs:fontRef idx="minor">
+      <a:schemeClr val="tx1">
+        <a:lumMod val="65000"/>
+        <a:lumOff val="35000"/>
+      </a:schemeClr>
+    </cs:fontRef>
+    <cs:defRPr sz="900" kern="1200"/>
+  </cs:trendlineLabel>
+  <cs:upBar>
+    <cs:lnRef idx="0"/>
+    <cs:fillRef idx="0"/>
+    <cs:effectRef idx="0"/>
+    <cs:fontRef idx="minor">
+      <a:schemeClr val="dk1"/>
+    </cs:fontRef>
+    <cs:spPr>
+      <a:solidFill>
+        <a:schemeClr val="lt1"/>
+      </a:solidFill>
+      <a:ln w="9525">
+        <a:solidFill>
+          <a:schemeClr val="tx1">
+            <a:lumMod val="15000"/>
+            <a:lumOff val="85000"/>
+          </a:schemeClr>
+        </a:solidFill>
+      </a:ln>
+    </cs:spPr>
+  </cs:upBar>
+  <cs:valueAxis>
+    <cs:lnRef idx="0"/>
+    <cs:fillRef idx="0"/>
+    <cs:effectRef idx="0"/>
+    <cs:fontRef idx="minor">
+      <a:schemeClr val="tx1">
+        <a:lumMod val="65000"/>
+        <a:lumOff val="35000"/>
+      </a:schemeClr>
+    </cs:fontRef>
+    <cs:defRPr sz="900" kern="1200"/>
+  </cs:valueAxis>
+  <cs:wall>
+    <cs:lnRef idx="0"/>
+    <cs:fillRef idx="0"/>
+    <cs:effectRef idx="0"/>
+    <cs:fontRef idx="minor">
+      <a:schemeClr val="tx1"/>
+    </cs:fontRef>
+    <cs:spPr>
+      <a:noFill/>
+      <a:ln>
+        <a:noFill/>
+      </a:ln>
+    </cs:spPr>
+  </cs:wall>
+</cs:chartStyle>
+</file>
+
+<file path=ppt/charts/style8.xml><?xml version="1.0" encoding="utf-8"?>
 <cs:chartStyle xmlns:cs="http://schemas.microsoft.com/office/drawing/2012/chartStyle" xmlns:a="http://schemas.openxmlformats.org/drawingml/2006/main" id="201">
   <cs:axisTitle>
     <cs:lnRef idx="0"/>
@@ -9925,6 +11026,35 @@
           </a:graphicData>
         </a:graphic>
       </p:graphicFrame>
+      <p:sp>
+        <p:nvSpPr>
+          <p:cNvPr id="4" name="标题 3"/>
+          <p:cNvSpPr>
+            <a:spLocks noGrp="1"/>
+          </p:cNvSpPr>
+          <p:nvPr>
+            <p:ph type="title"/>
+          </p:nvPr>
+        </p:nvSpPr>
+        <p:spPr>
+          <a:xfrm>
+            <a:off x="0" y="0"/>
+            <a:ext cx="3533775" cy="869315"/>
+          </a:xfrm>
+        </p:spPr>
+        <p:txBody>
+          <a:bodyPr>
+            <a:noAutofit/>
+          </a:bodyPr>
+          <a:p>
+            <a:r>
+              <a:rPr lang="zh-CN" altLang="en-US" sz="3600"/>
+              <a:t>样式继承</a:t>
+            </a:r>
+            <a:endParaRPr lang="zh-CN" altLang="en-US" sz="3600"/>
+          </a:p>
+        </p:txBody>
+      </p:sp>
     </p:spTree>
     <p:custDataLst>
       <p:tags r:id="rId4"/>
@@ -10046,8 +11176,8 @@
           <p:nvPr/>
         </p:nvGraphicFramePr>
         <p:xfrm>
-          <a:off x="2091055" y="644525"/>
-          <a:ext cx="8530590" cy="5803900"/>
+          <a:off x="339725" y="2059940"/>
+          <a:ext cx="5003800" cy="3978910"/>
         </p:xfrm>
         <a:graphic>
           <a:graphicData uri="http://schemas.openxmlformats.org/drawingml/2006/chart">
@@ -10078,19 +11208,31 @@
           <a:p>
             <a:r>
               <a:rPr lang="zh-CN" altLang="en-US"/>
-              <a:t>组合图表（</a:t>
-            </a:r>
-            <a:r>
-              <a:rPr lang="zh-CN" altLang="en-US"/>
-              <a:t>暂不支持）</a:t>
+              <a:t>组合图表</a:t>
             </a:r>
             <a:endParaRPr lang="zh-CN" altLang="en-US"/>
           </a:p>
         </p:txBody>
       </p:sp>
+      <p:graphicFrame>
+        <p:nvGraphicFramePr>
+          <p:cNvPr id="2" name="图表 1" descr="#chartC"/>
+          <p:cNvGraphicFramePr/>
+          <p:nvPr/>
+        </p:nvGraphicFramePr>
+        <p:xfrm>
+          <a:off x="6422390" y="2155825"/>
+          <a:ext cx="5003800" cy="3978910"/>
+        </p:xfrm>
+        <a:graphic>
+          <a:graphicData uri="http://schemas.openxmlformats.org/drawingml/2006/chart">
+            <c:chart xmlns:c="http://schemas.openxmlformats.org/drawingml/2006/chart" xmlns:r="http://schemas.openxmlformats.org/officeDocument/2006/relationships" r:id="rId2"/>
+          </a:graphicData>
+        </a:graphic>
+      </p:graphicFrame>
     </p:spTree>
     <p:custDataLst>
-      <p:tags r:id="rId2"/>
+      <p:tags r:id="rId3"/>
     </p:custDataLst>
   </p:cSld>
   <p:clrMapOvr>
@@ -10945,7 +12087,7 @@
 <p:tagLst xmlns:p="http://schemas.openxmlformats.org/presentationml/2006/main">
   <p:tag name="COMMONDATA" val="eyJoZGlkIjoiMTU3NzlmYjI5NWRkMWM4ZWEyMTg2ZjIzNmE0ODAwZjMifQ=="/>
   <p:tag name="KSO_WPP_MARK_KEY" val="8e24b64b-9846-4c8f-94c7-b364bd989930"/>
-  <p:tag name="commondata" val="eyJoZGlkIjoiMTgwOGRmNzYxMmJjZDhiYWY5Yjg1MWFiMTZhYmI5MDgifQ=="/>
+  <p:tag name="commondata" val="eyJoZGlkIjoiNDgwODFlYzk1ZDNlMGUwOTkyZjM1YWVhYTU1NWVhMDgifQ=="/>
 </p:tagLst>
 </file>
 

--- a/src/test/resources/chart.pptx
+++ b/src/test/resources/chart.pptx
@@ -6,13 +6,14 @@
   </p:sldMasterIdLst>
   <p:sldIdLst>
     <p:sldId id="256" r:id="rId3"/>
-    <p:sldId id="257" r:id="rId4"/>
-    <p:sldId id="258" r:id="rId5"/>
+    <p:sldId id="259" r:id="rId4"/>
+    <p:sldId id="257" r:id="rId5"/>
+    <p:sldId id="258" r:id="rId6"/>
   </p:sldIdLst>
   <p:sldSz cx="12192000" cy="6858000"/>
   <p:notesSz cx="6858000" cy="9144000"/>
   <p:custDataLst>
-    <p:tags r:id="rId9"/>
+    <p:tags r:id="rId10"/>
   </p:custDataLst>
   <p:defaultTextStyle>
     <a:defPPr>
@@ -109,6 +110,22 @@
       </a:defRPr>
     </a:lvl9pPr>
   </p:defaultTextStyle>
+  <p:extLst>
+    <p:ext uri="{EFAFB233-063F-42B5-8137-9DF3F51BA10A}">
+      <p15:sldGuideLst xmlns:p15="http://schemas.microsoft.com/office/powerpoint/2012/main">
+        <p15:guide id="1" orient="horz" pos="2160" userDrawn="1">
+          <p15:clr>
+            <a:srgbClr val="A4A3A4"/>
+          </p15:clr>
+        </p15:guide>
+        <p15:guide id="2" pos="3840" userDrawn="1">
+          <p15:clr>
+            <a:srgbClr val="A4A3A4"/>
+          </p15:clr>
+        </p15:guide>
+      </p15:sldGuideLst>
+    </p:ext>
+  </p:extLst>
 </p:presentation>
 </file>
 
@@ -616,6 +633,75 @@
             </c:numRef>
           </c:val>
         </c:ser>
+        <c:ser>
+          <c:idx val="3"/>
+          <c:order val="3"/>
+          <c:tx>
+            <c:strRef>
+              <c:f>Sheet1!$E$1</c:f>
+              <c:strCache>
+                <c:ptCount val="1"/>
+                <c:pt idx="0">
+                  <c:v>系列 4</c:v>
+                </c:pt>
+              </c:strCache>
+            </c:strRef>
+          </c:tx>
+          <c:spPr>
+            <a:solidFill>
+              <a:schemeClr val="accent4"/>
+            </a:solidFill>
+            <a:ln>
+              <a:noFill/>
+            </a:ln>
+            <a:effectLst/>
+          </c:spPr>
+          <c:invertIfNegative val="0"/>
+          <c:dLbls>
+            <c:delete val="1"/>
+          </c:dLbls>
+          <c:cat>
+            <c:strRef>
+              <c:f>Sheet1!$A$2:$A$5</c:f>
+              <c:strCache>
+                <c:ptCount val="4"/>
+                <c:pt idx="0">
+                  <c:v>类别 1</c:v>
+                </c:pt>
+                <c:pt idx="1">
+                  <c:v>类别 2</c:v>
+                </c:pt>
+                <c:pt idx="2">
+                  <c:v>类别 3</c:v>
+                </c:pt>
+                <c:pt idx="3">
+                  <c:v>类别 4</c:v>
+                </c:pt>
+              </c:strCache>
+            </c:strRef>
+          </c:cat>
+          <c:val>
+            <c:numRef>
+              <c:f>Sheet1!$E$2:$E$5</c:f>
+              <c:numCache>
+                <c:formatCode>General</c:formatCode>
+                <c:ptCount val="4"/>
+                <c:pt idx="0">
+                  <c:v>3</c:v>
+                </c:pt>
+                <c:pt idx="1">
+                  <c:v>1</c:v>
+                </c:pt>
+                <c:pt idx="2">
+                  <c:v>5</c:v>
+                </c:pt>
+                <c:pt idx="3">
+                  <c:v>3</c:v>
+                </c:pt>
+              </c:numCache>
+            </c:numRef>
+          </c:val>
+        </c:ser>
         <c:dLbls>
           <c:showLegendKey val="0"/>
           <c:showVal val="0"/>
@@ -845,6 +931,396 @@
     <c:autoTitleDeleted val="0"/>
     <c:plotArea>
       <c:layout/>
+      <c:barChart>
+        <c:barDir val="col"/>
+        <c:grouping val="stacked"/>
+        <c:varyColors val="0"/>
+        <c:ser>
+          <c:idx val="0"/>
+          <c:order val="0"/>
+          <c:tx>
+            <c:strRef>
+              <c:f>Sheet1!$B$1</c:f>
+              <c:strCache>
+                <c:ptCount val="1"/>
+                <c:pt idx="0">
+                  <c:v>系列 1</c:v>
+                </c:pt>
+              </c:strCache>
+            </c:strRef>
+          </c:tx>
+          <c:spPr>
+            <a:solidFill>
+              <a:schemeClr val="accent1"/>
+            </a:solidFill>
+            <a:ln>
+              <a:noFill/>
+            </a:ln>
+            <a:effectLst/>
+          </c:spPr>
+          <c:invertIfNegative val="0"/>
+          <c:dLbls>
+            <c:delete val="1"/>
+          </c:dLbls>
+          <c:cat>
+            <c:strRef>
+              <c:f>Sheet1!$A$2:$A$5</c:f>
+              <c:strCache>
+                <c:ptCount val="4"/>
+                <c:pt idx="0">
+                  <c:v>类别 1</c:v>
+                </c:pt>
+                <c:pt idx="1">
+                  <c:v>类别 2</c:v>
+                </c:pt>
+                <c:pt idx="2">
+                  <c:v>类别 3</c:v>
+                </c:pt>
+                <c:pt idx="3">
+                  <c:v>类别 4</c:v>
+                </c:pt>
+              </c:strCache>
+            </c:strRef>
+          </c:cat>
+          <c:val>
+            <c:numRef>
+              <c:f>Sheet1!$B$2:$B$5</c:f>
+              <c:numCache>
+                <c:formatCode>General</c:formatCode>
+                <c:ptCount val="4"/>
+                <c:pt idx="0">
+                  <c:v>4.3</c:v>
+                </c:pt>
+                <c:pt idx="1">
+                  <c:v>2.5</c:v>
+                </c:pt>
+                <c:pt idx="2">
+                  <c:v>3.5</c:v>
+                </c:pt>
+                <c:pt idx="3">
+                  <c:v>4.5</c:v>
+                </c:pt>
+              </c:numCache>
+            </c:numRef>
+          </c:val>
+        </c:ser>
+        <c:ser>
+          <c:idx val="1"/>
+          <c:order val="1"/>
+          <c:tx>
+            <c:strRef>
+              <c:f>Sheet1!$C$1</c:f>
+              <c:strCache>
+                <c:ptCount val="1"/>
+                <c:pt idx="0">
+                  <c:v>系列 2</c:v>
+                </c:pt>
+              </c:strCache>
+            </c:strRef>
+          </c:tx>
+          <c:spPr>
+            <a:solidFill>
+              <a:schemeClr val="accent2"/>
+            </a:solidFill>
+            <a:ln>
+              <a:noFill/>
+            </a:ln>
+            <a:effectLst/>
+          </c:spPr>
+          <c:invertIfNegative val="0"/>
+          <c:dLbls>
+            <c:delete val="1"/>
+          </c:dLbls>
+          <c:cat>
+            <c:strRef>
+              <c:f>Sheet1!$A$2:$A$5</c:f>
+              <c:strCache>
+                <c:ptCount val="4"/>
+                <c:pt idx="0">
+                  <c:v>类别 1</c:v>
+                </c:pt>
+                <c:pt idx="1">
+                  <c:v>类别 2</c:v>
+                </c:pt>
+                <c:pt idx="2">
+                  <c:v>类别 3</c:v>
+                </c:pt>
+                <c:pt idx="3">
+                  <c:v>类别 4</c:v>
+                </c:pt>
+              </c:strCache>
+            </c:strRef>
+          </c:cat>
+          <c:val>
+            <c:numRef>
+              <c:f>Sheet1!$C$2:$C$5</c:f>
+              <c:numCache>
+                <c:formatCode>General</c:formatCode>
+                <c:ptCount val="4"/>
+                <c:pt idx="0">
+                  <c:v>2.4</c:v>
+                </c:pt>
+                <c:pt idx="1">
+                  <c:v>4.4</c:v>
+                </c:pt>
+                <c:pt idx="2">
+                  <c:v>1.8</c:v>
+                </c:pt>
+                <c:pt idx="3">
+                  <c:v>2.8</c:v>
+                </c:pt>
+              </c:numCache>
+            </c:numRef>
+          </c:val>
+        </c:ser>
+        <c:dLbls>
+          <c:showLegendKey val="0"/>
+          <c:showVal val="0"/>
+          <c:showCatName val="0"/>
+          <c:showSerName val="0"/>
+          <c:showPercent val="0"/>
+          <c:showBubbleSize val="0"/>
+        </c:dLbls>
+        <c:gapWidth val="150"/>
+        <c:overlap val="100"/>
+        <c:axId val="839164795"/>
+        <c:axId val="449331304"/>
+      </c:barChart>
+      <c:catAx>
+        <c:axId val="839164795"/>
+        <c:scaling>
+          <c:orientation val="minMax"/>
+        </c:scaling>
+        <c:delete val="0"/>
+        <c:axPos val="b"/>
+        <c:majorTickMark val="none"/>
+        <c:minorTickMark val="none"/>
+        <c:tickLblPos val="nextTo"/>
+        <c:spPr>
+          <a:noFill/>
+          <a:ln w="9525" cap="flat" cmpd="sng" algn="ctr">
+            <a:solidFill>
+              <a:schemeClr val="tx1">
+                <a:lumMod val="15000"/>
+                <a:lumOff val="85000"/>
+              </a:schemeClr>
+            </a:solidFill>
+            <a:round/>
+          </a:ln>
+          <a:effectLst/>
+        </c:spPr>
+        <c:txPr>
+          <a:bodyPr rot="-60000000" spcFirstLastPara="0" vertOverflow="ellipsis" vert="horz" wrap="square" anchor="ctr" anchorCtr="1"/>
+          <a:lstStyle/>
+          <a:p>
+            <a:pPr>
+              <a:defRPr lang="zh-CN" sz="900" b="0" i="0" u="none" strike="noStrike" kern="1200" baseline="0">
+                <a:solidFill>
+                  <a:schemeClr val="tx1">
+                    <a:lumMod val="65000"/>
+                    <a:lumOff val="35000"/>
+                  </a:schemeClr>
+                </a:solidFill>
+                <a:latin typeface="+mn-lt"/>
+                <a:ea typeface="+mn-ea"/>
+                <a:cs typeface="+mn-cs"/>
+              </a:defRPr>
+            </a:pPr>
+          </a:p>
+        </c:txPr>
+        <c:crossAx val="449331304"/>
+        <c:crosses val="autoZero"/>
+        <c:auto val="1"/>
+        <c:lblAlgn val="ctr"/>
+        <c:lblOffset val="100"/>
+        <c:noMultiLvlLbl val="0"/>
+      </c:catAx>
+      <c:valAx>
+        <c:axId val="449331304"/>
+        <c:scaling>
+          <c:orientation val="minMax"/>
+        </c:scaling>
+        <c:delete val="0"/>
+        <c:axPos val="l"/>
+        <c:majorGridlines>
+          <c:spPr>
+            <a:ln w="9525" cap="flat" cmpd="sng" algn="ctr">
+              <a:solidFill>
+                <a:schemeClr val="tx1">
+                  <a:lumMod val="15000"/>
+                  <a:lumOff val="85000"/>
+                </a:schemeClr>
+              </a:solidFill>
+              <a:round/>
+            </a:ln>
+            <a:effectLst/>
+          </c:spPr>
+        </c:majorGridlines>
+        <c:numFmt formatCode="General" sourceLinked="1"/>
+        <c:majorTickMark val="none"/>
+        <c:minorTickMark val="none"/>
+        <c:tickLblPos val="nextTo"/>
+        <c:spPr>
+          <a:noFill/>
+          <a:ln>
+            <a:noFill/>
+          </a:ln>
+          <a:effectLst/>
+        </c:spPr>
+        <c:txPr>
+          <a:bodyPr rot="-60000000" spcFirstLastPara="0" vertOverflow="ellipsis" vert="horz" wrap="square" anchor="ctr" anchorCtr="1"/>
+          <a:lstStyle/>
+          <a:p>
+            <a:pPr>
+              <a:defRPr lang="zh-CN" sz="900" b="0" i="0" u="none" strike="noStrike" kern="1200" baseline="0">
+                <a:solidFill>
+                  <a:schemeClr val="tx1">
+                    <a:lumMod val="65000"/>
+                    <a:lumOff val="35000"/>
+                  </a:schemeClr>
+                </a:solidFill>
+                <a:latin typeface="+mn-lt"/>
+                <a:ea typeface="+mn-ea"/>
+                <a:cs typeface="+mn-cs"/>
+              </a:defRPr>
+            </a:pPr>
+          </a:p>
+        </c:txPr>
+        <c:crossAx val="839164795"/>
+        <c:crosses val="autoZero"/>
+        <c:crossBetween val="between"/>
+      </c:valAx>
+      <c:spPr>
+        <a:noFill/>
+        <a:ln>
+          <a:noFill/>
+        </a:ln>
+        <a:effectLst/>
+      </c:spPr>
+    </c:plotArea>
+    <c:legend>
+      <c:legendPos val="b"/>
+      <c:layout/>
+      <c:overlay val="0"/>
+      <c:spPr>
+        <a:noFill/>
+        <a:ln>
+          <a:noFill/>
+        </a:ln>
+        <a:effectLst/>
+      </c:spPr>
+      <c:txPr>
+        <a:bodyPr rot="0" spcFirstLastPara="0" vertOverflow="ellipsis" vert="horz" wrap="square" anchor="ctr" anchorCtr="1"/>
+        <a:lstStyle/>
+        <a:p>
+          <a:pPr>
+            <a:defRPr lang="zh-CN" sz="900" b="0" i="0" u="none" strike="noStrike" kern="1200" baseline="0">
+              <a:solidFill>
+                <a:schemeClr val="tx1">
+                  <a:lumMod val="65000"/>
+                  <a:lumOff val="35000"/>
+                </a:schemeClr>
+              </a:solidFill>
+              <a:latin typeface="+mn-lt"/>
+              <a:ea typeface="+mn-ea"/>
+              <a:cs typeface="+mn-cs"/>
+            </a:defRPr>
+          </a:pPr>
+        </a:p>
+      </c:txPr>
+    </c:legend>
+    <c:plotVisOnly val="1"/>
+    <c:dispBlanksAs val="gap"/>
+    <c:showDLblsOverMax val="0"/>
+  </c:chart>
+  <c:spPr>
+    <a:noFill/>
+    <a:ln>
+      <a:noFill/>
+    </a:ln>
+    <a:effectLst/>
+  </c:spPr>
+  <c:txPr>
+    <a:bodyPr/>
+    <a:lstStyle/>
+    <a:p>
+      <a:pPr>
+        <a:defRPr lang="zh-CN"/>
+      </a:pPr>
+    </a:p>
+  </c:txPr>
+  <c:externalData r:id="rId1">
+    <c:autoUpdate val="0"/>
+  </c:externalData>
+</c:chartSpace>
+</file>
+
+<file path=ppt/charts/chart4.xml><?xml version="1.0" encoding="utf-8"?>
+<c:chartSpace xmlns:c="http://schemas.openxmlformats.org/drawingml/2006/chart" xmlns:a="http://schemas.openxmlformats.org/drawingml/2006/main" xmlns:r="http://schemas.openxmlformats.org/officeDocument/2006/relationships">
+  <c:date1904 val="0"/>
+  <c:lang val="zh-CN"/>
+  <c:roundedCorners val="0"/>
+  <mc:AlternateContent xmlns:mc="http://schemas.openxmlformats.org/markup-compatibility/2006">
+    <mc:Choice xmlns:c14="http://schemas.microsoft.com/office/drawing/2007/8/2/chart" Requires="c14">
+      <c14:style val="102"/>
+    </mc:Choice>
+    <mc:Fallback>
+      <c:style val="2"/>
+    </mc:Fallback>
+  </mc:AlternateContent>
+  <c:chart>
+    <c:title>
+      <c:tx>
+        <c:rich>
+          <a:bodyPr rot="0" spcFirstLastPara="0" vertOverflow="ellipsis" vert="horz" wrap="square" anchor="ctr" anchorCtr="1"/>
+          <a:lstStyle/>
+          <a:p>
+            <a:pPr defTabSz="914400">
+              <a:defRPr lang="zh-CN" sz="1400" b="0" i="0" u="none" strike="noStrike" kern="1200" spc="0" baseline="0">
+                <a:solidFill>
+                  <a:schemeClr val="tx1">
+                    <a:lumMod val="65000"/>
+                    <a:lumOff val="35000"/>
+                  </a:schemeClr>
+                </a:solidFill>
+                <a:latin typeface="+mn-lt"/>
+                <a:ea typeface="+mn-ea"/>
+                <a:cs typeface="+mn-cs"/>
+              </a:defRPr>
+            </a:pPr>
+            <a:r>
+              <a:rPr lang="en-US" altLang="zh-CN"/>
+              <a:t>2</a:t>
+            </a:r>
+            <a:r>
+              <a:rPr altLang="en-US"/>
+              <a:t>系列变</a:t>
+            </a:r>
+            <a:r>
+              <a:rPr lang="en-US" altLang="zh-CN"/>
+              <a:t>3</a:t>
+            </a:r>
+            <a:r>
+              <a:rPr altLang="en-US"/>
+              <a:t>系列</a:t>
+            </a:r>
+            <a:endParaRPr altLang="en-US"/>
+          </a:p>
+        </c:rich>
+      </c:tx>
+      <c:layout/>
+      <c:overlay val="0"/>
+      <c:spPr>
+        <a:noFill/>
+        <a:ln>
+          <a:noFill/>
+        </a:ln>
+        <a:effectLst/>
+      </c:spPr>
+    </c:title>
+    <c:autoTitleDeleted val="0"/>
+    <c:plotArea>
+      <c:layout/>
       <c:lineChart>
         <c:grouping val="standard"/>
         <c:varyColors val="0"/>
@@ -986,78 +1462,6 @@
                 </c:pt>
                 <c:pt idx="3">
                   <c:v>2.8</c:v>
-                </c:pt>
-              </c:numCache>
-            </c:numRef>
-          </c:val>
-          <c:smooth val="0"/>
-        </c:ser>
-        <c:ser>
-          <c:idx val="2"/>
-          <c:order val="2"/>
-          <c:tx>
-            <c:strRef>
-              <c:f>Sheet1!$D$1</c:f>
-              <c:strCache>
-                <c:ptCount val="1"/>
-                <c:pt idx="0">
-                  <c:v>系列 3</c:v>
-                </c:pt>
-              </c:strCache>
-            </c:strRef>
-          </c:tx>
-          <c:spPr>
-            <a:ln w="28575" cap="rnd">
-              <a:solidFill>
-                <a:schemeClr val="accent3"/>
-              </a:solidFill>
-              <a:round/>
-            </a:ln>
-            <a:effectLst/>
-          </c:spPr>
-          <c:marker>
-            <c:symbol val="none"/>
-          </c:marker>
-          <c:dLbls>
-            <c:delete val="1"/>
-          </c:dLbls>
-          <c:cat>
-            <c:strRef>
-              <c:f>Sheet1!$A$2:$A$5</c:f>
-              <c:strCache>
-                <c:ptCount val="4"/>
-                <c:pt idx="0">
-                  <c:v>类别 1</c:v>
-                </c:pt>
-                <c:pt idx="1">
-                  <c:v>类别 2</c:v>
-                </c:pt>
-                <c:pt idx="2">
-                  <c:v>类别 3</c:v>
-                </c:pt>
-                <c:pt idx="3">
-                  <c:v>类别 4</c:v>
-                </c:pt>
-              </c:strCache>
-            </c:strRef>
-          </c:cat>
-          <c:val>
-            <c:numRef>
-              <c:f>Sheet1!$D$2:$D$5</c:f>
-              <c:numCache>
-                <c:formatCode>General</c:formatCode>
-                <c:ptCount val="4"/>
-                <c:pt idx="0">
-                  <c:v>2</c:v>
-                </c:pt>
-                <c:pt idx="1">
-                  <c:v>2</c:v>
-                </c:pt>
-                <c:pt idx="2">
-                  <c:v>3</c:v>
-                </c:pt>
-                <c:pt idx="3">
-                  <c:v>5</c:v>
                 </c:pt>
               </c:numCache>
             </c:numRef>
@@ -1247,7 +1651,547 @@
 </c:chartSpace>
 </file>
 
-<file path=ppt/charts/chart4.xml><?xml version="1.0" encoding="utf-8"?>
+<file path=ppt/charts/chart5.xml><?xml version="1.0" encoding="utf-8"?>
+<c:chartSpace xmlns:c="http://schemas.openxmlformats.org/drawingml/2006/chart" xmlns:a="http://schemas.openxmlformats.org/drawingml/2006/main" xmlns:r="http://schemas.openxmlformats.org/officeDocument/2006/relationships">
+  <c:date1904 val="0"/>
+  <c:lang val="zh-CN"/>
+  <c:roundedCorners val="0"/>
+  <mc:AlternateContent xmlns:mc="http://schemas.openxmlformats.org/markup-compatibility/2006">
+    <mc:Choice xmlns:c14="http://schemas.microsoft.com/office/drawing/2007/8/2/chart" Requires="c14">
+      <c14:style val="102"/>
+    </mc:Choice>
+    <mc:Fallback>
+      <c:style val="2"/>
+    </mc:Fallback>
+  </mc:AlternateContent>
+  <c:chart>
+    <c:title>
+      <c:tx>
+        <c:rich>
+          <a:bodyPr rot="0" spcFirstLastPara="0" vertOverflow="ellipsis" vert="horz" wrap="square" anchor="ctr" anchorCtr="1"/>
+          <a:lstStyle/>
+          <a:p>
+            <a:pPr defTabSz="914400">
+              <a:defRPr lang="zh-CN" sz="1400" b="0" i="0" u="none" strike="noStrike" kern="1200" spc="0" baseline="0">
+                <a:solidFill>
+                  <a:schemeClr val="tx1">
+                    <a:lumMod val="65000"/>
+                    <a:lumOff val="35000"/>
+                  </a:schemeClr>
+                </a:solidFill>
+                <a:latin typeface="+mn-lt"/>
+                <a:ea typeface="+mn-ea"/>
+                <a:cs typeface="+mn-cs"/>
+              </a:defRPr>
+            </a:pPr>
+            <a:r>
+              <a:rPr lang="en-US" altLang="zh-CN"/>
+              <a:t>4</a:t>
+            </a:r>
+            <a:r>
+              <a:rPr altLang="en-US"/>
+              <a:t>系列变</a:t>
+            </a:r>
+            <a:r>
+              <a:rPr lang="en-US" altLang="zh-CN"/>
+              <a:t>3</a:t>
+            </a:r>
+            <a:r>
+              <a:rPr altLang="en-US"/>
+              <a:t>系列</a:t>
+            </a:r>
+            <a:endParaRPr altLang="en-US"/>
+          </a:p>
+        </c:rich>
+      </c:tx>
+      <c:layout/>
+      <c:overlay val="0"/>
+      <c:spPr>
+        <a:noFill/>
+        <a:ln>
+          <a:noFill/>
+        </a:ln>
+        <a:effectLst/>
+      </c:spPr>
+    </c:title>
+    <c:autoTitleDeleted val="0"/>
+    <c:plotArea>
+      <c:layout/>
+      <c:lineChart>
+        <c:grouping val="standard"/>
+        <c:varyColors val="0"/>
+        <c:ser>
+          <c:idx val="0"/>
+          <c:order val="0"/>
+          <c:tx>
+            <c:strRef>
+              <c:f>Sheet1!$B$1</c:f>
+              <c:strCache>
+                <c:ptCount val="1"/>
+                <c:pt idx="0">
+                  <c:v>系列 1</c:v>
+                </c:pt>
+              </c:strCache>
+            </c:strRef>
+          </c:tx>
+          <c:spPr>
+            <a:ln w="28575" cap="rnd">
+              <a:solidFill>
+                <a:schemeClr val="accent1"/>
+              </a:solidFill>
+              <a:round/>
+            </a:ln>
+            <a:effectLst/>
+          </c:spPr>
+          <c:marker>
+            <c:symbol val="none"/>
+          </c:marker>
+          <c:dLbls>
+            <c:delete val="1"/>
+          </c:dLbls>
+          <c:cat>
+            <c:strRef>
+              <c:f>Sheet1!$A$2:$A$5</c:f>
+              <c:strCache>
+                <c:ptCount val="4"/>
+                <c:pt idx="0">
+                  <c:v>类别 1</c:v>
+                </c:pt>
+                <c:pt idx="1">
+                  <c:v>类别 2</c:v>
+                </c:pt>
+                <c:pt idx="2">
+                  <c:v>类别 3</c:v>
+                </c:pt>
+                <c:pt idx="3">
+                  <c:v>类别 4</c:v>
+                </c:pt>
+              </c:strCache>
+            </c:strRef>
+          </c:cat>
+          <c:val>
+            <c:numRef>
+              <c:f>Sheet1!$B$2:$B$5</c:f>
+              <c:numCache>
+                <c:formatCode>General</c:formatCode>
+                <c:ptCount val="4"/>
+                <c:pt idx="0">
+                  <c:v>4.3</c:v>
+                </c:pt>
+                <c:pt idx="1">
+                  <c:v>2.5</c:v>
+                </c:pt>
+                <c:pt idx="2">
+                  <c:v>3.5</c:v>
+                </c:pt>
+                <c:pt idx="3">
+                  <c:v>4.5</c:v>
+                </c:pt>
+              </c:numCache>
+            </c:numRef>
+          </c:val>
+          <c:smooth val="0"/>
+        </c:ser>
+        <c:ser>
+          <c:idx val="1"/>
+          <c:order val="1"/>
+          <c:tx>
+            <c:strRef>
+              <c:f>Sheet1!$C$1</c:f>
+              <c:strCache>
+                <c:ptCount val="1"/>
+                <c:pt idx="0">
+                  <c:v>系列 2</c:v>
+                </c:pt>
+              </c:strCache>
+            </c:strRef>
+          </c:tx>
+          <c:spPr>
+            <a:ln w="28575" cap="rnd">
+              <a:solidFill>
+                <a:schemeClr val="accent2"/>
+              </a:solidFill>
+              <a:round/>
+            </a:ln>
+            <a:effectLst/>
+          </c:spPr>
+          <c:marker>
+            <c:symbol val="none"/>
+          </c:marker>
+          <c:dLbls>
+            <c:delete val="1"/>
+          </c:dLbls>
+          <c:cat>
+            <c:strRef>
+              <c:f>Sheet1!$A$2:$A$5</c:f>
+              <c:strCache>
+                <c:ptCount val="4"/>
+                <c:pt idx="0">
+                  <c:v>类别 1</c:v>
+                </c:pt>
+                <c:pt idx="1">
+                  <c:v>类别 2</c:v>
+                </c:pt>
+                <c:pt idx="2">
+                  <c:v>类别 3</c:v>
+                </c:pt>
+                <c:pt idx="3">
+                  <c:v>类别 4</c:v>
+                </c:pt>
+              </c:strCache>
+            </c:strRef>
+          </c:cat>
+          <c:val>
+            <c:numRef>
+              <c:f>Sheet1!$C$2:$C$5</c:f>
+              <c:numCache>
+                <c:formatCode>General</c:formatCode>
+                <c:ptCount val="4"/>
+                <c:pt idx="0">
+                  <c:v>2.4</c:v>
+                </c:pt>
+                <c:pt idx="1">
+                  <c:v>4.4</c:v>
+                </c:pt>
+                <c:pt idx="2">
+                  <c:v>1.8</c:v>
+                </c:pt>
+                <c:pt idx="3">
+                  <c:v>2.8</c:v>
+                </c:pt>
+              </c:numCache>
+            </c:numRef>
+          </c:val>
+          <c:smooth val="0"/>
+        </c:ser>
+        <c:ser>
+          <c:idx val="2"/>
+          <c:order val="2"/>
+          <c:tx>
+            <c:strRef>
+              <c:f>Sheet1!$D$1</c:f>
+              <c:strCache>
+                <c:ptCount val="1"/>
+                <c:pt idx="0">
+                  <c:v>系列 3</c:v>
+                </c:pt>
+              </c:strCache>
+            </c:strRef>
+          </c:tx>
+          <c:spPr>
+            <a:ln w="28575" cap="rnd">
+              <a:solidFill>
+                <a:schemeClr val="accent3"/>
+              </a:solidFill>
+              <a:round/>
+            </a:ln>
+            <a:effectLst/>
+          </c:spPr>
+          <c:marker>
+            <c:symbol val="none"/>
+          </c:marker>
+          <c:dLbls>
+            <c:delete val="1"/>
+          </c:dLbls>
+          <c:cat>
+            <c:strRef>
+              <c:f>Sheet1!$A$2:$A$5</c:f>
+              <c:strCache>
+                <c:ptCount val="4"/>
+                <c:pt idx="0">
+                  <c:v>类别 1</c:v>
+                </c:pt>
+                <c:pt idx="1">
+                  <c:v>类别 2</c:v>
+                </c:pt>
+                <c:pt idx="2">
+                  <c:v>类别 3</c:v>
+                </c:pt>
+                <c:pt idx="3">
+                  <c:v>类别 4</c:v>
+                </c:pt>
+              </c:strCache>
+            </c:strRef>
+          </c:cat>
+          <c:val>
+            <c:numRef>
+              <c:f>Sheet1!$D$2:$D$5</c:f>
+              <c:numCache>
+                <c:formatCode>General</c:formatCode>
+                <c:ptCount val="4"/>
+                <c:pt idx="0">
+                  <c:v>2</c:v>
+                </c:pt>
+                <c:pt idx="1">
+                  <c:v>2</c:v>
+                </c:pt>
+                <c:pt idx="2">
+                  <c:v>3</c:v>
+                </c:pt>
+                <c:pt idx="3">
+                  <c:v>5</c:v>
+                </c:pt>
+              </c:numCache>
+            </c:numRef>
+          </c:val>
+          <c:smooth val="0"/>
+        </c:ser>
+        <c:ser>
+          <c:idx val="3"/>
+          <c:order val="3"/>
+          <c:tx>
+            <c:strRef>
+              <c:f>Sheet1!$E$1</c:f>
+              <c:strCache>
+                <c:ptCount val="1"/>
+                <c:pt idx="0">
+                  <c:v>系列 4</c:v>
+                </c:pt>
+              </c:strCache>
+            </c:strRef>
+          </c:tx>
+          <c:spPr>
+            <a:ln w="28575" cap="rnd">
+              <a:solidFill>
+                <a:schemeClr val="accent4"/>
+              </a:solidFill>
+              <a:round/>
+            </a:ln>
+            <a:effectLst/>
+          </c:spPr>
+          <c:marker>
+            <c:symbol val="none"/>
+          </c:marker>
+          <c:dLbls>
+            <c:delete val="1"/>
+          </c:dLbls>
+          <c:cat>
+            <c:strRef>
+              <c:f>Sheet1!$A$2:$A$5</c:f>
+              <c:strCache>
+                <c:ptCount val="4"/>
+                <c:pt idx="0">
+                  <c:v>类别 1</c:v>
+                </c:pt>
+                <c:pt idx="1">
+                  <c:v>类别 2</c:v>
+                </c:pt>
+                <c:pt idx="2">
+                  <c:v>类别 3</c:v>
+                </c:pt>
+                <c:pt idx="3">
+                  <c:v>类别 4</c:v>
+                </c:pt>
+              </c:strCache>
+            </c:strRef>
+          </c:cat>
+          <c:val>
+            <c:numRef>
+              <c:f>Sheet1!$E$2:$E$5</c:f>
+              <c:numCache>
+                <c:formatCode>General</c:formatCode>
+                <c:ptCount val="4"/>
+                <c:pt idx="0">
+                  <c:v>3</c:v>
+                </c:pt>
+                <c:pt idx="1">
+                  <c:v>4</c:v>
+                </c:pt>
+                <c:pt idx="2">
+                  <c:v>7</c:v>
+                </c:pt>
+                <c:pt idx="3">
+                  <c:v>2</c:v>
+                </c:pt>
+              </c:numCache>
+            </c:numRef>
+          </c:val>
+          <c:smooth val="0"/>
+        </c:ser>
+        <c:dLbls>
+          <c:showLegendKey val="0"/>
+          <c:showVal val="0"/>
+          <c:showCatName val="0"/>
+          <c:showSerName val="0"/>
+          <c:showPercent val="0"/>
+          <c:showBubbleSize val="0"/>
+        </c:dLbls>
+        <c:marker val="0"/>
+        <c:smooth val="0"/>
+        <c:axId val="739187811"/>
+        <c:axId val="984325827"/>
+      </c:lineChart>
+      <c:catAx>
+        <c:axId val="739187811"/>
+        <c:scaling>
+          <c:orientation val="minMax"/>
+        </c:scaling>
+        <c:delete val="0"/>
+        <c:axPos val="b"/>
+        <c:numFmt formatCode="General" sourceLinked="0"/>
+        <c:majorTickMark val="none"/>
+        <c:minorTickMark val="none"/>
+        <c:tickLblPos val="nextTo"/>
+        <c:spPr>
+          <a:noFill/>
+          <a:ln w="9525" cap="flat" cmpd="sng" algn="ctr">
+            <a:solidFill>
+              <a:schemeClr val="tx1">
+                <a:lumMod val="15000"/>
+                <a:lumOff val="85000"/>
+              </a:schemeClr>
+            </a:solidFill>
+            <a:round/>
+          </a:ln>
+          <a:effectLst/>
+        </c:spPr>
+        <c:txPr>
+          <a:bodyPr rot="-60000000" spcFirstLastPara="0" vertOverflow="ellipsis" vert="horz" wrap="square" anchor="ctr" anchorCtr="1"/>
+          <a:lstStyle/>
+          <a:p>
+            <a:pPr>
+              <a:defRPr lang="zh-CN" sz="900" b="0" i="0" u="none" strike="noStrike" kern="1200" baseline="0">
+                <a:solidFill>
+                  <a:schemeClr val="tx1">
+                    <a:lumMod val="65000"/>
+                    <a:lumOff val="35000"/>
+                  </a:schemeClr>
+                </a:solidFill>
+                <a:latin typeface="+mn-lt"/>
+                <a:ea typeface="+mn-ea"/>
+                <a:cs typeface="+mn-cs"/>
+              </a:defRPr>
+            </a:pPr>
+          </a:p>
+        </c:txPr>
+        <c:crossAx val="984325827"/>
+        <c:crosses val="autoZero"/>
+        <c:auto val="1"/>
+        <c:lblAlgn val="ctr"/>
+        <c:lblOffset val="100"/>
+        <c:noMultiLvlLbl val="0"/>
+      </c:catAx>
+      <c:valAx>
+        <c:axId val="984325827"/>
+        <c:scaling>
+          <c:orientation val="minMax"/>
+        </c:scaling>
+        <c:delete val="0"/>
+        <c:axPos val="l"/>
+        <c:majorGridlines>
+          <c:spPr>
+            <a:ln w="9525" cap="flat" cmpd="sng" algn="ctr">
+              <a:solidFill>
+                <a:schemeClr val="tx1">
+                  <a:lumMod val="15000"/>
+                  <a:lumOff val="85000"/>
+                </a:schemeClr>
+              </a:solidFill>
+              <a:round/>
+            </a:ln>
+            <a:effectLst/>
+          </c:spPr>
+        </c:majorGridlines>
+        <c:numFmt formatCode="General" sourceLinked="1"/>
+        <c:majorTickMark val="none"/>
+        <c:minorTickMark val="none"/>
+        <c:tickLblPos val="nextTo"/>
+        <c:spPr>
+          <a:noFill/>
+          <a:ln>
+            <a:noFill/>
+          </a:ln>
+          <a:effectLst/>
+        </c:spPr>
+        <c:txPr>
+          <a:bodyPr rot="-60000000" spcFirstLastPara="0" vertOverflow="ellipsis" vert="horz" wrap="square" anchor="ctr" anchorCtr="1"/>
+          <a:lstStyle/>
+          <a:p>
+            <a:pPr>
+              <a:defRPr lang="zh-CN" sz="900" b="0" i="0" u="none" strike="noStrike" kern="1200" baseline="0">
+                <a:solidFill>
+                  <a:schemeClr val="tx1">
+                    <a:lumMod val="65000"/>
+                    <a:lumOff val="35000"/>
+                  </a:schemeClr>
+                </a:solidFill>
+                <a:latin typeface="+mn-lt"/>
+                <a:ea typeface="+mn-ea"/>
+                <a:cs typeface="+mn-cs"/>
+              </a:defRPr>
+            </a:pPr>
+          </a:p>
+        </c:txPr>
+        <c:crossAx val="739187811"/>
+        <c:crosses val="autoZero"/>
+        <c:crossBetween val="between"/>
+      </c:valAx>
+      <c:spPr>
+        <a:noFill/>
+        <a:ln>
+          <a:noFill/>
+        </a:ln>
+        <a:effectLst/>
+      </c:spPr>
+    </c:plotArea>
+    <c:legend>
+      <c:legendPos val="b"/>
+      <c:layout/>
+      <c:overlay val="0"/>
+      <c:spPr>
+        <a:noFill/>
+        <a:ln>
+          <a:noFill/>
+        </a:ln>
+        <a:effectLst/>
+      </c:spPr>
+      <c:txPr>
+        <a:bodyPr rot="0" spcFirstLastPara="0" vertOverflow="ellipsis" vert="horz" wrap="square" anchor="ctr" anchorCtr="1"/>
+        <a:lstStyle/>
+        <a:p>
+          <a:pPr>
+            <a:defRPr lang="zh-CN" sz="900" b="0" i="0" u="none" strike="noStrike" kern="1200" baseline="0">
+              <a:solidFill>
+                <a:schemeClr val="tx1">
+                  <a:lumMod val="65000"/>
+                  <a:lumOff val="35000"/>
+                </a:schemeClr>
+              </a:solidFill>
+              <a:latin typeface="+mn-lt"/>
+              <a:ea typeface="+mn-ea"/>
+              <a:cs typeface="+mn-cs"/>
+            </a:defRPr>
+          </a:pPr>
+        </a:p>
+      </c:txPr>
+    </c:legend>
+    <c:plotVisOnly val="1"/>
+    <c:dispBlanksAs val="gap"/>
+    <c:showDLblsOverMax val="0"/>
+  </c:chart>
+  <c:spPr>
+    <a:noFill/>
+    <a:ln>
+      <a:noFill/>
+    </a:ln>
+    <a:effectLst/>
+  </c:spPr>
+  <c:txPr>
+    <a:bodyPr/>
+    <a:lstStyle/>
+    <a:p>
+      <a:pPr>
+        <a:defRPr lang="zh-CN"/>
+      </a:pPr>
+    </a:p>
+  </c:txPr>
+  <c:externalData r:id="rId1">
+    <c:autoUpdate val="0"/>
+  </c:externalData>
+</c:chartSpace>
+</file>
+
+<file path=ppt/charts/chart6.xml><?xml version="1.0" encoding="utf-8"?>
 <c:chartSpace xmlns:c="http://schemas.openxmlformats.org/drawingml/2006/chart" xmlns:a="http://schemas.openxmlformats.org/drawingml/2006/main" xmlns:r="http://schemas.openxmlformats.org/officeDocument/2006/relationships">
   <c:date1904 val="0"/>
   <c:lang val="zh-CN"/>
@@ -1866,6 +2810,86 @@
 </cs:colorStyle>
 </file>
 
+<file path=ppt/charts/colors5.xml><?xml version="1.0" encoding="utf-8"?>
+<cs:colorStyle xmlns:cs="http://schemas.microsoft.com/office/drawing/2012/chartStyle" xmlns:a="http://schemas.openxmlformats.org/drawingml/2006/main" meth="cycle" id="10">
+  <a:schemeClr val="accent1"/>
+  <a:schemeClr val="accent2"/>
+  <a:schemeClr val="accent3"/>
+  <a:schemeClr val="accent4"/>
+  <a:schemeClr val="accent5"/>
+  <a:schemeClr val="accent6"/>
+  <cs:variation/>
+  <cs:variation>
+    <a:lumMod val="60000"/>
+  </cs:variation>
+  <cs:variation>
+    <a:lumMod val="80000"/>
+    <a:lumOff val="20000"/>
+  </cs:variation>
+  <cs:variation>
+    <a:lumMod val="80000"/>
+  </cs:variation>
+  <cs:variation>
+    <a:lumMod val="60000"/>
+    <a:lumOff val="40000"/>
+  </cs:variation>
+  <cs:variation>
+    <a:lumMod val="50000"/>
+  </cs:variation>
+  <cs:variation>
+    <a:lumMod val="70000"/>
+    <a:lumOff val="30000"/>
+  </cs:variation>
+  <cs:variation>
+    <a:lumMod val="70000"/>
+  </cs:variation>
+  <cs:variation>
+    <a:lumMod val="50000"/>
+    <a:lumOff val="50000"/>
+  </cs:variation>
+</cs:colorStyle>
+</file>
+
+<file path=ppt/charts/colors6.xml><?xml version="1.0" encoding="utf-8"?>
+<cs:colorStyle xmlns:cs="http://schemas.microsoft.com/office/drawing/2012/chartStyle" xmlns:a="http://schemas.openxmlformats.org/drawingml/2006/main" meth="cycle" id="10">
+  <a:schemeClr val="accent1"/>
+  <a:schemeClr val="accent2"/>
+  <a:schemeClr val="accent3"/>
+  <a:schemeClr val="accent4"/>
+  <a:schemeClr val="accent5"/>
+  <a:schemeClr val="accent6"/>
+  <cs:variation/>
+  <cs:variation>
+    <a:lumMod val="60000"/>
+  </cs:variation>
+  <cs:variation>
+    <a:lumMod val="80000"/>
+    <a:lumOff val="20000"/>
+  </cs:variation>
+  <cs:variation>
+    <a:lumMod val="80000"/>
+  </cs:variation>
+  <cs:variation>
+    <a:lumMod val="60000"/>
+    <a:lumOff val="40000"/>
+  </cs:variation>
+  <cs:variation>
+    <a:lumMod val="50000"/>
+  </cs:variation>
+  <cs:variation>
+    <a:lumMod val="70000"/>
+    <a:lumOff val="30000"/>
+  </cs:variation>
+  <cs:variation>
+    <a:lumMod val="70000"/>
+  </cs:variation>
+  <cs:variation>
+    <a:lumMod val="50000"/>
+    <a:lumOff val="50000"/>
+  </cs:variation>
+</cs:colorStyle>
+</file>
+
 <file path=ppt/charts/style1.xml><?xml version="1.0" encoding="utf-8"?>
 <cs:chartStyle xmlns:cs="http://schemas.microsoft.com/office/drawing/2012/chartStyle" xmlns:a="http://schemas.openxmlformats.org/drawingml/2006/main" id="251">
   <cs:axisTitle>
@@ -2891,7 +3915,7 @@
 </file>
 
 <file path=ppt/charts/style3.xml><?xml version="1.0" encoding="utf-8"?>
-<cs:chartStyle xmlns:cs="http://schemas.microsoft.com/office/drawing/2012/chartStyle" xmlns:a="http://schemas.openxmlformats.org/drawingml/2006/main" id="227">
+<cs:chartStyle xmlns:cs="http://schemas.microsoft.com/office/drawing/2012/chartStyle" xmlns:a="http://schemas.openxmlformats.org/drawingml/2006/main" id="297">
   <cs:axisTitle>
     <cs:lnRef idx="0"/>
     <cs:fillRef idx="0"/>
@@ -2999,11 +4023,6 @@
     <cs:fontRef idx="minor">
       <a:schemeClr val="tx1"/>
     </cs:fontRef>
-    <cs:spPr>
-      <a:solidFill>
-        <a:schemeClr val="phClr"/>
-      </a:solidFill>
-    </cs:spPr>
   </cs:dataPoint>
   <cs:dataPoint3D>
     <cs:lnRef idx="0"/>
@@ -3014,11 +4033,6 @@
     <cs:fontRef idx="minor">
       <a:schemeClr val="tx1"/>
     </cs:fontRef>
-    <cs:spPr>
-      <a:solidFill>
-        <a:schemeClr val="phClr"/>
-      </a:solidFill>
-    </cs:spPr>
   </cs:dataPoint3D>
   <cs:dataPointLine>
     <cs:lnRef idx="0">
@@ -3050,9 +4064,6 @@
       <a:schemeClr val="tx1"/>
     </cs:fontRef>
     <cs:spPr>
-      <a:solidFill>
-        <a:schemeClr val="phClr"/>
-      </a:solidFill>
       <a:ln w="9525">
         <a:solidFill>
           <a:schemeClr val="phClr"/>
@@ -3108,6 +4119,524 @@
     <cs:fillRef idx="0"/>
     <cs:effectRef idx="0"/>
     <cs:fontRef idx="minor">
+      <a:schemeClr val="tx1"/>
+    </cs:fontRef>
+    <cs:spPr>
+      <a:solidFill>
+        <a:schemeClr val="dk1">
+          <a:lumMod val="75000"/>
+          <a:lumOff val="25000"/>
+        </a:schemeClr>
+      </a:solidFill>
+      <a:ln w="9525" cap="flat" cmpd="sng" algn="ctr">
+        <a:solidFill>
+          <a:schemeClr val="tx1">
+            <a:lumMod val="65000"/>
+            <a:lumOff val="35000"/>
+          </a:schemeClr>
+        </a:solidFill>
+        <a:round/>
+      </a:ln>
+    </cs:spPr>
+  </cs:downBar>
+  <cs:dropLine>
+    <cs:lnRef idx="0"/>
+    <cs:fillRef idx="0"/>
+    <cs:effectRef idx="0"/>
+    <cs:fontRef idx="minor">
+      <a:schemeClr val="tx1"/>
+    </cs:fontRef>
+    <cs:spPr>
+      <a:ln w="9525" cap="flat" cmpd="sng" algn="ctr">
+        <a:solidFill>
+          <a:schemeClr val="tx1">
+            <a:lumMod val="35000"/>
+            <a:lumOff val="65000"/>
+          </a:schemeClr>
+        </a:solidFill>
+        <a:round/>
+      </a:ln>
+    </cs:spPr>
+  </cs:dropLine>
+  <cs:errorBar>
+    <cs:lnRef idx="0"/>
+    <cs:fillRef idx="0"/>
+    <cs:effectRef idx="0"/>
+    <cs:fontRef idx="minor">
+      <a:schemeClr val="tx1"/>
+    </cs:fontRef>
+    <cs:spPr>
+      <a:ln w="9525" cap="flat" cmpd="sng" algn="ctr">
+        <a:solidFill>
+          <a:schemeClr val="tx1">
+            <a:lumMod val="65000"/>
+            <a:lumOff val="35000"/>
+          </a:schemeClr>
+        </a:solidFill>
+        <a:round/>
+      </a:ln>
+    </cs:spPr>
+  </cs:errorBar>
+  <cs:floor>
+    <cs:lnRef idx="0"/>
+    <cs:fillRef idx="0"/>
+    <cs:effectRef idx="0"/>
+    <cs:fontRef idx="minor">
+      <a:schemeClr val="tx1"/>
+    </cs:fontRef>
+    <cs:spPr>
+      <a:noFill/>
+      <a:ln>
+        <a:noFill/>
+      </a:ln>
+    </cs:spPr>
+  </cs:floor>
+  <cs:gridlineMajor>
+    <cs:lnRef idx="0"/>
+    <cs:fillRef idx="0"/>
+    <cs:effectRef idx="0"/>
+    <cs:fontRef idx="minor">
+      <a:schemeClr val="tx1"/>
+    </cs:fontRef>
+    <cs:spPr>
+      <a:ln w="9525" cap="flat" cmpd="sng" algn="ctr">
+        <a:solidFill>
+          <a:schemeClr val="tx1">
+            <a:lumMod val="15000"/>
+            <a:lumOff val="85000"/>
+          </a:schemeClr>
+        </a:solidFill>
+        <a:round/>
+      </a:ln>
+    </cs:spPr>
+  </cs:gridlineMajor>
+  <cs:gridlineMinor>
+    <cs:lnRef idx="0"/>
+    <cs:fillRef idx="0"/>
+    <cs:effectRef idx="0"/>
+    <cs:fontRef idx="minor">
+      <a:schemeClr val="tx1"/>
+    </cs:fontRef>
+    <cs:spPr>
+      <a:ln w="9525" cap="flat" cmpd="sng" algn="ctr">
+        <a:solidFill>
+          <a:schemeClr val="tx1">
+            <a:lumMod val="5000"/>
+            <a:lumOff val="95000"/>
+          </a:schemeClr>
+        </a:solidFill>
+        <a:round/>
+      </a:ln>
+    </cs:spPr>
+  </cs:gridlineMinor>
+  <cs:hiLoLine>
+    <cs:lnRef idx="0"/>
+    <cs:fillRef idx="0"/>
+    <cs:effectRef idx="0"/>
+    <cs:fontRef idx="minor">
+      <a:schemeClr val="tx1"/>
+    </cs:fontRef>
+    <cs:spPr>
+      <a:ln w="9525" cap="flat" cmpd="sng" algn="ctr">
+        <a:solidFill>
+          <a:schemeClr val="tx1">
+            <a:lumMod val="50000"/>
+            <a:lumOff val="50000"/>
+          </a:schemeClr>
+        </a:solidFill>
+        <a:round/>
+      </a:ln>
+    </cs:spPr>
+  </cs:hiLoLine>
+  <cs:leaderLine>
+    <cs:lnRef idx="0"/>
+    <cs:fillRef idx="0"/>
+    <cs:effectRef idx="0"/>
+    <cs:fontRef idx="minor">
+      <a:schemeClr val="tx1"/>
+    </cs:fontRef>
+    <cs:spPr>
+      <a:ln w="9525" cap="flat" cmpd="sng" algn="ctr">
+        <a:solidFill>
+          <a:schemeClr val="tx1">
+            <a:lumMod val="35000"/>
+            <a:lumOff val="65000"/>
+          </a:schemeClr>
+        </a:solidFill>
+        <a:round/>
+      </a:ln>
+    </cs:spPr>
+  </cs:leaderLine>
+  <cs:legend>
+    <cs:lnRef idx="0"/>
+    <cs:fillRef idx="0"/>
+    <cs:effectRef idx="0"/>
+    <cs:fontRef idx="minor">
+      <a:schemeClr val="tx1">
+        <a:lumMod val="65000"/>
+        <a:lumOff val="35000"/>
+      </a:schemeClr>
+    </cs:fontRef>
+    <cs:defRPr sz="900" kern="1200"/>
+  </cs:legend>
+  <cs:plotArea mods="allowNoFillOverride allowNoLineOverride">
+    <cs:lnRef idx="0"/>
+    <cs:fillRef idx="0"/>
+    <cs:effectRef idx="0"/>
+    <cs:fontRef idx="minor">
+      <a:schemeClr val="tx1"/>
+    </cs:fontRef>
+  </cs:plotArea>
+  <cs:plotArea3D mods="allowNoFillOverride allowNoLineOverride">
+    <cs:lnRef idx="0"/>
+    <cs:fillRef idx="0"/>
+    <cs:effectRef idx="0"/>
+    <cs:fontRef idx="minor">
+      <a:schemeClr val="tx1"/>
+    </cs:fontRef>
+  </cs:plotArea3D>
+  <cs:seriesAxis>
+    <cs:lnRef idx="0"/>
+    <cs:fillRef idx="0"/>
+    <cs:effectRef idx="0"/>
+    <cs:fontRef idx="minor">
+      <a:schemeClr val="tx1">
+        <a:lumMod val="65000"/>
+        <a:lumOff val="35000"/>
+      </a:schemeClr>
+    </cs:fontRef>
+    <cs:defRPr sz="900" kern="1200"/>
+  </cs:seriesAxis>
+  <cs:seriesLine>
+    <cs:lnRef idx="0"/>
+    <cs:fillRef idx="0"/>
+    <cs:effectRef idx="0"/>
+    <cs:fontRef idx="minor">
+      <a:schemeClr val="tx1"/>
+    </cs:fontRef>
+    <cs:spPr>
+      <a:ln w="9525" cap="flat" cmpd="sng" algn="ctr">
+        <a:solidFill>
+          <a:schemeClr val="tx1">
+            <a:lumMod val="35000"/>
+            <a:lumOff val="65000"/>
+          </a:schemeClr>
+        </a:solidFill>
+        <a:round/>
+      </a:ln>
+    </cs:spPr>
+  </cs:seriesLine>
+  <cs:title>
+    <cs:lnRef idx="0"/>
+    <cs:fillRef idx="0"/>
+    <cs:effectRef idx="0"/>
+    <cs:fontRef idx="minor">
+      <a:schemeClr val="tx1">
+        <a:lumMod val="65000"/>
+        <a:lumOff val="35000"/>
+      </a:schemeClr>
+    </cs:fontRef>
+    <cs:defRPr sz="1400" b="0" kern="1200" spc="0" baseline="0"/>
+  </cs:title>
+  <cs:trendline>
+    <cs:lnRef idx="0">
+      <cs:styleClr val="auto"/>
+    </cs:lnRef>
+    <cs:fillRef idx="0"/>
+    <cs:effectRef idx="0"/>
+    <cs:fontRef idx="minor">
+      <a:schemeClr val="tx1"/>
+    </cs:fontRef>
+    <cs:spPr>
+      <a:ln w="19050" cap="rnd">
+        <a:solidFill>
+          <a:schemeClr val="phClr"/>
+        </a:solidFill>
+        <a:prstDash val="sysDot"/>
+      </a:ln>
+    </cs:spPr>
+  </cs:trendline>
+  <cs:trendlineLabel>
+    <cs:lnRef idx="0"/>
+    <cs:fillRef idx="0"/>
+    <cs:effectRef idx="0"/>
+    <cs:fontRef idx="minor">
+      <a:schemeClr val="tx1">
+        <a:lumMod val="65000"/>
+        <a:lumOff val="35000"/>
+      </a:schemeClr>
+    </cs:fontRef>
+    <cs:defRPr sz="900" kern="1200"/>
+  </cs:trendlineLabel>
+  <cs:upBar>
+    <cs:lnRef idx="0"/>
+    <cs:fillRef idx="0"/>
+    <cs:effectRef idx="0"/>
+    <cs:fontRef idx="minor">
+      <a:schemeClr val="tx1"/>
+    </cs:fontRef>
+    <cs:spPr>
+      <a:solidFill>
+        <a:schemeClr val="lt1"/>
+      </a:solidFill>
+      <a:ln w="9525" cap="flat" cmpd="sng" algn="ctr">
+        <a:solidFill>
+          <a:schemeClr val="tx1">
+            <a:lumMod val="65000"/>
+            <a:lumOff val="35000"/>
+          </a:schemeClr>
+        </a:solidFill>
+        <a:round/>
+      </a:ln>
+    </cs:spPr>
+  </cs:upBar>
+  <cs:valueAxis>
+    <cs:lnRef idx="0"/>
+    <cs:fillRef idx="0"/>
+    <cs:effectRef idx="0"/>
+    <cs:fontRef idx="minor">
+      <a:schemeClr val="tx1">
+        <a:lumMod val="65000"/>
+        <a:lumOff val="35000"/>
+      </a:schemeClr>
+    </cs:fontRef>
+    <cs:defRPr sz="900" kern="1200"/>
+  </cs:valueAxis>
+  <cs:wall>
+    <cs:lnRef idx="0"/>
+    <cs:fillRef idx="0"/>
+    <cs:effectRef idx="0"/>
+    <cs:fontRef idx="minor">
+      <a:schemeClr val="tx1"/>
+    </cs:fontRef>
+    <cs:spPr>
+      <a:noFill/>
+      <a:ln>
+        <a:noFill/>
+      </a:ln>
+    </cs:spPr>
+  </cs:wall>
+</cs:chartStyle>
+</file>
+
+<file path=ppt/charts/style4.xml><?xml version="1.0" encoding="utf-8"?>
+<cs:chartStyle xmlns:cs="http://schemas.microsoft.com/office/drawing/2012/chartStyle" xmlns:a="http://schemas.openxmlformats.org/drawingml/2006/main" id="227">
+  <cs:axisTitle>
+    <cs:lnRef idx="0"/>
+    <cs:fillRef idx="0"/>
+    <cs:effectRef idx="0"/>
+    <cs:fontRef idx="minor">
+      <a:schemeClr val="tx1">
+        <a:lumMod val="65000"/>
+        <a:lumOff val="35000"/>
+      </a:schemeClr>
+    </cs:fontRef>
+    <cs:defRPr sz="1000" kern="1200"/>
+  </cs:axisTitle>
+  <cs:categoryAxis>
+    <cs:lnRef idx="0"/>
+    <cs:fillRef idx="0"/>
+    <cs:effectRef idx="0"/>
+    <cs:fontRef idx="minor">
+      <a:schemeClr val="tx1">
+        <a:lumMod val="65000"/>
+        <a:lumOff val="35000"/>
+      </a:schemeClr>
+    </cs:fontRef>
+    <cs:spPr>
+      <a:ln w="9525" cap="flat" cmpd="sng" algn="ctr">
+        <a:solidFill>
+          <a:schemeClr val="tx1">
+            <a:lumMod val="15000"/>
+            <a:lumOff val="85000"/>
+          </a:schemeClr>
+        </a:solidFill>
+        <a:round/>
+      </a:ln>
+    </cs:spPr>
+    <cs:defRPr sz="900" kern="1200"/>
+  </cs:categoryAxis>
+  <cs:chartArea mods="allowNoFillOverride allowNoLineOverride">
+    <cs:lnRef idx="0"/>
+    <cs:fillRef idx="0"/>
+    <cs:effectRef idx="0"/>
+    <cs:fontRef idx="minor">
+      <a:schemeClr val="tx1"/>
+    </cs:fontRef>
+    <cs:spPr>
+      <a:solidFill>
+        <a:schemeClr val="bg1"/>
+      </a:solidFill>
+      <a:ln w="9525" cap="flat" cmpd="sng" algn="ctr">
+        <a:solidFill>
+          <a:schemeClr val="tx1">
+            <a:lumMod val="15000"/>
+            <a:lumOff val="85000"/>
+          </a:schemeClr>
+        </a:solidFill>
+        <a:round/>
+      </a:ln>
+    </cs:spPr>
+    <cs:defRPr sz="1000" kern="1200"/>
+  </cs:chartArea>
+  <cs:dataLabel>
+    <cs:lnRef idx="0"/>
+    <cs:fillRef idx="0"/>
+    <cs:effectRef idx="0"/>
+    <cs:fontRef idx="minor">
+      <a:schemeClr val="tx1">
+        <a:lumMod val="75000"/>
+        <a:lumOff val="25000"/>
+      </a:schemeClr>
+    </cs:fontRef>
+    <cs:defRPr sz="900" kern="1200"/>
+  </cs:dataLabel>
+  <cs:dataLabelCallout>
+    <cs:lnRef idx="0"/>
+    <cs:fillRef idx="0"/>
+    <cs:effectRef idx="0"/>
+    <cs:fontRef idx="minor">
+      <a:schemeClr val="dk1">
+        <a:lumMod val="65000"/>
+        <a:lumOff val="35000"/>
+      </a:schemeClr>
+    </cs:fontRef>
+    <cs:spPr>
+      <a:solidFill>
+        <a:schemeClr val="lt1"/>
+      </a:solidFill>
+      <a:ln>
+        <a:solidFill>
+          <a:schemeClr val="dk1">
+            <a:lumMod val="25000"/>
+            <a:lumOff val="75000"/>
+          </a:schemeClr>
+        </a:solidFill>
+      </a:ln>
+    </cs:spPr>
+    <cs:defRPr sz="900" kern="1200"/>
+    <cs:bodyPr rot="0" spcFirstLastPara="1" vertOverflow="clip" horzOverflow="clip" vert="horz" wrap="square" lIns="36576" tIns="18288" rIns="36576" bIns="18288" anchor="ctr" anchorCtr="1">
+      <a:spAutoFit/>
+    </cs:bodyPr>
+  </cs:dataLabelCallout>
+  <cs:dataPoint>
+    <cs:lnRef idx="0"/>
+    <cs:fillRef idx="1">
+      <cs:styleClr val="auto"/>
+    </cs:fillRef>
+    <cs:effectRef idx="0"/>
+    <cs:fontRef idx="minor">
+      <a:schemeClr val="tx1"/>
+    </cs:fontRef>
+    <cs:spPr>
+      <a:solidFill>
+        <a:schemeClr val="phClr"/>
+      </a:solidFill>
+    </cs:spPr>
+  </cs:dataPoint>
+  <cs:dataPoint3D>
+    <cs:lnRef idx="0"/>
+    <cs:fillRef idx="1">
+      <cs:styleClr val="auto"/>
+    </cs:fillRef>
+    <cs:effectRef idx="0"/>
+    <cs:fontRef idx="minor">
+      <a:schemeClr val="tx1"/>
+    </cs:fontRef>
+    <cs:spPr>
+      <a:solidFill>
+        <a:schemeClr val="phClr"/>
+      </a:solidFill>
+    </cs:spPr>
+  </cs:dataPoint3D>
+  <cs:dataPointLine>
+    <cs:lnRef idx="0">
+      <cs:styleClr val="auto"/>
+    </cs:lnRef>
+    <cs:fillRef idx="1"/>
+    <cs:effectRef idx="0"/>
+    <cs:fontRef idx="minor">
+      <a:schemeClr val="tx1"/>
+    </cs:fontRef>
+    <cs:spPr>
+      <a:ln w="28575" cap="rnd">
+        <a:solidFill>
+          <a:schemeClr val="phClr"/>
+        </a:solidFill>
+        <a:round/>
+      </a:ln>
+    </cs:spPr>
+  </cs:dataPointLine>
+  <cs:dataPointMarker>
+    <cs:lnRef idx="0">
+      <cs:styleClr val="auto"/>
+    </cs:lnRef>
+    <cs:fillRef idx="1">
+      <cs:styleClr val="auto"/>
+    </cs:fillRef>
+    <cs:effectRef idx="0"/>
+    <cs:fontRef idx="minor">
+      <a:schemeClr val="tx1"/>
+    </cs:fontRef>
+    <cs:spPr>
+      <a:solidFill>
+        <a:schemeClr val="phClr"/>
+      </a:solidFill>
+      <a:ln w="9525">
+        <a:solidFill>
+          <a:schemeClr val="phClr"/>
+        </a:solidFill>
+      </a:ln>
+    </cs:spPr>
+  </cs:dataPointMarker>
+  <cs:dataPointMarkerLayout symbol="circle" size="5"/>
+  <cs:dataPointWireframe>
+    <cs:lnRef idx="0">
+      <cs:styleClr val="auto"/>
+    </cs:lnRef>
+    <cs:fillRef idx="1"/>
+    <cs:effectRef idx="0"/>
+    <cs:fontRef idx="minor">
+      <a:schemeClr val="tx1"/>
+    </cs:fontRef>
+    <cs:spPr>
+      <a:ln w="9525" cap="rnd">
+        <a:solidFill>
+          <a:schemeClr val="phClr"/>
+        </a:solidFill>
+        <a:round/>
+      </a:ln>
+    </cs:spPr>
+  </cs:dataPointWireframe>
+  <cs:dataTable>
+    <cs:lnRef idx="0"/>
+    <cs:fillRef idx="0"/>
+    <cs:effectRef idx="0"/>
+    <cs:fontRef idx="minor">
+      <a:schemeClr val="tx1">
+        <a:lumMod val="65000"/>
+        <a:lumOff val="35000"/>
+      </a:schemeClr>
+    </cs:fontRef>
+    <cs:spPr>
+      <a:noFill/>
+      <a:ln w="9525" cap="flat" cmpd="sng" algn="ctr">
+        <a:solidFill>
+          <a:schemeClr val="tx1">
+            <a:lumMod val="15000"/>
+            <a:lumOff val="85000"/>
+          </a:schemeClr>
+        </a:solidFill>
+        <a:round/>
+      </a:ln>
+    </cs:spPr>
+    <cs:defRPr sz="900" kern="1200"/>
+  </cs:dataTable>
+  <cs:downBar>
+    <cs:lnRef idx="0"/>
+    <cs:fillRef idx="0"/>
+    <cs:effectRef idx="0"/>
+    <cs:fontRef idx="minor">
       <a:schemeClr val="dk1"/>
     </cs:fontRef>
     <cs:spPr>
@@ -3406,7 +4935,523 @@
 </cs:chartStyle>
 </file>
 
-<file path=ppt/charts/style4.xml><?xml version="1.0" encoding="utf-8"?>
+<file path=ppt/charts/style5.xml><?xml version="1.0" encoding="utf-8"?>
+<cs:chartStyle xmlns:cs="http://schemas.microsoft.com/office/drawing/2012/chartStyle" xmlns:a="http://schemas.openxmlformats.org/drawingml/2006/main" id="227">
+  <cs:axisTitle>
+    <cs:lnRef idx="0"/>
+    <cs:fillRef idx="0"/>
+    <cs:effectRef idx="0"/>
+    <cs:fontRef idx="minor">
+      <a:schemeClr val="tx1">
+        <a:lumMod val="65000"/>
+        <a:lumOff val="35000"/>
+      </a:schemeClr>
+    </cs:fontRef>
+    <cs:defRPr sz="1000" kern="1200"/>
+  </cs:axisTitle>
+  <cs:categoryAxis>
+    <cs:lnRef idx="0"/>
+    <cs:fillRef idx="0"/>
+    <cs:effectRef idx="0"/>
+    <cs:fontRef idx="minor">
+      <a:schemeClr val="tx1">
+        <a:lumMod val="65000"/>
+        <a:lumOff val="35000"/>
+      </a:schemeClr>
+    </cs:fontRef>
+    <cs:spPr>
+      <a:ln w="9525" cap="flat" cmpd="sng" algn="ctr">
+        <a:solidFill>
+          <a:schemeClr val="tx1">
+            <a:lumMod val="15000"/>
+            <a:lumOff val="85000"/>
+          </a:schemeClr>
+        </a:solidFill>
+        <a:round/>
+      </a:ln>
+    </cs:spPr>
+    <cs:defRPr sz="900" kern="1200"/>
+  </cs:categoryAxis>
+  <cs:chartArea mods="allowNoFillOverride allowNoLineOverride">
+    <cs:lnRef idx="0"/>
+    <cs:fillRef idx="0"/>
+    <cs:effectRef idx="0"/>
+    <cs:fontRef idx="minor">
+      <a:schemeClr val="tx1"/>
+    </cs:fontRef>
+    <cs:spPr>
+      <a:solidFill>
+        <a:schemeClr val="bg1"/>
+      </a:solidFill>
+      <a:ln w="9525" cap="flat" cmpd="sng" algn="ctr">
+        <a:solidFill>
+          <a:schemeClr val="tx1">
+            <a:lumMod val="15000"/>
+            <a:lumOff val="85000"/>
+          </a:schemeClr>
+        </a:solidFill>
+        <a:round/>
+      </a:ln>
+    </cs:spPr>
+    <cs:defRPr sz="1000" kern="1200"/>
+  </cs:chartArea>
+  <cs:dataLabel>
+    <cs:lnRef idx="0"/>
+    <cs:fillRef idx="0"/>
+    <cs:effectRef idx="0"/>
+    <cs:fontRef idx="minor">
+      <a:schemeClr val="tx1">
+        <a:lumMod val="75000"/>
+        <a:lumOff val="25000"/>
+      </a:schemeClr>
+    </cs:fontRef>
+    <cs:defRPr sz="900" kern="1200"/>
+  </cs:dataLabel>
+  <cs:dataLabelCallout>
+    <cs:lnRef idx="0"/>
+    <cs:fillRef idx="0"/>
+    <cs:effectRef idx="0"/>
+    <cs:fontRef idx="minor">
+      <a:schemeClr val="dk1">
+        <a:lumMod val="65000"/>
+        <a:lumOff val="35000"/>
+      </a:schemeClr>
+    </cs:fontRef>
+    <cs:spPr>
+      <a:solidFill>
+        <a:schemeClr val="lt1"/>
+      </a:solidFill>
+      <a:ln>
+        <a:solidFill>
+          <a:schemeClr val="dk1">
+            <a:lumMod val="25000"/>
+            <a:lumOff val="75000"/>
+          </a:schemeClr>
+        </a:solidFill>
+      </a:ln>
+    </cs:spPr>
+    <cs:defRPr sz="900" kern="1200"/>
+    <cs:bodyPr rot="0" spcFirstLastPara="1" vertOverflow="clip" horzOverflow="clip" vert="horz" wrap="square" lIns="36576" tIns="18288" rIns="36576" bIns="18288" anchor="ctr" anchorCtr="1">
+      <a:spAutoFit/>
+    </cs:bodyPr>
+  </cs:dataLabelCallout>
+  <cs:dataPoint>
+    <cs:lnRef idx="0"/>
+    <cs:fillRef idx="1">
+      <cs:styleClr val="auto"/>
+    </cs:fillRef>
+    <cs:effectRef idx="0"/>
+    <cs:fontRef idx="minor">
+      <a:schemeClr val="tx1"/>
+    </cs:fontRef>
+    <cs:spPr>
+      <a:solidFill>
+        <a:schemeClr val="phClr"/>
+      </a:solidFill>
+    </cs:spPr>
+  </cs:dataPoint>
+  <cs:dataPoint3D>
+    <cs:lnRef idx="0"/>
+    <cs:fillRef idx="1">
+      <cs:styleClr val="auto"/>
+    </cs:fillRef>
+    <cs:effectRef idx="0"/>
+    <cs:fontRef idx="minor">
+      <a:schemeClr val="tx1"/>
+    </cs:fontRef>
+    <cs:spPr>
+      <a:solidFill>
+        <a:schemeClr val="phClr"/>
+      </a:solidFill>
+    </cs:spPr>
+  </cs:dataPoint3D>
+  <cs:dataPointLine>
+    <cs:lnRef idx="0">
+      <cs:styleClr val="auto"/>
+    </cs:lnRef>
+    <cs:fillRef idx="1"/>
+    <cs:effectRef idx="0"/>
+    <cs:fontRef idx="minor">
+      <a:schemeClr val="tx1"/>
+    </cs:fontRef>
+    <cs:spPr>
+      <a:ln w="28575" cap="rnd">
+        <a:solidFill>
+          <a:schemeClr val="phClr"/>
+        </a:solidFill>
+        <a:round/>
+      </a:ln>
+    </cs:spPr>
+  </cs:dataPointLine>
+  <cs:dataPointMarker>
+    <cs:lnRef idx="0">
+      <cs:styleClr val="auto"/>
+    </cs:lnRef>
+    <cs:fillRef idx="1">
+      <cs:styleClr val="auto"/>
+    </cs:fillRef>
+    <cs:effectRef idx="0"/>
+    <cs:fontRef idx="minor">
+      <a:schemeClr val="tx1"/>
+    </cs:fontRef>
+    <cs:spPr>
+      <a:solidFill>
+        <a:schemeClr val="phClr"/>
+      </a:solidFill>
+      <a:ln w="9525">
+        <a:solidFill>
+          <a:schemeClr val="phClr"/>
+        </a:solidFill>
+      </a:ln>
+    </cs:spPr>
+  </cs:dataPointMarker>
+  <cs:dataPointMarkerLayout symbol="circle" size="5"/>
+  <cs:dataPointWireframe>
+    <cs:lnRef idx="0">
+      <cs:styleClr val="auto"/>
+    </cs:lnRef>
+    <cs:fillRef idx="1"/>
+    <cs:effectRef idx="0"/>
+    <cs:fontRef idx="minor">
+      <a:schemeClr val="tx1"/>
+    </cs:fontRef>
+    <cs:spPr>
+      <a:ln w="9525" cap="rnd">
+        <a:solidFill>
+          <a:schemeClr val="phClr"/>
+        </a:solidFill>
+        <a:round/>
+      </a:ln>
+    </cs:spPr>
+  </cs:dataPointWireframe>
+  <cs:dataTable>
+    <cs:lnRef idx="0"/>
+    <cs:fillRef idx="0"/>
+    <cs:effectRef idx="0"/>
+    <cs:fontRef idx="minor">
+      <a:schemeClr val="tx1">
+        <a:lumMod val="65000"/>
+        <a:lumOff val="35000"/>
+      </a:schemeClr>
+    </cs:fontRef>
+    <cs:spPr>
+      <a:noFill/>
+      <a:ln w="9525" cap="flat" cmpd="sng" algn="ctr">
+        <a:solidFill>
+          <a:schemeClr val="tx1">
+            <a:lumMod val="15000"/>
+            <a:lumOff val="85000"/>
+          </a:schemeClr>
+        </a:solidFill>
+        <a:round/>
+      </a:ln>
+    </cs:spPr>
+    <cs:defRPr sz="900" kern="1200"/>
+  </cs:dataTable>
+  <cs:downBar>
+    <cs:lnRef idx="0"/>
+    <cs:fillRef idx="0"/>
+    <cs:effectRef idx="0"/>
+    <cs:fontRef idx="minor">
+      <a:schemeClr val="dk1"/>
+    </cs:fontRef>
+    <cs:spPr>
+      <a:solidFill>
+        <a:schemeClr val="dk1">
+          <a:lumMod val="65000"/>
+          <a:lumOff val="35000"/>
+        </a:schemeClr>
+      </a:solidFill>
+      <a:ln w="9525">
+        <a:solidFill>
+          <a:schemeClr val="tx1">
+            <a:lumMod val="65000"/>
+            <a:lumOff val="35000"/>
+          </a:schemeClr>
+        </a:solidFill>
+      </a:ln>
+    </cs:spPr>
+  </cs:downBar>
+  <cs:dropLine>
+    <cs:lnRef idx="0"/>
+    <cs:fillRef idx="0"/>
+    <cs:effectRef idx="0"/>
+    <cs:fontRef idx="minor">
+      <a:schemeClr val="tx1"/>
+    </cs:fontRef>
+    <cs:spPr>
+      <a:ln w="9525" cap="flat" cmpd="sng" algn="ctr">
+        <a:solidFill>
+          <a:schemeClr val="tx1">
+            <a:lumMod val="35000"/>
+            <a:lumOff val="65000"/>
+          </a:schemeClr>
+        </a:solidFill>
+        <a:round/>
+      </a:ln>
+    </cs:spPr>
+  </cs:dropLine>
+  <cs:errorBar>
+    <cs:lnRef idx="0"/>
+    <cs:fillRef idx="0"/>
+    <cs:effectRef idx="0"/>
+    <cs:fontRef idx="minor">
+      <a:schemeClr val="tx1"/>
+    </cs:fontRef>
+    <cs:spPr>
+      <a:ln w="9525" cap="flat" cmpd="sng" algn="ctr">
+        <a:solidFill>
+          <a:schemeClr val="tx1">
+            <a:lumMod val="65000"/>
+            <a:lumOff val="35000"/>
+          </a:schemeClr>
+        </a:solidFill>
+        <a:round/>
+      </a:ln>
+    </cs:spPr>
+  </cs:errorBar>
+  <cs:floor>
+    <cs:lnRef idx="0"/>
+    <cs:fillRef idx="0"/>
+    <cs:effectRef idx="0"/>
+    <cs:fontRef idx="minor">
+      <a:schemeClr val="tx1"/>
+    </cs:fontRef>
+    <cs:spPr>
+      <a:noFill/>
+      <a:ln>
+        <a:noFill/>
+      </a:ln>
+    </cs:spPr>
+  </cs:floor>
+  <cs:gridlineMajor>
+    <cs:lnRef idx="0"/>
+    <cs:fillRef idx="0"/>
+    <cs:effectRef idx="0"/>
+    <cs:fontRef idx="minor">
+      <a:schemeClr val="tx1"/>
+    </cs:fontRef>
+    <cs:spPr>
+      <a:ln w="9525" cap="flat" cmpd="sng" algn="ctr">
+        <a:solidFill>
+          <a:schemeClr val="tx1">
+            <a:lumMod val="15000"/>
+            <a:lumOff val="85000"/>
+          </a:schemeClr>
+        </a:solidFill>
+        <a:round/>
+      </a:ln>
+    </cs:spPr>
+  </cs:gridlineMajor>
+  <cs:gridlineMinor>
+    <cs:lnRef idx="0"/>
+    <cs:fillRef idx="0"/>
+    <cs:effectRef idx="0"/>
+    <cs:fontRef idx="minor">
+      <a:schemeClr val="tx1"/>
+    </cs:fontRef>
+    <cs:spPr>
+      <a:ln w="9525" cap="flat" cmpd="sng" algn="ctr">
+        <a:solidFill>
+          <a:schemeClr val="tx1">
+            <a:lumMod val="5000"/>
+            <a:lumOff val="95000"/>
+          </a:schemeClr>
+        </a:solidFill>
+        <a:round/>
+      </a:ln>
+    </cs:spPr>
+  </cs:gridlineMinor>
+  <cs:hiLoLine>
+    <cs:lnRef idx="0"/>
+    <cs:fillRef idx="0"/>
+    <cs:effectRef idx="0"/>
+    <cs:fontRef idx="minor">
+      <a:schemeClr val="tx1"/>
+    </cs:fontRef>
+    <cs:spPr>
+      <a:ln w="9525" cap="flat" cmpd="sng" algn="ctr">
+        <a:solidFill>
+          <a:schemeClr val="tx1">
+            <a:lumMod val="75000"/>
+            <a:lumOff val="25000"/>
+          </a:schemeClr>
+        </a:solidFill>
+        <a:round/>
+      </a:ln>
+    </cs:spPr>
+  </cs:hiLoLine>
+  <cs:leaderLine>
+    <cs:lnRef idx="0"/>
+    <cs:fillRef idx="0"/>
+    <cs:effectRef idx="0"/>
+    <cs:fontRef idx="minor">
+      <a:schemeClr val="tx1"/>
+    </cs:fontRef>
+    <cs:spPr>
+      <a:ln w="9525" cap="flat" cmpd="sng" algn="ctr">
+        <a:solidFill>
+          <a:schemeClr val="tx1">
+            <a:lumMod val="35000"/>
+            <a:lumOff val="65000"/>
+          </a:schemeClr>
+        </a:solidFill>
+        <a:round/>
+      </a:ln>
+    </cs:spPr>
+  </cs:leaderLine>
+  <cs:legend>
+    <cs:lnRef idx="0"/>
+    <cs:fillRef idx="0"/>
+    <cs:effectRef idx="0"/>
+    <cs:fontRef idx="minor">
+      <a:schemeClr val="tx1">
+        <a:lumMod val="65000"/>
+        <a:lumOff val="35000"/>
+      </a:schemeClr>
+    </cs:fontRef>
+    <cs:defRPr sz="900" kern="1200"/>
+  </cs:legend>
+  <cs:plotArea mods="allowNoFillOverride allowNoLineOverride">
+    <cs:lnRef idx="0"/>
+    <cs:fillRef idx="0"/>
+    <cs:effectRef idx="0"/>
+    <cs:fontRef idx="minor">
+      <a:schemeClr val="tx1"/>
+    </cs:fontRef>
+  </cs:plotArea>
+  <cs:plotArea3D mods="allowNoFillOverride allowNoLineOverride">
+    <cs:lnRef idx="0"/>
+    <cs:fillRef idx="0"/>
+    <cs:effectRef idx="0"/>
+    <cs:fontRef idx="minor">
+      <a:schemeClr val="tx1"/>
+    </cs:fontRef>
+  </cs:plotArea3D>
+  <cs:seriesAxis>
+    <cs:lnRef idx="0"/>
+    <cs:fillRef idx="0"/>
+    <cs:effectRef idx="0"/>
+    <cs:fontRef idx="minor">
+      <a:schemeClr val="tx1">
+        <a:lumMod val="65000"/>
+        <a:lumOff val="35000"/>
+      </a:schemeClr>
+    </cs:fontRef>
+    <cs:defRPr sz="900" kern="1200"/>
+  </cs:seriesAxis>
+  <cs:seriesLine>
+    <cs:lnRef idx="0"/>
+    <cs:fillRef idx="0"/>
+    <cs:effectRef idx="0"/>
+    <cs:fontRef idx="minor">
+      <a:schemeClr val="tx1"/>
+    </cs:fontRef>
+    <cs:spPr>
+      <a:ln w="9525" cap="flat" cmpd="sng" algn="ctr">
+        <a:solidFill>
+          <a:schemeClr val="tx1">
+            <a:lumMod val="35000"/>
+            <a:lumOff val="65000"/>
+          </a:schemeClr>
+        </a:solidFill>
+        <a:round/>
+      </a:ln>
+    </cs:spPr>
+  </cs:seriesLine>
+  <cs:title>
+    <cs:lnRef idx="0"/>
+    <cs:fillRef idx="0"/>
+    <cs:effectRef idx="0"/>
+    <cs:fontRef idx="minor">
+      <a:schemeClr val="tx1">
+        <a:lumMod val="65000"/>
+        <a:lumOff val="35000"/>
+      </a:schemeClr>
+    </cs:fontRef>
+    <cs:defRPr sz="1400" b="0" kern="1200" spc="0" baseline="0"/>
+  </cs:title>
+  <cs:trendline>
+    <cs:lnRef idx="0">
+      <cs:styleClr val="auto"/>
+    </cs:lnRef>
+    <cs:fillRef idx="0"/>
+    <cs:effectRef idx="0"/>
+    <cs:fontRef idx="minor">
+      <a:schemeClr val="tx1"/>
+    </cs:fontRef>
+    <cs:spPr>
+      <a:ln w="19050" cap="rnd">
+        <a:solidFill>
+          <a:schemeClr val="phClr"/>
+        </a:solidFill>
+        <a:prstDash val="sysDot"/>
+      </a:ln>
+    </cs:spPr>
+  </cs:trendline>
+  <cs:trendlineLabel>
+    <cs:lnRef idx="0"/>
+    <cs:fillRef idx="0"/>
+    <cs:effectRef idx="0"/>
+    <cs:fontRef idx="minor">
+      <a:schemeClr val="tx1">
+        <a:lumMod val="65000"/>
+        <a:lumOff val="35000"/>
+      </a:schemeClr>
+    </cs:fontRef>
+    <cs:defRPr sz="900" kern="1200"/>
+  </cs:trendlineLabel>
+  <cs:upBar>
+    <cs:lnRef idx="0"/>
+    <cs:fillRef idx="0"/>
+    <cs:effectRef idx="0"/>
+    <cs:fontRef idx="minor">
+      <a:schemeClr val="dk1"/>
+    </cs:fontRef>
+    <cs:spPr>
+      <a:solidFill>
+        <a:schemeClr val="lt1"/>
+      </a:solidFill>
+      <a:ln w="9525">
+        <a:solidFill>
+          <a:schemeClr val="tx1">
+            <a:lumMod val="15000"/>
+            <a:lumOff val="85000"/>
+          </a:schemeClr>
+        </a:solidFill>
+      </a:ln>
+    </cs:spPr>
+  </cs:upBar>
+  <cs:valueAxis>
+    <cs:lnRef idx="0"/>
+    <cs:fillRef idx="0"/>
+    <cs:effectRef idx="0"/>
+    <cs:fontRef idx="minor">
+      <a:schemeClr val="tx1">
+        <a:lumMod val="65000"/>
+        <a:lumOff val="35000"/>
+      </a:schemeClr>
+    </cs:fontRef>
+    <cs:defRPr sz="900" kern="1200"/>
+  </cs:valueAxis>
+  <cs:wall>
+    <cs:lnRef idx="0"/>
+    <cs:fillRef idx="0"/>
+    <cs:effectRef idx="0"/>
+    <cs:fontRef idx="minor">
+      <a:schemeClr val="tx1"/>
+    </cs:fontRef>
+    <cs:spPr>
+      <a:noFill/>
+      <a:ln>
+        <a:noFill/>
+      </a:ln>
+    </cs:spPr>
+  </cs:wall>
+</cs:chartStyle>
+</file>
+
+<file path=ppt/charts/style6.xml><?xml version="1.0" encoding="utf-8"?>
 <cs:chartStyle xmlns:cs="http://schemas.microsoft.com/office/drawing/2012/chartStyle" xmlns:a="http://schemas.openxmlformats.org/drawingml/2006/main" id="201">
   <cs:axisTitle>
     <cs:lnRef idx="0"/>
@@ -6884,6 +8929,34 @@
           </a:graphicData>
         </a:graphic>
       </p:graphicFrame>
+    </p:spTree>
+    <p:custDataLst>
+      <p:tags r:id="rId2"/>
+    </p:custDataLst>
+  </p:cSld>
+  <p:clrMapOvr>
+    <a:masterClrMapping/>
+  </p:clrMapOvr>
+</p:sld>
+</file>
+
+<file path=ppt/slides/slide2.xml><?xml version="1.0" encoding="utf-8"?>
+<p:sld xmlns:a="http://schemas.openxmlformats.org/drawingml/2006/main" xmlns:r="http://schemas.openxmlformats.org/officeDocument/2006/relationships" xmlns:p="http://schemas.openxmlformats.org/presentationml/2006/main">
+  <p:cSld>
+    <p:spTree>
+      <p:nvGrpSpPr>
+        <p:cNvPr id="1" name=""/>
+        <p:cNvGrpSpPr/>
+        <p:nvPr/>
+      </p:nvGrpSpPr>
+      <p:grpSpPr>
+        <a:xfrm>
+          <a:off x="0" y="0"/>
+          <a:ext cx="0" cy="0"/>
+          <a:chOff x="0" y="0"/>
+          <a:chExt cx="0" cy="0"/>
+        </a:xfrm>
+      </p:grpSpPr>
       <p:graphicFrame>
         <p:nvGraphicFramePr>
           <p:cNvPr id="2" name="图表 1" descr="#chartB"/>
@@ -6891,8 +8964,28 @@
           <p:nvPr/>
         </p:nvGraphicFramePr>
         <p:xfrm>
-          <a:off x="5564505" y="962660"/>
-          <a:ext cx="6350000" cy="4762500"/>
+          <a:off x="6678295" y="1323340"/>
+          <a:ext cx="5236210" cy="4401820"/>
+        </p:xfrm>
+        <a:graphic>
+          <a:graphicData uri="http://schemas.openxmlformats.org/drawingml/2006/chart">
+            <c:chart xmlns:c="http://schemas.openxmlformats.org/drawingml/2006/chart" xmlns:r="http://schemas.openxmlformats.org/officeDocument/2006/relationships" r:id="rId1"/>
+          </a:graphicData>
+        </a:graphic>
+      </p:graphicFrame>
+      <p:graphicFrame>
+        <p:nvGraphicFramePr>
+          <p:cNvPr id="3" name="图表 2" descr="#chartB"/>
+          <p:cNvGraphicFramePr/>
+          <p:nvPr>
+            <p:custDataLst>
+              <p:tags r:id="rId3"/>
+            </p:custDataLst>
+          </p:nvPr>
+        </p:nvGraphicFramePr>
+        <p:xfrm>
+          <a:off x="228600" y="1323340"/>
+          <a:ext cx="5611495" cy="4528820"/>
         </p:xfrm>
         <a:graphic>
           <a:graphicData uri="http://schemas.openxmlformats.org/drawingml/2006/chart">
@@ -6902,7 +8995,7 @@
       </p:graphicFrame>
     </p:spTree>
     <p:custDataLst>
-      <p:tags r:id="rId3"/>
+      <p:tags r:id="rId4"/>
     </p:custDataLst>
   </p:cSld>
   <p:clrMapOvr>
@@ -6911,7 +9004,7 @@
 </p:sld>
 </file>
 
-<file path=ppt/slides/slide2.xml><?xml version="1.0" encoding="utf-8"?>
+<file path=ppt/slides/slide3.xml><?xml version="1.0" encoding="utf-8"?>
 <p:sld xmlns:a="http://schemas.openxmlformats.org/drawingml/2006/main" xmlns:r="http://schemas.openxmlformats.org/officeDocument/2006/relationships" xmlns:p="http://schemas.openxmlformats.org/presentationml/2006/main">
   <p:cSld>
     <p:spTree>
@@ -6962,8 +9055,8 @@
           </p:nvPr>
         </p:nvGraphicFramePr>
         <p:xfrm>
-          <a:off x="608400" y="1490400"/>
-          <a:ext cx="10969200" cy="4759200"/>
+          <a:off x="608330" y="1490345"/>
+          <a:ext cx="5487670" cy="3528695"/>
         </p:xfrm>
         <a:graphic>
           <a:graphicData uri="http://schemas.openxmlformats.org/drawingml/2006/chart">
@@ -6971,9 +9064,31 @@
           </a:graphicData>
         </a:graphic>
       </p:graphicFrame>
+      <p:graphicFrame>
+        <p:nvGraphicFramePr>
+          <p:cNvPr id="3" name="图表 2" descr="#chartC"/>
+          <p:cNvGraphicFramePr>
+            <a:graphicFrameLocks noGrp="1"/>
+          </p:cNvGraphicFramePr>
+          <p:nvPr>
+            <p:custDataLst>
+              <p:tags r:id="rId3"/>
+            </p:custDataLst>
+          </p:nvPr>
+        </p:nvGraphicFramePr>
+        <p:xfrm>
+          <a:off x="6432550" y="1490345"/>
+          <a:ext cx="5487670" cy="3528695"/>
+        </p:xfrm>
+        <a:graphic>
+          <a:graphicData uri="http://schemas.openxmlformats.org/drawingml/2006/chart">
+            <c:chart xmlns:c="http://schemas.openxmlformats.org/drawingml/2006/chart" xmlns:r="http://schemas.openxmlformats.org/officeDocument/2006/relationships" r:id="rId2"/>
+          </a:graphicData>
+        </a:graphic>
+      </p:graphicFrame>
     </p:spTree>
     <p:custDataLst>
-      <p:tags r:id="rId2"/>
+      <p:tags r:id="rId4"/>
     </p:custDataLst>
   </p:cSld>
   <p:clrMapOvr>
@@ -6982,7 +9097,7 @@
 </p:sld>
 </file>
 
-<file path=ppt/slides/slide3.xml><?xml version="1.0" encoding="utf-8"?>
+<file path=ppt/slides/slide4.xml><?xml version="1.0" encoding="utf-8"?>
 <p:sld xmlns:a="http://schemas.openxmlformats.org/drawingml/2006/main" xmlns:r="http://schemas.openxmlformats.org/officeDocument/2006/relationships" xmlns:p="http://schemas.openxmlformats.org/presentationml/2006/main">
   <p:cSld>
     <p:spTree>
@@ -7847,13 +9962,38 @@
 
 <file path=ppt/tags/tag64.xml><?xml version="1.0" encoding="utf-8"?>
 <p:tagLst xmlns:p="http://schemas.openxmlformats.org/presentationml/2006/main">
+  <p:tag name="KSO_WM_BEAUTIFY_FLAG" val=""/>
+</p:tagLst>
+</file>
+
+<file path=ppt/tags/tag65.xml><?xml version="1.0" encoding="utf-8"?>
+<p:tagLst xmlns:p="http://schemas.openxmlformats.org/presentationml/2006/main">
+  <p:tag name="KSO_WM_SLIDE_ID" val="custom20205176_1"/>
+  <p:tag name="KSO_WM_TEMPLATE_SUBCATEGORY" val="19"/>
+  <p:tag name="KSO_WM_TEMPLATE_MASTER_TYPE" val="0"/>
+  <p:tag name="KSO_WM_TEMPLATE_COLOR_TYPE" val="1"/>
+  <p:tag name="KSO_WM_SLIDE_TYPE" val="title"/>
+  <p:tag name="KSO_WM_SLIDE_SUBTYPE" val="defaultBlank"/>
+  <p:tag name="KSO_WM_SLIDE_ITEM_CNT" val="0"/>
+  <p:tag name="KSO_WM_SLIDE_INDEX" val="1"/>
+  <p:tag name="KSO_WM_TAG_VERSION" val="1.0"/>
   <p:tag name="KSO_WM_BEAUTIFY_FLAG" val="#wm#"/>
   <p:tag name="KSO_WM_TEMPLATE_CATEGORY" val="custom"/>
   <p:tag name="KSO_WM_TEMPLATE_INDEX" val="20205176"/>
+  <p:tag name="KSO_WM_SLIDE_LAYOUT" val="a_b"/>
+  <p:tag name="KSO_WM_SLIDE_LAYOUT_CNT" val="1_1"/>
+  <p:tag name="KSO_WM_UNIT_SHOW_EDIT_AREA_INDICATION" val="1"/>
+  <p:tag name="KSO_WM_TEMPLATE_THUMBS_INDEX" val="1、4、7、12、13、14、15、16、17、18、20、24、25、28、33、36、40、43、44"/>
 </p:tagLst>
 </file>
 
-<file path=ppt/tags/tag65.xml><?xml version="1.0" encoding="utf-8"?>
+<file path=ppt/tags/tag66.xml><?xml version="1.0" encoding="utf-8"?>
+<p:tagLst xmlns:p="http://schemas.openxmlformats.org/presentationml/2006/main">
+  <p:tag name="KSO_WM_BEAUTIFY_FLAG" val=""/>
+</p:tagLst>
+</file>
+
+<file path=ppt/tags/tag67.xml><?xml version="1.0" encoding="utf-8"?>
 <p:tagLst xmlns:p="http://schemas.openxmlformats.org/presentationml/2006/main">
   <p:tag name="KSO_WM_BEAUTIFY_FLAG" val="#wm#"/>
   <p:tag name="KSO_WM_TEMPLATE_CATEGORY" val="custom"/>
@@ -7861,7 +10001,15 @@
 </p:tagLst>
 </file>
 
-<file path=ppt/tags/tag66.xml><?xml version="1.0" encoding="utf-8"?>
+<file path=ppt/tags/tag68.xml><?xml version="1.0" encoding="utf-8"?>
+<p:tagLst xmlns:p="http://schemas.openxmlformats.org/presentationml/2006/main">
+  <p:tag name="KSO_WM_BEAUTIFY_FLAG" val="#wm#"/>
+  <p:tag name="KSO_WM_TEMPLATE_CATEGORY" val="custom"/>
+  <p:tag name="KSO_WM_TEMPLATE_INDEX" val="20205176"/>
+</p:tagLst>
+</file>
+
+<file path=ppt/tags/tag69.xml><?xml version="1.0" encoding="utf-8"?>
 <p:tagLst xmlns:p="http://schemas.openxmlformats.org/presentationml/2006/main">
   <p:tag name="COMMONDATA" val="eyJoZGlkIjoiMTU3NzlmYjI5NWRkMWM4ZWEyMTg2ZjIzNmE0ODAwZjMifQ=="/>
   <p:tag name="KSO_WPP_MARK_KEY" val="8e24b64b-9846-4c8f-94c7-b364bd989930"/>

--- a/src/test/resources/chart.pptx
+++ b/src/test/resources/chart.pptx
@@ -422,10 +422,8 @@
     <c:autoTitleDeleted val="0"/>
     <c:plotArea>
       <c:layout/>
-      <c:barChart>
-        <c:barDir val="col"/>
-        <c:grouping val="stacked"/>
-        <c:varyColors val="0"/>
+      <c:pieChart>
+        <c:varyColors val="1"/>
         <c:ser>
           <c:idx val="0"/>
           <c:order val="0"/>
@@ -435,268 +433,224 @@
               <c:strCache>
                 <c:ptCount val="1"/>
                 <c:pt idx="0">
-                  <c:v>系列 1</c:v>
+                  <c:v>标题A</c:v>
                 </c:pt>
               </c:strCache>
             </c:strRef>
           </c:tx>
-          <c:spPr>
-            <a:solidFill>
-              <a:schemeClr val="accent1"/>
-            </a:solidFill>
-            <a:ln>
-              <a:noFill/>
-            </a:ln>
-            <a:effectLst/>
-          </c:spPr>
-          <c:invertIfNegative val="0"/>
+          <c:spPr/>
+          <c:explosion val="0"/>
+          <c:dPt>
+            <c:idx val="0"/>
+            <c:bubble3D val="0"/>
+            <c:spPr>
+              <a:solidFill>
+                <a:schemeClr val="accent1"/>
+              </a:solidFill>
+              <a:ln w="19050">
+                <a:solidFill>
+                  <a:schemeClr val="lt1"/>
+                </a:solidFill>
+              </a:ln>
+              <a:effectLst/>
+            </c:spPr>
+          </c:dPt>
+          <c:dPt>
+            <c:idx val="1"/>
+            <c:bubble3D val="0"/>
+            <c:spPr>
+              <a:solidFill>
+                <a:schemeClr val="accent2"/>
+              </a:solidFill>
+              <a:ln w="19050">
+                <a:solidFill>
+                  <a:schemeClr val="lt1"/>
+                </a:solidFill>
+              </a:ln>
+              <a:effectLst/>
+            </c:spPr>
+          </c:dPt>
+          <c:dPt>
+            <c:idx val="2"/>
+            <c:bubble3D val="0"/>
+            <c:spPr>
+              <a:solidFill>
+                <a:schemeClr val="accent3"/>
+              </a:solidFill>
+              <a:ln w="19050">
+                <a:solidFill>
+                  <a:schemeClr val="lt1"/>
+                </a:solidFill>
+              </a:ln>
+              <a:effectLst/>
+            </c:spPr>
+          </c:dPt>
+          <c:dPt>
+            <c:idx val="3"/>
+            <c:bubble3D val="0"/>
+            <c:spPr>
+              <a:solidFill>
+                <a:schemeClr val="accent4"/>
+              </a:solidFill>
+              <a:ln w="19050">
+                <a:solidFill>
+                  <a:schemeClr val="lt1"/>
+                </a:solidFill>
+              </a:ln>
+              <a:effectLst/>
+            </c:spPr>
+          </c:dPt>
+          <c:dPt>
+            <c:idx val="4"/>
+            <c:bubble3D val="0"/>
+            <c:spPr>
+              <a:solidFill>
+                <a:schemeClr val="accent5"/>
+              </a:solidFill>
+              <a:ln w="19050">
+                <a:solidFill>
+                  <a:schemeClr val="lt1"/>
+                </a:solidFill>
+              </a:ln>
+              <a:effectLst/>
+            </c:spPr>
+          </c:dPt>
+          <c:dPt>
+            <c:idx val="5"/>
+            <c:bubble3D val="0"/>
+            <c:spPr>
+              <a:solidFill>
+                <a:schemeClr val="accent6"/>
+              </a:solidFill>
+              <a:ln w="19050">
+                <a:solidFill>
+                  <a:schemeClr val="lt1"/>
+                </a:solidFill>
+              </a:ln>
+              <a:effectLst/>
+            </c:spPr>
+          </c:dPt>
+          <c:dPt>
+            <c:idx val="6"/>
+            <c:bubble3D val="0"/>
+            <c:spPr>
+              <a:solidFill>
+                <a:schemeClr val="accent1">
+                  <a:lumMod val="60000"/>
+                </a:schemeClr>
+              </a:solidFill>
+              <a:ln w="19050">
+                <a:solidFill>
+                  <a:schemeClr val="lt1"/>
+                </a:solidFill>
+              </a:ln>
+              <a:effectLst/>
+            </c:spPr>
+          </c:dPt>
+          <c:dPt>
+            <c:idx val="7"/>
+            <c:bubble3D val="0"/>
+            <c:spPr>
+              <a:solidFill>
+                <a:schemeClr val="accent2">
+                  <a:lumMod val="60000"/>
+                </a:schemeClr>
+              </a:solidFill>
+              <a:ln w="19050">
+                <a:solidFill>
+                  <a:schemeClr val="lt1"/>
+                </a:solidFill>
+              </a:ln>
+              <a:effectLst/>
+            </c:spPr>
+          </c:dPt>
+          <c:dPt>
+            <c:idx val="8"/>
+            <c:bubble3D val="0"/>
+            <c:spPr>
+              <a:solidFill>
+                <a:schemeClr val="accent3">
+                  <a:lumMod val="60000"/>
+                </a:schemeClr>
+              </a:solidFill>
+              <a:ln w="19050">
+                <a:solidFill>
+                  <a:schemeClr val="lt1"/>
+                </a:solidFill>
+              </a:ln>
+              <a:effectLst/>
+            </c:spPr>
+          </c:dPt>
           <c:dLbls>
             <c:delete val="1"/>
           </c:dLbls>
           <c:cat>
             <c:strRef>
-              <c:f>Sheet1!$A$2:$A$5</c:f>
+              <c:f>Sheet1!$A$2:$A$10</c:f>
               <c:strCache>
-                <c:ptCount val="4"/>
+                <c:ptCount val="9"/>
                 <c:pt idx="0">
-                  <c:v>类别 1</c:v>
+                  <c:v>第1季度</c:v>
                 </c:pt>
                 <c:pt idx="1">
-                  <c:v>类别 2</c:v>
+                  <c:v>第2季度</c:v>
                 </c:pt>
                 <c:pt idx="2">
-                  <c:v>类别 3</c:v>
+                  <c:v>第3季度</c:v>
                 </c:pt>
                 <c:pt idx="3">
-                  <c:v>类别 4</c:v>
+                  <c:v>第4季度</c:v>
+                </c:pt>
+                <c:pt idx="4">
+                  <c:v>第5季度</c:v>
+                </c:pt>
+                <c:pt idx="5">
+                  <c:v>第6季度</c:v>
+                </c:pt>
+                <c:pt idx="6">
+                  <c:v>第7季度</c:v>
+                </c:pt>
+                <c:pt idx="7">
+                  <c:v>第8季度</c:v>
+                </c:pt>
+                <c:pt idx="8">
+                  <c:v>第9季度</c:v>
                 </c:pt>
               </c:strCache>
             </c:strRef>
           </c:cat>
           <c:val>
             <c:numRef>
-              <c:f>Sheet1!$B$2:$B$5</c:f>
+              <c:f>Sheet1!$B$2:$B$10</c:f>
               <c:numCache>
                 <c:formatCode>General</c:formatCode>
-                <c:ptCount val="4"/>
+                <c:ptCount val="9"/>
                 <c:pt idx="0">
-                  <c:v>4.3</c:v>
+                  <c:v>8.2</c:v>
                 </c:pt>
                 <c:pt idx="1">
-                  <c:v>2.5</c:v>
+                  <c:v>3.2</c:v>
                 </c:pt>
                 <c:pt idx="2">
-                  <c:v>3.5</c:v>
+                  <c:v>1.4</c:v>
                 </c:pt>
                 <c:pt idx="3">
-                  <c:v>4.5</c:v>
-                </c:pt>
-              </c:numCache>
-            </c:numRef>
-          </c:val>
-        </c:ser>
-        <c:ser>
-          <c:idx val="1"/>
-          <c:order val="1"/>
-          <c:tx>
-            <c:strRef>
-              <c:f>Sheet1!$C$1</c:f>
-              <c:strCache>
-                <c:ptCount val="1"/>
-                <c:pt idx="0">
-                  <c:v>系列 2</c:v>
-                </c:pt>
-              </c:strCache>
-            </c:strRef>
-          </c:tx>
-          <c:spPr>
-            <a:solidFill>
-              <a:schemeClr val="accent2"/>
-            </a:solidFill>
-            <a:ln>
-              <a:noFill/>
-            </a:ln>
-            <a:effectLst/>
-          </c:spPr>
-          <c:invertIfNegative val="0"/>
-          <c:dLbls>
-            <c:delete val="1"/>
-          </c:dLbls>
-          <c:cat>
-            <c:strRef>
-              <c:f>Sheet1!$A$2:$A$5</c:f>
-              <c:strCache>
-                <c:ptCount val="4"/>
-                <c:pt idx="0">
-                  <c:v>类别 1</c:v>
-                </c:pt>
-                <c:pt idx="1">
-                  <c:v>类别 2</c:v>
-                </c:pt>
-                <c:pt idx="2">
-                  <c:v>类别 3</c:v>
-                </c:pt>
-                <c:pt idx="3">
-                  <c:v>类别 4</c:v>
-                </c:pt>
-              </c:strCache>
-            </c:strRef>
-          </c:cat>
-          <c:val>
-            <c:numRef>
-              <c:f>Sheet1!$C$2:$C$5</c:f>
-              <c:numCache>
-                <c:formatCode>General</c:formatCode>
-                <c:ptCount val="4"/>
-                <c:pt idx="0">
-                  <c:v>2.4</c:v>
-                </c:pt>
-                <c:pt idx="1">
-                  <c:v>4.4</c:v>
-                </c:pt>
-                <c:pt idx="2">
-                  <c:v>1.8</c:v>
-                </c:pt>
-                <c:pt idx="3">
-                  <c:v>2.8</c:v>
-                </c:pt>
-              </c:numCache>
-            </c:numRef>
-          </c:val>
-        </c:ser>
-        <c:ser>
-          <c:idx val="2"/>
-          <c:order val="2"/>
-          <c:tx>
-            <c:strRef>
-              <c:f>Sheet1!$D$1</c:f>
-              <c:strCache>
-                <c:ptCount val="1"/>
-                <c:pt idx="0">
-                  <c:v>系列 3</c:v>
-                </c:pt>
-              </c:strCache>
-            </c:strRef>
-          </c:tx>
-          <c:spPr>
-            <a:solidFill>
-              <a:schemeClr val="accent3"/>
-            </a:solidFill>
-            <a:ln>
-              <a:noFill/>
-            </a:ln>
-            <a:effectLst/>
-          </c:spPr>
-          <c:invertIfNegative val="0"/>
-          <c:dLbls>
-            <c:delete val="1"/>
-          </c:dLbls>
-          <c:cat>
-            <c:strRef>
-              <c:f>Sheet1!$A$2:$A$5</c:f>
-              <c:strCache>
-                <c:ptCount val="4"/>
-                <c:pt idx="0">
-                  <c:v>类别 1</c:v>
-                </c:pt>
-                <c:pt idx="1">
-                  <c:v>类别 2</c:v>
-                </c:pt>
-                <c:pt idx="2">
-                  <c:v>类别 3</c:v>
-                </c:pt>
-                <c:pt idx="3">
-                  <c:v>类别 4</c:v>
-                </c:pt>
-              </c:strCache>
-            </c:strRef>
-          </c:cat>
-          <c:val>
-            <c:numRef>
-              <c:f>Sheet1!$D$2:$D$5</c:f>
-              <c:numCache>
-                <c:formatCode>General</c:formatCode>
-                <c:ptCount val="4"/>
-                <c:pt idx="0">
-                  <c:v>2</c:v>
-                </c:pt>
-                <c:pt idx="1">
-                  <c:v>2</c:v>
-                </c:pt>
-                <c:pt idx="2">
-                  <c:v>3</c:v>
-                </c:pt>
-                <c:pt idx="3">
-                  <c:v>5</c:v>
-                </c:pt>
-              </c:numCache>
-            </c:numRef>
-          </c:val>
-        </c:ser>
-        <c:ser>
-          <c:idx val="3"/>
-          <c:order val="3"/>
-          <c:tx>
-            <c:strRef>
-              <c:f>Sheet1!$E$1</c:f>
-              <c:strCache>
-                <c:ptCount val="1"/>
-                <c:pt idx="0">
-                  <c:v>系列 4</c:v>
-                </c:pt>
-              </c:strCache>
-            </c:strRef>
-          </c:tx>
-          <c:spPr>
-            <a:solidFill>
-              <a:schemeClr val="accent4"/>
-            </a:solidFill>
-            <a:ln>
-              <a:noFill/>
-            </a:ln>
-            <a:effectLst/>
-          </c:spPr>
-          <c:invertIfNegative val="0"/>
-          <c:dLbls>
-            <c:delete val="1"/>
-          </c:dLbls>
-          <c:cat>
-            <c:strRef>
-              <c:f>Sheet1!$A$2:$A$5</c:f>
-              <c:strCache>
-                <c:ptCount val="4"/>
-                <c:pt idx="0">
-                  <c:v>类别 1</c:v>
-                </c:pt>
-                <c:pt idx="1">
-                  <c:v>类别 2</c:v>
-                </c:pt>
-                <c:pt idx="2">
-                  <c:v>类别 3</c:v>
-                </c:pt>
-                <c:pt idx="3">
-                  <c:v>类别 4</c:v>
-                </c:pt>
-              </c:strCache>
-            </c:strRef>
-          </c:cat>
-          <c:val>
-            <c:numRef>
-              <c:f>Sheet1!$E$2:$E$5</c:f>
-              <c:numCache>
-                <c:formatCode>General</c:formatCode>
-                <c:ptCount val="4"/>
-                <c:pt idx="0">
-                  <c:v>3</c:v>
-                </c:pt>
-                <c:pt idx="1">
-                  <c:v>1</c:v>
-                </c:pt>
-                <c:pt idx="2">
-                  <c:v>5</c:v>
-                </c:pt>
-                <c:pt idx="3">
-                  <c:v>3</c:v>
+                  <c:v>1.2</c:v>
+                </c:pt>
+                <c:pt idx="4">
+                  <c:v>8.2</c:v>
+                </c:pt>
+                <c:pt idx="5">
+                  <c:v>3.2</c:v>
+                </c:pt>
+                <c:pt idx="6">
+                  <c:v>1.4</c:v>
+                </c:pt>
+                <c:pt idx="7">
+                  <c:v>1.2</c:v>
+                </c:pt>
+                <c:pt idx="8">
+                  <c:v>8.2</c:v>
                 </c:pt>
               </c:numCache>
             </c:numRef>
@@ -709,116 +663,10 @@
           <c:showSerName val="0"/>
           <c:showPercent val="0"/>
           <c:showBubbleSize val="0"/>
+          <c:showLeaderLines val="1"/>
         </c:dLbls>
-        <c:gapWidth val="150"/>
-        <c:overlap val="100"/>
-        <c:axId val="839164795"/>
-        <c:axId val="449331304"/>
-      </c:barChart>
-      <c:catAx>
-        <c:axId val="839164795"/>
-        <c:scaling>
-          <c:orientation val="minMax"/>
-        </c:scaling>
-        <c:delete val="0"/>
-        <c:axPos val="b"/>
-        <c:majorTickMark val="none"/>
-        <c:minorTickMark val="none"/>
-        <c:tickLblPos val="nextTo"/>
-        <c:spPr>
-          <a:noFill/>
-          <a:ln w="9525" cap="flat" cmpd="sng" algn="ctr">
-            <a:solidFill>
-              <a:schemeClr val="tx1">
-                <a:lumMod val="15000"/>
-                <a:lumOff val="85000"/>
-              </a:schemeClr>
-            </a:solidFill>
-            <a:round/>
-          </a:ln>
-          <a:effectLst/>
-        </c:spPr>
-        <c:txPr>
-          <a:bodyPr rot="-60000000" spcFirstLastPara="0" vertOverflow="ellipsis" vert="horz" wrap="square" anchor="ctr" anchorCtr="1"/>
-          <a:lstStyle/>
-          <a:p>
-            <a:pPr>
-              <a:defRPr lang="zh-CN" sz="900" b="0" i="0" u="none" strike="noStrike" kern="1200" baseline="0">
-                <a:solidFill>
-                  <a:schemeClr val="tx1">
-                    <a:lumMod val="65000"/>
-                    <a:lumOff val="35000"/>
-                  </a:schemeClr>
-                </a:solidFill>
-                <a:latin typeface="+mn-lt"/>
-                <a:ea typeface="+mn-ea"/>
-                <a:cs typeface="+mn-cs"/>
-              </a:defRPr>
-            </a:pPr>
-          </a:p>
-        </c:txPr>
-        <c:crossAx val="449331304"/>
-        <c:crosses val="autoZero"/>
-        <c:auto val="1"/>
-        <c:lblAlgn val="ctr"/>
-        <c:lblOffset val="100"/>
-        <c:noMultiLvlLbl val="0"/>
-      </c:catAx>
-      <c:valAx>
-        <c:axId val="449331304"/>
-        <c:scaling>
-          <c:orientation val="minMax"/>
-        </c:scaling>
-        <c:delete val="0"/>
-        <c:axPos val="l"/>
-        <c:majorGridlines>
-          <c:spPr>
-            <a:ln w="9525" cap="flat" cmpd="sng" algn="ctr">
-              <a:solidFill>
-                <a:schemeClr val="tx1">
-                  <a:lumMod val="15000"/>
-                  <a:lumOff val="85000"/>
-                </a:schemeClr>
-              </a:solidFill>
-              <a:round/>
-            </a:ln>
-            <a:effectLst/>
-          </c:spPr>
-        </c:majorGridlines>
-        <c:numFmt formatCode="General" sourceLinked="1"/>
-        <c:majorTickMark val="none"/>
-        <c:minorTickMark val="none"/>
-        <c:tickLblPos val="nextTo"/>
-        <c:spPr>
-          <a:noFill/>
-          <a:ln>
-            <a:noFill/>
-          </a:ln>
-          <a:effectLst/>
-        </c:spPr>
-        <c:txPr>
-          <a:bodyPr rot="-60000000" spcFirstLastPara="0" vertOverflow="ellipsis" vert="horz" wrap="square" anchor="ctr" anchorCtr="1"/>
-          <a:lstStyle/>
-          <a:p>
-            <a:pPr>
-              <a:defRPr lang="zh-CN" sz="900" b="0" i="0" u="none" strike="noStrike" kern="1200" baseline="0">
-                <a:solidFill>
-                  <a:schemeClr val="tx1">
-                    <a:lumMod val="65000"/>
-                    <a:lumOff val="35000"/>
-                  </a:schemeClr>
-                </a:solidFill>
-                <a:latin typeface="+mn-lt"/>
-                <a:ea typeface="+mn-ea"/>
-                <a:cs typeface="+mn-cs"/>
-              </a:defRPr>
-            </a:pPr>
-          </a:p>
-        </c:txPr>
-        <c:crossAx val="839164795"/>
-        <c:crosses val="autoZero"/>
-        <c:crossBetween val="between"/>
-      </c:valAx>
+        <c:firstSliceAng val="0"/>
+      </c:pieChart>
       <c:spPr>
         <a:noFill/>
         <a:ln>
@@ -1068,6 +916,144 @@
                 </c:pt>
                 <c:pt idx="3">
                   <c:v>2.8</c:v>
+                </c:pt>
+              </c:numCache>
+            </c:numRef>
+          </c:val>
+        </c:ser>
+        <c:ser>
+          <c:idx val="2"/>
+          <c:order val="2"/>
+          <c:tx>
+            <c:strRef>
+              <c:f>Sheet1!$D$1</c:f>
+              <c:strCache>
+                <c:ptCount val="1"/>
+                <c:pt idx="0">
+                  <c:v>系列 3</c:v>
+                </c:pt>
+              </c:strCache>
+            </c:strRef>
+          </c:tx>
+          <c:spPr>
+            <a:solidFill>
+              <a:schemeClr val="accent3"/>
+            </a:solidFill>
+            <a:ln>
+              <a:noFill/>
+            </a:ln>
+            <a:effectLst/>
+          </c:spPr>
+          <c:invertIfNegative val="0"/>
+          <c:dLbls>
+            <c:delete val="1"/>
+          </c:dLbls>
+          <c:cat>
+            <c:strRef>
+              <c:f>Sheet1!$A$2:$A$5</c:f>
+              <c:strCache>
+                <c:ptCount val="4"/>
+                <c:pt idx="0">
+                  <c:v>类别 1</c:v>
+                </c:pt>
+                <c:pt idx="1">
+                  <c:v>类别 2</c:v>
+                </c:pt>
+                <c:pt idx="2">
+                  <c:v>类别 3</c:v>
+                </c:pt>
+                <c:pt idx="3">
+                  <c:v>类别 4</c:v>
+                </c:pt>
+              </c:strCache>
+            </c:strRef>
+          </c:cat>
+          <c:val>
+            <c:numRef>
+              <c:f>Sheet1!$D$2:$D$5</c:f>
+              <c:numCache>
+                <c:formatCode>General</c:formatCode>
+                <c:ptCount val="4"/>
+                <c:pt idx="0">
+                  <c:v>2</c:v>
+                </c:pt>
+                <c:pt idx="1">
+                  <c:v>2</c:v>
+                </c:pt>
+                <c:pt idx="2">
+                  <c:v>3</c:v>
+                </c:pt>
+                <c:pt idx="3">
+                  <c:v>5</c:v>
+                </c:pt>
+              </c:numCache>
+            </c:numRef>
+          </c:val>
+        </c:ser>
+        <c:ser>
+          <c:idx val="3"/>
+          <c:order val="3"/>
+          <c:tx>
+            <c:strRef>
+              <c:f>Sheet1!$E$1</c:f>
+              <c:strCache>
+                <c:ptCount val="1"/>
+                <c:pt idx="0">
+                  <c:v>系列 4</c:v>
+                </c:pt>
+              </c:strCache>
+            </c:strRef>
+          </c:tx>
+          <c:spPr>
+            <a:solidFill>
+              <a:schemeClr val="accent4"/>
+            </a:solidFill>
+            <a:ln>
+              <a:noFill/>
+            </a:ln>
+            <a:effectLst/>
+          </c:spPr>
+          <c:invertIfNegative val="0"/>
+          <c:dLbls>
+            <c:delete val="1"/>
+          </c:dLbls>
+          <c:cat>
+            <c:strRef>
+              <c:f>Sheet1!$A$2:$A$5</c:f>
+              <c:strCache>
+                <c:ptCount val="4"/>
+                <c:pt idx="0">
+                  <c:v>类别 1</c:v>
+                </c:pt>
+                <c:pt idx="1">
+                  <c:v>类别 2</c:v>
+                </c:pt>
+                <c:pt idx="2">
+                  <c:v>类别 3</c:v>
+                </c:pt>
+                <c:pt idx="3">
+                  <c:v>类别 4</c:v>
+                </c:pt>
+              </c:strCache>
+            </c:strRef>
+          </c:cat>
+          <c:val>
+            <c:numRef>
+              <c:f>Sheet1!$E$2:$E$5</c:f>
+              <c:numCache>
+                <c:formatCode>General</c:formatCode>
+                <c:ptCount val="4"/>
+                <c:pt idx="0">
+                  <c:v>3</c:v>
+                </c:pt>
+                <c:pt idx="1">
+                  <c:v>1</c:v>
+                </c:pt>
+                <c:pt idx="2">
+                  <c:v>5</c:v>
+                </c:pt>
+                <c:pt idx="3">
+                  <c:v>3</c:v>
                 </c:pt>
               </c:numCache>
             </c:numRef>
@@ -1270,44 +1256,6 @@
   </mc:AlternateContent>
   <c:chart>
     <c:title>
-      <c:tx>
-        <c:rich>
-          <a:bodyPr rot="0" spcFirstLastPara="0" vertOverflow="ellipsis" vert="horz" wrap="square" anchor="ctr" anchorCtr="1"/>
-          <a:lstStyle/>
-          <a:p>
-            <a:pPr defTabSz="914400">
-              <a:defRPr lang="zh-CN" sz="1400" b="0" i="0" u="none" strike="noStrike" kern="1200" spc="0" baseline="0">
-                <a:solidFill>
-                  <a:schemeClr val="tx1">
-                    <a:lumMod val="65000"/>
-                    <a:lumOff val="35000"/>
-                  </a:schemeClr>
-                </a:solidFill>
-                <a:latin typeface="+mn-lt"/>
-                <a:ea typeface="+mn-ea"/>
-                <a:cs typeface="+mn-cs"/>
-              </a:defRPr>
-            </a:pPr>
-            <a:r>
-              <a:rPr lang="en-US" altLang="zh-CN"/>
-              <a:t>2</a:t>
-            </a:r>
-            <a:r>
-              <a:rPr altLang="en-US"/>
-              <a:t>系列变</a:t>
-            </a:r>
-            <a:r>
-              <a:rPr lang="en-US" altLang="zh-CN"/>
-              <a:t>3</a:t>
-            </a:r>
-            <a:r>
-              <a:rPr altLang="en-US"/>
-              <a:t>系列</a:t>
-            </a:r>
-            <a:endParaRPr altLang="en-US"/>
-          </a:p>
-        </c:rich>
-      </c:tx>
       <c:layout/>
       <c:overlay val="0"/>
       <c:spPr>
@@ -1317,12 +1265,32 @@
         </a:ln>
         <a:effectLst/>
       </c:spPr>
+      <c:txPr>
+        <a:bodyPr rot="0" spcFirstLastPara="0" vertOverflow="ellipsis" vert="horz" wrap="square" anchor="ctr" anchorCtr="1"/>
+        <a:lstStyle/>
+        <a:p>
+          <a:pPr>
+            <a:defRPr lang="zh-CN" sz="1400" b="0" i="0" u="none" strike="noStrike" kern="1200" spc="0" baseline="0">
+              <a:solidFill>
+                <a:schemeClr val="tx1">
+                  <a:lumMod val="65000"/>
+                  <a:lumOff val="35000"/>
+                </a:schemeClr>
+              </a:solidFill>
+              <a:latin typeface="+mn-lt"/>
+              <a:ea typeface="+mn-ea"/>
+              <a:cs typeface="+mn-cs"/>
+            </a:defRPr>
+          </a:pPr>
+        </a:p>
+      </c:txPr>
     </c:title>
     <c:autoTitleDeleted val="0"/>
     <c:plotArea>
       <c:layout/>
-      <c:lineChart>
-        <c:grouping val="standard"/>
+      <c:barChart>
+        <c:barDir val="col"/>
+        <c:grouping val="stacked"/>
         <c:varyColors val="0"/>
         <c:ser>
           <c:idx val="0"/>
@@ -1339,17 +1307,15 @@
             </c:strRef>
           </c:tx>
           <c:spPr>
-            <a:ln w="28575" cap="rnd">
-              <a:solidFill>
-                <a:schemeClr val="accent1"/>
-              </a:solidFill>
-              <a:round/>
+            <a:solidFill>
+              <a:schemeClr val="accent1"/>
+            </a:solidFill>
+            <a:ln>
+              <a:noFill/>
             </a:ln>
             <a:effectLst/>
           </c:spPr>
-          <c:marker>
-            <c:symbol val="none"/>
-          </c:marker>
+          <c:invertIfNegative val="0"/>
           <c:dLbls>
             <c:delete val="1"/>
           </c:dLbls>
@@ -1394,7 +1360,6 @@
               </c:numCache>
             </c:numRef>
           </c:val>
-          <c:smooth val="0"/>
         </c:ser>
         <c:ser>
           <c:idx val="1"/>
@@ -1411,17 +1376,15 @@
             </c:strRef>
           </c:tx>
           <c:spPr>
-            <a:ln w="28575" cap="rnd">
-              <a:solidFill>
-                <a:schemeClr val="accent2"/>
-              </a:solidFill>
-              <a:round/>
+            <a:solidFill>
+              <a:schemeClr val="accent2"/>
+            </a:solidFill>
+            <a:ln>
+              <a:noFill/>
             </a:ln>
             <a:effectLst/>
           </c:spPr>
-          <c:marker>
-            <c:symbol val="none"/>
-          </c:marker>
+          <c:invertIfNegative val="0"/>
           <c:dLbls>
             <c:delete val="1"/>
           </c:dLbls>
@@ -1466,7 +1429,6 @@
               </c:numCache>
             </c:numRef>
           </c:val>
-          <c:smooth val="0"/>
         </c:ser>
         <c:dLbls>
           <c:showLegendKey val="0"/>
@@ -1476,19 +1438,18 @@
           <c:showPercent val="0"/>
           <c:showBubbleSize val="0"/>
         </c:dLbls>
-        <c:marker val="0"/>
-        <c:smooth val="0"/>
-        <c:axId val="739187811"/>
-        <c:axId val="984325827"/>
-      </c:lineChart>
+        <c:gapWidth val="150"/>
+        <c:overlap val="100"/>
+        <c:axId val="839164795"/>
+        <c:axId val="449331304"/>
+      </c:barChart>
       <c:catAx>
-        <c:axId val="739187811"/>
+        <c:axId val="839164795"/>
         <c:scaling>
           <c:orientation val="minMax"/>
         </c:scaling>
         <c:delete val="0"/>
         <c:axPos val="b"/>
-        <c:numFmt formatCode="General" sourceLinked="0"/>
         <c:majorTickMark val="none"/>
         <c:minorTickMark val="none"/>
         <c:tickLblPos val="nextTo"/>
@@ -1524,7 +1485,7 @@
             </a:pPr>
           </a:p>
         </c:txPr>
-        <c:crossAx val="984325827"/>
+        <c:crossAx val="449331304"/>
         <c:crosses val="autoZero"/>
         <c:auto val="1"/>
         <c:lblAlgn val="ctr"/>
@@ -1532,7 +1493,7 @@
         <c:noMultiLvlLbl val="0"/>
       </c:catAx>
       <c:valAx>
-        <c:axId val="984325827"/>
+        <c:axId val="449331304"/>
         <c:scaling>
           <c:orientation val="minMax"/>
         </c:scaling>
@@ -1582,7 +1543,7 @@
             </a:pPr>
           </a:p>
         </c:txPr>
-        <c:crossAx val="739187811"/>
+        <c:crossAx val="839164795"/>
         <c:crosses val="autoZero"/>
         <c:crossBetween val="between"/>
       </c:valAx>
@@ -1686,7 +1647,7 @@
             </a:pPr>
             <a:r>
               <a:rPr lang="en-US" altLang="zh-CN"/>
-              <a:t>4</a:t>
+              <a:t>2</a:t>
             </a:r>
             <a:r>
               <a:rPr altLang="en-US"/>
@@ -1858,150 +1819,6 @@
                 </c:pt>
                 <c:pt idx="3">
                   <c:v>2.8</c:v>
-                </c:pt>
-              </c:numCache>
-            </c:numRef>
-          </c:val>
-          <c:smooth val="0"/>
-        </c:ser>
-        <c:ser>
-          <c:idx val="2"/>
-          <c:order val="2"/>
-          <c:tx>
-            <c:strRef>
-              <c:f>Sheet1!$D$1</c:f>
-              <c:strCache>
-                <c:ptCount val="1"/>
-                <c:pt idx="0">
-                  <c:v>系列 3</c:v>
-                </c:pt>
-              </c:strCache>
-            </c:strRef>
-          </c:tx>
-          <c:spPr>
-            <a:ln w="28575" cap="rnd">
-              <a:solidFill>
-                <a:schemeClr val="accent3"/>
-              </a:solidFill>
-              <a:round/>
-            </a:ln>
-            <a:effectLst/>
-          </c:spPr>
-          <c:marker>
-            <c:symbol val="none"/>
-          </c:marker>
-          <c:dLbls>
-            <c:delete val="1"/>
-          </c:dLbls>
-          <c:cat>
-            <c:strRef>
-              <c:f>Sheet1!$A$2:$A$5</c:f>
-              <c:strCache>
-                <c:ptCount val="4"/>
-                <c:pt idx="0">
-                  <c:v>类别 1</c:v>
-                </c:pt>
-                <c:pt idx="1">
-                  <c:v>类别 2</c:v>
-                </c:pt>
-                <c:pt idx="2">
-                  <c:v>类别 3</c:v>
-                </c:pt>
-                <c:pt idx="3">
-                  <c:v>类别 4</c:v>
-                </c:pt>
-              </c:strCache>
-            </c:strRef>
-          </c:cat>
-          <c:val>
-            <c:numRef>
-              <c:f>Sheet1!$D$2:$D$5</c:f>
-              <c:numCache>
-                <c:formatCode>General</c:formatCode>
-                <c:ptCount val="4"/>
-                <c:pt idx="0">
-                  <c:v>2</c:v>
-                </c:pt>
-                <c:pt idx="1">
-                  <c:v>2</c:v>
-                </c:pt>
-                <c:pt idx="2">
-                  <c:v>3</c:v>
-                </c:pt>
-                <c:pt idx="3">
-                  <c:v>5</c:v>
-                </c:pt>
-              </c:numCache>
-            </c:numRef>
-          </c:val>
-          <c:smooth val="0"/>
-        </c:ser>
-        <c:ser>
-          <c:idx val="3"/>
-          <c:order val="3"/>
-          <c:tx>
-            <c:strRef>
-              <c:f>Sheet1!$E$1</c:f>
-              <c:strCache>
-                <c:ptCount val="1"/>
-                <c:pt idx="0">
-                  <c:v>系列 4</c:v>
-                </c:pt>
-              </c:strCache>
-            </c:strRef>
-          </c:tx>
-          <c:spPr>
-            <a:ln w="28575" cap="rnd">
-              <a:solidFill>
-                <a:schemeClr val="accent4"/>
-              </a:solidFill>
-              <a:round/>
-            </a:ln>
-            <a:effectLst/>
-          </c:spPr>
-          <c:marker>
-            <c:symbol val="none"/>
-          </c:marker>
-          <c:dLbls>
-            <c:delete val="1"/>
-          </c:dLbls>
-          <c:cat>
-            <c:strRef>
-              <c:f>Sheet1!$A$2:$A$5</c:f>
-              <c:strCache>
-                <c:ptCount val="4"/>
-                <c:pt idx="0">
-                  <c:v>类别 1</c:v>
-                </c:pt>
-                <c:pt idx="1">
-                  <c:v>类别 2</c:v>
-                </c:pt>
-                <c:pt idx="2">
-                  <c:v>类别 3</c:v>
-                </c:pt>
-                <c:pt idx="3">
-                  <c:v>类别 4</c:v>
-                </c:pt>
-              </c:strCache>
-            </c:strRef>
-          </c:cat>
-          <c:val>
-            <c:numRef>
-              <c:f>Sheet1!$E$2:$E$5</c:f>
-              <c:numCache>
-                <c:formatCode>General</c:formatCode>
-                <c:ptCount val="4"/>
-                <c:pt idx="0">
-                  <c:v>3</c:v>
-                </c:pt>
-                <c:pt idx="1">
-                  <c:v>4</c:v>
-                </c:pt>
-                <c:pt idx="2">
-                  <c:v>7</c:v>
-                </c:pt>
-                <c:pt idx="3">
-                  <c:v>2</c:v>
                 </c:pt>
               </c:numCache>
             </c:numRef>
@@ -2192,6 +2009,546 @@
 </file>
 
 <file path=ppt/charts/chart6.xml><?xml version="1.0" encoding="utf-8"?>
+<c:chartSpace xmlns:c="http://schemas.openxmlformats.org/drawingml/2006/chart" xmlns:a="http://schemas.openxmlformats.org/drawingml/2006/main" xmlns:r="http://schemas.openxmlformats.org/officeDocument/2006/relationships">
+  <c:date1904 val="0"/>
+  <c:lang val="zh-CN"/>
+  <c:roundedCorners val="0"/>
+  <mc:AlternateContent xmlns:mc="http://schemas.openxmlformats.org/markup-compatibility/2006">
+    <mc:Choice xmlns:c14="http://schemas.microsoft.com/office/drawing/2007/8/2/chart" Requires="c14">
+      <c14:style val="102"/>
+    </mc:Choice>
+    <mc:Fallback>
+      <c:style val="2"/>
+    </mc:Fallback>
+  </mc:AlternateContent>
+  <c:chart>
+    <c:title>
+      <c:tx>
+        <c:rich>
+          <a:bodyPr rot="0" spcFirstLastPara="0" vertOverflow="ellipsis" vert="horz" wrap="square" anchor="ctr" anchorCtr="1"/>
+          <a:lstStyle/>
+          <a:p>
+            <a:pPr defTabSz="914400">
+              <a:defRPr lang="zh-CN" sz="1400" b="0" i="0" u="none" strike="noStrike" kern="1200" spc="0" baseline="0">
+                <a:solidFill>
+                  <a:schemeClr val="tx1">
+                    <a:lumMod val="65000"/>
+                    <a:lumOff val="35000"/>
+                  </a:schemeClr>
+                </a:solidFill>
+                <a:latin typeface="+mn-lt"/>
+                <a:ea typeface="+mn-ea"/>
+                <a:cs typeface="+mn-cs"/>
+              </a:defRPr>
+            </a:pPr>
+            <a:r>
+              <a:rPr lang="en-US" altLang="zh-CN"/>
+              <a:t>4</a:t>
+            </a:r>
+            <a:r>
+              <a:rPr altLang="en-US"/>
+              <a:t>系列变</a:t>
+            </a:r>
+            <a:r>
+              <a:rPr lang="en-US" altLang="zh-CN"/>
+              <a:t>3</a:t>
+            </a:r>
+            <a:r>
+              <a:rPr altLang="en-US"/>
+              <a:t>系列</a:t>
+            </a:r>
+            <a:endParaRPr altLang="en-US"/>
+          </a:p>
+        </c:rich>
+      </c:tx>
+      <c:layout/>
+      <c:overlay val="0"/>
+      <c:spPr>
+        <a:noFill/>
+        <a:ln>
+          <a:noFill/>
+        </a:ln>
+        <a:effectLst/>
+      </c:spPr>
+    </c:title>
+    <c:autoTitleDeleted val="0"/>
+    <c:plotArea>
+      <c:layout/>
+      <c:lineChart>
+        <c:grouping val="standard"/>
+        <c:varyColors val="0"/>
+        <c:ser>
+          <c:idx val="0"/>
+          <c:order val="0"/>
+          <c:tx>
+            <c:strRef>
+              <c:f>Sheet1!$B$1</c:f>
+              <c:strCache>
+                <c:ptCount val="1"/>
+                <c:pt idx="0">
+                  <c:v>系列 1</c:v>
+                </c:pt>
+              </c:strCache>
+            </c:strRef>
+          </c:tx>
+          <c:spPr>
+            <a:ln w="28575" cap="rnd">
+              <a:solidFill>
+                <a:schemeClr val="accent1"/>
+              </a:solidFill>
+              <a:round/>
+            </a:ln>
+            <a:effectLst/>
+          </c:spPr>
+          <c:marker>
+            <c:symbol val="none"/>
+          </c:marker>
+          <c:dLbls>
+            <c:delete val="1"/>
+          </c:dLbls>
+          <c:cat>
+            <c:strRef>
+              <c:f>Sheet1!$A$2:$A$5</c:f>
+              <c:strCache>
+                <c:ptCount val="4"/>
+                <c:pt idx="0">
+                  <c:v>类别 1</c:v>
+                </c:pt>
+                <c:pt idx="1">
+                  <c:v>类别 2</c:v>
+                </c:pt>
+                <c:pt idx="2">
+                  <c:v>类别 3</c:v>
+                </c:pt>
+                <c:pt idx="3">
+                  <c:v>类别 4</c:v>
+                </c:pt>
+              </c:strCache>
+            </c:strRef>
+          </c:cat>
+          <c:val>
+            <c:numRef>
+              <c:f>Sheet1!$B$2:$B$5</c:f>
+              <c:numCache>
+                <c:formatCode>General</c:formatCode>
+                <c:ptCount val="4"/>
+                <c:pt idx="0">
+                  <c:v>4.3</c:v>
+                </c:pt>
+                <c:pt idx="1">
+                  <c:v>2.5</c:v>
+                </c:pt>
+                <c:pt idx="2">
+                  <c:v>3.5</c:v>
+                </c:pt>
+                <c:pt idx="3">
+                  <c:v>4.5</c:v>
+                </c:pt>
+              </c:numCache>
+            </c:numRef>
+          </c:val>
+          <c:smooth val="0"/>
+        </c:ser>
+        <c:ser>
+          <c:idx val="1"/>
+          <c:order val="1"/>
+          <c:tx>
+            <c:strRef>
+              <c:f>Sheet1!$C$1</c:f>
+              <c:strCache>
+                <c:ptCount val="1"/>
+                <c:pt idx="0">
+                  <c:v>系列 2</c:v>
+                </c:pt>
+              </c:strCache>
+            </c:strRef>
+          </c:tx>
+          <c:spPr>
+            <a:ln w="28575" cap="rnd">
+              <a:solidFill>
+                <a:schemeClr val="accent2"/>
+              </a:solidFill>
+              <a:round/>
+            </a:ln>
+            <a:effectLst/>
+          </c:spPr>
+          <c:marker>
+            <c:symbol val="none"/>
+          </c:marker>
+          <c:dLbls>
+            <c:delete val="1"/>
+          </c:dLbls>
+          <c:cat>
+            <c:strRef>
+              <c:f>Sheet1!$A$2:$A$5</c:f>
+              <c:strCache>
+                <c:ptCount val="4"/>
+                <c:pt idx="0">
+                  <c:v>类别 1</c:v>
+                </c:pt>
+                <c:pt idx="1">
+                  <c:v>类别 2</c:v>
+                </c:pt>
+                <c:pt idx="2">
+                  <c:v>类别 3</c:v>
+                </c:pt>
+                <c:pt idx="3">
+                  <c:v>类别 4</c:v>
+                </c:pt>
+              </c:strCache>
+            </c:strRef>
+          </c:cat>
+          <c:val>
+            <c:numRef>
+              <c:f>Sheet1!$C$2:$C$5</c:f>
+              <c:numCache>
+                <c:formatCode>General</c:formatCode>
+                <c:ptCount val="4"/>
+                <c:pt idx="0">
+                  <c:v>2.4</c:v>
+                </c:pt>
+                <c:pt idx="1">
+                  <c:v>4.4</c:v>
+                </c:pt>
+                <c:pt idx="2">
+                  <c:v>1.8</c:v>
+                </c:pt>
+                <c:pt idx="3">
+                  <c:v>2.8</c:v>
+                </c:pt>
+              </c:numCache>
+            </c:numRef>
+          </c:val>
+          <c:smooth val="0"/>
+        </c:ser>
+        <c:ser>
+          <c:idx val="2"/>
+          <c:order val="2"/>
+          <c:tx>
+            <c:strRef>
+              <c:f>Sheet1!$D$1</c:f>
+              <c:strCache>
+                <c:ptCount val="1"/>
+                <c:pt idx="0">
+                  <c:v>系列 3</c:v>
+                </c:pt>
+              </c:strCache>
+            </c:strRef>
+          </c:tx>
+          <c:spPr>
+            <a:ln w="28575" cap="rnd">
+              <a:solidFill>
+                <a:schemeClr val="accent3"/>
+              </a:solidFill>
+              <a:round/>
+            </a:ln>
+            <a:effectLst/>
+          </c:spPr>
+          <c:marker>
+            <c:symbol val="none"/>
+          </c:marker>
+          <c:dLbls>
+            <c:delete val="1"/>
+          </c:dLbls>
+          <c:cat>
+            <c:strRef>
+              <c:f>Sheet1!$A$2:$A$5</c:f>
+              <c:strCache>
+                <c:ptCount val="4"/>
+                <c:pt idx="0">
+                  <c:v>类别 1</c:v>
+                </c:pt>
+                <c:pt idx="1">
+                  <c:v>类别 2</c:v>
+                </c:pt>
+                <c:pt idx="2">
+                  <c:v>类别 3</c:v>
+                </c:pt>
+                <c:pt idx="3">
+                  <c:v>类别 4</c:v>
+                </c:pt>
+              </c:strCache>
+            </c:strRef>
+          </c:cat>
+          <c:val>
+            <c:numRef>
+              <c:f>Sheet1!$D$2:$D$5</c:f>
+              <c:numCache>
+                <c:formatCode>General</c:formatCode>
+                <c:ptCount val="4"/>
+                <c:pt idx="0">
+                  <c:v>2</c:v>
+                </c:pt>
+                <c:pt idx="1">
+                  <c:v>2</c:v>
+                </c:pt>
+                <c:pt idx="2">
+                  <c:v>3</c:v>
+                </c:pt>
+                <c:pt idx="3">
+                  <c:v>5</c:v>
+                </c:pt>
+              </c:numCache>
+            </c:numRef>
+          </c:val>
+          <c:smooth val="0"/>
+        </c:ser>
+        <c:ser>
+          <c:idx val="3"/>
+          <c:order val="3"/>
+          <c:tx>
+            <c:strRef>
+              <c:f>Sheet1!$E$1</c:f>
+              <c:strCache>
+                <c:ptCount val="1"/>
+                <c:pt idx="0">
+                  <c:v>系列 4</c:v>
+                </c:pt>
+              </c:strCache>
+            </c:strRef>
+          </c:tx>
+          <c:spPr>
+            <a:ln w="28575" cap="rnd">
+              <a:solidFill>
+                <a:schemeClr val="accent4"/>
+              </a:solidFill>
+              <a:round/>
+            </a:ln>
+            <a:effectLst/>
+          </c:spPr>
+          <c:marker>
+            <c:symbol val="none"/>
+          </c:marker>
+          <c:dLbls>
+            <c:delete val="1"/>
+          </c:dLbls>
+          <c:cat>
+            <c:strRef>
+              <c:f>Sheet1!$A$2:$A$5</c:f>
+              <c:strCache>
+                <c:ptCount val="4"/>
+                <c:pt idx="0">
+                  <c:v>类别 1</c:v>
+                </c:pt>
+                <c:pt idx="1">
+                  <c:v>类别 2</c:v>
+                </c:pt>
+                <c:pt idx="2">
+                  <c:v>类别 3</c:v>
+                </c:pt>
+                <c:pt idx="3">
+                  <c:v>类别 4</c:v>
+                </c:pt>
+              </c:strCache>
+            </c:strRef>
+          </c:cat>
+          <c:val>
+            <c:numRef>
+              <c:f>Sheet1!$E$2:$E$5</c:f>
+              <c:numCache>
+                <c:formatCode>General</c:formatCode>
+                <c:ptCount val="4"/>
+                <c:pt idx="0">
+                  <c:v>3</c:v>
+                </c:pt>
+                <c:pt idx="1">
+                  <c:v>4</c:v>
+                </c:pt>
+                <c:pt idx="2">
+                  <c:v>7</c:v>
+                </c:pt>
+                <c:pt idx="3">
+                  <c:v>2</c:v>
+                </c:pt>
+              </c:numCache>
+            </c:numRef>
+          </c:val>
+          <c:smooth val="0"/>
+        </c:ser>
+        <c:dLbls>
+          <c:showLegendKey val="0"/>
+          <c:showVal val="0"/>
+          <c:showCatName val="0"/>
+          <c:showSerName val="0"/>
+          <c:showPercent val="0"/>
+          <c:showBubbleSize val="0"/>
+        </c:dLbls>
+        <c:marker val="0"/>
+        <c:smooth val="0"/>
+        <c:axId val="739187811"/>
+        <c:axId val="984325827"/>
+      </c:lineChart>
+      <c:catAx>
+        <c:axId val="739187811"/>
+        <c:scaling>
+          <c:orientation val="minMax"/>
+        </c:scaling>
+        <c:delete val="0"/>
+        <c:axPos val="b"/>
+        <c:numFmt formatCode="General" sourceLinked="0"/>
+        <c:majorTickMark val="none"/>
+        <c:minorTickMark val="none"/>
+        <c:tickLblPos val="nextTo"/>
+        <c:spPr>
+          <a:noFill/>
+          <a:ln w="9525" cap="flat" cmpd="sng" algn="ctr">
+            <a:solidFill>
+              <a:schemeClr val="tx1">
+                <a:lumMod val="15000"/>
+                <a:lumOff val="85000"/>
+              </a:schemeClr>
+            </a:solidFill>
+            <a:round/>
+          </a:ln>
+          <a:effectLst/>
+        </c:spPr>
+        <c:txPr>
+          <a:bodyPr rot="-60000000" spcFirstLastPara="0" vertOverflow="ellipsis" vert="horz" wrap="square" anchor="ctr" anchorCtr="1"/>
+          <a:lstStyle/>
+          <a:p>
+            <a:pPr>
+              <a:defRPr lang="zh-CN" sz="900" b="0" i="0" u="none" strike="noStrike" kern="1200" baseline="0">
+                <a:solidFill>
+                  <a:schemeClr val="tx1">
+                    <a:lumMod val="65000"/>
+                    <a:lumOff val="35000"/>
+                  </a:schemeClr>
+                </a:solidFill>
+                <a:latin typeface="+mn-lt"/>
+                <a:ea typeface="+mn-ea"/>
+                <a:cs typeface="+mn-cs"/>
+              </a:defRPr>
+            </a:pPr>
+          </a:p>
+        </c:txPr>
+        <c:crossAx val="984325827"/>
+        <c:crosses val="autoZero"/>
+        <c:auto val="1"/>
+        <c:lblAlgn val="ctr"/>
+        <c:lblOffset val="100"/>
+        <c:noMultiLvlLbl val="0"/>
+      </c:catAx>
+      <c:valAx>
+        <c:axId val="984325827"/>
+        <c:scaling>
+          <c:orientation val="minMax"/>
+        </c:scaling>
+        <c:delete val="0"/>
+        <c:axPos val="l"/>
+        <c:majorGridlines>
+          <c:spPr>
+            <a:ln w="9525" cap="flat" cmpd="sng" algn="ctr">
+              <a:solidFill>
+                <a:schemeClr val="tx1">
+                  <a:lumMod val="15000"/>
+                  <a:lumOff val="85000"/>
+                </a:schemeClr>
+              </a:solidFill>
+              <a:round/>
+            </a:ln>
+            <a:effectLst/>
+          </c:spPr>
+        </c:majorGridlines>
+        <c:numFmt formatCode="General" sourceLinked="1"/>
+        <c:majorTickMark val="none"/>
+        <c:minorTickMark val="none"/>
+        <c:tickLblPos val="nextTo"/>
+        <c:spPr>
+          <a:noFill/>
+          <a:ln>
+            <a:noFill/>
+          </a:ln>
+          <a:effectLst/>
+        </c:spPr>
+        <c:txPr>
+          <a:bodyPr rot="-60000000" spcFirstLastPara="0" vertOverflow="ellipsis" vert="horz" wrap="square" anchor="ctr" anchorCtr="1"/>
+          <a:lstStyle/>
+          <a:p>
+            <a:pPr>
+              <a:defRPr lang="zh-CN" sz="900" b="0" i="0" u="none" strike="noStrike" kern="1200" baseline="0">
+                <a:solidFill>
+                  <a:schemeClr val="tx1">
+                    <a:lumMod val="65000"/>
+                    <a:lumOff val="35000"/>
+                  </a:schemeClr>
+                </a:solidFill>
+                <a:latin typeface="+mn-lt"/>
+                <a:ea typeface="+mn-ea"/>
+                <a:cs typeface="+mn-cs"/>
+              </a:defRPr>
+            </a:pPr>
+          </a:p>
+        </c:txPr>
+        <c:crossAx val="739187811"/>
+        <c:crosses val="autoZero"/>
+        <c:crossBetween val="between"/>
+      </c:valAx>
+      <c:spPr>
+        <a:noFill/>
+        <a:ln>
+          <a:noFill/>
+        </a:ln>
+        <a:effectLst/>
+      </c:spPr>
+    </c:plotArea>
+    <c:legend>
+      <c:legendPos val="b"/>
+      <c:layout/>
+      <c:overlay val="0"/>
+      <c:spPr>
+        <a:noFill/>
+        <a:ln>
+          <a:noFill/>
+        </a:ln>
+        <a:effectLst/>
+      </c:spPr>
+      <c:txPr>
+        <a:bodyPr rot="0" spcFirstLastPara="0" vertOverflow="ellipsis" vert="horz" wrap="square" anchor="ctr" anchorCtr="1"/>
+        <a:lstStyle/>
+        <a:p>
+          <a:pPr>
+            <a:defRPr lang="zh-CN" sz="900" b="0" i="0" u="none" strike="noStrike" kern="1200" baseline="0">
+              <a:solidFill>
+                <a:schemeClr val="tx1">
+                  <a:lumMod val="65000"/>
+                  <a:lumOff val="35000"/>
+                </a:schemeClr>
+              </a:solidFill>
+              <a:latin typeface="+mn-lt"/>
+              <a:ea typeface="+mn-ea"/>
+              <a:cs typeface="+mn-cs"/>
+            </a:defRPr>
+          </a:pPr>
+        </a:p>
+      </c:txPr>
+    </c:legend>
+    <c:plotVisOnly val="1"/>
+    <c:dispBlanksAs val="gap"/>
+    <c:showDLblsOverMax val="0"/>
+  </c:chart>
+  <c:spPr>
+    <a:noFill/>
+    <a:ln>
+      <a:noFill/>
+    </a:ln>
+    <a:effectLst/>
+  </c:spPr>
+  <c:txPr>
+    <a:bodyPr/>
+    <a:lstStyle/>
+    <a:p>
+      <a:pPr>
+        <a:defRPr lang="zh-CN"/>
+      </a:pPr>
+    </a:p>
+  </c:txPr>
+  <c:externalData r:id="rId1">
+    <c:autoUpdate val="0"/>
+  </c:externalData>
+</c:chartSpace>
+</file>
+
+<file path=ppt/charts/chart7.xml><?xml version="1.0" encoding="utf-8"?>
 <c:chartSpace xmlns:c="http://schemas.openxmlformats.org/drawingml/2006/chart" xmlns:a="http://schemas.openxmlformats.org/drawingml/2006/main" xmlns:r="http://schemas.openxmlformats.org/officeDocument/2006/relationships">
   <c:date1904 val="0"/>
   <c:lang val="zh-CN"/>
@@ -2890,6 +3247,46 @@
 </cs:colorStyle>
 </file>
 
+<file path=ppt/charts/colors7.xml><?xml version="1.0" encoding="utf-8"?>
+<cs:colorStyle xmlns:cs="http://schemas.microsoft.com/office/drawing/2012/chartStyle" xmlns:a="http://schemas.openxmlformats.org/drawingml/2006/main" meth="cycle" id="10">
+  <a:schemeClr val="accent1"/>
+  <a:schemeClr val="accent2"/>
+  <a:schemeClr val="accent3"/>
+  <a:schemeClr val="accent4"/>
+  <a:schemeClr val="accent5"/>
+  <a:schemeClr val="accent6"/>
+  <cs:variation/>
+  <cs:variation>
+    <a:lumMod val="60000"/>
+  </cs:variation>
+  <cs:variation>
+    <a:lumMod val="80000"/>
+    <a:lumOff val="20000"/>
+  </cs:variation>
+  <cs:variation>
+    <a:lumMod val="80000"/>
+  </cs:variation>
+  <cs:variation>
+    <a:lumMod val="60000"/>
+    <a:lumOff val="40000"/>
+  </cs:variation>
+  <cs:variation>
+    <a:lumMod val="50000"/>
+  </cs:variation>
+  <cs:variation>
+    <a:lumMod val="70000"/>
+    <a:lumOff val="30000"/>
+  </cs:variation>
+  <cs:variation>
+    <a:lumMod val="70000"/>
+  </cs:variation>
+  <cs:variation>
+    <a:lumMod val="50000"/>
+    <a:lumOff val="50000"/>
+  </cs:variation>
+</cs:colorStyle>
+</file>
+
 <file path=ppt/charts/style1.xml><?xml version="1.0" encoding="utf-8"?>
 <cs:chartStyle xmlns:cs="http://schemas.microsoft.com/office/drawing/2012/chartStyle" xmlns:a="http://schemas.openxmlformats.org/drawingml/2006/main" id="251">
   <cs:axisTitle>
@@ -3410,7 +3807,7 @@
 </file>
 
 <file path=ppt/charts/style2.xml><?xml version="1.0" encoding="utf-8"?>
-<cs:chartStyle xmlns:cs="http://schemas.microsoft.com/office/drawing/2012/chartStyle" xmlns:a="http://schemas.openxmlformats.org/drawingml/2006/main" id="297">
+<cs:chartStyle xmlns:cs="http://schemas.microsoft.com/office/drawing/2012/chartStyle" xmlns:a="http://schemas.openxmlformats.org/drawingml/2006/main" id="251">
   <cs:axisTitle>
     <cs:lnRef idx="0"/>
     <cs:fillRef idx="0"/>
@@ -3467,7 +3864,7 @@
         <a:round/>
       </a:ln>
     </cs:spPr>
-    <cs:defRPr sz="1000" kern="1200"/>
+    <cs:defRPr sz="900" kern="1200"/>
   </cs:chartArea>
   <cs:dataLabel>
     <cs:lnRef idx="0"/>
@@ -3518,6 +3915,13 @@
     <cs:fontRef idx="minor">
       <a:schemeClr val="tx1"/>
     </cs:fontRef>
+    <cs:spPr>
+      <a:ln w="19050">
+        <a:solidFill>
+          <a:schemeClr val="lt1"/>
+        </a:solidFill>
+      </a:ln>
+    </cs:spPr>
   </cs:dataPoint>
   <cs:dataPoint3D>
     <cs:lnRef idx="0"/>
@@ -3528,12 +3932,19 @@
     <cs:fontRef idx="minor">
       <a:schemeClr val="tx1"/>
     </cs:fontRef>
+    <cs:spPr>
+      <a:ln w="25400">
+        <a:solidFill>
+          <a:schemeClr val="lt1"/>
+        </a:solidFill>
+      </a:ln>
+    </cs:spPr>
   </cs:dataPoint3D>
   <cs:dataPointLine>
     <cs:lnRef idx="0">
       <cs:styleClr val="auto"/>
     </cs:lnRef>
-    <cs:fillRef idx="1"/>
+    <cs:fillRef idx="0"/>
     <cs:effectRef idx="0"/>
     <cs:fontRef idx="minor">
       <a:schemeClr val="tx1"/>
@@ -3571,7 +3982,7 @@
     <cs:lnRef idx="0">
       <cs:styleClr val="auto"/>
     </cs:lnRef>
-    <cs:fillRef idx="1"/>
+    <cs:fillRef idx="0"/>
     <cs:effectRef idx="0"/>
     <cs:fontRef idx="minor">
       <a:schemeClr val="tx1"/>
@@ -4420,7 +4831,7 @@
 </file>
 
 <file path=ppt/charts/style4.xml><?xml version="1.0" encoding="utf-8"?>
-<cs:chartStyle xmlns:cs="http://schemas.microsoft.com/office/drawing/2012/chartStyle" xmlns:a="http://schemas.openxmlformats.org/drawingml/2006/main" id="227">
+<cs:chartStyle xmlns:cs="http://schemas.microsoft.com/office/drawing/2012/chartStyle" xmlns:a="http://schemas.openxmlformats.org/drawingml/2006/main" id="297">
   <cs:axisTitle>
     <cs:lnRef idx="0"/>
     <cs:fillRef idx="0"/>
@@ -4528,11 +4939,6 @@
     <cs:fontRef idx="minor">
       <a:schemeClr val="tx1"/>
     </cs:fontRef>
-    <cs:spPr>
-      <a:solidFill>
-        <a:schemeClr val="phClr"/>
-      </a:solidFill>
-    </cs:spPr>
   </cs:dataPoint>
   <cs:dataPoint3D>
     <cs:lnRef idx="0"/>
@@ -4543,11 +4949,6 @@
     <cs:fontRef idx="minor">
       <a:schemeClr val="tx1"/>
     </cs:fontRef>
-    <cs:spPr>
-      <a:solidFill>
-        <a:schemeClr val="phClr"/>
-      </a:solidFill>
-    </cs:spPr>
   </cs:dataPoint3D>
   <cs:dataPointLine>
     <cs:lnRef idx="0">
@@ -4579,9 +4980,6 @@
       <a:schemeClr val="tx1"/>
     </cs:fontRef>
     <cs:spPr>
-      <a:solidFill>
-        <a:schemeClr val="phClr"/>
-      </a:solidFill>
       <a:ln w="9525">
         <a:solidFill>
           <a:schemeClr val="phClr"/>
@@ -4637,22 +5035,23 @@
     <cs:fillRef idx="0"/>
     <cs:effectRef idx="0"/>
     <cs:fontRef idx="minor">
-      <a:schemeClr val="dk1"/>
+      <a:schemeClr val="tx1"/>
     </cs:fontRef>
     <cs:spPr>
       <a:solidFill>
         <a:schemeClr val="dk1">
-          <a:lumMod val="65000"/>
-          <a:lumOff val="35000"/>
+          <a:lumMod val="75000"/>
+          <a:lumOff val="25000"/>
         </a:schemeClr>
       </a:solidFill>
-      <a:ln w="9525">
+      <a:ln w="9525" cap="flat" cmpd="sng" algn="ctr">
         <a:solidFill>
           <a:schemeClr val="tx1">
             <a:lumMod val="65000"/>
             <a:lumOff val="35000"/>
           </a:schemeClr>
         </a:solidFill>
+        <a:round/>
       </a:ln>
     </cs:spPr>
   </cs:downBar>
@@ -4757,8 +5156,8 @@
       <a:ln w="9525" cap="flat" cmpd="sng" algn="ctr">
         <a:solidFill>
           <a:schemeClr val="tx1">
-            <a:lumMod val="75000"/>
-            <a:lumOff val="25000"/>
+            <a:lumMod val="50000"/>
+            <a:lumOff val="50000"/>
           </a:schemeClr>
         </a:solidFill>
         <a:round/>
@@ -4890,19 +5289,20 @@
     <cs:fillRef idx="0"/>
     <cs:effectRef idx="0"/>
     <cs:fontRef idx="minor">
-      <a:schemeClr val="dk1"/>
+      <a:schemeClr val="tx1"/>
     </cs:fontRef>
     <cs:spPr>
       <a:solidFill>
         <a:schemeClr val="lt1"/>
       </a:solidFill>
-      <a:ln w="9525">
+      <a:ln w="9525" cap="flat" cmpd="sng" algn="ctr">
         <a:solidFill>
           <a:schemeClr val="tx1">
-            <a:lumMod val="15000"/>
-            <a:lumOff val="85000"/>
+            <a:lumMod val="65000"/>
+            <a:lumOff val="35000"/>
           </a:schemeClr>
         </a:solidFill>
+        <a:round/>
       </a:ln>
     </cs:spPr>
   </cs:upBar>
@@ -5452,6 +5852,522 @@
 </file>
 
 <file path=ppt/charts/style6.xml><?xml version="1.0" encoding="utf-8"?>
+<cs:chartStyle xmlns:cs="http://schemas.microsoft.com/office/drawing/2012/chartStyle" xmlns:a="http://schemas.openxmlformats.org/drawingml/2006/main" id="227">
+  <cs:axisTitle>
+    <cs:lnRef idx="0"/>
+    <cs:fillRef idx="0"/>
+    <cs:effectRef idx="0"/>
+    <cs:fontRef idx="minor">
+      <a:schemeClr val="tx1">
+        <a:lumMod val="65000"/>
+        <a:lumOff val="35000"/>
+      </a:schemeClr>
+    </cs:fontRef>
+    <cs:defRPr sz="1000" kern="1200"/>
+  </cs:axisTitle>
+  <cs:categoryAxis>
+    <cs:lnRef idx="0"/>
+    <cs:fillRef idx="0"/>
+    <cs:effectRef idx="0"/>
+    <cs:fontRef idx="minor">
+      <a:schemeClr val="tx1">
+        <a:lumMod val="65000"/>
+        <a:lumOff val="35000"/>
+      </a:schemeClr>
+    </cs:fontRef>
+    <cs:spPr>
+      <a:ln w="9525" cap="flat" cmpd="sng" algn="ctr">
+        <a:solidFill>
+          <a:schemeClr val="tx1">
+            <a:lumMod val="15000"/>
+            <a:lumOff val="85000"/>
+          </a:schemeClr>
+        </a:solidFill>
+        <a:round/>
+      </a:ln>
+    </cs:spPr>
+    <cs:defRPr sz="900" kern="1200"/>
+  </cs:categoryAxis>
+  <cs:chartArea mods="allowNoFillOverride allowNoLineOverride">
+    <cs:lnRef idx="0"/>
+    <cs:fillRef idx="0"/>
+    <cs:effectRef idx="0"/>
+    <cs:fontRef idx="minor">
+      <a:schemeClr val="tx1"/>
+    </cs:fontRef>
+    <cs:spPr>
+      <a:solidFill>
+        <a:schemeClr val="bg1"/>
+      </a:solidFill>
+      <a:ln w="9525" cap="flat" cmpd="sng" algn="ctr">
+        <a:solidFill>
+          <a:schemeClr val="tx1">
+            <a:lumMod val="15000"/>
+            <a:lumOff val="85000"/>
+          </a:schemeClr>
+        </a:solidFill>
+        <a:round/>
+      </a:ln>
+    </cs:spPr>
+    <cs:defRPr sz="1000" kern="1200"/>
+  </cs:chartArea>
+  <cs:dataLabel>
+    <cs:lnRef idx="0"/>
+    <cs:fillRef idx="0"/>
+    <cs:effectRef idx="0"/>
+    <cs:fontRef idx="minor">
+      <a:schemeClr val="tx1">
+        <a:lumMod val="75000"/>
+        <a:lumOff val="25000"/>
+      </a:schemeClr>
+    </cs:fontRef>
+    <cs:defRPr sz="900" kern="1200"/>
+  </cs:dataLabel>
+  <cs:dataLabelCallout>
+    <cs:lnRef idx="0"/>
+    <cs:fillRef idx="0"/>
+    <cs:effectRef idx="0"/>
+    <cs:fontRef idx="minor">
+      <a:schemeClr val="dk1">
+        <a:lumMod val="65000"/>
+        <a:lumOff val="35000"/>
+      </a:schemeClr>
+    </cs:fontRef>
+    <cs:spPr>
+      <a:solidFill>
+        <a:schemeClr val="lt1"/>
+      </a:solidFill>
+      <a:ln>
+        <a:solidFill>
+          <a:schemeClr val="dk1">
+            <a:lumMod val="25000"/>
+            <a:lumOff val="75000"/>
+          </a:schemeClr>
+        </a:solidFill>
+      </a:ln>
+    </cs:spPr>
+    <cs:defRPr sz="900" kern="1200"/>
+    <cs:bodyPr rot="0" spcFirstLastPara="1" vertOverflow="clip" horzOverflow="clip" vert="horz" wrap="square" lIns="36576" tIns="18288" rIns="36576" bIns="18288" anchor="ctr" anchorCtr="1">
+      <a:spAutoFit/>
+    </cs:bodyPr>
+  </cs:dataLabelCallout>
+  <cs:dataPoint>
+    <cs:lnRef idx="0"/>
+    <cs:fillRef idx="1">
+      <cs:styleClr val="auto"/>
+    </cs:fillRef>
+    <cs:effectRef idx="0"/>
+    <cs:fontRef idx="minor">
+      <a:schemeClr val="tx1"/>
+    </cs:fontRef>
+    <cs:spPr>
+      <a:solidFill>
+        <a:schemeClr val="phClr"/>
+      </a:solidFill>
+    </cs:spPr>
+  </cs:dataPoint>
+  <cs:dataPoint3D>
+    <cs:lnRef idx="0"/>
+    <cs:fillRef idx="1">
+      <cs:styleClr val="auto"/>
+    </cs:fillRef>
+    <cs:effectRef idx="0"/>
+    <cs:fontRef idx="minor">
+      <a:schemeClr val="tx1"/>
+    </cs:fontRef>
+    <cs:spPr>
+      <a:solidFill>
+        <a:schemeClr val="phClr"/>
+      </a:solidFill>
+    </cs:spPr>
+  </cs:dataPoint3D>
+  <cs:dataPointLine>
+    <cs:lnRef idx="0">
+      <cs:styleClr val="auto"/>
+    </cs:lnRef>
+    <cs:fillRef idx="1"/>
+    <cs:effectRef idx="0"/>
+    <cs:fontRef idx="minor">
+      <a:schemeClr val="tx1"/>
+    </cs:fontRef>
+    <cs:spPr>
+      <a:ln w="28575" cap="rnd">
+        <a:solidFill>
+          <a:schemeClr val="phClr"/>
+        </a:solidFill>
+        <a:round/>
+      </a:ln>
+    </cs:spPr>
+  </cs:dataPointLine>
+  <cs:dataPointMarker>
+    <cs:lnRef idx="0">
+      <cs:styleClr val="auto"/>
+    </cs:lnRef>
+    <cs:fillRef idx="1">
+      <cs:styleClr val="auto"/>
+    </cs:fillRef>
+    <cs:effectRef idx="0"/>
+    <cs:fontRef idx="minor">
+      <a:schemeClr val="tx1"/>
+    </cs:fontRef>
+    <cs:spPr>
+      <a:solidFill>
+        <a:schemeClr val="phClr"/>
+      </a:solidFill>
+      <a:ln w="9525">
+        <a:solidFill>
+          <a:schemeClr val="phClr"/>
+        </a:solidFill>
+      </a:ln>
+    </cs:spPr>
+  </cs:dataPointMarker>
+  <cs:dataPointMarkerLayout symbol="circle" size="5"/>
+  <cs:dataPointWireframe>
+    <cs:lnRef idx="0">
+      <cs:styleClr val="auto"/>
+    </cs:lnRef>
+    <cs:fillRef idx="1"/>
+    <cs:effectRef idx="0"/>
+    <cs:fontRef idx="minor">
+      <a:schemeClr val="tx1"/>
+    </cs:fontRef>
+    <cs:spPr>
+      <a:ln w="9525" cap="rnd">
+        <a:solidFill>
+          <a:schemeClr val="phClr"/>
+        </a:solidFill>
+        <a:round/>
+      </a:ln>
+    </cs:spPr>
+  </cs:dataPointWireframe>
+  <cs:dataTable>
+    <cs:lnRef idx="0"/>
+    <cs:fillRef idx="0"/>
+    <cs:effectRef idx="0"/>
+    <cs:fontRef idx="minor">
+      <a:schemeClr val="tx1">
+        <a:lumMod val="65000"/>
+        <a:lumOff val="35000"/>
+      </a:schemeClr>
+    </cs:fontRef>
+    <cs:spPr>
+      <a:noFill/>
+      <a:ln w="9525" cap="flat" cmpd="sng" algn="ctr">
+        <a:solidFill>
+          <a:schemeClr val="tx1">
+            <a:lumMod val="15000"/>
+            <a:lumOff val="85000"/>
+          </a:schemeClr>
+        </a:solidFill>
+        <a:round/>
+      </a:ln>
+    </cs:spPr>
+    <cs:defRPr sz="900" kern="1200"/>
+  </cs:dataTable>
+  <cs:downBar>
+    <cs:lnRef idx="0"/>
+    <cs:fillRef idx="0"/>
+    <cs:effectRef idx="0"/>
+    <cs:fontRef idx="minor">
+      <a:schemeClr val="dk1"/>
+    </cs:fontRef>
+    <cs:spPr>
+      <a:solidFill>
+        <a:schemeClr val="dk1">
+          <a:lumMod val="65000"/>
+          <a:lumOff val="35000"/>
+        </a:schemeClr>
+      </a:solidFill>
+      <a:ln w="9525">
+        <a:solidFill>
+          <a:schemeClr val="tx1">
+            <a:lumMod val="65000"/>
+            <a:lumOff val="35000"/>
+          </a:schemeClr>
+        </a:solidFill>
+      </a:ln>
+    </cs:spPr>
+  </cs:downBar>
+  <cs:dropLine>
+    <cs:lnRef idx="0"/>
+    <cs:fillRef idx="0"/>
+    <cs:effectRef idx="0"/>
+    <cs:fontRef idx="minor">
+      <a:schemeClr val="tx1"/>
+    </cs:fontRef>
+    <cs:spPr>
+      <a:ln w="9525" cap="flat" cmpd="sng" algn="ctr">
+        <a:solidFill>
+          <a:schemeClr val="tx1">
+            <a:lumMod val="35000"/>
+            <a:lumOff val="65000"/>
+          </a:schemeClr>
+        </a:solidFill>
+        <a:round/>
+      </a:ln>
+    </cs:spPr>
+  </cs:dropLine>
+  <cs:errorBar>
+    <cs:lnRef idx="0"/>
+    <cs:fillRef idx="0"/>
+    <cs:effectRef idx="0"/>
+    <cs:fontRef idx="minor">
+      <a:schemeClr val="tx1"/>
+    </cs:fontRef>
+    <cs:spPr>
+      <a:ln w="9525" cap="flat" cmpd="sng" algn="ctr">
+        <a:solidFill>
+          <a:schemeClr val="tx1">
+            <a:lumMod val="65000"/>
+            <a:lumOff val="35000"/>
+          </a:schemeClr>
+        </a:solidFill>
+        <a:round/>
+      </a:ln>
+    </cs:spPr>
+  </cs:errorBar>
+  <cs:floor>
+    <cs:lnRef idx="0"/>
+    <cs:fillRef idx="0"/>
+    <cs:effectRef idx="0"/>
+    <cs:fontRef idx="minor">
+      <a:schemeClr val="tx1"/>
+    </cs:fontRef>
+    <cs:spPr>
+      <a:noFill/>
+      <a:ln>
+        <a:noFill/>
+      </a:ln>
+    </cs:spPr>
+  </cs:floor>
+  <cs:gridlineMajor>
+    <cs:lnRef idx="0"/>
+    <cs:fillRef idx="0"/>
+    <cs:effectRef idx="0"/>
+    <cs:fontRef idx="minor">
+      <a:schemeClr val="tx1"/>
+    </cs:fontRef>
+    <cs:spPr>
+      <a:ln w="9525" cap="flat" cmpd="sng" algn="ctr">
+        <a:solidFill>
+          <a:schemeClr val="tx1">
+            <a:lumMod val="15000"/>
+            <a:lumOff val="85000"/>
+          </a:schemeClr>
+        </a:solidFill>
+        <a:round/>
+      </a:ln>
+    </cs:spPr>
+  </cs:gridlineMajor>
+  <cs:gridlineMinor>
+    <cs:lnRef idx="0"/>
+    <cs:fillRef idx="0"/>
+    <cs:effectRef idx="0"/>
+    <cs:fontRef idx="minor">
+      <a:schemeClr val="tx1"/>
+    </cs:fontRef>
+    <cs:spPr>
+      <a:ln w="9525" cap="flat" cmpd="sng" algn="ctr">
+        <a:solidFill>
+          <a:schemeClr val="tx1">
+            <a:lumMod val="5000"/>
+            <a:lumOff val="95000"/>
+          </a:schemeClr>
+        </a:solidFill>
+        <a:round/>
+      </a:ln>
+    </cs:spPr>
+  </cs:gridlineMinor>
+  <cs:hiLoLine>
+    <cs:lnRef idx="0"/>
+    <cs:fillRef idx="0"/>
+    <cs:effectRef idx="0"/>
+    <cs:fontRef idx="minor">
+      <a:schemeClr val="tx1"/>
+    </cs:fontRef>
+    <cs:spPr>
+      <a:ln w="9525" cap="flat" cmpd="sng" algn="ctr">
+        <a:solidFill>
+          <a:schemeClr val="tx1">
+            <a:lumMod val="75000"/>
+            <a:lumOff val="25000"/>
+          </a:schemeClr>
+        </a:solidFill>
+        <a:round/>
+      </a:ln>
+    </cs:spPr>
+  </cs:hiLoLine>
+  <cs:leaderLine>
+    <cs:lnRef idx="0"/>
+    <cs:fillRef idx="0"/>
+    <cs:effectRef idx="0"/>
+    <cs:fontRef idx="minor">
+      <a:schemeClr val="tx1"/>
+    </cs:fontRef>
+    <cs:spPr>
+      <a:ln w="9525" cap="flat" cmpd="sng" algn="ctr">
+        <a:solidFill>
+          <a:schemeClr val="tx1">
+            <a:lumMod val="35000"/>
+            <a:lumOff val="65000"/>
+          </a:schemeClr>
+        </a:solidFill>
+        <a:round/>
+      </a:ln>
+    </cs:spPr>
+  </cs:leaderLine>
+  <cs:legend>
+    <cs:lnRef idx="0"/>
+    <cs:fillRef idx="0"/>
+    <cs:effectRef idx="0"/>
+    <cs:fontRef idx="minor">
+      <a:schemeClr val="tx1">
+        <a:lumMod val="65000"/>
+        <a:lumOff val="35000"/>
+      </a:schemeClr>
+    </cs:fontRef>
+    <cs:defRPr sz="900" kern="1200"/>
+  </cs:legend>
+  <cs:plotArea mods="allowNoFillOverride allowNoLineOverride">
+    <cs:lnRef idx="0"/>
+    <cs:fillRef idx="0"/>
+    <cs:effectRef idx="0"/>
+    <cs:fontRef idx="minor">
+      <a:schemeClr val="tx1"/>
+    </cs:fontRef>
+  </cs:plotArea>
+  <cs:plotArea3D mods="allowNoFillOverride allowNoLineOverride">
+    <cs:lnRef idx="0"/>
+    <cs:fillRef idx="0"/>
+    <cs:effectRef idx="0"/>
+    <cs:fontRef idx="minor">
+      <a:schemeClr val="tx1"/>
+    </cs:fontRef>
+  </cs:plotArea3D>
+  <cs:seriesAxis>
+    <cs:lnRef idx="0"/>
+    <cs:fillRef idx="0"/>
+    <cs:effectRef idx="0"/>
+    <cs:fontRef idx="minor">
+      <a:schemeClr val="tx1">
+        <a:lumMod val="65000"/>
+        <a:lumOff val="35000"/>
+      </a:schemeClr>
+    </cs:fontRef>
+    <cs:defRPr sz="900" kern="1200"/>
+  </cs:seriesAxis>
+  <cs:seriesLine>
+    <cs:lnRef idx="0"/>
+    <cs:fillRef idx="0"/>
+    <cs:effectRef idx="0"/>
+    <cs:fontRef idx="minor">
+      <a:schemeClr val="tx1"/>
+    </cs:fontRef>
+    <cs:spPr>
+      <a:ln w="9525" cap="flat" cmpd="sng" algn="ctr">
+        <a:solidFill>
+          <a:schemeClr val="tx1">
+            <a:lumMod val="35000"/>
+            <a:lumOff val="65000"/>
+          </a:schemeClr>
+        </a:solidFill>
+        <a:round/>
+      </a:ln>
+    </cs:spPr>
+  </cs:seriesLine>
+  <cs:title>
+    <cs:lnRef idx="0"/>
+    <cs:fillRef idx="0"/>
+    <cs:effectRef idx="0"/>
+    <cs:fontRef idx="minor">
+      <a:schemeClr val="tx1">
+        <a:lumMod val="65000"/>
+        <a:lumOff val="35000"/>
+      </a:schemeClr>
+    </cs:fontRef>
+    <cs:defRPr sz="1400" b="0" kern="1200" spc="0" baseline="0"/>
+  </cs:title>
+  <cs:trendline>
+    <cs:lnRef idx="0">
+      <cs:styleClr val="auto"/>
+    </cs:lnRef>
+    <cs:fillRef idx="0"/>
+    <cs:effectRef idx="0"/>
+    <cs:fontRef idx="minor">
+      <a:schemeClr val="tx1"/>
+    </cs:fontRef>
+    <cs:spPr>
+      <a:ln w="19050" cap="rnd">
+        <a:solidFill>
+          <a:schemeClr val="phClr"/>
+        </a:solidFill>
+        <a:prstDash val="sysDot"/>
+      </a:ln>
+    </cs:spPr>
+  </cs:trendline>
+  <cs:trendlineLabel>
+    <cs:lnRef idx="0"/>
+    <cs:fillRef idx="0"/>
+    <cs:effectRef idx="0"/>
+    <cs:fontRef idx="minor">
+      <a:schemeClr val="tx1">
+        <a:lumMod val="65000"/>
+        <a:lumOff val="35000"/>
+      </a:schemeClr>
+    </cs:fontRef>
+    <cs:defRPr sz="900" kern="1200"/>
+  </cs:trendlineLabel>
+  <cs:upBar>
+    <cs:lnRef idx="0"/>
+    <cs:fillRef idx="0"/>
+    <cs:effectRef idx="0"/>
+    <cs:fontRef idx="minor">
+      <a:schemeClr val="dk1"/>
+    </cs:fontRef>
+    <cs:spPr>
+      <a:solidFill>
+        <a:schemeClr val="lt1"/>
+      </a:solidFill>
+      <a:ln w="9525">
+        <a:solidFill>
+          <a:schemeClr val="tx1">
+            <a:lumMod val="15000"/>
+            <a:lumOff val="85000"/>
+          </a:schemeClr>
+        </a:solidFill>
+      </a:ln>
+    </cs:spPr>
+  </cs:upBar>
+  <cs:valueAxis>
+    <cs:lnRef idx="0"/>
+    <cs:fillRef idx="0"/>
+    <cs:effectRef idx="0"/>
+    <cs:fontRef idx="minor">
+      <a:schemeClr val="tx1">
+        <a:lumMod val="65000"/>
+        <a:lumOff val="35000"/>
+      </a:schemeClr>
+    </cs:fontRef>
+    <cs:defRPr sz="900" kern="1200"/>
+  </cs:valueAxis>
+  <cs:wall>
+    <cs:lnRef idx="0"/>
+    <cs:fillRef idx="0"/>
+    <cs:effectRef idx="0"/>
+    <cs:fontRef idx="minor">
+      <a:schemeClr val="tx1"/>
+    </cs:fontRef>
+    <cs:spPr>
+      <a:noFill/>
+      <a:ln>
+        <a:noFill/>
+      </a:ln>
+    </cs:spPr>
+  </cs:wall>
+</cs:chartStyle>
+</file>
+
+<file path=ppt/charts/style7.xml><?xml version="1.0" encoding="utf-8"?>
 <cs:chartStyle xmlns:cs="http://schemas.microsoft.com/office/drawing/2012/chartStyle" xmlns:a="http://schemas.openxmlformats.org/drawingml/2006/main" id="201">
   <cs:axisTitle>
     <cs:lnRef idx="0"/>
@@ -8929,9 +9845,25 @@
           </a:graphicData>
         </a:graphic>
       </p:graphicFrame>
+      <p:graphicFrame>
+        <p:nvGraphicFramePr>
+          <p:cNvPr id="2" name="图表 1" descr="#chartA"/>
+          <p:cNvGraphicFramePr/>
+          <p:nvPr/>
+        </p:nvGraphicFramePr>
+        <p:xfrm>
+          <a:off x="6210300" y="925195"/>
+          <a:ext cx="5775325" cy="5091430"/>
+        </p:xfrm>
+        <a:graphic>
+          <a:graphicData uri="http://schemas.openxmlformats.org/drawingml/2006/chart">
+            <c:chart xmlns:c="http://schemas.openxmlformats.org/drawingml/2006/chart" xmlns:r="http://schemas.openxmlformats.org/officeDocument/2006/relationships" r:id="rId2"/>
+          </a:graphicData>
+        </a:graphic>
+      </p:graphicFrame>
     </p:spTree>
     <p:custDataLst>
-      <p:tags r:id="rId2"/>
+      <p:tags r:id="rId3"/>
     </p:custDataLst>
   </p:cSld>
   <p:clrMapOvr>
@@ -10013,6 +10945,7 @@
 <p:tagLst xmlns:p="http://schemas.openxmlformats.org/presentationml/2006/main">
   <p:tag name="COMMONDATA" val="eyJoZGlkIjoiMTU3NzlmYjI5NWRkMWM4ZWEyMTg2ZjIzNmE0ODAwZjMifQ=="/>
   <p:tag name="KSO_WPP_MARK_KEY" val="8e24b64b-9846-4c8f-94c7-b364bd989930"/>
+  <p:tag name="commondata" val="eyJoZGlkIjoiMTgwOGRmNzYxMmJjZDhiYWY5Yjg1MWFiMTZhYmI5MDgifQ=="/>
 </p:tagLst>
 </file>
 

--- a/src/test/resources/chart.pptx
+++ b/src/test/resources/chart.pptx
@@ -422,10 +422,8 @@
     <c:autoTitleDeleted val="0"/>
     <c:plotArea>
       <c:layout/>
-      <c:barChart>
-        <c:barDir val="col"/>
-        <c:grouping val="stacked"/>
-        <c:varyColors val="0"/>
+      <c:pieChart>
+        <c:varyColors val="1"/>
         <c:ser>
           <c:idx val="0"/>
           <c:order val="0"/>
@@ -435,268 +433,224 @@
               <c:strCache>
                 <c:ptCount val="1"/>
                 <c:pt idx="0">
-                  <c:v>系列 1</c:v>
+                  <c:v>标题A</c:v>
                 </c:pt>
               </c:strCache>
             </c:strRef>
           </c:tx>
-          <c:spPr>
-            <a:solidFill>
-              <a:schemeClr val="accent1"/>
-            </a:solidFill>
-            <a:ln>
-              <a:noFill/>
-            </a:ln>
-            <a:effectLst/>
-          </c:spPr>
-          <c:invertIfNegative val="0"/>
+          <c:spPr/>
+          <c:explosion val="0"/>
+          <c:dPt>
+            <c:idx val="0"/>
+            <c:bubble3D val="0"/>
+            <c:spPr>
+              <a:solidFill>
+                <a:schemeClr val="accent1"/>
+              </a:solidFill>
+              <a:ln w="19050">
+                <a:solidFill>
+                  <a:schemeClr val="lt1"/>
+                </a:solidFill>
+              </a:ln>
+              <a:effectLst/>
+            </c:spPr>
+          </c:dPt>
+          <c:dPt>
+            <c:idx val="1"/>
+            <c:bubble3D val="0"/>
+            <c:spPr>
+              <a:solidFill>
+                <a:schemeClr val="accent2"/>
+              </a:solidFill>
+              <a:ln w="19050">
+                <a:solidFill>
+                  <a:schemeClr val="lt1"/>
+                </a:solidFill>
+              </a:ln>
+              <a:effectLst/>
+            </c:spPr>
+          </c:dPt>
+          <c:dPt>
+            <c:idx val="2"/>
+            <c:bubble3D val="0"/>
+            <c:spPr>
+              <a:solidFill>
+                <a:schemeClr val="accent3"/>
+              </a:solidFill>
+              <a:ln w="19050">
+                <a:solidFill>
+                  <a:schemeClr val="lt1"/>
+                </a:solidFill>
+              </a:ln>
+              <a:effectLst/>
+            </c:spPr>
+          </c:dPt>
+          <c:dPt>
+            <c:idx val="3"/>
+            <c:bubble3D val="0"/>
+            <c:spPr>
+              <a:solidFill>
+                <a:schemeClr val="accent4"/>
+              </a:solidFill>
+              <a:ln w="19050">
+                <a:solidFill>
+                  <a:schemeClr val="lt1"/>
+                </a:solidFill>
+              </a:ln>
+              <a:effectLst/>
+            </c:spPr>
+          </c:dPt>
+          <c:dPt>
+            <c:idx val="4"/>
+            <c:bubble3D val="0"/>
+            <c:spPr>
+              <a:solidFill>
+                <a:schemeClr val="accent5"/>
+              </a:solidFill>
+              <a:ln w="19050">
+                <a:solidFill>
+                  <a:schemeClr val="lt1"/>
+                </a:solidFill>
+              </a:ln>
+              <a:effectLst/>
+            </c:spPr>
+          </c:dPt>
+          <c:dPt>
+            <c:idx val="5"/>
+            <c:bubble3D val="0"/>
+            <c:spPr>
+              <a:solidFill>
+                <a:schemeClr val="accent6"/>
+              </a:solidFill>
+              <a:ln w="19050">
+                <a:solidFill>
+                  <a:schemeClr val="lt1"/>
+                </a:solidFill>
+              </a:ln>
+              <a:effectLst/>
+            </c:spPr>
+          </c:dPt>
+          <c:dPt>
+            <c:idx val="6"/>
+            <c:bubble3D val="0"/>
+            <c:spPr>
+              <a:solidFill>
+                <a:schemeClr val="accent1">
+                  <a:lumMod val="60000"/>
+                </a:schemeClr>
+              </a:solidFill>
+              <a:ln w="19050">
+                <a:solidFill>
+                  <a:schemeClr val="lt1"/>
+                </a:solidFill>
+              </a:ln>
+              <a:effectLst/>
+            </c:spPr>
+          </c:dPt>
+          <c:dPt>
+            <c:idx val="7"/>
+            <c:bubble3D val="0"/>
+            <c:spPr>
+              <a:solidFill>
+                <a:schemeClr val="accent2">
+                  <a:lumMod val="60000"/>
+                </a:schemeClr>
+              </a:solidFill>
+              <a:ln w="19050">
+                <a:solidFill>
+                  <a:schemeClr val="lt1"/>
+                </a:solidFill>
+              </a:ln>
+              <a:effectLst/>
+            </c:spPr>
+          </c:dPt>
+          <c:dPt>
+            <c:idx val="8"/>
+            <c:bubble3D val="0"/>
+            <c:spPr>
+              <a:solidFill>
+                <a:schemeClr val="accent3">
+                  <a:lumMod val="60000"/>
+                </a:schemeClr>
+              </a:solidFill>
+              <a:ln w="19050">
+                <a:solidFill>
+                  <a:schemeClr val="lt1"/>
+                </a:solidFill>
+              </a:ln>
+              <a:effectLst/>
+            </c:spPr>
+          </c:dPt>
           <c:dLbls>
             <c:delete val="1"/>
           </c:dLbls>
           <c:cat>
             <c:strRef>
-              <c:f>Sheet1!$A$2:$A$5</c:f>
+              <c:f>Sheet1!$A$2:$A$10</c:f>
               <c:strCache>
-                <c:ptCount val="4"/>
+                <c:ptCount val="9"/>
                 <c:pt idx="0">
-                  <c:v>类别 1</c:v>
+                  <c:v>第1季度</c:v>
                 </c:pt>
                 <c:pt idx="1">
-                  <c:v>类别 2</c:v>
+                  <c:v>第2季度</c:v>
                 </c:pt>
                 <c:pt idx="2">
-                  <c:v>类别 3</c:v>
+                  <c:v>第3季度</c:v>
                 </c:pt>
                 <c:pt idx="3">
-                  <c:v>类别 4</c:v>
+                  <c:v>第4季度</c:v>
+                </c:pt>
+                <c:pt idx="4">
+                  <c:v>第5季度</c:v>
+                </c:pt>
+                <c:pt idx="5">
+                  <c:v>第6季度</c:v>
+                </c:pt>
+                <c:pt idx="6">
+                  <c:v>第7季度</c:v>
+                </c:pt>
+                <c:pt idx="7">
+                  <c:v>第8季度</c:v>
+                </c:pt>
+                <c:pt idx="8">
+                  <c:v>第9季度</c:v>
                 </c:pt>
               </c:strCache>
             </c:strRef>
           </c:cat>
           <c:val>
             <c:numRef>
-              <c:f>Sheet1!$B$2:$B$5</c:f>
+              <c:f>Sheet1!$B$2:$B$10</c:f>
               <c:numCache>
                 <c:formatCode>General</c:formatCode>
-                <c:ptCount val="4"/>
+                <c:ptCount val="9"/>
                 <c:pt idx="0">
-                  <c:v>4.3</c:v>
+                  <c:v>8.2</c:v>
                 </c:pt>
                 <c:pt idx="1">
-                  <c:v>2.5</c:v>
+                  <c:v>3.2</c:v>
                 </c:pt>
                 <c:pt idx="2">
-                  <c:v>3.5</c:v>
+                  <c:v>1.4</c:v>
                 </c:pt>
                 <c:pt idx="3">
-                  <c:v>4.5</c:v>
-                </c:pt>
-              </c:numCache>
-            </c:numRef>
-          </c:val>
-        </c:ser>
-        <c:ser>
-          <c:idx val="1"/>
-          <c:order val="1"/>
-          <c:tx>
-            <c:strRef>
-              <c:f>Sheet1!$C$1</c:f>
-              <c:strCache>
-                <c:ptCount val="1"/>
-                <c:pt idx="0">
-                  <c:v>系列 2</c:v>
-                </c:pt>
-              </c:strCache>
-            </c:strRef>
-          </c:tx>
-          <c:spPr>
-            <a:solidFill>
-              <a:schemeClr val="accent2"/>
-            </a:solidFill>
-            <a:ln>
-              <a:noFill/>
-            </a:ln>
-            <a:effectLst/>
-          </c:spPr>
-          <c:invertIfNegative val="0"/>
-          <c:dLbls>
-            <c:delete val="1"/>
-          </c:dLbls>
-          <c:cat>
-            <c:strRef>
-              <c:f>Sheet1!$A$2:$A$5</c:f>
-              <c:strCache>
-                <c:ptCount val="4"/>
-                <c:pt idx="0">
-                  <c:v>类别 1</c:v>
-                </c:pt>
-                <c:pt idx="1">
-                  <c:v>类别 2</c:v>
-                </c:pt>
-                <c:pt idx="2">
-                  <c:v>类别 3</c:v>
-                </c:pt>
-                <c:pt idx="3">
-                  <c:v>类别 4</c:v>
-                </c:pt>
-              </c:strCache>
-            </c:strRef>
-          </c:cat>
-          <c:val>
-            <c:numRef>
-              <c:f>Sheet1!$C$2:$C$5</c:f>
-              <c:numCache>
-                <c:formatCode>General</c:formatCode>
-                <c:ptCount val="4"/>
-                <c:pt idx="0">
-                  <c:v>2.4</c:v>
-                </c:pt>
-                <c:pt idx="1">
-                  <c:v>4.4</c:v>
-                </c:pt>
-                <c:pt idx="2">
-                  <c:v>1.8</c:v>
-                </c:pt>
-                <c:pt idx="3">
-                  <c:v>2.8</c:v>
-                </c:pt>
-              </c:numCache>
-            </c:numRef>
-          </c:val>
-        </c:ser>
-        <c:ser>
-          <c:idx val="2"/>
-          <c:order val="2"/>
-          <c:tx>
-            <c:strRef>
-              <c:f>Sheet1!$D$1</c:f>
-              <c:strCache>
-                <c:ptCount val="1"/>
-                <c:pt idx="0">
-                  <c:v>系列 3</c:v>
-                </c:pt>
-              </c:strCache>
-            </c:strRef>
-          </c:tx>
-          <c:spPr>
-            <a:solidFill>
-              <a:schemeClr val="accent3"/>
-            </a:solidFill>
-            <a:ln>
-              <a:noFill/>
-            </a:ln>
-            <a:effectLst/>
-          </c:spPr>
-          <c:invertIfNegative val="0"/>
-          <c:dLbls>
-            <c:delete val="1"/>
-          </c:dLbls>
-          <c:cat>
-            <c:strRef>
-              <c:f>Sheet1!$A$2:$A$5</c:f>
-              <c:strCache>
-                <c:ptCount val="4"/>
-                <c:pt idx="0">
-                  <c:v>类别 1</c:v>
-                </c:pt>
-                <c:pt idx="1">
-                  <c:v>类别 2</c:v>
-                </c:pt>
-                <c:pt idx="2">
-                  <c:v>类别 3</c:v>
-                </c:pt>
-                <c:pt idx="3">
-                  <c:v>类别 4</c:v>
-                </c:pt>
-              </c:strCache>
-            </c:strRef>
-          </c:cat>
-          <c:val>
-            <c:numRef>
-              <c:f>Sheet1!$D$2:$D$5</c:f>
-              <c:numCache>
-                <c:formatCode>General</c:formatCode>
-                <c:ptCount val="4"/>
-                <c:pt idx="0">
-                  <c:v>2</c:v>
-                </c:pt>
-                <c:pt idx="1">
-                  <c:v>2</c:v>
-                </c:pt>
-                <c:pt idx="2">
-                  <c:v>3</c:v>
-                </c:pt>
-                <c:pt idx="3">
-                  <c:v>5</c:v>
-                </c:pt>
-              </c:numCache>
-            </c:numRef>
-          </c:val>
-        </c:ser>
-        <c:ser>
-          <c:idx val="3"/>
-          <c:order val="3"/>
-          <c:tx>
-            <c:strRef>
-              <c:f>Sheet1!$E$1</c:f>
-              <c:strCache>
-                <c:ptCount val="1"/>
-                <c:pt idx="0">
-                  <c:v>系列 4</c:v>
-                </c:pt>
-              </c:strCache>
-            </c:strRef>
-          </c:tx>
-          <c:spPr>
-            <a:solidFill>
-              <a:schemeClr val="accent4"/>
-            </a:solidFill>
-            <a:ln>
-              <a:noFill/>
-            </a:ln>
-            <a:effectLst/>
-          </c:spPr>
-          <c:invertIfNegative val="0"/>
-          <c:dLbls>
-            <c:delete val="1"/>
-          </c:dLbls>
-          <c:cat>
-            <c:strRef>
-              <c:f>Sheet1!$A$2:$A$5</c:f>
-              <c:strCache>
-                <c:ptCount val="4"/>
-                <c:pt idx="0">
-                  <c:v>类别 1</c:v>
-                </c:pt>
-                <c:pt idx="1">
-                  <c:v>类别 2</c:v>
-                </c:pt>
-                <c:pt idx="2">
-                  <c:v>类别 3</c:v>
-                </c:pt>
-                <c:pt idx="3">
-                  <c:v>类别 4</c:v>
-                </c:pt>
-              </c:strCache>
-            </c:strRef>
-          </c:cat>
-          <c:val>
-            <c:numRef>
-              <c:f>Sheet1!$E$2:$E$5</c:f>
-              <c:numCache>
-                <c:formatCode>General</c:formatCode>
-                <c:ptCount val="4"/>
-                <c:pt idx="0">
-                  <c:v>3</c:v>
-                </c:pt>
-                <c:pt idx="1">
-                  <c:v>1</c:v>
-                </c:pt>
-                <c:pt idx="2">
-                  <c:v>5</c:v>
-                </c:pt>
-                <c:pt idx="3">
-                  <c:v>3</c:v>
+                  <c:v>1.2</c:v>
+                </c:pt>
+                <c:pt idx="4">
+                  <c:v>8.2</c:v>
+                </c:pt>
+                <c:pt idx="5">
+                  <c:v>3.2</c:v>
+                </c:pt>
+                <c:pt idx="6">
+                  <c:v>1.4</c:v>
+                </c:pt>
+                <c:pt idx="7">
+                  <c:v>1.2</c:v>
+                </c:pt>
+                <c:pt idx="8">
+                  <c:v>8.2</c:v>
                 </c:pt>
               </c:numCache>
             </c:numRef>
@@ -709,116 +663,10 @@
           <c:showSerName val="0"/>
           <c:showPercent val="0"/>
           <c:showBubbleSize val="0"/>
+          <c:showLeaderLines val="1"/>
         </c:dLbls>
-        <c:gapWidth val="150"/>
-        <c:overlap val="100"/>
-        <c:axId val="839164795"/>
-        <c:axId val="449331304"/>
-      </c:barChart>
-      <c:catAx>
-        <c:axId val="839164795"/>
-        <c:scaling>
-          <c:orientation val="minMax"/>
-        </c:scaling>
-        <c:delete val="0"/>
-        <c:axPos val="b"/>
-        <c:majorTickMark val="none"/>
-        <c:minorTickMark val="none"/>
-        <c:tickLblPos val="nextTo"/>
-        <c:spPr>
-          <a:noFill/>
-          <a:ln w="9525" cap="flat" cmpd="sng" algn="ctr">
-            <a:solidFill>
-              <a:schemeClr val="tx1">
-                <a:lumMod val="15000"/>
-                <a:lumOff val="85000"/>
-              </a:schemeClr>
-            </a:solidFill>
-            <a:round/>
-          </a:ln>
-          <a:effectLst/>
-        </c:spPr>
-        <c:txPr>
-          <a:bodyPr rot="-60000000" spcFirstLastPara="0" vertOverflow="ellipsis" vert="horz" wrap="square" anchor="ctr" anchorCtr="1"/>
-          <a:lstStyle/>
-          <a:p>
-            <a:pPr>
-              <a:defRPr lang="zh-CN" sz="900" b="0" i="0" u="none" strike="noStrike" kern="1200" baseline="0">
-                <a:solidFill>
-                  <a:schemeClr val="tx1">
-                    <a:lumMod val="65000"/>
-                    <a:lumOff val="35000"/>
-                  </a:schemeClr>
-                </a:solidFill>
-                <a:latin typeface="+mn-lt"/>
-                <a:ea typeface="+mn-ea"/>
-                <a:cs typeface="+mn-cs"/>
-              </a:defRPr>
-            </a:pPr>
-          </a:p>
-        </c:txPr>
-        <c:crossAx val="449331304"/>
-        <c:crosses val="autoZero"/>
-        <c:auto val="1"/>
-        <c:lblAlgn val="ctr"/>
-        <c:lblOffset val="100"/>
-        <c:noMultiLvlLbl val="0"/>
-      </c:catAx>
-      <c:valAx>
-        <c:axId val="449331304"/>
-        <c:scaling>
-          <c:orientation val="minMax"/>
-        </c:scaling>
-        <c:delete val="0"/>
-        <c:axPos val="l"/>
-        <c:majorGridlines>
-          <c:spPr>
-            <a:ln w="9525" cap="flat" cmpd="sng" algn="ctr">
-              <a:solidFill>
-                <a:schemeClr val="tx1">
-                  <a:lumMod val="15000"/>
-                  <a:lumOff val="85000"/>
-                </a:schemeClr>
-              </a:solidFill>
-              <a:round/>
-            </a:ln>
-            <a:effectLst/>
-          </c:spPr>
-        </c:majorGridlines>
-        <c:numFmt formatCode="General" sourceLinked="1"/>
-        <c:majorTickMark val="none"/>
-        <c:minorTickMark val="none"/>
-        <c:tickLblPos val="nextTo"/>
-        <c:spPr>
-          <a:noFill/>
-          <a:ln>
-            <a:noFill/>
-          </a:ln>
-          <a:effectLst/>
-        </c:spPr>
-        <c:txPr>
-          <a:bodyPr rot="-60000000" spcFirstLastPara="0" vertOverflow="ellipsis" vert="horz" wrap="square" anchor="ctr" anchorCtr="1"/>
-          <a:lstStyle/>
-          <a:p>
-            <a:pPr>
-              <a:defRPr lang="zh-CN" sz="900" b="0" i="0" u="none" strike="noStrike" kern="1200" baseline="0">
-                <a:solidFill>
-                  <a:schemeClr val="tx1">
-                    <a:lumMod val="65000"/>
-                    <a:lumOff val="35000"/>
-                  </a:schemeClr>
-                </a:solidFill>
-                <a:latin typeface="+mn-lt"/>
-                <a:ea typeface="+mn-ea"/>
-                <a:cs typeface="+mn-cs"/>
-              </a:defRPr>
-            </a:pPr>
-          </a:p>
-        </c:txPr>
-        <c:crossAx val="839164795"/>
-        <c:crosses val="autoZero"/>
-        <c:crossBetween val="between"/>
-      </c:valAx>
+        <c:firstSliceAng val="0"/>
+      </c:pieChart>
       <c:spPr>
         <a:noFill/>
         <a:ln>
@@ -899,6 +747,44 @@
   </mc:AlternateContent>
   <c:chart>
     <c:title>
+      <c:tx>
+        <c:rich>
+          <a:bodyPr rot="0" spcFirstLastPara="0" vertOverflow="ellipsis" vert="horz" wrap="square" anchor="ctr" anchorCtr="1"/>
+          <a:lstStyle/>
+          <a:p>
+            <a:pPr defTabSz="914400">
+              <a:defRPr lang="zh-CN" sz="1400" b="0" i="0" u="none" strike="noStrike" kern="1200" spc="0" baseline="0">
+                <a:solidFill>
+                  <a:schemeClr val="tx1">
+                    <a:lumMod val="65000"/>
+                    <a:lumOff val="35000"/>
+                  </a:schemeClr>
+                </a:solidFill>
+                <a:latin typeface="+mn-lt"/>
+                <a:ea typeface="+mn-ea"/>
+                <a:cs typeface="+mn-cs"/>
+              </a:defRPr>
+            </a:pPr>
+            <a:r>
+              <a:rPr lang="en-US" altLang="zh-CN"/>
+              <a:t>ui=</a:t>
+            </a:r>
+            <a:r>
+              <a:t>4系列</a:t>
+            </a:r>
+            <a:r>
+              <a:rPr lang="en-US" altLang="zh-CN"/>
+              <a:t>,data=</a:t>
+            </a:r>
+            <a:r>
+              <a:t>3系列，会自动</a:t>
+            </a:r>
+            <a:r>
+              <a:t>缩</a:t>
+            </a:r>
+          </a:p>
+        </c:rich>
+      </c:tx>
       <c:layout/>
       <c:overlay val="0"/>
       <c:spPr>
@@ -908,25 +794,6 @@
         </a:ln>
         <a:effectLst/>
       </c:spPr>
-      <c:txPr>
-        <a:bodyPr rot="0" spcFirstLastPara="0" vertOverflow="ellipsis" vert="horz" wrap="square" anchor="ctr" anchorCtr="1"/>
-        <a:lstStyle/>
-        <a:p>
-          <a:pPr>
-            <a:defRPr lang="zh-CN" sz="1400" b="0" i="0" u="none" strike="noStrike" kern="1200" spc="0" baseline="0">
-              <a:solidFill>
-                <a:schemeClr val="tx1">
-                  <a:lumMod val="65000"/>
-                  <a:lumOff val="35000"/>
-                </a:schemeClr>
-              </a:solidFill>
-              <a:latin typeface="+mn-lt"/>
-              <a:ea typeface="+mn-ea"/>
-              <a:cs typeface="+mn-cs"/>
-            </a:defRPr>
-          </a:pPr>
-        </a:p>
-      </c:txPr>
     </c:title>
     <c:autoTitleDeleted val="0"/>
     <c:plotArea>
@@ -1068,6 +935,144 @@
                 </c:pt>
                 <c:pt idx="3">
                   <c:v>2.8</c:v>
+                </c:pt>
+              </c:numCache>
+            </c:numRef>
+          </c:val>
+        </c:ser>
+        <c:ser>
+          <c:idx val="2"/>
+          <c:order val="2"/>
+          <c:tx>
+            <c:strRef>
+              <c:f>Sheet1!$D$1</c:f>
+              <c:strCache>
+                <c:ptCount val="1"/>
+                <c:pt idx="0">
+                  <c:v>系列 3</c:v>
+                </c:pt>
+              </c:strCache>
+            </c:strRef>
+          </c:tx>
+          <c:spPr>
+            <a:solidFill>
+              <a:schemeClr val="accent3"/>
+            </a:solidFill>
+            <a:ln>
+              <a:noFill/>
+            </a:ln>
+            <a:effectLst/>
+          </c:spPr>
+          <c:invertIfNegative val="0"/>
+          <c:dLbls>
+            <c:delete val="1"/>
+          </c:dLbls>
+          <c:cat>
+            <c:strRef>
+              <c:f>Sheet1!$A$2:$A$5</c:f>
+              <c:strCache>
+                <c:ptCount val="4"/>
+                <c:pt idx="0">
+                  <c:v>类别 1</c:v>
+                </c:pt>
+                <c:pt idx="1">
+                  <c:v>类别 2</c:v>
+                </c:pt>
+                <c:pt idx="2">
+                  <c:v>类别 3</c:v>
+                </c:pt>
+                <c:pt idx="3">
+                  <c:v>类别 4</c:v>
+                </c:pt>
+              </c:strCache>
+            </c:strRef>
+          </c:cat>
+          <c:val>
+            <c:numRef>
+              <c:f>Sheet1!$D$2:$D$5</c:f>
+              <c:numCache>
+                <c:formatCode>General</c:formatCode>
+                <c:ptCount val="4"/>
+                <c:pt idx="0">
+                  <c:v>2</c:v>
+                </c:pt>
+                <c:pt idx="1">
+                  <c:v>2</c:v>
+                </c:pt>
+                <c:pt idx="2">
+                  <c:v>3</c:v>
+                </c:pt>
+                <c:pt idx="3">
+                  <c:v>5</c:v>
+                </c:pt>
+              </c:numCache>
+            </c:numRef>
+          </c:val>
+        </c:ser>
+        <c:ser>
+          <c:idx val="3"/>
+          <c:order val="3"/>
+          <c:tx>
+            <c:strRef>
+              <c:f>Sheet1!$E$1</c:f>
+              <c:strCache>
+                <c:ptCount val="1"/>
+                <c:pt idx="0">
+                  <c:v>系列 4</c:v>
+                </c:pt>
+              </c:strCache>
+            </c:strRef>
+          </c:tx>
+          <c:spPr>
+            <a:solidFill>
+              <a:schemeClr val="accent4"/>
+            </a:solidFill>
+            <a:ln>
+              <a:noFill/>
+            </a:ln>
+            <a:effectLst/>
+          </c:spPr>
+          <c:invertIfNegative val="0"/>
+          <c:dLbls>
+            <c:delete val="1"/>
+          </c:dLbls>
+          <c:cat>
+            <c:strRef>
+              <c:f>Sheet1!$A$2:$A$5</c:f>
+              <c:strCache>
+                <c:ptCount val="4"/>
+                <c:pt idx="0">
+                  <c:v>类别 1</c:v>
+                </c:pt>
+                <c:pt idx="1">
+                  <c:v>类别 2</c:v>
+                </c:pt>
+                <c:pt idx="2">
+                  <c:v>类别 3</c:v>
+                </c:pt>
+                <c:pt idx="3">
+                  <c:v>类别 4</c:v>
+                </c:pt>
+              </c:strCache>
+            </c:strRef>
+          </c:cat>
+          <c:val>
+            <c:numRef>
+              <c:f>Sheet1!$E$2:$E$5</c:f>
+              <c:numCache>
+                <c:formatCode>General</c:formatCode>
+                <c:ptCount val="4"/>
+                <c:pt idx="0">
+                  <c:v>3</c:v>
+                </c:pt>
+                <c:pt idx="1">
+                  <c:v>1</c:v>
+                </c:pt>
+                <c:pt idx="2">
+                  <c:v>5</c:v>
+                </c:pt>
+                <c:pt idx="3">
+                  <c:v>3</c:v>
                 </c:pt>
               </c:numCache>
             </c:numRef>
@@ -1290,19 +1295,33 @@
             </a:pPr>
             <a:r>
               <a:rPr lang="en-US" altLang="zh-CN"/>
-              <a:t>2</a:t>
+              <a:t>ui=</a:t>
+            </a:r>
+            <a:r>
+              <a:t>2系列</a:t>
+            </a:r>
+            <a:r>
+              <a:rPr lang="en-US" altLang="zh-CN"/>
+              <a:t>,data=</a:t>
+            </a:r>
+            <a:r>
+              <a:t>3系列</a:t>
+            </a:r>
+            <a:r>
+              <a:rPr lang="en-US" altLang="zh-CN"/>
+              <a:t>,</a:t>
+            </a:r>
+            <a:r>
+              <a:rPr altLang="en-US">
+                <a:solidFill>
+                  <a:srgbClr val="FF0000"/>
+                </a:solidFill>
+              </a:rPr>
+              <a:t>不会</a:t>
             </a:r>
             <a:r>
               <a:rPr altLang="en-US"/>
-              <a:t>系列变</a:t>
-            </a:r>
-            <a:r>
-              <a:rPr lang="en-US" altLang="zh-CN"/>
-              <a:t>3</a:t>
-            </a:r>
-            <a:r>
-              <a:rPr altLang="en-US"/>
-              <a:t>系列</a:t>
+              <a:t>扩</a:t>
             </a:r>
             <a:endParaRPr altLang="en-US"/>
           </a:p>
@@ -1321,8 +1340,9 @@
     <c:autoTitleDeleted val="0"/>
     <c:plotArea>
       <c:layout/>
-      <c:lineChart>
-        <c:grouping val="standard"/>
+      <c:barChart>
+        <c:barDir val="col"/>
+        <c:grouping val="stacked"/>
         <c:varyColors val="0"/>
         <c:ser>
           <c:idx val="0"/>
@@ -1339,17 +1359,15 @@
             </c:strRef>
           </c:tx>
           <c:spPr>
-            <a:ln w="28575" cap="rnd">
-              <a:solidFill>
-                <a:schemeClr val="accent1"/>
-              </a:solidFill>
-              <a:round/>
+            <a:solidFill>
+              <a:schemeClr val="accent3"/>
+            </a:solidFill>
+            <a:ln>
+              <a:noFill/>
             </a:ln>
             <a:effectLst/>
           </c:spPr>
-          <c:marker>
-            <c:symbol val="none"/>
-          </c:marker>
+          <c:invertIfNegative val="0"/>
           <c:dLbls>
             <c:delete val="1"/>
           </c:dLbls>
@@ -1394,7 +1412,6 @@
               </c:numCache>
             </c:numRef>
           </c:val>
-          <c:smooth val="0"/>
         </c:ser>
         <c:ser>
           <c:idx val="1"/>
@@ -1411,17 +1428,15 @@
             </c:strRef>
           </c:tx>
           <c:spPr>
-            <a:ln w="28575" cap="rnd">
-              <a:solidFill>
-                <a:schemeClr val="accent2"/>
-              </a:solidFill>
-              <a:round/>
+            <a:solidFill>
+              <a:schemeClr val="accent6"/>
+            </a:solidFill>
+            <a:ln>
+              <a:noFill/>
             </a:ln>
             <a:effectLst/>
           </c:spPr>
-          <c:marker>
-            <c:symbol val="none"/>
-          </c:marker>
+          <c:invertIfNegative val="0"/>
           <c:dLbls>
             <c:delete val="1"/>
           </c:dLbls>
@@ -1466,7 +1481,6 @@
               </c:numCache>
             </c:numRef>
           </c:val>
-          <c:smooth val="0"/>
         </c:ser>
         <c:dLbls>
           <c:showLegendKey val="0"/>
@@ -1476,19 +1490,18 @@
           <c:showPercent val="0"/>
           <c:showBubbleSize val="0"/>
         </c:dLbls>
-        <c:marker val="0"/>
-        <c:smooth val="0"/>
-        <c:axId val="739187811"/>
-        <c:axId val="984325827"/>
-      </c:lineChart>
+        <c:gapWidth val="150"/>
+        <c:overlap val="100"/>
+        <c:axId val="839164795"/>
+        <c:axId val="449331304"/>
+      </c:barChart>
       <c:catAx>
-        <c:axId val="739187811"/>
+        <c:axId val="839164795"/>
         <c:scaling>
           <c:orientation val="minMax"/>
         </c:scaling>
         <c:delete val="0"/>
         <c:axPos val="b"/>
-        <c:numFmt formatCode="General" sourceLinked="0"/>
         <c:majorTickMark val="none"/>
         <c:minorTickMark val="none"/>
         <c:tickLblPos val="nextTo"/>
@@ -1524,7 +1537,7 @@
             </a:pPr>
           </a:p>
         </c:txPr>
-        <c:crossAx val="984325827"/>
+        <c:crossAx val="449331304"/>
         <c:crosses val="autoZero"/>
         <c:auto val="1"/>
         <c:lblAlgn val="ctr"/>
@@ -1532,7 +1545,7 @@
         <c:noMultiLvlLbl val="0"/>
       </c:catAx>
       <c:valAx>
-        <c:axId val="984325827"/>
+        <c:axId val="449331304"/>
         <c:scaling>
           <c:orientation val="minMax"/>
         </c:scaling>
@@ -1582,7 +1595,7 @@
             </a:pPr>
           </a:p>
         </c:txPr>
-        <c:crossAx val="739187811"/>
+        <c:crossAx val="839164795"/>
         <c:crosses val="autoZero"/>
         <c:crossBetween val="between"/>
       </c:valAx>
@@ -1685,20 +1698,20 @@
               </a:defRPr>
             </a:pPr>
             <a:r>
-              <a:rPr lang="en-US" altLang="zh-CN"/>
-              <a:t>4</a:t>
+              <a:rPr altLang="en-US"/>
+              <a:t>ui=2系列,data=3系列,</a:t>
+            </a:r>
+            <a:r>
+              <a:rPr altLang="en-US">
+                <a:solidFill>
+                  <a:srgbClr val="FF0000"/>
+                </a:solidFill>
+              </a:rPr>
+              <a:t>不会</a:t>
             </a:r>
             <a:r>
               <a:rPr altLang="en-US"/>
-              <a:t>系列变</a:t>
-            </a:r>
-            <a:r>
-              <a:rPr lang="en-US" altLang="zh-CN"/>
-              <a:t>3</a:t>
-            </a:r>
-            <a:r>
-              <a:rPr altLang="en-US"/>
-              <a:t>系列</a:t>
+              <a:t>扩</a:t>
             </a:r>
             <a:endParaRPr altLang="en-US"/>
           </a:p>
@@ -1858,150 +1871,6 @@
                 </c:pt>
                 <c:pt idx="3">
                   <c:v>2.8</c:v>
-                </c:pt>
-              </c:numCache>
-            </c:numRef>
-          </c:val>
-          <c:smooth val="0"/>
-        </c:ser>
-        <c:ser>
-          <c:idx val="2"/>
-          <c:order val="2"/>
-          <c:tx>
-            <c:strRef>
-              <c:f>Sheet1!$D$1</c:f>
-              <c:strCache>
-                <c:ptCount val="1"/>
-                <c:pt idx="0">
-                  <c:v>系列 3</c:v>
-                </c:pt>
-              </c:strCache>
-            </c:strRef>
-          </c:tx>
-          <c:spPr>
-            <a:ln w="28575" cap="rnd">
-              <a:solidFill>
-                <a:schemeClr val="accent3"/>
-              </a:solidFill>
-              <a:round/>
-            </a:ln>
-            <a:effectLst/>
-          </c:spPr>
-          <c:marker>
-            <c:symbol val="none"/>
-          </c:marker>
-          <c:dLbls>
-            <c:delete val="1"/>
-          </c:dLbls>
-          <c:cat>
-            <c:strRef>
-              <c:f>Sheet1!$A$2:$A$5</c:f>
-              <c:strCache>
-                <c:ptCount val="4"/>
-                <c:pt idx="0">
-                  <c:v>类别 1</c:v>
-                </c:pt>
-                <c:pt idx="1">
-                  <c:v>类别 2</c:v>
-                </c:pt>
-                <c:pt idx="2">
-                  <c:v>类别 3</c:v>
-                </c:pt>
-                <c:pt idx="3">
-                  <c:v>类别 4</c:v>
-                </c:pt>
-              </c:strCache>
-            </c:strRef>
-          </c:cat>
-          <c:val>
-            <c:numRef>
-              <c:f>Sheet1!$D$2:$D$5</c:f>
-              <c:numCache>
-                <c:formatCode>General</c:formatCode>
-                <c:ptCount val="4"/>
-                <c:pt idx="0">
-                  <c:v>2</c:v>
-                </c:pt>
-                <c:pt idx="1">
-                  <c:v>2</c:v>
-                </c:pt>
-                <c:pt idx="2">
-                  <c:v>3</c:v>
-                </c:pt>
-                <c:pt idx="3">
-                  <c:v>5</c:v>
-                </c:pt>
-              </c:numCache>
-            </c:numRef>
-          </c:val>
-          <c:smooth val="0"/>
-        </c:ser>
-        <c:ser>
-          <c:idx val="3"/>
-          <c:order val="3"/>
-          <c:tx>
-            <c:strRef>
-              <c:f>Sheet1!$E$1</c:f>
-              <c:strCache>
-                <c:ptCount val="1"/>
-                <c:pt idx="0">
-                  <c:v>系列 4</c:v>
-                </c:pt>
-              </c:strCache>
-            </c:strRef>
-          </c:tx>
-          <c:spPr>
-            <a:ln w="28575" cap="rnd">
-              <a:solidFill>
-                <a:schemeClr val="accent4"/>
-              </a:solidFill>
-              <a:round/>
-            </a:ln>
-            <a:effectLst/>
-          </c:spPr>
-          <c:marker>
-            <c:symbol val="none"/>
-          </c:marker>
-          <c:dLbls>
-            <c:delete val="1"/>
-          </c:dLbls>
-          <c:cat>
-            <c:strRef>
-              <c:f>Sheet1!$A$2:$A$5</c:f>
-              <c:strCache>
-                <c:ptCount val="4"/>
-                <c:pt idx="0">
-                  <c:v>类别 1</c:v>
-                </c:pt>
-                <c:pt idx="1">
-                  <c:v>类别 2</c:v>
-                </c:pt>
-                <c:pt idx="2">
-                  <c:v>类别 3</c:v>
-                </c:pt>
-                <c:pt idx="3">
-                  <c:v>类别 4</c:v>
-                </c:pt>
-              </c:strCache>
-            </c:strRef>
-          </c:cat>
-          <c:val>
-            <c:numRef>
-              <c:f>Sheet1!$E$2:$E$5</c:f>
-              <c:numCache>
-                <c:formatCode>General</c:formatCode>
-                <c:ptCount val="4"/>
-                <c:pt idx="0">
-                  <c:v>3</c:v>
-                </c:pt>
-                <c:pt idx="1">
-                  <c:v>4</c:v>
-                </c:pt>
-                <c:pt idx="2">
-                  <c:v>7</c:v>
-                </c:pt>
-                <c:pt idx="3">
-                  <c:v>2</c:v>
                 </c:pt>
               </c:numCache>
             </c:numRef>
@@ -2206,6 +2075,464 @@
   </mc:AlternateContent>
   <c:chart>
     <c:title>
+      <c:tx>
+        <c:rich>
+          <a:bodyPr rot="0" spcFirstLastPara="0" vertOverflow="ellipsis" vert="horz" wrap="square" anchor="ctr" anchorCtr="1"/>
+          <a:lstStyle/>
+          <a:p>
+            <a:pPr defTabSz="914400">
+              <a:defRPr lang="zh-CN" sz="1400" b="0" i="0" u="none" strike="noStrike" kern="1200" spc="0" baseline="0">
+                <a:solidFill>
+                  <a:schemeClr val="tx1">
+                    <a:lumMod val="65000"/>
+                    <a:lumOff val="35000"/>
+                  </a:schemeClr>
+                </a:solidFill>
+                <a:latin typeface="+mn-lt"/>
+                <a:ea typeface="+mn-ea"/>
+                <a:cs typeface="+mn-cs"/>
+              </a:defRPr>
+            </a:pPr>
+            <a:r>
+              <a:rPr altLang="en-US"/>
+              <a:t>ui=4系列,data=3系列，会自动缩</a:t>
+            </a:r>
+            <a:endParaRPr altLang="en-US"/>
+          </a:p>
+        </c:rich>
+      </c:tx>
+      <c:layout/>
+      <c:overlay val="0"/>
+      <c:spPr>
+        <a:noFill/>
+        <a:ln>
+          <a:noFill/>
+        </a:ln>
+        <a:effectLst/>
+      </c:spPr>
+    </c:title>
+    <c:autoTitleDeleted val="0"/>
+    <c:plotArea>
+      <c:layout/>
+      <c:lineChart>
+        <c:grouping val="standard"/>
+        <c:varyColors val="0"/>
+        <c:ser>
+          <c:idx val="0"/>
+          <c:order val="0"/>
+          <c:tx>
+            <c:strRef>
+              <c:f>Sheet1!$B$1</c:f>
+              <c:strCache>
+                <c:ptCount val="1"/>
+                <c:pt idx="0">
+                  <c:v>系列 1</c:v>
+                </c:pt>
+              </c:strCache>
+            </c:strRef>
+          </c:tx>
+          <c:spPr>
+            <a:ln w="28575" cap="rnd">
+              <a:solidFill>
+                <a:schemeClr val="accent1"/>
+              </a:solidFill>
+              <a:round/>
+            </a:ln>
+            <a:effectLst/>
+          </c:spPr>
+          <c:marker>
+            <c:symbol val="none"/>
+          </c:marker>
+          <c:dLbls>
+            <c:delete val="1"/>
+          </c:dLbls>
+          <c:cat>
+            <c:strRef>
+              <c:f>Sheet1!$A$2:$A$5</c:f>
+              <c:strCache>
+                <c:ptCount val="4"/>
+                <c:pt idx="0">
+                  <c:v>类别 1</c:v>
+                </c:pt>
+                <c:pt idx="1">
+                  <c:v>类别 2</c:v>
+                </c:pt>
+                <c:pt idx="2">
+                  <c:v>类别 3</c:v>
+                </c:pt>
+                <c:pt idx="3">
+                  <c:v>类别 4</c:v>
+                </c:pt>
+              </c:strCache>
+            </c:strRef>
+          </c:cat>
+          <c:val>
+            <c:numRef>
+              <c:f>Sheet1!$B$2:$B$5</c:f>
+              <c:numCache>
+                <c:formatCode>General</c:formatCode>
+                <c:ptCount val="4"/>
+                <c:pt idx="0">
+                  <c:v>4.3</c:v>
+                </c:pt>
+                <c:pt idx="1">
+                  <c:v>2.5</c:v>
+                </c:pt>
+                <c:pt idx="2">
+                  <c:v>3.5</c:v>
+                </c:pt>
+                <c:pt idx="3">
+                  <c:v>4.5</c:v>
+                </c:pt>
+              </c:numCache>
+            </c:numRef>
+          </c:val>
+          <c:smooth val="0"/>
+        </c:ser>
+        <c:ser>
+          <c:idx val="1"/>
+          <c:order val="1"/>
+          <c:tx>
+            <c:strRef>
+              <c:f>Sheet1!$C$1</c:f>
+              <c:strCache>
+                <c:ptCount val="1"/>
+                <c:pt idx="0">
+                  <c:v>系列 2</c:v>
+                </c:pt>
+              </c:strCache>
+            </c:strRef>
+          </c:tx>
+          <c:spPr>
+            <a:ln w="28575" cap="rnd">
+              <a:solidFill>
+                <a:schemeClr val="accent2"/>
+              </a:solidFill>
+              <a:round/>
+            </a:ln>
+            <a:effectLst/>
+          </c:spPr>
+          <c:marker>
+            <c:symbol val="none"/>
+          </c:marker>
+          <c:dLbls>
+            <c:delete val="1"/>
+          </c:dLbls>
+          <c:cat>
+            <c:strRef>
+              <c:f>Sheet1!$A$2:$A$5</c:f>
+              <c:strCache>
+                <c:ptCount val="4"/>
+                <c:pt idx="0">
+                  <c:v>类别 1</c:v>
+                </c:pt>
+                <c:pt idx="1">
+                  <c:v>类别 2</c:v>
+                </c:pt>
+                <c:pt idx="2">
+                  <c:v>类别 3</c:v>
+                </c:pt>
+                <c:pt idx="3">
+                  <c:v>类别 4</c:v>
+                </c:pt>
+              </c:strCache>
+            </c:strRef>
+          </c:cat>
+          <c:val>
+            <c:numRef>
+              <c:f>Sheet1!$C$2:$C$5</c:f>
+              <c:numCache>
+                <c:formatCode>General</c:formatCode>
+                <c:ptCount val="4"/>
+                <c:pt idx="0">
+                  <c:v>2.4</c:v>
+                </c:pt>
+                <c:pt idx="1">
+                  <c:v>4.4</c:v>
+                </c:pt>
+                <c:pt idx="2">
+                  <c:v>1.8</c:v>
+                </c:pt>
+                <c:pt idx="3">
+                  <c:v>2.8</c:v>
+                </c:pt>
+              </c:numCache>
+            </c:numRef>
+          </c:val>
+          <c:smooth val="0"/>
+        </c:ser>
+        <c:ser>
+          <c:idx val="2"/>
+          <c:order val="2"/>
+          <c:tx>
+            <c:strRef>
+              <c:f>Sheet1!$D$1</c:f>
+              <c:strCache>
+                <c:ptCount val="1"/>
+                <c:pt idx="0">
+                  <c:v>系列 3</c:v>
+                </c:pt>
+              </c:strCache>
+            </c:strRef>
+          </c:tx>
+          <c:spPr>
+            <a:ln w="28575" cap="rnd">
+              <a:solidFill>
+                <a:schemeClr val="accent3"/>
+              </a:solidFill>
+              <a:round/>
+            </a:ln>
+            <a:effectLst/>
+          </c:spPr>
+          <c:marker>
+            <c:symbol val="none"/>
+          </c:marker>
+          <c:dLbls>
+            <c:delete val="1"/>
+          </c:dLbls>
+          <c:cat>
+            <c:strRef>
+              <c:f>Sheet1!$A$2:$A$5</c:f>
+              <c:strCache>
+                <c:ptCount val="4"/>
+                <c:pt idx="0">
+                  <c:v>类别 1</c:v>
+                </c:pt>
+                <c:pt idx="1">
+                  <c:v>类别 2</c:v>
+                </c:pt>
+                <c:pt idx="2">
+                  <c:v>类别 3</c:v>
+                </c:pt>
+                <c:pt idx="3">
+                  <c:v>类别 4</c:v>
+                </c:pt>
+              </c:strCache>
+            </c:strRef>
+          </c:cat>
+          <c:val>
+            <c:numRef>
+              <c:f>Sheet1!$D$2:$D$5</c:f>
+              <c:numCache>
+                <c:formatCode>General</c:formatCode>
+                <c:ptCount val="4"/>
+                <c:pt idx="0">
+                  <c:v>2</c:v>
+                </c:pt>
+                <c:pt idx="1">
+                  <c:v>2</c:v>
+                </c:pt>
+                <c:pt idx="2">
+                  <c:v>3</c:v>
+                </c:pt>
+                <c:pt idx="3">
+                  <c:v>5</c:v>
+                </c:pt>
+              </c:numCache>
+            </c:numRef>
+          </c:val>
+          <c:smooth val="0"/>
+        </c:ser>
+        <c:ser>
+          <c:idx val="3"/>
+          <c:order val="3"/>
+          <c:tx>
+            <c:strRef>
+              <c:f>Sheet1!$E$1</c:f>
+              <c:strCache>
+                <c:ptCount val="1"/>
+                <c:pt idx="0">
+                  <c:v>系列 4</c:v>
+                </c:pt>
+              </c:strCache>
+            </c:strRef>
+          </c:tx>
+          <c:spPr>
+            <a:ln w="28575" cap="rnd">
+              <a:solidFill>
+                <a:schemeClr val="accent4"/>
+              </a:solidFill>
+              <a:round/>
+            </a:ln>
+            <a:effectLst/>
+          </c:spPr>
+          <c:marker>
+            <c:symbol val="none"/>
+          </c:marker>
+          <c:dLbls>
+            <c:delete val="1"/>
+          </c:dLbls>
+          <c:cat>
+            <c:strRef>
+              <c:f>Sheet1!$A$2:$A$5</c:f>
+              <c:strCache>
+                <c:ptCount val="4"/>
+                <c:pt idx="0">
+                  <c:v>类别 1</c:v>
+                </c:pt>
+                <c:pt idx="1">
+                  <c:v>类别 2</c:v>
+                </c:pt>
+                <c:pt idx="2">
+                  <c:v>类别 3</c:v>
+                </c:pt>
+                <c:pt idx="3">
+                  <c:v>类别 4</c:v>
+                </c:pt>
+              </c:strCache>
+            </c:strRef>
+          </c:cat>
+          <c:val>
+            <c:numRef>
+              <c:f>Sheet1!$E$2:$E$5</c:f>
+              <c:numCache>
+                <c:formatCode>General</c:formatCode>
+                <c:ptCount val="4"/>
+                <c:pt idx="0">
+                  <c:v>3</c:v>
+                </c:pt>
+                <c:pt idx="1">
+                  <c:v>4</c:v>
+                </c:pt>
+                <c:pt idx="2">
+                  <c:v>7</c:v>
+                </c:pt>
+                <c:pt idx="3">
+                  <c:v>2</c:v>
+                </c:pt>
+              </c:numCache>
+            </c:numRef>
+          </c:val>
+          <c:smooth val="0"/>
+        </c:ser>
+        <c:dLbls>
+          <c:showLegendKey val="0"/>
+          <c:showVal val="0"/>
+          <c:showCatName val="0"/>
+          <c:showSerName val="0"/>
+          <c:showPercent val="0"/>
+          <c:showBubbleSize val="0"/>
+        </c:dLbls>
+        <c:marker val="0"/>
+        <c:smooth val="0"/>
+        <c:axId val="739187811"/>
+        <c:axId val="984325827"/>
+      </c:lineChart>
+      <c:catAx>
+        <c:axId val="739187811"/>
+        <c:scaling>
+          <c:orientation val="minMax"/>
+        </c:scaling>
+        <c:delete val="0"/>
+        <c:axPos val="b"/>
+        <c:numFmt formatCode="General" sourceLinked="0"/>
+        <c:majorTickMark val="none"/>
+        <c:minorTickMark val="none"/>
+        <c:tickLblPos val="nextTo"/>
+        <c:spPr>
+          <a:noFill/>
+          <a:ln w="9525" cap="flat" cmpd="sng" algn="ctr">
+            <a:solidFill>
+              <a:schemeClr val="tx1">
+                <a:lumMod val="15000"/>
+                <a:lumOff val="85000"/>
+              </a:schemeClr>
+            </a:solidFill>
+            <a:round/>
+          </a:ln>
+          <a:effectLst/>
+        </c:spPr>
+        <c:txPr>
+          <a:bodyPr rot="-60000000" spcFirstLastPara="0" vertOverflow="ellipsis" vert="horz" wrap="square" anchor="ctr" anchorCtr="1"/>
+          <a:lstStyle/>
+          <a:p>
+            <a:pPr>
+              <a:defRPr lang="zh-CN" sz="900" b="0" i="0" u="none" strike="noStrike" kern="1200" baseline="0">
+                <a:solidFill>
+                  <a:schemeClr val="tx1">
+                    <a:lumMod val="65000"/>
+                    <a:lumOff val="35000"/>
+                  </a:schemeClr>
+                </a:solidFill>
+                <a:latin typeface="+mn-lt"/>
+                <a:ea typeface="+mn-ea"/>
+                <a:cs typeface="+mn-cs"/>
+              </a:defRPr>
+            </a:pPr>
+          </a:p>
+        </c:txPr>
+        <c:crossAx val="984325827"/>
+        <c:crosses val="autoZero"/>
+        <c:auto val="1"/>
+        <c:lblAlgn val="ctr"/>
+        <c:lblOffset val="100"/>
+        <c:noMultiLvlLbl val="0"/>
+      </c:catAx>
+      <c:valAx>
+        <c:axId val="984325827"/>
+        <c:scaling>
+          <c:orientation val="minMax"/>
+        </c:scaling>
+        <c:delete val="0"/>
+        <c:axPos val="l"/>
+        <c:majorGridlines>
+          <c:spPr>
+            <a:ln w="9525" cap="flat" cmpd="sng" algn="ctr">
+              <a:solidFill>
+                <a:schemeClr val="tx1">
+                  <a:lumMod val="15000"/>
+                  <a:lumOff val="85000"/>
+                </a:schemeClr>
+              </a:solidFill>
+              <a:round/>
+            </a:ln>
+            <a:effectLst/>
+          </c:spPr>
+        </c:majorGridlines>
+        <c:numFmt formatCode="General" sourceLinked="1"/>
+        <c:majorTickMark val="none"/>
+        <c:minorTickMark val="none"/>
+        <c:tickLblPos val="nextTo"/>
+        <c:spPr>
+          <a:noFill/>
+          <a:ln>
+            <a:noFill/>
+          </a:ln>
+          <a:effectLst/>
+        </c:spPr>
+        <c:txPr>
+          <a:bodyPr rot="-60000000" spcFirstLastPara="0" vertOverflow="ellipsis" vert="horz" wrap="square" anchor="ctr" anchorCtr="1"/>
+          <a:lstStyle/>
+          <a:p>
+            <a:pPr>
+              <a:defRPr lang="zh-CN" sz="900" b="0" i="0" u="none" strike="noStrike" kern="1200" baseline="0">
+                <a:solidFill>
+                  <a:schemeClr val="tx1">
+                    <a:lumMod val="65000"/>
+                    <a:lumOff val="35000"/>
+                  </a:schemeClr>
+                </a:solidFill>
+                <a:latin typeface="+mn-lt"/>
+                <a:ea typeface="+mn-ea"/>
+                <a:cs typeface="+mn-cs"/>
+              </a:defRPr>
+            </a:pPr>
+          </a:p>
+        </c:txPr>
+        <c:crossAx val="739187811"/>
+        <c:crosses val="autoZero"/>
+        <c:crossBetween val="between"/>
+      </c:valAx>
+      <c:spPr>
+        <a:noFill/>
+        <a:ln>
+          <a:noFill/>
+        </a:ln>
+        <a:effectLst/>
+      </c:spPr>
+    </c:plotArea>
+    <c:legend>
+      <c:legendPos val="b"/>
       <c:layout/>
       <c:overlay val="0"/>
       <c:spPr>
@@ -2220,7 +2547,7 @@
         <a:lstStyle/>
         <a:p>
           <a:pPr>
-            <a:defRPr lang="zh-CN" sz="1400" b="0" i="0" u="none" strike="noStrike" kern="1200" spc="0" baseline="0">
+            <a:defRPr lang="zh-CN" sz="900" b="0" i="0" u="none" strike="noStrike" kern="1200" baseline="0">
               <a:solidFill>
                 <a:schemeClr val="tx1">
                   <a:lumMod val="65000"/>
@@ -2234,6 +2561,95 @@
           </a:pPr>
         </a:p>
       </c:txPr>
+    </c:legend>
+    <c:plotVisOnly val="1"/>
+    <c:dispBlanksAs val="gap"/>
+    <c:showDLblsOverMax val="0"/>
+  </c:chart>
+  <c:spPr>
+    <a:noFill/>
+    <a:ln>
+      <a:noFill/>
+    </a:ln>
+    <a:effectLst/>
+  </c:spPr>
+  <c:txPr>
+    <a:bodyPr/>
+    <a:lstStyle/>
+    <a:p>
+      <a:pPr>
+        <a:defRPr lang="zh-CN"/>
+      </a:pPr>
+    </a:p>
+  </c:txPr>
+  <c:externalData r:id="rId1">
+    <c:autoUpdate val="0"/>
+  </c:externalData>
+</c:chartSpace>
+</file>
+
+<file path=ppt/charts/chart7.xml><?xml version="1.0" encoding="utf-8"?>
+<c:chartSpace xmlns:c="http://schemas.openxmlformats.org/drawingml/2006/chart" xmlns:a="http://schemas.openxmlformats.org/drawingml/2006/main" xmlns:r="http://schemas.openxmlformats.org/officeDocument/2006/relationships">
+  <c:date1904 val="0"/>
+  <c:lang val="zh-CN"/>
+  <c:roundedCorners val="0"/>
+  <mc:AlternateContent xmlns:mc="http://schemas.openxmlformats.org/markup-compatibility/2006">
+    <mc:Choice xmlns:c14="http://schemas.microsoft.com/office/drawing/2007/8/2/chart" Requires="c14">
+      <c14:style val="102"/>
+    </mc:Choice>
+    <mc:Fallback>
+      <c:style val="2"/>
+    </mc:Fallback>
+  </mc:AlternateContent>
+  <c:chart>
+    <c:title>
+      <c:tx>
+        <c:rich>
+          <a:bodyPr rot="0" spcFirstLastPara="0" vertOverflow="ellipsis" vert="horz" wrap="square" anchor="ctr" anchorCtr="1"/>
+          <a:lstStyle/>
+          <a:p>
+            <a:pPr defTabSz="914400">
+              <a:defRPr lang="zh-CN" sz="1400" b="0" i="0" u="none" strike="noStrike" kern="1200" spc="0" baseline="0">
+                <a:solidFill>
+                  <a:schemeClr val="tx1">
+                    <a:lumMod val="65000"/>
+                    <a:lumOff val="35000"/>
+                  </a:schemeClr>
+                </a:solidFill>
+                <a:latin typeface="+mn-lt"/>
+                <a:ea typeface="+mn-ea"/>
+                <a:cs typeface="+mn-cs"/>
+              </a:defRPr>
+            </a:pPr>
+            <a:r>
+              <a:rPr lang="en-US" altLang="zh-CN"/>
+              <a:t>ui=2系列,data=3系列,</a:t>
+            </a:r>
+            <a:r>
+              <a:rPr lang="en-US" altLang="zh-CN">
+                <a:solidFill>
+                  <a:srgbClr val="FF0000"/>
+                </a:solidFill>
+              </a:rPr>
+              <a:t>不会</a:t>
+            </a:r>
+            <a:r>
+              <a:rPr lang="en-US" altLang="zh-CN"/>
+              <a:t>扩</a:t>
+            </a:r>
+            <a:endParaRPr lang="en-US" altLang="zh-CN"/>
+          </a:p>
+        </c:rich>
+      </c:tx>
+      <c:layout/>
+      <c:overlay val="0"/>
+      <c:spPr>
+        <a:noFill/>
+        <a:ln>
+          <a:noFill/>
+        </a:ln>
+        <a:effectLst/>
+      </c:spPr>
     </c:title>
     <c:autoTitleDeleted val="0"/>
     <c:plotArea>
@@ -2275,16 +2691,443 @@
               <c:strCache>
                 <c:ptCount val="4"/>
                 <c:pt idx="0">
-                  <c:v>类别1</c:v>
+                  <c:v>类别 1</c:v>
                 </c:pt>
                 <c:pt idx="1">
-                  <c:v>类别2</c:v>
+                  <c:v>类别 2</c:v>
                 </c:pt>
                 <c:pt idx="2">
-                  <c:v>类别3</c:v>
+                  <c:v>类别 3</c:v>
                 </c:pt>
                 <c:pt idx="3">
-                  <c:v>类别4</c:v>
+                  <c:v>类别 4</c:v>
+                </c:pt>
+              </c:strCache>
+            </c:strRef>
+          </c:cat>
+          <c:val>
+            <c:numRef>
+              <c:f>Sheet1!$B$2:$B$5</c:f>
+              <c:numCache>
+                <c:formatCode>General</c:formatCode>
+                <c:ptCount val="4"/>
+                <c:pt idx="0">
+                  <c:v>4.3</c:v>
+                </c:pt>
+                <c:pt idx="1">
+                  <c:v>2.5</c:v>
+                </c:pt>
+                <c:pt idx="2">
+                  <c:v>3.5</c:v>
+                </c:pt>
+                <c:pt idx="3">
+                  <c:v>4.5</c:v>
+                </c:pt>
+              </c:numCache>
+            </c:numRef>
+          </c:val>
+        </c:ser>
+        <c:dLbls>
+          <c:showLegendKey val="0"/>
+          <c:showVal val="0"/>
+          <c:showCatName val="0"/>
+          <c:showSerName val="0"/>
+          <c:showPercent val="0"/>
+          <c:showBubbleSize val="0"/>
+        </c:dLbls>
+        <c:gapWidth val="219"/>
+        <c:overlap val="-27"/>
+        <c:axId val="923208115"/>
+        <c:axId val="503168670"/>
+      </c:barChart>
+      <c:lineChart>
+        <c:grouping val="stacked"/>
+        <c:varyColors val="0"/>
+        <c:ser>
+          <c:idx val="1"/>
+          <c:order val="1"/>
+          <c:tx>
+            <c:strRef>
+              <c:f>Sheet1!$C$1</c:f>
+              <c:strCache>
+                <c:ptCount val="1"/>
+                <c:pt idx="0">
+                  <c:v>系列 2</c:v>
+                </c:pt>
+              </c:strCache>
+            </c:strRef>
+          </c:tx>
+          <c:spPr>
+            <a:ln w="28575" cap="rnd">
+              <a:solidFill>
+                <a:schemeClr val="accent2"/>
+              </a:solidFill>
+              <a:round/>
+            </a:ln>
+            <a:effectLst/>
+          </c:spPr>
+          <c:marker>
+            <c:symbol val="circle"/>
+            <c:size val="5"/>
+            <c:spPr>
+              <a:solidFill>
+                <a:schemeClr val="accent2"/>
+              </a:solidFill>
+              <a:ln w="9525">
+                <a:solidFill>
+                  <a:schemeClr val="accent2"/>
+                </a:solidFill>
+              </a:ln>
+              <a:effectLst/>
+            </c:spPr>
+          </c:marker>
+          <c:dLbls>
+            <c:delete val="1"/>
+          </c:dLbls>
+          <c:cat>
+            <c:strRef>
+              <c:f>Sheet1!$A$2:$A$5</c:f>
+              <c:strCache>
+                <c:ptCount val="4"/>
+                <c:pt idx="0">
+                  <c:v>类别 1</c:v>
+                </c:pt>
+                <c:pt idx="1">
+                  <c:v>类别 2</c:v>
+                </c:pt>
+                <c:pt idx="2">
+                  <c:v>类别 3</c:v>
+                </c:pt>
+                <c:pt idx="3">
+                  <c:v>类别 4</c:v>
+                </c:pt>
+              </c:strCache>
+            </c:strRef>
+          </c:cat>
+          <c:val>
+            <c:numRef>
+              <c:f>Sheet1!$C$2:$C$5</c:f>
+              <c:numCache>
+                <c:formatCode>General</c:formatCode>
+                <c:ptCount val="4"/>
+                <c:pt idx="0">
+                  <c:v>2.4</c:v>
+                </c:pt>
+                <c:pt idx="1">
+                  <c:v>4.4</c:v>
+                </c:pt>
+                <c:pt idx="2">
+                  <c:v>1.8</c:v>
+                </c:pt>
+                <c:pt idx="3">
+                  <c:v>2.8</c:v>
+                </c:pt>
+              </c:numCache>
+            </c:numRef>
+          </c:val>
+          <c:smooth val="0"/>
+        </c:ser>
+        <c:dLbls>
+          <c:showLegendKey val="0"/>
+          <c:showVal val="0"/>
+          <c:showCatName val="0"/>
+          <c:showSerName val="0"/>
+          <c:showPercent val="0"/>
+          <c:showBubbleSize val="0"/>
+        </c:dLbls>
+        <c:marker val="1"/>
+        <c:smooth val="0"/>
+        <c:axId val="923208115"/>
+        <c:axId val="503168670"/>
+      </c:lineChart>
+      <c:catAx>
+        <c:axId val="923208115"/>
+        <c:scaling>
+          <c:orientation val="minMax"/>
+        </c:scaling>
+        <c:delete val="0"/>
+        <c:axPos val="b"/>
+        <c:majorTickMark val="none"/>
+        <c:minorTickMark val="none"/>
+        <c:tickLblPos val="nextTo"/>
+        <c:spPr>
+          <a:noFill/>
+          <a:ln w="9525" cap="flat" cmpd="sng" algn="ctr">
+            <a:solidFill>
+              <a:schemeClr val="tx1">
+                <a:lumMod val="15000"/>
+                <a:lumOff val="85000"/>
+              </a:schemeClr>
+            </a:solidFill>
+            <a:round/>
+          </a:ln>
+          <a:effectLst/>
+        </c:spPr>
+        <c:txPr>
+          <a:bodyPr rot="-60000000" spcFirstLastPara="0" vertOverflow="ellipsis" vert="horz" wrap="square" anchor="ctr" anchorCtr="1"/>
+          <a:lstStyle/>
+          <a:p>
+            <a:pPr>
+              <a:defRPr lang="zh-CN" sz="900" b="0" i="0" u="none" strike="noStrike" kern="1200" baseline="0">
+                <a:solidFill>
+                  <a:schemeClr val="tx1">
+                    <a:lumMod val="65000"/>
+                    <a:lumOff val="35000"/>
+                  </a:schemeClr>
+                </a:solidFill>
+                <a:latin typeface="+mn-lt"/>
+                <a:ea typeface="+mn-ea"/>
+                <a:cs typeface="+mn-cs"/>
+              </a:defRPr>
+            </a:pPr>
+          </a:p>
+        </c:txPr>
+        <c:crossAx val="503168670"/>
+        <c:crosses val="autoZero"/>
+        <c:auto val="1"/>
+        <c:lblAlgn val="ctr"/>
+        <c:lblOffset val="100"/>
+        <c:noMultiLvlLbl val="0"/>
+      </c:catAx>
+      <c:valAx>
+        <c:axId val="503168670"/>
+        <c:scaling>
+          <c:orientation val="minMax"/>
+        </c:scaling>
+        <c:delete val="0"/>
+        <c:axPos val="l"/>
+        <c:majorGridlines>
+          <c:spPr>
+            <a:ln w="9525" cap="flat" cmpd="sng" algn="ctr">
+              <a:solidFill>
+                <a:schemeClr val="tx1">
+                  <a:lumMod val="15000"/>
+                  <a:lumOff val="85000"/>
+                </a:schemeClr>
+              </a:solidFill>
+              <a:round/>
+            </a:ln>
+            <a:effectLst/>
+          </c:spPr>
+        </c:majorGridlines>
+        <c:numFmt formatCode="General" sourceLinked="1"/>
+        <c:majorTickMark val="none"/>
+        <c:minorTickMark val="none"/>
+        <c:tickLblPos val="nextTo"/>
+        <c:spPr>
+          <a:noFill/>
+          <a:ln>
+            <a:noFill/>
+          </a:ln>
+          <a:effectLst/>
+        </c:spPr>
+        <c:txPr>
+          <a:bodyPr rot="-60000000" spcFirstLastPara="0" vertOverflow="ellipsis" vert="horz" wrap="square" anchor="ctr" anchorCtr="1"/>
+          <a:lstStyle/>
+          <a:p>
+            <a:pPr>
+              <a:defRPr lang="zh-CN" sz="900" b="0" i="0" u="none" strike="noStrike" kern="1200" baseline="0">
+                <a:solidFill>
+                  <a:schemeClr val="tx1">
+                    <a:lumMod val="65000"/>
+                    <a:lumOff val="35000"/>
+                  </a:schemeClr>
+                </a:solidFill>
+                <a:latin typeface="+mn-lt"/>
+                <a:ea typeface="+mn-ea"/>
+                <a:cs typeface="+mn-cs"/>
+              </a:defRPr>
+            </a:pPr>
+          </a:p>
+        </c:txPr>
+        <c:crossAx val="923208115"/>
+        <c:crosses val="autoZero"/>
+        <c:crossBetween val="between"/>
+      </c:valAx>
+      <c:spPr>
+        <a:noFill/>
+        <a:ln>
+          <a:noFill/>
+        </a:ln>
+        <a:effectLst/>
+      </c:spPr>
+    </c:plotArea>
+    <c:legend>
+      <c:legendPos val="b"/>
+      <c:layout/>
+      <c:overlay val="0"/>
+      <c:spPr>
+        <a:noFill/>
+        <a:ln>
+          <a:noFill/>
+        </a:ln>
+        <a:effectLst/>
+      </c:spPr>
+      <c:txPr>
+        <a:bodyPr rot="0" spcFirstLastPara="0" vertOverflow="ellipsis" vert="horz" wrap="square" anchor="ctr" anchorCtr="1"/>
+        <a:lstStyle/>
+        <a:p>
+          <a:pPr>
+            <a:defRPr lang="zh-CN" sz="900" b="0" i="0" u="none" strike="noStrike" kern="1200" baseline="0">
+              <a:solidFill>
+                <a:schemeClr val="tx1">
+                  <a:lumMod val="65000"/>
+                  <a:lumOff val="35000"/>
+                </a:schemeClr>
+              </a:solidFill>
+              <a:latin typeface="+mn-lt"/>
+              <a:ea typeface="+mn-ea"/>
+              <a:cs typeface="+mn-cs"/>
+            </a:defRPr>
+          </a:pPr>
+        </a:p>
+      </c:txPr>
+    </c:legend>
+    <c:plotVisOnly val="1"/>
+    <c:dispBlanksAs val="gap"/>
+    <c:showDLblsOverMax val="0"/>
+  </c:chart>
+  <c:spPr>
+    <a:noFill/>
+    <a:ln>
+      <a:noFill/>
+    </a:ln>
+    <a:effectLst/>
+  </c:spPr>
+  <c:txPr>
+    <a:bodyPr/>
+    <a:lstStyle/>
+    <a:p>
+      <a:pPr>
+        <a:defRPr lang="zh-CN"/>
+      </a:pPr>
+    </a:p>
+  </c:txPr>
+  <c:externalData r:id="rId1">
+    <c:autoUpdate val="0"/>
+  </c:externalData>
+</c:chartSpace>
+</file>
+
+<file path=ppt/charts/chart8.xml><?xml version="1.0" encoding="utf-8"?>
+<c:chartSpace xmlns:c="http://schemas.openxmlformats.org/drawingml/2006/chart" xmlns:a="http://schemas.openxmlformats.org/drawingml/2006/main" xmlns:r="http://schemas.openxmlformats.org/officeDocument/2006/relationships">
+  <c:date1904 val="0"/>
+  <c:lang val="zh-CN"/>
+  <c:roundedCorners val="0"/>
+  <mc:AlternateContent xmlns:mc="http://schemas.openxmlformats.org/markup-compatibility/2006">
+    <mc:Choice xmlns:c14="http://schemas.microsoft.com/office/drawing/2007/8/2/chart" Requires="c14">
+      <c14:style val="102"/>
+    </mc:Choice>
+    <mc:Fallback>
+      <c:style val="2"/>
+    </mc:Fallback>
+  </mc:AlternateContent>
+  <c:chart>
+    <c:title>
+      <c:tx>
+        <c:rich>
+          <a:bodyPr rot="0" spcFirstLastPara="0" vertOverflow="ellipsis" vert="horz" wrap="square" anchor="ctr" anchorCtr="1"/>
+          <a:lstStyle/>
+          <a:p>
+            <a:pPr defTabSz="914400">
+              <a:defRPr lang="zh-CN" sz="1400" b="0" i="0" u="none" strike="noStrike" kern="1200" spc="0" baseline="0">
+                <a:solidFill>
+                  <a:schemeClr val="tx1">
+                    <a:lumMod val="65000"/>
+                    <a:lumOff val="35000"/>
+                  </a:schemeClr>
+                </a:solidFill>
+                <a:latin typeface="+mn-lt"/>
+                <a:ea typeface="+mn-ea"/>
+                <a:cs typeface="+mn-cs"/>
+              </a:defRPr>
+            </a:pPr>
+            <a:r>
+              <a:rPr lang="en-US" altLang="zh-CN"/>
+              <a:t>ui=4系列,data=3系列,会</a:t>
+            </a:r>
+            <a:r>
+              <a:rPr altLang="en-US"/>
+              <a:t>自动</a:t>
+            </a:r>
+            <a:r>
+              <a:rPr altLang="en-US"/>
+              <a:t>缩</a:t>
+            </a:r>
+            <a:endParaRPr altLang="en-US"/>
+          </a:p>
+        </c:rich>
+      </c:tx>
+      <c:layout/>
+      <c:overlay val="0"/>
+      <c:spPr>
+        <a:noFill/>
+        <a:ln>
+          <a:noFill/>
+        </a:ln>
+        <a:effectLst/>
+      </c:spPr>
+    </c:title>
+    <c:autoTitleDeleted val="0"/>
+    <c:plotArea>
+      <c:layout>
+        <c:manualLayout>
+          <c:layoutTarget val="inner"/>
+          <c:xMode val="edge"/>
+          <c:yMode val="edge"/>
+          <c:x val="0.0472842639593909"/>
+          <c:y val="0.123045004787743"/>
+          <c:w val="0.925685279187817"/>
+          <c:h val="0.720778806255985"/>
+        </c:manualLayout>
+      </c:layout>
+      <c:barChart>
+        <c:barDir val="col"/>
+        <c:grouping val="clustered"/>
+        <c:varyColors val="0"/>
+        <c:ser>
+          <c:idx val="0"/>
+          <c:order val="0"/>
+          <c:tx>
+            <c:strRef>
+              <c:f>Sheet1!$B$1</c:f>
+              <c:strCache>
+                <c:ptCount val="1"/>
+                <c:pt idx="0">
+                  <c:v>系列 1</c:v>
+                </c:pt>
+              </c:strCache>
+            </c:strRef>
+          </c:tx>
+          <c:spPr>
+            <a:solidFill>
+              <a:schemeClr val="accent1"/>
+            </a:solidFill>
+            <a:ln>
+              <a:noFill/>
+            </a:ln>
+            <a:effectLst/>
+          </c:spPr>
+          <c:invertIfNegative val="0"/>
+          <c:dLbls>
+            <c:delete val="1"/>
+          </c:dLbls>
+          <c:cat>
+            <c:strRef>
+              <c:f>Sheet1!$A$2:$A$5</c:f>
+              <c:strCache>
+                <c:ptCount val="4"/>
+                <c:pt idx="0">
+                  <c:v>类别 1</c:v>
+                </c:pt>
+                <c:pt idx="1">
+                  <c:v>类别 2</c:v>
+                </c:pt>
+                <c:pt idx="2">
+                  <c:v>类别 3</c:v>
+                </c:pt>
+                <c:pt idx="3">
+                  <c:v>类别 4</c:v>
                 </c:pt>
               </c:strCache>
             </c:strRef>
@@ -2344,16 +3187,16 @@
               <c:strCache>
                 <c:ptCount val="4"/>
                 <c:pt idx="0">
-                  <c:v>类别1</c:v>
+                  <c:v>类别 1</c:v>
                 </c:pt>
                 <c:pt idx="1">
-                  <c:v>类别2</c:v>
+                  <c:v>类别 2</c:v>
                 </c:pt>
                 <c:pt idx="2">
-                  <c:v>类别3</c:v>
+                  <c:v>类别 3</c:v>
                 </c:pt>
                 <c:pt idx="3">
-                  <c:v>类别4</c:v>
+                  <c:v>类别 4</c:v>
                 </c:pt>
               </c:strCache>
             </c:strRef>
@@ -2431,16 +3274,16 @@
               <c:strCache>
                 <c:ptCount val="4"/>
                 <c:pt idx="0">
-                  <c:v>类别1</c:v>
+                  <c:v>类别 1</c:v>
                 </c:pt>
                 <c:pt idx="1">
-                  <c:v>类别2</c:v>
+                  <c:v>类别 2</c:v>
                 </c:pt>
                 <c:pt idx="2">
-                  <c:v>类别3</c:v>
+                  <c:v>类别 3</c:v>
                 </c:pt>
                 <c:pt idx="3">
-                  <c:v>类别4</c:v>
+                  <c:v>类别 4</c:v>
                 </c:pt>
               </c:strCache>
             </c:strRef>
@@ -2462,6 +3305,78 @@
                 </c:pt>
                 <c:pt idx="3">
                   <c:v>5</c:v>
+                </c:pt>
+              </c:numCache>
+            </c:numRef>
+          </c:val>
+          <c:smooth val="0"/>
+        </c:ser>
+        <c:ser>
+          <c:idx val="3"/>
+          <c:order val="3"/>
+          <c:tx>
+            <c:strRef>
+              <c:f>Sheet1!$E$1</c:f>
+              <c:strCache>
+                <c:ptCount val="1"/>
+                <c:pt idx="0">
+                  <c:v>系列 4</c:v>
+                </c:pt>
+              </c:strCache>
+            </c:strRef>
+          </c:tx>
+          <c:spPr>
+            <a:ln w="28575" cap="rnd">
+              <a:solidFill>
+                <a:schemeClr val="accent4"/>
+              </a:solidFill>
+              <a:round/>
+            </a:ln>
+            <a:effectLst/>
+          </c:spPr>
+          <c:marker>
+            <c:symbol val="none"/>
+          </c:marker>
+          <c:dLbls>
+            <c:delete val="1"/>
+          </c:dLbls>
+          <c:cat>
+            <c:strRef>
+              <c:f>Sheet1!$A$2:$A$5</c:f>
+              <c:strCache>
+                <c:ptCount val="4"/>
+                <c:pt idx="0">
+                  <c:v>类别 1</c:v>
+                </c:pt>
+                <c:pt idx="1">
+                  <c:v>类别 2</c:v>
+                </c:pt>
+                <c:pt idx="2">
+                  <c:v>类别 3</c:v>
+                </c:pt>
+                <c:pt idx="3">
+                  <c:v>类别 4</c:v>
+                </c:pt>
+              </c:strCache>
+            </c:strRef>
+          </c:cat>
+          <c:val>
+            <c:numRef>
+              <c:f>Sheet1!$E$2:$E$5</c:f>
+              <c:numCache>
+                <c:formatCode>General</c:formatCode>
+                <c:ptCount val="4"/>
+                <c:pt idx="0">
+                  <c:v>3</c:v>
+                </c:pt>
+                <c:pt idx="1">
+                  <c:v>4</c:v>
+                </c:pt>
+                <c:pt idx="2">
+                  <c:v>3</c:v>
+                </c:pt>
+                <c:pt idx="3">
+                  <c:v>3</c:v>
                 </c:pt>
               </c:numCache>
             </c:numRef>
@@ -2890,6 +3805,86 @@
 </cs:colorStyle>
 </file>
 
+<file path=ppt/charts/colors7.xml><?xml version="1.0" encoding="utf-8"?>
+<cs:colorStyle xmlns:cs="http://schemas.microsoft.com/office/drawing/2012/chartStyle" xmlns:a="http://schemas.openxmlformats.org/drawingml/2006/main" meth="cycle" id="10">
+  <a:schemeClr val="accent1"/>
+  <a:schemeClr val="accent2"/>
+  <a:schemeClr val="accent3"/>
+  <a:schemeClr val="accent4"/>
+  <a:schemeClr val="accent5"/>
+  <a:schemeClr val="accent6"/>
+  <cs:variation/>
+  <cs:variation>
+    <a:lumMod val="60000"/>
+  </cs:variation>
+  <cs:variation>
+    <a:lumMod val="80000"/>
+    <a:lumOff val="20000"/>
+  </cs:variation>
+  <cs:variation>
+    <a:lumMod val="80000"/>
+  </cs:variation>
+  <cs:variation>
+    <a:lumMod val="60000"/>
+    <a:lumOff val="40000"/>
+  </cs:variation>
+  <cs:variation>
+    <a:lumMod val="50000"/>
+  </cs:variation>
+  <cs:variation>
+    <a:lumMod val="70000"/>
+    <a:lumOff val="30000"/>
+  </cs:variation>
+  <cs:variation>
+    <a:lumMod val="70000"/>
+  </cs:variation>
+  <cs:variation>
+    <a:lumMod val="50000"/>
+    <a:lumOff val="50000"/>
+  </cs:variation>
+</cs:colorStyle>
+</file>
+
+<file path=ppt/charts/colors8.xml><?xml version="1.0" encoding="utf-8"?>
+<cs:colorStyle xmlns:cs="http://schemas.microsoft.com/office/drawing/2012/chartStyle" xmlns:a="http://schemas.openxmlformats.org/drawingml/2006/main" meth="cycle" id="10">
+  <a:schemeClr val="accent1"/>
+  <a:schemeClr val="accent2"/>
+  <a:schemeClr val="accent3"/>
+  <a:schemeClr val="accent4"/>
+  <a:schemeClr val="accent5"/>
+  <a:schemeClr val="accent6"/>
+  <cs:variation/>
+  <cs:variation>
+    <a:lumMod val="60000"/>
+  </cs:variation>
+  <cs:variation>
+    <a:lumMod val="80000"/>
+    <a:lumOff val="20000"/>
+  </cs:variation>
+  <cs:variation>
+    <a:lumMod val="80000"/>
+  </cs:variation>
+  <cs:variation>
+    <a:lumMod val="60000"/>
+    <a:lumOff val="40000"/>
+  </cs:variation>
+  <cs:variation>
+    <a:lumMod val="50000"/>
+  </cs:variation>
+  <cs:variation>
+    <a:lumMod val="70000"/>
+    <a:lumOff val="30000"/>
+  </cs:variation>
+  <cs:variation>
+    <a:lumMod val="70000"/>
+  </cs:variation>
+  <cs:variation>
+    <a:lumMod val="50000"/>
+    <a:lumOff val="50000"/>
+  </cs:variation>
+</cs:colorStyle>
+</file>
+
 <file path=ppt/charts/style1.xml><?xml version="1.0" encoding="utf-8"?>
 <cs:chartStyle xmlns:cs="http://schemas.microsoft.com/office/drawing/2012/chartStyle" xmlns:a="http://schemas.openxmlformats.org/drawingml/2006/main" id="251">
   <cs:axisTitle>
@@ -3410,7 +4405,7 @@
 </file>
 
 <file path=ppt/charts/style2.xml><?xml version="1.0" encoding="utf-8"?>
-<cs:chartStyle xmlns:cs="http://schemas.microsoft.com/office/drawing/2012/chartStyle" xmlns:a="http://schemas.openxmlformats.org/drawingml/2006/main" id="297">
+<cs:chartStyle xmlns:cs="http://schemas.microsoft.com/office/drawing/2012/chartStyle" xmlns:a="http://schemas.openxmlformats.org/drawingml/2006/main" id="251">
   <cs:axisTitle>
     <cs:lnRef idx="0"/>
     <cs:fillRef idx="0"/>
@@ -3467,7 +4462,7 @@
         <a:round/>
       </a:ln>
     </cs:spPr>
-    <cs:defRPr sz="1000" kern="1200"/>
+    <cs:defRPr sz="900" kern="1200"/>
   </cs:chartArea>
   <cs:dataLabel>
     <cs:lnRef idx="0"/>
@@ -3518,6 +4513,13 @@
     <cs:fontRef idx="minor">
       <a:schemeClr val="tx1"/>
     </cs:fontRef>
+    <cs:spPr>
+      <a:ln w="19050">
+        <a:solidFill>
+          <a:schemeClr val="lt1"/>
+        </a:solidFill>
+      </a:ln>
+    </cs:spPr>
   </cs:dataPoint>
   <cs:dataPoint3D>
     <cs:lnRef idx="0"/>
@@ -3528,12 +4530,19 @@
     <cs:fontRef idx="minor">
       <a:schemeClr val="tx1"/>
     </cs:fontRef>
+    <cs:spPr>
+      <a:ln w="25400">
+        <a:solidFill>
+          <a:schemeClr val="lt1"/>
+        </a:solidFill>
+      </a:ln>
+    </cs:spPr>
   </cs:dataPoint3D>
   <cs:dataPointLine>
     <cs:lnRef idx="0">
       <cs:styleClr val="auto"/>
     </cs:lnRef>
-    <cs:fillRef idx="1"/>
+    <cs:fillRef idx="0"/>
     <cs:effectRef idx="0"/>
     <cs:fontRef idx="minor">
       <a:schemeClr val="tx1"/>
@@ -3571,7 +4580,7 @@
     <cs:lnRef idx="0">
       <cs:styleClr val="auto"/>
     </cs:lnRef>
-    <cs:fillRef idx="1"/>
+    <cs:fillRef idx="0"/>
     <cs:effectRef idx="0"/>
     <cs:fontRef idx="minor">
       <a:schemeClr val="tx1"/>
@@ -4420,7 +5429,7 @@
 </file>
 
 <file path=ppt/charts/style4.xml><?xml version="1.0" encoding="utf-8"?>
-<cs:chartStyle xmlns:cs="http://schemas.microsoft.com/office/drawing/2012/chartStyle" xmlns:a="http://schemas.openxmlformats.org/drawingml/2006/main" id="227">
+<cs:chartStyle xmlns:cs="http://schemas.microsoft.com/office/drawing/2012/chartStyle" xmlns:a="http://schemas.openxmlformats.org/drawingml/2006/main" id="297">
   <cs:axisTitle>
     <cs:lnRef idx="0"/>
     <cs:fillRef idx="0"/>
@@ -4528,11 +5537,6 @@
     <cs:fontRef idx="minor">
       <a:schemeClr val="tx1"/>
     </cs:fontRef>
-    <cs:spPr>
-      <a:solidFill>
-        <a:schemeClr val="phClr"/>
-      </a:solidFill>
-    </cs:spPr>
   </cs:dataPoint>
   <cs:dataPoint3D>
     <cs:lnRef idx="0"/>
@@ -4543,11 +5547,6 @@
     <cs:fontRef idx="minor">
       <a:schemeClr val="tx1"/>
     </cs:fontRef>
-    <cs:spPr>
-      <a:solidFill>
-        <a:schemeClr val="phClr"/>
-      </a:solidFill>
-    </cs:spPr>
   </cs:dataPoint3D>
   <cs:dataPointLine>
     <cs:lnRef idx="0">
@@ -4579,9 +5578,6 @@
       <a:schemeClr val="tx1"/>
     </cs:fontRef>
     <cs:spPr>
-      <a:solidFill>
-        <a:schemeClr val="phClr"/>
-      </a:solidFill>
       <a:ln w="9525">
         <a:solidFill>
           <a:schemeClr val="phClr"/>
@@ -4637,22 +5633,23 @@
     <cs:fillRef idx="0"/>
     <cs:effectRef idx="0"/>
     <cs:fontRef idx="minor">
-      <a:schemeClr val="dk1"/>
+      <a:schemeClr val="tx1"/>
     </cs:fontRef>
     <cs:spPr>
       <a:solidFill>
         <a:schemeClr val="dk1">
-          <a:lumMod val="65000"/>
-          <a:lumOff val="35000"/>
+          <a:lumMod val="75000"/>
+          <a:lumOff val="25000"/>
         </a:schemeClr>
       </a:solidFill>
-      <a:ln w="9525">
+      <a:ln w="9525" cap="flat" cmpd="sng" algn="ctr">
         <a:solidFill>
           <a:schemeClr val="tx1">
             <a:lumMod val="65000"/>
             <a:lumOff val="35000"/>
           </a:schemeClr>
         </a:solidFill>
+        <a:round/>
       </a:ln>
     </cs:spPr>
   </cs:downBar>
@@ -4757,8 +5754,8 @@
       <a:ln w="9525" cap="flat" cmpd="sng" algn="ctr">
         <a:solidFill>
           <a:schemeClr val="tx1">
-            <a:lumMod val="75000"/>
-            <a:lumOff val="25000"/>
+            <a:lumMod val="50000"/>
+            <a:lumOff val="50000"/>
           </a:schemeClr>
         </a:solidFill>
         <a:round/>
@@ -4890,19 +5887,20 @@
     <cs:fillRef idx="0"/>
     <cs:effectRef idx="0"/>
     <cs:fontRef idx="minor">
-      <a:schemeClr val="dk1"/>
+      <a:schemeClr val="tx1"/>
     </cs:fontRef>
     <cs:spPr>
       <a:solidFill>
         <a:schemeClr val="lt1"/>
       </a:solidFill>
-      <a:ln w="9525">
+      <a:ln w="9525" cap="flat" cmpd="sng" algn="ctr">
         <a:solidFill>
           <a:schemeClr val="tx1">
-            <a:lumMod val="15000"/>
-            <a:lumOff val="85000"/>
+            <a:lumMod val="65000"/>
+            <a:lumOff val="35000"/>
           </a:schemeClr>
         </a:solidFill>
+        <a:round/>
       </a:ln>
     </cs:spPr>
   </cs:upBar>
@@ -5452,6 +6450,1025 @@
 </file>
 
 <file path=ppt/charts/style6.xml><?xml version="1.0" encoding="utf-8"?>
+<cs:chartStyle xmlns:cs="http://schemas.microsoft.com/office/drawing/2012/chartStyle" xmlns:a="http://schemas.openxmlformats.org/drawingml/2006/main" id="227">
+  <cs:axisTitle>
+    <cs:lnRef idx="0"/>
+    <cs:fillRef idx="0"/>
+    <cs:effectRef idx="0"/>
+    <cs:fontRef idx="minor">
+      <a:schemeClr val="tx1">
+        <a:lumMod val="65000"/>
+        <a:lumOff val="35000"/>
+      </a:schemeClr>
+    </cs:fontRef>
+    <cs:defRPr sz="1000" kern="1200"/>
+  </cs:axisTitle>
+  <cs:categoryAxis>
+    <cs:lnRef idx="0"/>
+    <cs:fillRef idx="0"/>
+    <cs:effectRef idx="0"/>
+    <cs:fontRef idx="minor">
+      <a:schemeClr val="tx1">
+        <a:lumMod val="65000"/>
+        <a:lumOff val="35000"/>
+      </a:schemeClr>
+    </cs:fontRef>
+    <cs:spPr>
+      <a:ln w="9525" cap="flat" cmpd="sng" algn="ctr">
+        <a:solidFill>
+          <a:schemeClr val="tx1">
+            <a:lumMod val="15000"/>
+            <a:lumOff val="85000"/>
+          </a:schemeClr>
+        </a:solidFill>
+        <a:round/>
+      </a:ln>
+    </cs:spPr>
+    <cs:defRPr sz="900" kern="1200"/>
+  </cs:categoryAxis>
+  <cs:chartArea mods="allowNoFillOverride allowNoLineOverride">
+    <cs:lnRef idx="0"/>
+    <cs:fillRef idx="0"/>
+    <cs:effectRef idx="0"/>
+    <cs:fontRef idx="minor">
+      <a:schemeClr val="tx1"/>
+    </cs:fontRef>
+    <cs:spPr>
+      <a:solidFill>
+        <a:schemeClr val="bg1"/>
+      </a:solidFill>
+      <a:ln w="9525" cap="flat" cmpd="sng" algn="ctr">
+        <a:solidFill>
+          <a:schemeClr val="tx1">
+            <a:lumMod val="15000"/>
+            <a:lumOff val="85000"/>
+          </a:schemeClr>
+        </a:solidFill>
+        <a:round/>
+      </a:ln>
+    </cs:spPr>
+    <cs:defRPr sz="1000" kern="1200"/>
+  </cs:chartArea>
+  <cs:dataLabel>
+    <cs:lnRef idx="0"/>
+    <cs:fillRef idx="0"/>
+    <cs:effectRef idx="0"/>
+    <cs:fontRef idx="minor">
+      <a:schemeClr val="tx1">
+        <a:lumMod val="75000"/>
+        <a:lumOff val="25000"/>
+      </a:schemeClr>
+    </cs:fontRef>
+    <cs:defRPr sz="900" kern="1200"/>
+  </cs:dataLabel>
+  <cs:dataLabelCallout>
+    <cs:lnRef idx="0"/>
+    <cs:fillRef idx="0"/>
+    <cs:effectRef idx="0"/>
+    <cs:fontRef idx="minor">
+      <a:schemeClr val="dk1">
+        <a:lumMod val="65000"/>
+        <a:lumOff val="35000"/>
+      </a:schemeClr>
+    </cs:fontRef>
+    <cs:spPr>
+      <a:solidFill>
+        <a:schemeClr val="lt1"/>
+      </a:solidFill>
+      <a:ln>
+        <a:solidFill>
+          <a:schemeClr val="dk1">
+            <a:lumMod val="25000"/>
+            <a:lumOff val="75000"/>
+          </a:schemeClr>
+        </a:solidFill>
+      </a:ln>
+    </cs:spPr>
+    <cs:defRPr sz="900" kern="1200"/>
+    <cs:bodyPr rot="0" spcFirstLastPara="1" vertOverflow="clip" horzOverflow="clip" vert="horz" wrap="square" lIns="36576" tIns="18288" rIns="36576" bIns="18288" anchor="ctr" anchorCtr="1">
+      <a:spAutoFit/>
+    </cs:bodyPr>
+  </cs:dataLabelCallout>
+  <cs:dataPoint>
+    <cs:lnRef idx="0"/>
+    <cs:fillRef idx="1">
+      <cs:styleClr val="auto"/>
+    </cs:fillRef>
+    <cs:effectRef idx="0"/>
+    <cs:fontRef idx="minor">
+      <a:schemeClr val="tx1"/>
+    </cs:fontRef>
+    <cs:spPr>
+      <a:solidFill>
+        <a:schemeClr val="phClr"/>
+      </a:solidFill>
+    </cs:spPr>
+  </cs:dataPoint>
+  <cs:dataPoint3D>
+    <cs:lnRef idx="0"/>
+    <cs:fillRef idx="1">
+      <cs:styleClr val="auto"/>
+    </cs:fillRef>
+    <cs:effectRef idx="0"/>
+    <cs:fontRef idx="minor">
+      <a:schemeClr val="tx1"/>
+    </cs:fontRef>
+    <cs:spPr>
+      <a:solidFill>
+        <a:schemeClr val="phClr"/>
+      </a:solidFill>
+    </cs:spPr>
+  </cs:dataPoint3D>
+  <cs:dataPointLine>
+    <cs:lnRef idx="0">
+      <cs:styleClr val="auto"/>
+    </cs:lnRef>
+    <cs:fillRef idx="1"/>
+    <cs:effectRef idx="0"/>
+    <cs:fontRef idx="minor">
+      <a:schemeClr val="tx1"/>
+    </cs:fontRef>
+    <cs:spPr>
+      <a:ln w="28575" cap="rnd">
+        <a:solidFill>
+          <a:schemeClr val="phClr"/>
+        </a:solidFill>
+        <a:round/>
+      </a:ln>
+    </cs:spPr>
+  </cs:dataPointLine>
+  <cs:dataPointMarker>
+    <cs:lnRef idx="0">
+      <cs:styleClr val="auto"/>
+    </cs:lnRef>
+    <cs:fillRef idx="1">
+      <cs:styleClr val="auto"/>
+    </cs:fillRef>
+    <cs:effectRef idx="0"/>
+    <cs:fontRef idx="minor">
+      <a:schemeClr val="tx1"/>
+    </cs:fontRef>
+    <cs:spPr>
+      <a:solidFill>
+        <a:schemeClr val="phClr"/>
+      </a:solidFill>
+      <a:ln w="9525">
+        <a:solidFill>
+          <a:schemeClr val="phClr"/>
+        </a:solidFill>
+      </a:ln>
+    </cs:spPr>
+  </cs:dataPointMarker>
+  <cs:dataPointMarkerLayout symbol="circle" size="5"/>
+  <cs:dataPointWireframe>
+    <cs:lnRef idx="0">
+      <cs:styleClr val="auto"/>
+    </cs:lnRef>
+    <cs:fillRef idx="1"/>
+    <cs:effectRef idx="0"/>
+    <cs:fontRef idx="minor">
+      <a:schemeClr val="tx1"/>
+    </cs:fontRef>
+    <cs:spPr>
+      <a:ln w="9525" cap="rnd">
+        <a:solidFill>
+          <a:schemeClr val="phClr"/>
+        </a:solidFill>
+        <a:round/>
+      </a:ln>
+    </cs:spPr>
+  </cs:dataPointWireframe>
+  <cs:dataTable>
+    <cs:lnRef idx="0"/>
+    <cs:fillRef idx="0"/>
+    <cs:effectRef idx="0"/>
+    <cs:fontRef idx="minor">
+      <a:schemeClr val="tx1">
+        <a:lumMod val="65000"/>
+        <a:lumOff val="35000"/>
+      </a:schemeClr>
+    </cs:fontRef>
+    <cs:spPr>
+      <a:noFill/>
+      <a:ln w="9525" cap="flat" cmpd="sng" algn="ctr">
+        <a:solidFill>
+          <a:schemeClr val="tx1">
+            <a:lumMod val="15000"/>
+            <a:lumOff val="85000"/>
+          </a:schemeClr>
+        </a:solidFill>
+        <a:round/>
+      </a:ln>
+    </cs:spPr>
+    <cs:defRPr sz="900" kern="1200"/>
+  </cs:dataTable>
+  <cs:downBar>
+    <cs:lnRef idx="0"/>
+    <cs:fillRef idx="0"/>
+    <cs:effectRef idx="0"/>
+    <cs:fontRef idx="minor">
+      <a:schemeClr val="dk1"/>
+    </cs:fontRef>
+    <cs:spPr>
+      <a:solidFill>
+        <a:schemeClr val="dk1">
+          <a:lumMod val="65000"/>
+          <a:lumOff val="35000"/>
+        </a:schemeClr>
+      </a:solidFill>
+      <a:ln w="9525">
+        <a:solidFill>
+          <a:schemeClr val="tx1">
+            <a:lumMod val="65000"/>
+            <a:lumOff val="35000"/>
+          </a:schemeClr>
+        </a:solidFill>
+      </a:ln>
+    </cs:spPr>
+  </cs:downBar>
+  <cs:dropLine>
+    <cs:lnRef idx="0"/>
+    <cs:fillRef idx="0"/>
+    <cs:effectRef idx="0"/>
+    <cs:fontRef idx="minor">
+      <a:schemeClr val="tx1"/>
+    </cs:fontRef>
+    <cs:spPr>
+      <a:ln w="9525" cap="flat" cmpd="sng" algn="ctr">
+        <a:solidFill>
+          <a:schemeClr val="tx1">
+            <a:lumMod val="35000"/>
+            <a:lumOff val="65000"/>
+          </a:schemeClr>
+        </a:solidFill>
+        <a:round/>
+      </a:ln>
+    </cs:spPr>
+  </cs:dropLine>
+  <cs:errorBar>
+    <cs:lnRef idx="0"/>
+    <cs:fillRef idx="0"/>
+    <cs:effectRef idx="0"/>
+    <cs:fontRef idx="minor">
+      <a:schemeClr val="tx1"/>
+    </cs:fontRef>
+    <cs:spPr>
+      <a:ln w="9525" cap="flat" cmpd="sng" algn="ctr">
+        <a:solidFill>
+          <a:schemeClr val="tx1">
+            <a:lumMod val="65000"/>
+            <a:lumOff val="35000"/>
+          </a:schemeClr>
+        </a:solidFill>
+        <a:round/>
+      </a:ln>
+    </cs:spPr>
+  </cs:errorBar>
+  <cs:floor>
+    <cs:lnRef idx="0"/>
+    <cs:fillRef idx="0"/>
+    <cs:effectRef idx="0"/>
+    <cs:fontRef idx="minor">
+      <a:schemeClr val="tx1"/>
+    </cs:fontRef>
+    <cs:spPr>
+      <a:noFill/>
+      <a:ln>
+        <a:noFill/>
+      </a:ln>
+    </cs:spPr>
+  </cs:floor>
+  <cs:gridlineMajor>
+    <cs:lnRef idx="0"/>
+    <cs:fillRef idx="0"/>
+    <cs:effectRef idx="0"/>
+    <cs:fontRef idx="minor">
+      <a:schemeClr val="tx1"/>
+    </cs:fontRef>
+    <cs:spPr>
+      <a:ln w="9525" cap="flat" cmpd="sng" algn="ctr">
+        <a:solidFill>
+          <a:schemeClr val="tx1">
+            <a:lumMod val="15000"/>
+            <a:lumOff val="85000"/>
+          </a:schemeClr>
+        </a:solidFill>
+        <a:round/>
+      </a:ln>
+    </cs:spPr>
+  </cs:gridlineMajor>
+  <cs:gridlineMinor>
+    <cs:lnRef idx="0"/>
+    <cs:fillRef idx="0"/>
+    <cs:effectRef idx="0"/>
+    <cs:fontRef idx="minor">
+      <a:schemeClr val="tx1"/>
+    </cs:fontRef>
+    <cs:spPr>
+      <a:ln w="9525" cap="flat" cmpd="sng" algn="ctr">
+        <a:solidFill>
+          <a:schemeClr val="tx1">
+            <a:lumMod val="5000"/>
+            <a:lumOff val="95000"/>
+          </a:schemeClr>
+        </a:solidFill>
+        <a:round/>
+      </a:ln>
+    </cs:spPr>
+  </cs:gridlineMinor>
+  <cs:hiLoLine>
+    <cs:lnRef idx="0"/>
+    <cs:fillRef idx="0"/>
+    <cs:effectRef idx="0"/>
+    <cs:fontRef idx="minor">
+      <a:schemeClr val="tx1"/>
+    </cs:fontRef>
+    <cs:spPr>
+      <a:ln w="9525" cap="flat" cmpd="sng" algn="ctr">
+        <a:solidFill>
+          <a:schemeClr val="tx1">
+            <a:lumMod val="75000"/>
+            <a:lumOff val="25000"/>
+          </a:schemeClr>
+        </a:solidFill>
+        <a:round/>
+      </a:ln>
+    </cs:spPr>
+  </cs:hiLoLine>
+  <cs:leaderLine>
+    <cs:lnRef idx="0"/>
+    <cs:fillRef idx="0"/>
+    <cs:effectRef idx="0"/>
+    <cs:fontRef idx="minor">
+      <a:schemeClr val="tx1"/>
+    </cs:fontRef>
+    <cs:spPr>
+      <a:ln w="9525" cap="flat" cmpd="sng" algn="ctr">
+        <a:solidFill>
+          <a:schemeClr val="tx1">
+            <a:lumMod val="35000"/>
+            <a:lumOff val="65000"/>
+          </a:schemeClr>
+        </a:solidFill>
+        <a:round/>
+      </a:ln>
+    </cs:spPr>
+  </cs:leaderLine>
+  <cs:legend>
+    <cs:lnRef idx="0"/>
+    <cs:fillRef idx="0"/>
+    <cs:effectRef idx="0"/>
+    <cs:fontRef idx="minor">
+      <a:schemeClr val="tx1">
+        <a:lumMod val="65000"/>
+        <a:lumOff val="35000"/>
+      </a:schemeClr>
+    </cs:fontRef>
+    <cs:defRPr sz="900" kern="1200"/>
+  </cs:legend>
+  <cs:plotArea mods="allowNoFillOverride allowNoLineOverride">
+    <cs:lnRef idx="0"/>
+    <cs:fillRef idx="0"/>
+    <cs:effectRef idx="0"/>
+    <cs:fontRef idx="minor">
+      <a:schemeClr val="tx1"/>
+    </cs:fontRef>
+  </cs:plotArea>
+  <cs:plotArea3D mods="allowNoFillOverride allowNoLineOverride">
+    <cs:lnRef idx="0"/>
+    <cs:fillRef idx="0"/>
+    <cs:effectRef idx="0"/>
+    <cs:fontRef idx="minor">
+      <a:schemeClr val="tx1"/>
+    </cs:fontRef>
+  </cs:plotArea3D>
+  <cs:seriesAxis>
+    <cs:lnRef idx="0"/>
+    <cs:fillRef idx="0"/>
+    <cs:effectRef idx="0"/>
+    <cs:fontRef idx="minor">
+      <a:schemeClr val="tx1">
+        <a:lumMod val="65000"/>
+        <a:lumOff val="35000"/>
+      </a:schemeClr>
+    </cs:fontRef>
+    <cs:defRPr sz="900" kern="1200"/>
+  </cs:seriesAxis>
+  <cs:seriesLine>
+    <cs:lnRef idx="0"/>
+    <cs:fillRef idx="0"/>
+    <cs:effectRef idx="0"/>
+    <cs:fontRef idx="minor">
+      <a:schemeClr val="tx1"/>
+    </cs:fontRef>
+    <cs:spPr>
+      <a:ln w="9525" cap="flat" cmpd="sng" algn="ctr">
+        <a:solidFill>
+          <a:schemeClr val="tx1">
+            <a:lumMod val="35000"/>
+            <a:lumOff val="65000"/>
+          </a:schemeClr>
+        </a:solidFill>
+        <a:round/>
+      </a:ln>
+    </cs:spPr>
+  </cs:seriesLine>
+  <cs:title>
+    <cs:lnRef idx="0"/>
+    <cs:fillRef idx="0"/>
+    <cs:effectRef idx="0"/>
+    <cs:fontRef idx="minor">
+      <a:schemeClr val="tx1">
+        <a:lumMod val="65000"/>
+        <a:lumOff val="35000"/>
+      </a:schemeClr>
+    </cs:fontRef>
+    <cs:defRPr sz="1400" b="0" kern="1200" spc="0" baseline="0"/>
+  </cs:title>
+  <cs:trendline>
+    <cs:lnRef idx="0">
+      <cs:styleClr val="auto"/>
+    </cs:lnRef>
+    <cs:fillRef idx="0"/>
+    <cs:effectRef idx="0"/>
+    <cs:fontRef idx="minor">
+      <a:schemeClr val="tx1"/>
+    </cs:fontRef>
+    <cs:spPr>
+      <a:ln w="19050" cap="rnd">
+        <a:solidFill>
+          <a:schemeClr val="phClr"/>
+        </a:solidFill>
+        <a:prstDash val="sysDot"/>
+      </a:ln>
+    </cs:spPr>
+  </cs:trendline>
+  <cs:trendlineLabel>
+    <cs:lnRef idx="0"/>
+    <cs:fillRef idx="0"/>
+    <cs:effectRef idx="0"/>
+    <cs:fontRef idx="minor">
+      <a:schemeClr val="tx1">
+        <a:lumMod val="65000"/>
+        <a:lumOff val="35000"/>
+      </a:schemeClr>
+    </cs:fontRef>
+    <cs:defRPr sz="900" kern="1200"/>
+  </cs:trendlineLabel>
+  <cs:upBar>
+    <cs:lnRef idx="0"/>
+    <cs:fillRef idx="0"/>
+    <cs:effectRef idx="0"/>
+    <cs:fontRef idx="minor">
+      <a:schemeClr val="dk1"/>
+    </cs:fontRef>
+    <cs:spPr>
+      <a:solidFill>
+        <a:schemeClr val="lt1"/>
+      </a:solidFill>
+      <a:ln w="9525">
+        <a:solidFill>
+          <a:schemeClr val="tx1">
+            <a:lumMod val="15000"/>
+            <a:lumOff val="85000"/>
+          </a:schemeClr>
+        </a:solidFill>
+      </a:ln>
+    </cs:spPr>
+  </cs:upBar>
+  <cs:valueAxis>
+    <cs:lnRef idx="0"/>
+    <cs:fillRef idx="0"/>
+    <cs:effectRef idx="0"/>
+    <cs:fontRef idx="minor">
+      <a:schemeClr val="tx1">
+        <a:lumMod val="65000"/>
+        <a:lumOff val="35000"/>
+      </a:schemeClr>
+    </cs:fontRef>
+    <cs:defRPr sz="900" kern="1200"/>
+  </cs:valueAxis>
+  <cs:wall>
+    <cs:lnRef idx="0"/>
+    <cs:fillRef idx="0"/>
+    <cs:effectRef idx="0"/>
+    <cs:fontRef idx="minor">
+      <a:schemeClr val="tx1"/>
+    </cs:fontRef>
+    <cs:spPr>
+      <a:noFill/>
+      <a:ln>
+        <a:noFill/>
+      </a:ln>
+    </cs:spPr>
+  </cs:wall>
+</cs:chartStyle>
+</file>
+
+<file path=ppt/charts/style7.xml><?xml version="1.0" encoding="utf-8"?>
+<cs:chartStyle xmlns:cs="http://schemas.microsoft.com/office/drawing/2012/chartStyle" xmlns:a="http://schemas.openxmlformats.org/drawingml/2006/main" id="201">
+  <cs:axisTitle>
+    <cs:lnRef idx="0"/>
+    <cs:fillRef idx="0"/>
+    <cs:effectRef idx="0"/>
+    <cs:fontRef idx="minor">
+      <a:schemeClr val="tx1">
+        <a:lumMod val="65000"/>
+        <a:lumOff val="35000"/>
+      </a:schemeClr>
+    </cs:fontRef>
+    <cs:defRPr sz="1000" kern="1200"/>
+  </cs:axisTitle>
+  <cs:categoryAxis>
+    <cs:lnRef idx="0"/>
+    <cs:fillRef idx="0"/>
+    <cs:effectRef idx="0"/>
+    <cs:fontRef idx="minor">
+      <a:schemeClr val="tx1">
+        <a:lumMod val="65000"/>
+        <a:lumOff val="35000"/>
+      </a:schemeClr>
+    </cs:fontRef>
+    <cs:spPr>
+      <a:ln w="9525" cap="flat" cmpd="sng" algn="ctr">
+        <a:solidFill>
+          <a:schemeClr val="tx1">
+            <a:lumMod val="15000"/>
+            <a:lumOff val="85000"/>
+          </a:schemeClr>
+        </a:solidFill>
+        <a:round/>
+      </a:ln>
+    </cs:spPr>
+    <cs:defRPr sz="900" kern="1200"/>
+  </cs:categoryAxis>
+  <cs:chartArea mods="allowNoFillOverride allowNoLineOverride">
+    <cs:lnRef idx="0"/>
+    <cs:fillRef idx="0"/>
+    <cs:effectRef idx="0"/>
+    <cs:fontRef idx="minor">
+      <a:schemeClr val="tx1"/>
+    </cs:fontRef>
+    <cs:spPr>
+      <a:solidFill>
+        <a:schemeClr val="bg1"/>
+      </a:solidFill>
+      <a:ln w="9525" cap="flat" cmpd="sng" algn="ctr">
+        <a:solidFill>
+          <a:schemeClr val="tx1">
+            <a:lumMod val="15000"/>
+            <a:lumOff val="85000"/>
+          </a:schemeClr>
+        </a:solidFill>
+        <a:round/>
+      </a:ln>
+    </cs:spPr>
+    <cs:defRPr sz="1000" kern="1200"/>
+  </cs:chartArea>
+  <cs:dataLabel>
+    <cs:lnRef idx="0"/>
+    <cs:fillRef idx="0"/>
+    <cs:effectRef idx="0"/>
+    <cs:fontRef idx="minor">
+      <a:schemeClr val="tx1">
+        <a:lumMod val="75000"/>
+        <a:lumOff val="25000"/>
+      </a:schemeClr>
+    </cs:fontRef>
+    <cs:defRPr sz="900" kern="1200"/>
+  </cs:dataLabel>
+  <cs:dataLabelCallout>
+    <cs:lnRef idx="0"/>
+    <cs:fillRef idx="0"/>
+    <cs:effectRef idx="0"/>
+    <cs:fontRef idx="minor">
+      <a:schemeClr val="dk1">
+        <a:lumMod val="65000"/>
+        <a:lumOff val="35000"/>
+      </a:schemeClr>
+    </cs:fontRef>
+    <cs:spPr>
+      <a:solidFill>
+        <a:schemeClr val="lt1"/>
+      </a:solidFill>
+      <a:ln>
+        <a:solidFill>
+          <a:schemeClr val="dk1">
+            <a:lumMod val="25000"/>
+            <a:lumOff val="75000"/>
+          </a:schemeClr>
+        </a:solidFill>
+      </a:ln>
+    </cs:spPr>
+    <cs:defRPr sz="900" kern="1200"/>
+    <cs:bodyPr rot="0" spcFirstLastPara="1" vertOverflow="clip" horzOverflow="clip" vert="horz" wrap="square" lIns="36576" tIns="18288" rIns="36576" bIns="18288" anchor="ctr" anchorCtr="1">
+      <a:spAutoFit/>
+    </cs:bodyPr>
+  </cs:dataLabelCallout>
+  <cs:dataPoint>
+    <cs:lnRef idx="0"/>
+    <cs:fillRef idx="1">
+      <cs:styleClr val="auto"/>
+    </cs:fillRef>
+    <cs:effectRef idx="0"/>
+    <cs:fontRef idx="minor">
+      <a:schemeClr val="tx1"/>
+    </cs:fontRef>
+  </cs:dataPoint>
+  <cs:dataPoint3D>
+    <cs:lnRef idx="0"/>
+    <cs:fillRef idx="1">
+      <cs:styleClr val="auto"/>
+    </cs:fillRef>
+    <cs:effectRef idx="0"/>
+    <cs:fontRef idx="minor">
+      <a:schemeClr val="tx1"/>
+    </cs:fontRef>
+  </cs:dataPoint3D>
+  <cs:dataPointLine>
+    <cs:lnRef idx="0">
+      <cs:styleClr val="auto"/>
+    </cs:lnRef>
+    <cs:fillRef idx="1"/>
+    <cs:effectRef idx="0"/>
+    <cs:fontRef idx="minor">
+      <a:schemeClr val="tx1"/>
+    </cs:fontRef>
+    <cs:spPr>
+      <a:ln w="28575" cap="rnd">
+        <a:solidFill>
+          <a:schemeClr val="phClr"/>
+        </a:solidFill>
+        <a:round/>
+      </a:ln>
+    </cs:spPr>
+  </cs:dataPointLine>
+  <cs:dataPointMarker>
+    <cs:lnRef idx="0">
+      <cs:styleClr val="auto"/>
+    </cs:lnRef>
+    <cs:fillRef idx="1">
+      <cs:styleClr val="auto"/>
+    </cs:fillRef>
+    <cs:effectRef idx="0"/>
+    <cs:fontRef idx="minor">
+      <a:schemeClr val="tx1"/>
+    </cs:fontRef>
+    <cs:spPr>
+      <a:ln w="9525">
+        <a:solidFill>
+          <a:schemeClr val="phClr"/>
+        </a:solidFill>
+      </a:ln>
+    </cs:spPr>
+  </cs:dataPointMarker>
+  <cs:dataPointMarkerLayout symbol="circle" size="5"/>
+  <cs:dataPointWireframe>
+    <cs:lnRef idx="0">
+      <cs:styleClr val="auto"/>
+    </cs:lnRef>
+    <cs:fillRef idx="1"/>
+    <cs:effectRef idx="0"/>
+    <cs:fontRef idx="minor">
+      <a:schemeClr val="tx1"/>
+    </cs:fontRef>
+    <cs:spPr>
+      <a:ln w="9525" cap="rnd">
+        <a:solidFill>
+          <a:schemeClr val="phClr"/>
+        </a:solidFill>
+        <a:round/>
+      </a:ln>
+    </cs:spPr>
+  </cs:dataPointWireframe>
+  <cs:dataTable>
+    <cs:lnRef idx="0"/>
+    <cs:fillRef idx="0"/>
+    <cs:effectRef idx="0"/>
+    <cs:fontRef idx="minor">
+      <a:schemeClr val="tx1">
+        <a:lumMod val="65000"/>
+        <a:lumOff val="35000"/>
+      </a:schemeClr>
+    </cs:fontRef>
+    <cs:spPr>
+      <a:noFill/>
+      <a:ln w="9525" cap="flat" cmpd="sng" algn="ctr">
+        <a:solidFill>
+          <a:schemeClr val="tx1">
+            <a:lumMod val="15000"/>
+            <a:lumOff val="85000"/>
+          </a:schemeClr>
+        </a:solidFill>
+        <a:round/>
+      </a:ln>
+    </cs:spPr>
+    <cs:defRPr sz="900" kern="1200"/>
+  </cs:dataTable>
+  <cs:downBar>
+    <cs:lnRef idx="0"/>
+    <cs:fillRef idx="0"/>
+    <cs:effectRef idx="0"/>
+    <cs:fontRef idx="minor">
+      <a:schemeClr val="dk1"/>
+    </cs:fontRef>
+    <cs:spPr>
+      <a:solidFill>
+        <a:schemeClr val="dk1">
+          <a:lumMod val="65000"/>
+          <a:lumOff val="35000"/>
+        </a:schemeClr>
+      </a:solidFill>
+      <a:ln w="9525">
+        <a:solidFill>
+          <a:schemeClr val="tx1">
+            <a:lumMod val="65000"/>
+            <a:lumOff val="35000"/>
+          </a:schemeClr>
+        </a:solidFill>
+      </a:ln>
+    </cs:spPr>
+  </cs:downBar>
+  <cs:dropLine>
+    <cs:lnRef idx="0"/>
+    <cs:fillRef idx="0"/>
+    <cs:effectRef idx="0"/>
+    <cs:fontRef idx="minor">
+      <a:schemeClr val="tx1"/>
+    </cs:fontRef>
+    <cs:spPr>
+      <a:ln w="9525" cap="flat" cmpd="sng" algn="ctr">
+        <a:solidFill>
+          <a:schemeClr val="tx1">
+            <a:lumMod val="35000"/>
+            <a:lumOff val="65000"/>
+          </a:schemeClr>
+        </a:solidFill>
+        <a:round/>
+      </a:ln>
+    </cs:spPr>
+  </cs:dropLine>
+  <cs:errorBar>
+    <cs:lnRef idx="0"/>
+    <cs:fillRef idx="0"/>
+    <cs:effectRef idx="0"/>
+    <cs:fontRef idx="minor">
+      <a:schemeClr val="tx1"/>
+    </cs:fontRef>
+    <cs:spPr>
+      <a:ln w="9525" cap="flat" cmpd="sng" algn="ctr">
+        <a:solidFill>
+          <a:schemeClr val="tx1">
+            <a:lumMod val="65000"/>
+            <a:lumOff val="35000"/>
+          </a:schemeClr>
+        </a:solidFill>
+        <a:round/>
+      </a:ln>
+    </cs:spPr>
+  </cs:errorBar>
+  <cs:floor>
+    <cs:lnRef idx="0"/>
+    <cs:fillRef idx="0"/>
+    <cs:effectRef idx="0"/>
+    <cs:fontRef idx="minor">
+      <a:schemeClr val="tx1"/>
+    </cs:fontRef>
+    <cs:spPr>
+      <a:noFill/>
+      <a:ln>
+        <a:noFill/>
+      </a:ln>
+    </cs:spPr>
+  </cs:floor>
+  <cs:gridlineMajor>
+    <cs:lnRef idx="0"/>
+    <cs:fillRef idx="0"/>
+    <cs:effectRef idx="0"/>
+    <cs:fontRef idx="minor">
+      <a:schemeClr val="tx1"/>
+    </cs:fontRef>
+    <cs:spPr>
+      <a:ln w="9525" cap="flat" cmpd="sng" algn="ctr">
+        <a:solidFill>
+          <a:schemeClr val="tx1">
+            <a:lumMod val="15000"/>
+            <a:lumOff val="85000"/>
+          </a:schemeClr>
+        </a:solidFill>
+        <a:round/>
+      </a:ln>
+    </cs:spPr>
+  </cs:gridlineMajor>
+  <cs:gridlineMinor>
+    <cs:lnRef idx="0"/>
+    <cs:fillRef idx="0"/>
+    <cs:effectRef idx="0"/>
+    <cs:fontRef idx="minor">
+      <a:schemeClr val="tx1"/>
+    </cs:fontRef>
+    <cs:spPr>
+      <a:ln w="9525" cap="flat" cmpd="sng" algn="ctr">
+        <a:solidFill>
+          <a:schemeClr val="tx1">
+            <a:lumMod val="5000"/>
+            <a:lumOff val="95000"/>
+          </a:schemeClr>
+        </a:solidFill>
+        <a:round/>
+      </a:ln>
+    </cs:spPr>
+  </cs:gridlineMinor>
+  <cs:hiLoLine>
+    <cs:lnRef idx="0"/>
+    <cs:fillRef idx="0"/>
+    <cs:effectRef idx="0"/>
+    <cs:fontRef idx="minor">
+      <a:schemeClr val="tx1"/>
+    </cs:fontRef>
+    <cs:spPr>
+      <a:ln w="9525" cap="flat" cmpd="sng" algn="ctr">
+        <a:solidFill>
+          <a:schemeClr val="tx1">
+            <a:lumMod val="75000"/>
+            <a:lumOff val="25000"/>
+          </a:schemeClr>
+        </a:solidFill>
+        <a:round/>
+      </a:ln>
+    </cs:spPr>
+  </cs:hiLoLine>
+  <cs:leaderLine>
+    <cs:lnRef idx="0"/>
+    <cs:fillRef idx="0"/>
+    <cs:effectRef idx="0"/>
+    <cs:fontRef idx="minor">
+      <a:schemeClr val="tx1"/>
+    </cs:fontRef>
+    <cs:spPr>
+      <a:ln w="9525" cap="flat" cmpd="sng" algn="ctr">
+        <a:solidFill>
+          <a:schemeClr val="tx1">
+            <a:lumMod val="35000"/>
+            <a:lumOff val="65000"/>
+          </a:schemeClr>
+        </a:solidFill>
+        <a:round/>
+      </a:ln>
+    </cs:spPr>
+  </cs:leaderLine>
+  <cs:legend>
+    <cs:lnRef idx="0"/>
+    <cs:fillRef idx="0"/>
+    <cs:effectRef idx="0"/>
+    <cs:fontRef idx="minor">
+      <a:schemeClr val="tx1">
+        <a:lumMod val="65000"/>
+        <a:lumOff val="35000"/>
+      </a:schemeClr>
+    </cs:fontRef>
+    <cs:defRPr sz="900" kern="1200"/>
+  </cs:legend>
+  <cs:plotArea mods="allowNoFillOverride allowNoLineOverride">
+    <cs:lnRef idx="0"/>
+    <cs:fillRef idx="0"/>
+    <cs:effectRef idx="0"/>
+    <cs:fontRef idx="minor">
+      <a:schemeClr val="tx1"/>
+    </cs:fontRef>
+  </cs:plotArea>
+  <cs:plotArea3D mods="allowNoFillOverride allowNoLineOverride">
+    <cs:lnRef idx="0"/>
+    <cs:fillRef idx="0"/>
+    <cs:effectRef idx="0"/>
+    <cs:fontRef idx="minor">
+      <a:schemeClr val="tx1"/>
+    </cs:fontRef>
+  </cs:plotArea3D>
+  <cs:seriesAxis>
+    <cs:lnRef idx="0"/>
+    <cs:fillRef idx="0"/>
+    <cs:effectRef idx="0"/>
+    <cs:fontRef idx="minor">
+      <a:schemeClr val="tx1">
+        <a:lumMod val="65000"/>
+        <a:lumOff val="35000"/>
+      </a:schemeClr>
+    </cs:fontRef>
+    <cs:defRPr sz="900" kern="1200"/>
+  </cs:seriesAxis>
+  <cs:seriesLine>
+    <cs:lnRef idx="0"/>
+    <cs:fillRef idx="0"/>
+    <cs:effectRef idx="0"/>
+    <cs:fontRef idx="minor">
+      <a:schemeClr val="tx1"/>
+    </cs:fontRef>
+    <cs:spPr>
+      <a:ln w="9525" cap="flat" cmpd="sng" algn="ctr">
+        <a:solidFill>
+          <a:schemeClr val="tx1">
+            <a:lumMod val="35000"/>
+            <a:lumOff val="65000"/>
+          </a:schemeClr>
+        </a:solidFill>
+        <a:round/>
+      </a:ln>
+    </cs:spPr>
+  </cs:seriesLine>
+  <cs:title>
+    <cs:lnRef idx="0"/>
+    <cs:fillRef idx="0"/>
+    <cs:effectRef idx="0"/>
+    <cs:fontRef idx="minor">
+      <a:schemeClr val="tx1">
+        <a:lumMod val="65000"/>
+        <a:lumOff val="35000"/>
+      </a:schemeClr>
+    </cs:fontRef>
+    <cs:defRPr sz="1400" b="0" kern="1200" spc="0" baseline="0"/>
+  </cs:title>
+  <cs:trendline>
+    <cs:lnRef idx="0">
+      <cs:styleClr val="auto"/>
+    </cs:lnRef>
+    <cs:fillRef idx="0"/>
+    <cs:effectRef idx="0"/>
+    <cs:fontRef idx="minor">
+      <a:schemeClr val="tx1"/>
+    </cs:fontRef>
+    <cs:spPr>
+      <a:ln w="19050" cap="rnd">
+        <a:solidFill>
+          <a:schemeClr val="phClr"/>
+        </a:solidFill>
+        <a:prstDash val="sysDot"/>
+      </a:ln>
+    </cs:spPr>
+  </cs:trendline>
+  <cs:trendlineLabel>
+    <cs:lnRef idx="0"/>
+    <cs:fillRef idx="0"/>
+    <cs:effectRef idx="0"/>
+    <cs:fontRef idx="minor">
+      <a:schemeClr val="tx1">
+        <a:lumMod val="65000"/>
+        <a:lumOff val="35000"/>
+      </a:schemeClr>
+    </cs:fontRef>
+    <cs:defRPr sz="900" kern="1200"/>
+  </cs:trendlineLabel>
+  <cs:upBar>
+    <cs:lnRef idx="0"/>
+    <cs:fillRef idx="0"/>
+    <cs:effectRef idx="0"/>
+    <cs:fontRef idx="minor">
+      <a:schemeClr val="dk1"/>
+    </cs:fontRef>
+    <cs:spPr>
+      <a:solidFill>
+        <a:schemeClr val="lt1"/>
+      </a:solidFill>
+      <a:ln w="9525">
+        <a:solidFill>
+          <a:schemeClr val="tx1">
+            <a:lumMod val="15000"/>
+            <a:lumOff val="85000"/>
+          </a:schemeClr>
+        </a:solidFill>
+      </a:ln>
+    </cs:spPr>
+  </cs:upBar>
+  <cs:valueAxis>
+    <cs:lnRef idx="0"/>
+    <cs:fillRef idx="0"/>
+    <cs:effectRef idx="0"/>
+    <cs:fontRef idx="minor">
+      <a:schemeClr val="tx1">
+        <a:lumMod val="65000"/>
+        <a:lumOff val="35000"/>
+      </a:schemeClr>
+    </cs:fontRef>
+    <cs:defRPr sz="900" kern="1200"/>
+  </cs:valueAxis>
+  <cs:wall>
+    <cs:lnRef idx="0"/>
+    <cs:fillRef idx="0"/>
+    <cs:effectRef idx="0"/>
+    <cs:fontRef idx="minor">
+      <a:schemeClr val="tx1"/>
+    </cs:fontRef>
+    <cs:spPr>
+      <a:noFill/>
+      <a:ln>
+        <a:noFill/>
+      </a:ln>
+    </cs:spPr>
+  </cs:wall>
+</cs:chartStyle>
+</file>
+
+<file path=ppt/charts/style8.xml><?xml version="1.0" encoding="utf-8"?>
 <cs:chartStyle xmlns:cs="http://schemas.microsoft.com/office/drawing/2012/chartStyle" xmlns:a="http://schemas.openxmlformats.org/drawingml/2006/main" id="201">
   <cs:axisTitle>
     <cs:lnRef idx="0"/>
@@ -8929,9 +10946,25 @@
           </a:graphicData>
         </a:graphic>
       </p:graphicFrame>
+      <p:graphicFrame>
+        <p:nvGraphicFramePr>
+          <p:cNvPr id="2" name="图表 1" descr="#chartA"/>
+          <p:cNvGraphicFramePr/>
+          <p:nvPr/>
+        </p:nvGraphicFramePr>
+        <p:xfrm>
+          <a:off x="6210300" y="925195"/>
+          <a:ext cx="5775325" cy="5091430"/>
+        </p:xfrm>
+        <a:graphic>
+          <a:graphicData uri="http://schemas.openxmlformats.org/drawingml/2006/chart">
+            <c:chart xmlns:c="http://schemas.openxmlformats.org/drawingml/2006/chart" xmlns:r="http://schemas.openxmlformats.org/officeDocument/2006/relationships" r:id="rId2"/>
+          </a:graphicData>
+        </a:graphic>
+      </p:graphicFrame>
     </p:spTree>
     <p:custDataLst>
-      <p:tags r:id="rId2"/>
+      <p:tags r:id="rId3"/>
     </p:custDataLst>
   </p:cSld>
   <p:clrMapOvr>
@@ -8993,6 +11026,35 @@
           </a:graphicData>
         </a:graphic>
       </p:graphicFrame>
+      <p:sp>
+        <p:nvSpPr>
+          <p:cNvPr id="4" name="标题 3"/>
+          <p:cNvSpPr>
+            <a:spLocks noGrp="1"/>
+          </p:cNvSpPr>
+          <p:nvPr>
+            <p:ph type="title"/>
+          </p:nvPr>
+        </p:nvSpPr>
+        <p:spPr>
+          <a:xfrm>
+            <a:off x="0" y="0"/>
+            <a:ext cx="3533775" cy="869315"/>
+          </a:xfrm>
+        </p:spPr>
+        <p:txBody>
+          <a:bodyPr>
+            <a:noAutofit/>
+          </a:bodyPr>
+          <a:p>
+            <a:r>
+              <a:rPr lang="zh-CN" altLang="en-US" sz="3600"/>
+              <a:t>样式继承</a:t>
+            </a:r>
+            <a:endParaRPr lang="zh-CN" altLang="en-US" sz="3600"/>
+          </a:p>
+        </p:txBody>
+      </p:sp>
     </p:spTree>
     <p:custDataLst>
       <p:tags r:id="rId4"/>
@@ -9114,8 +11176,8 @@
           <p:nvPr/>
         </p:nvGraphicFramePr>
         <p:xfrm>
-          <a:off x="2091055" y="644525"/>
-          <a:ext cx="8530590" cy="5803900"/>
+          <a:off x="339725" y="2059940"/>
+          <a:ext cx="5003800" cy="3978910"/>
         </p:xfrm>
         <a:graphic>
           <a:graphicData uri="http://schemas.openxmlformats.org/drawingml/2006/chart">
@@ -9146,19 +11208,31 @@
           <a:p>
             <a:r>
               <a:rPr lang="zh-CN" altLang="en-US"/>
-              <a:t>组合图表（</a:t>
-            </a:r>
-            <a:r>
-              <a:rPr lang="zh-CN" altLang="en-US"/>
-              <a:t>暂不支持）</a:t>
+              <a:t>组合图表</a:t>
             </a:r>
             <a:endParaRPr lang="zh-CN" altLang="en-US"/>
           </a:p>
         </p:txBody>
       </p:sp>
+      <p:graphicFrame>
+        <p:nvGraphicFramePr>
+          <p:cNvPr id="2" name="图表 1" descr="#chartC"/>
+          <p:cNvGraphicFramePr/>
+          <p:nvPr/>
+        </p:nvGraphicFramePr>
+        <p:xfrm>
+          <a:off x="6422390" y="2155825"/>
+          <a:ext cx="5003800" cy="3978910"/>
+        </p:xfrm>
+        <a:graphic>
+          <a:graphicData uri="http://schemas.openxmlformats.org/drawingml/2006/chart">
+            <c:chart xmlns:c="http://schemas.openxmlformats.org/drawingml/2006/chart" xmlns:r="http://schemas.openxmlformats.org/officeDocument/2006/relationships" r:id="rId2"/>
+          </a:graphicData>
+        </a:graphic>
+      </p:graphicFrame>
     </p:spTree>
     <p:custDataLst>
-      <p:tags r:id="rId2"/>
+      <p:tags r:id="rId3"/>
     </p:custDataLst>
   </p:cSld>
   <p:clrMapOvr>
@@ -10013,6 +12087,7 @@
 <p:tagLst xmlns:p="http://schemas.openxmlformats.org/presentationml/2006/main">
   <p:tag name="COMMONDATA" val="eyJoZGlkIjoiMTU3NzlmYjI5NWRkMWM4ZWEyMTg2ZjIzNmE0ODAwZjMifQ=="/>
   <p:tag name="KSO_WPP_MARK_KEY" val="8e24b64b-9846-4c8f-94c7-b364bd989930"/>
+  <p:tag name="commondata" val="eyJoZGlkIjoiNDgwODFlYzk1ZDNlMGUwOTkyZjM1YWVhYTU1NWVhMDgifQ=="/>
 </p:tagLst>
 </file>
 
